--- a/docs/NostraDomicile.pptx
+++ b/docs/NostraDomicile.pptx
@@ -25,6 +25,15 @@
     <p:sldId id="270" r:id="rId20"/>
     <p:sldId id="271" r:id="rId21"/>
     <p:sldId id="272" r:id="rId22"/>
+    <p:sldId id="273" r:id="rId23"/>
+    <p:sldId id="274" r:id="rId24"/>
+    <p:sldId id="275" r:id="rId25"/>
+    <p:sldId id="276" r:id="rId26"/>
+    <p:sldId id="277" r:id="rId27"/>
+    <p:sldId id="278" r:id="rId28"/>
+    <p:sldId id="279" r:id="rId29"/>
+    <p:sldId id="280" r:id="rId30"/>
+    <p:sldId id="281" r:id="rId31"/>
   </p:sldIdLst>
   <p:sldSz cy="5143500" cx="9144000"/>
   <p:notesSz cx="6858000" cy="9144000"/>
@@ -235,7 +244,7 @@
 
 <file path=ppt/commentAuthors.xml><?xml version="1.0" encoding="utf-8"?>
 <p:cmAuthorLst xmlns:a="http://schemas.openxmlformats.org/drawingml/2006/main" xmlns:r="http://schemas.openxmlformats.org/officeDocument/2006/relationships" xmlns:mc="http://schemas.openxmlformats.org/markup-compatibility/2006" xmlns:mv="urn:schemas-microsoft-com:mac:vml" xmlns:p="http://schemas.openxmlformats.org/presentationml/2006/main" xmlns:c="http://schemas.openxmlformats.org/drawingml/2006/chart" xmlns:dgm="http://schemas.openxmlformats.org/drawingml/2006/diagram" xmlns:o="urn:schemas-microsoft-com:office:office" xmlns:v="urn:schemas-microsoft-com:vml" xmlns:pvml="urn:schemas-microsoft-com:office:powerpoint" xmlns:com="http://schemas.openxmlformats.org/drawingml/2006/compatibility" xmlns:p14="http://schemas.microsoft.com/office/powerpoint/2010/main">
-  <p:cmAuthor clrIdx="0" id="0" initials="" lastIdx="1" name="Ochaun Marshall"/>
+  <p:cmAuthor clrIdx="0" id="0" initials="" lastIdx="2" name="Ochaun Marshall"/>
 </p:cmAuthorLst>
 </file>
 
@@ -244,6 +253,15 @@
   <p:cm authorId="0" idx="1" dt="2017-02-07T17:19:33.179">
     <p:pos x="6000" y="0"/>
     <p:text>He mentioned Categories for Requirement Specification</p:text>
+  </p:cm>
+</p:cmLst>
+</file>
+
+<file path=ppt/comments/comment2.xml><?xml version="1.0" encoding="utf-8"?>
+<p:cmLst xmlns:a="http://schemas.openxmlformats.org/drawingml/2006/main" xmlns:r="http://schemas.openxmlformats.org/officeDocument/2006/relationships" xmlns:mc="http://schemas.openxmlformats.org/markup-compatibility/2006" xmlns:mv="urn:schemas-microsoft-com:mac:vml" xmlns:p="http://schemas.openxmlformats.org/presentationml/2006/main" xmlns:c="http://schemas.openxmlformats.org/drawingml/2006/chart" xmlns:dgm="http://schemas.openxmlformats.org/drawingml/2006/diagram" xmlns:o="urn:schemas-microsoft-com:office:office" xmlns:v="urn:schemas-microsoft-com:vml" xmlns:pvml="urn:schemas-microsoft-com:office:powerpoint" xmlns:com="http://schemas.openxmlformats.org/drawingml/2006/compatibility" xmlns:p14="http://schemas.microsoft.com/office/powerpoint/2010/main">
+  <p:cm authorId="0" idx="2" dt="2017-02-08T02:31:28.995">
+    <p:pos x="6000" y="0"/>
+    <p:text>Replace this with Ghant Chart</p:text>
   </p:cm>
 </p:cmLst>
 </file>
@@ -497,7 +515,7 @@
   <p:cSld>
     <p:spTree>
       <p:nvGrpSpPr>
-        <p:cNvPr id="108" name="Shape 108"/>
+        <p:cNvPr id="107" name="Shape 107"/>
         <p:cNvGrpSpPr/>
         <p:nvPr/>
       </p:nvGrpSpPr>
@@ -511,7 +529,7 @@
       </p:grpSpPr>
       <p:sp>
         <p:nvSpPr>
-          <p:cNvPr id="109" name="Shape 109"/>
+          <p:cNvPr id="108" name="Shape 108"/>
           <p:cNvSpPr/>
           <p:nvPr>
             <p:ph idx="2" type="sldImg"/>
@@ -545,7 +563,7 @@
       </p:sp>
       <p:sp>
         <p:nvSpPr>
-          <p:cNvPr id="110" name="Shape 110"/>
+          <p:cNvPr id="109" name="Shape 109"/>
           <p:cNvSpPr txBox="1"/>
           <p:nvPr>
             <p:ph idx="1" type="body"/>
@@ -592,7 +610,7 @@
   <p:cSld>
     <p:spTree>
       <p:nvGrpSpPr>
-        <p:cNvPr id="114" name="Shape 114"/>
+        <p:cNvPr id="113" name="Shape 113"/>
         <p:cNvGrpSpPr/>
         <p:nvPr/>
       </p:nvGrpSpPr>
@@ -606,7 +624,7 @@
       </p:grpSpPr>
       <p:sp>
         <p:nvSpPr>
-          <p:cNvPr id="115" name="Shape 115"/>
+          <p:cNvPr id="114" name="Shape 114"/>
           <p:cNvSpPr/>
           <p:nvPr>
             <p:ph idx="2" type="sldImg"/>
@@ -640,7 +658,7 @@
       </p:sp>
       <p:sp>
         <p:nvSpPr>
-          <p:cNvPr id="116" name="Shape 116"/>
+          <p:cNvPr id="115" name="Shape 115"/>
           <p:cNvSpPr txBox="1"/>
           <p:nvPr>
             <p:ph idx="1" type="body"/>
@@ -687,7 +705,7 @@
   <p:cSld>
     <p:spTree>
       <p:nvGrpSpPr>
-        <p:cNvPr id="120" name="Shape 120"/>
+        <p:cNvPr id="119" name="Shape 119"/>
         <p:cNvGrpSpPr/>
         <p:nvPr/>
       </p:nvGrpSpPr>
@@ -701,7 +719,7 @@
       </p:grpSpPr>
       <p:sp>
         <p:nvSpPr>
-          <p:cNvPr id="121" name="Shape 121"/>
+          <p:cNvPr id="120" name="Shape 120"/>
           <p:cNvSpPr/>
           <p:nvPr>
             <p:ph idx="2" type="sldImg"/>
@@ -735,7 +753,7 @@
       </p:sp>
       <p:sp>
         <p:nvSpPr>
-          <p:cNvPr id="122" name="Shape 122"/>
+          <p:cNvPr id="121" name="Shape 121"/>
           <p:cNvSpPr txBox="1"/>
           <p:nvPr>
             <p:ph idx="1" type="body"/>
@@ -782,7 +800,7 @@
   <p:cSld>
     <p:spTree>
       <p:nvGrpSpPr>
-        <p:cNvPr id="126" name="Shape 126"/>
+        <p:cNvPr id="125" name="Shape 125"/>
         <p:cNvGrpSpPr/>
         <p:nvPr/>
       </p:nvGrpSpPr>
@@ -796,7 +814,7 @@
       </p:grpSpPr>
       <p:sp>
         <p:nvSpPr>
-          <p:cNvPr id="127" name="Shape 127"/>
+          <p:cNvPr id="126" name="Shape 126"/>
           <p:cNvSpPr/>
           <p:nvPr>
             <p:ph idx="2" type="sldImg"/>
@@ -830,7 +848,7 @@
       </p:sp>
       <p:sp>
         <p:nvSpPr>
-          <p:cNvPr id="128" name="Shape 128"/>
+          <p:cNvPr id="127" name="Shape 127"/>
           <p:cNvSpPr txBox="1"/>
           <p:nvPr>
             <p:ph idx="1" type="body"/>
@@ -851,7 +869,7 @@
           </a:bodyPr>
           <a:lstStyle/>
           <a:p>
-            <a:pPr lvl="0" rtl="0">
+            <a:pPr lvl="0">
               <a:spcBef>
                 <a:spcPts val="0"/>
               </a:spcBef>
@@ -877,7 +895,7 @@
   <p:cSld>
     <p:spTree>
       <p:nvGrpSpPr>
-        <p:cNvPr id="133" name="Shape 133"/>
+        <p:cNvPr id="131" name="Shape 131"/>
         <p:cNvGrpSpPr/>
         <p:nvPr/>
       </p:nvGrpSpPr>
@@ -891,7 +909,7 @@
       </p:grpSpPr>
       <p:sp>
         <p:nvSpPr>
-          <p:cNvPr id="134" name="Shape 134"/>
+          <p:cNvPr id="132" name="Shape 132"/>
           <p:cNvSpPr/>
           <p:nvPr>
             <p:ph idx="2" type="sldImg"/>
@@ -925,7 +943,7 @@
       </p:sp>
       <p:sp>
         <p:nvSpPr>
-          <p:cNvPr id="135" name="Shape 135"/>
+          <p:cNvPr id="133" name="Shape 133"/>
           <p:cNvSpPr txBox="1"/>
           <p:nvPr>
             <p:ph idx="1" type="body"/>
@@ -972,7 +990,7 @@
   <p:cSld>
     <p:spTree>
       <p:nvGrpSpPr>
-        <p:cNvPr id="140" name="Shape 140"/>
+        <p:cNvPr id="137" name="Shape 137"/>
         <p:cNvGrpSpPr/>
         <p:nvPr/>
       </p:nvGrpSpPr>
@@ -986,7 +1004,7 @@
       </p:grpSpPr>
       <p:sp>
         <p:nvSpPr>
-          <p:cNvPr id="141" name="Shape 141"/>
+          <p:cNvPr id="138" name="Shape 138"/>
           <p:cNvSpPr/>
           <p:nvPr>
             <p:ph idx="2" type="sldImg"/>
@@ -1020,7 +1038,7 @@
       </p:sp>
       <p:sp>
         <p:nvSpPr>
-          <p:cNvPr id="142" name="Shape 142"/>
+          <p:cNvPr id="139" name="Shape 139"/>
           <p:cNvSpPr txBox="1"/>
           <p:nvPr>
             <p:ph idx="1" type="body"/>
@@ -1067,7 +1085,7 @@
   <p:cSld>
     <p:spTree>
       <p:nvGrpSpPr>
-        <p:cNvPr id="147" name="Shape 147"/>
+        <p:cNvPr id="143" name="Shape 143"/>
         <p:cNvGrpSpPr/>
         <p:nvPr/>
       </p:nvGrpSpPr>
@@ -1081,7 +1099,7 @@
       </p:grpSpPr>
       <p:sp>
         <p:nvSpPr>
-          <p:cNvPr id="148" name="Shape 148"/>
+          <p:cNvPr id="144" name="Shape 144"/>
           <p:cNvSpPr/>
           <p:nvPr>
             <p:ph idx="2" type="sldImg"/>
@@ -1115,7 +1133,7 @@
       </p:sp>
       <p:sp>
         <p:nvSpPr>
-          <p:cNvPr id="149" name="Shape 149"/>
+          <p:cNvPr id="145" name="Shape 145"/>
           <p:cNvSpPr txBox="1"/>
           <p:nvPr>
             <p:ph idx="1" type="body"/>
@@ -1136,7 +1154,7 @@
           </a:bodyPr>
           <a:lstStyle/>
           <a:p>
-            <a:pPr lvl="0">
+            <a:pPr lvl="0" rtl="0">
               <a:spcBef>
                 <a:spcPts val="0"/>
               </a:spcBef>
@@ -1162,7 +1180,7 @@
   <p:cSld>
     <p:spTree>
       <p:nvGrpSpPr>
-        <p:cNvPr id="154" name="Shape 154"/>
+        <p:cNvPr id="149" name="Shape 149"/>
         <p:cNvGrpSpPr/>
         <p:nvPr/>
       </p:nvGrpSpPr>
@@ -1176,7 +1194,7 @@
       </p:grpSpPr>
       <p:sp>
         <p:nvSpPr>
-          <p:cNvPr id="155" name="Shape 155"/>
+          <p:cNvPr id="150" name="Shape 150"/>
           <p:cNvSpPr/>
           <p:nvPr>
             <p:ph idx="2" type="sldImg"/>
@@ -1210,7 +1228,7 @@
       </p:sp>
       <p:sp>
         <p:nvSpPr>
-          <p:cNvPr id="156" name="Shape 156"/>
+          <p:cNvPr id="151" name="Shape 151"/>
           <p:cNvSpPr txBox="1"/>
           <p:nvPr>
             <p:ph idx="1" type="body"/>
@@ -1252,12 +1270,12 @@
 </p:notes>
 </file>
 
-<file path=ppt/notesSlides/notesSlide2.xml><?xml version="1.0" encoding="utf-8"?>
+<file path=ppt/notesSlides/notesSlide18.xml><?xml version="1.0" encoding="utf-8"?>
 <p:notes xmlns:a="http://schemas.openxmlformats.org/drawingml/2006/main" xmlns:r="http://schemas.openxmlformats.org/officeDocument/2006/relationships" xmlns:mc="http://schemas.openxmlformats.org/markup-compatibility/2006" xmlns:mv="urn:schemas-microsoft-com:mac:vml" xmlns:p="http://schemas.openxmlformats.org/presentationml/2006/main" xmlns:c="http://schemas.openxmlformats.org/drawingml/2006/chart" xmlns:dgm="http://schemas.openxmlformats.org/drawingml/2006/diagram" xmlns:o="urn:schemas-microsoft-com:office:office" xmlns:v="urn:schemas-microsoft-com:vml" xmlns:pvml="urn:schemas-microsoft-com:office:powerpoint" xmlns:com="http://schemas.openxmlformats.org/drawingml/2006/compatibility" xmlns:p14="http://schemas.microsoft.com/office/powerpoint/2010/main" showMasterPhAnim="0" showMasterSp="0">
   <p:cSld>
     <p:spTree>
       <p:nvGrpSpPr>
-        <p:cNvPr id="57" name="Shape 57"/>
+        <p:cNvPr id="155" name="Shape 155"/>
         <p:cNvGrpSpPr/>
         <p:nvPr/>
       </p:nvGrpSpPr>
@@ -1271,7 +1289,7 @@
       </p:grpSpPr>
       <p:sp>
         <p:nvSpPr>
-          <p:cNvPr id="58" name="Shape 58"/>
+          <p:cNvPr id="156" name="Shape 156"/>
           <p:cNvSpPr/>
           <p:nvPr>
             <p:ph idx="2" type="sldImg"/>
@@ -1305,7 +1323,7 @@
       </p:sp>
       <p:sp>
         <p:nvSpPr>
-          <p:cNvPr id="59" name="Shape 59"/>
+          <p:cNvPr id="157" name="Shape 157"/>
           <p:cNvSpPr txBox="1"/>
           <p:nvPr>
             <p:ph idx="1" type="body"/>
@@ -1347,12 +1365,12 @@
 </p:notes>
 </file>
 
-<file path=ppt/notesSlides/notesSlide3.xml><?xml version="1.0" encoding="utf-8"?>
+<file path=ppt/notesSlides/notesSlide19.xml><?xml version="1.0" encoding="utf-8"?>
 <p:notes xmlns:a="http://schemas.openxmlformats.org/drawingml/2006/main" xmlns:r="http://schemas.openxmlformats.org/officeDocument/2006/relationships" xmlns:mc="http://schemas.openxmlformats.org/markup-compatibility/2006" xmlns:mv="urn:schemas-microsoft-com:mac:vml" xmlns:p="http://schemas.openxmlformats.org/presentationml/2006/main" xmlns:c="http://schemas.openxmlformats.org/drawingml/2006/chart" xmlns:dgm="http://schemas.openxmlformats.org/drawingml/2006/diagram" xmlns:o="urn:schemas-microsoft-com:office:office" xmlns:v="urn:schemas-microsoft-com:vml" xmlns:pvml="urn:schemas-microsoft-com:office:powerpoint" xmlns:com="http://schemas.openxmlformats.org/drawingml/2006/compatibility" xmlns:p14="http://schemas.microsoft.com/office/powerpoint/2010/main" showMasterPhAnim="0" showMasterSp="0">
   <p:cSld>
     <p:spTree>
       <p:nvGrpSpPr>
-        <p:cNvPr id="63" name="Shape 63"/>
+        <p:cNvPr id="161" name="Shape 161"/>
         <p:cNvGrpSpPr/>
         <p:nvPr/>
       </p:nvGrpSpPr>
@@ -1366,7 +1384,7 @@
       </p:grpSpPr>
       <p:sp>
         <p:nvSpPr>
-          <p:cNvPr id="64" name="Shape 64"/>
+          <p:cNvPr id="162" name="Shape 162"/>
           <p:cNvSpPr/>
           <p:nvPr>
             <p:ph idx="2" type="sldImg"/>
@@ -1400,7 +1418,7 @@
       </p:sp>
       <p:sp>
         <p:nvSpPr>
-          <p:cNvPr id="65" name="Shape 65"/>
+          <p:cNvPr id="163" name="Shape 163"/>
           <p:cNvSpPr txBox="1"/>
           <p:nvPr>
             <p:ph idx="1" type="body"/>
@@ -1442,12 +1460,12 @@
 </p:notes>
 </file>
 
-<file path=ppt/notesSlides/notesSlide4.xml><?xml version="1.0" encoding="utf-8"?>
+<file path=ppt/notesSlides/notesSlide2.xml><?xml version="1.0" encoding="utf-8"?>
 <p:notes xmlns:a="http://schemas.openxmlformats.org/drawingml/2006/main" xmlns:r="http://schemas.openxmlformats.org/officeDocument/2006/relationships" xmlns:mc="http://schemas.openxmlformats.org/markup-compatibility/2006" xmlns:mv="urn:schemas-microsoft-com:mac:vml" xmlns:p="http://schemas.openxmlformats.org/presentationml/2006/main" xmlns:c="http://schemas.openxmlformats.org/drawingml/2006/chart" xmlns:dgm="http://schemas.openxmlformats.org/drawingml/2006/diagram" xmlns:o="urn:schemas-microsoft-com:office:office" xmlns:v="urn:schemas-microsoft-com:vml" xmlns:pvml="urn:schemas-microsoft-com:office:powerpoint" xmlns:com="http://schemas.openxmlformats.org/drawingml/2006/compatibility" xmlns:p14="http://schemas.microsoft.com/office/powerpoint/2010/main" showMasterPhAnim="0" showMasterSp="0">
   <p:cSld>
     <p:spTree>
       <p:nvGrpSpPr>
-        <p:cNvPr id="69" name="Shape 69"/>
+        <p:cNvPr id="59" name="Shape 59"/>
         <p:cNvGrpSpPr/>
         <p:nvPr/>
       </p:nvGrpSpPr>
@@ -1461,7 +1479,7 @@
       </p:grpSpPr>
       <p:sp>
         <p:nvSpPr>
-          <p:cNvPr id="70" name="Shape 70"/>
+          <p:cNvPr id="60" name="Shape 60"/>
           <p:cNvSpPr/>
           <p:nvPr>
             <p:ph idx="2" type="sldImg"/>
@@ -1495,7 +1513,862 @@
       </p:sp>
       <p:sp>
         <p:nvSpPr>
-          <p:cNvPr id="71" name="Shape 71"/>
+          <p:cNvPr id="61" name="Shape 61"/>
+          <p:cNvSpPr txBox="1"/>
+          <p:nvPr>
+            <p:ph idx="1" type="body"/>
+          </p:nvPr>
+        </p:nvSpPr>
+        <p:spPr>
+          <a:xfrm>
+            <a:off x="685800" y="4343400"/>
+            <a:ext cx="5486400" cy="4114800"/>
+          </a:xfrm>
+          <a:prstGeom prst="rect">
+            <a:avLst/>
+          </a:prstGeom>
+        </p:spPr>
+        <p:txBody>
+          <a:bodyPr anchorCtr="0" anchor="t" bIns="91425" lIns="91425" rIns="91425" tIns="91425">
+            <a:noAutofit/>
+          </a:bodyPr>
+          <a:lstStyle/>
+          <a:p>
+            <a:pPr lvl="0">
+              <a:spcBef>
+                <a:spcPts val="0"/>
+              </a:spcBef>
+              <a:buNone/>
+            </a:pPr>
+            <a:r>
+              <a:t/>
+            </a:r>
+            <a:endParaRPr/>
+          </a:p>
+        </p:txBody>
+      </p:sp>
+    </p:spTree>
+  </p:cSld>
+  <p:clrMapOvr>
+    <a:masterClrMapping/>
+  </p:clrMapOvr>
+</p:notes>
+</file>
+
+<file path=ppt/notesSlides/notesSlide20.xml><?xml version="1.0" encoding="utf-8"?>
+<p:notes xmlns:a="http://schemas.openxmlformats.org/drawingml/2006/main" xmlns:r="http://schemas.openxmlformats.org/officeDocument/2006/relationships" xmlns:mc="http://schemas.openxmlformats.org/markup-compatibility/2006" xmlns:mv="urn:schemas-microsoft-com:mac:vml" xmlns:p="http://schemas.openxmlformats.org/presentationml/2006/main" xmlns:c="http://schemas.openxmlformats.org/drawingml/2006/chart" xmlns:dgm="http://schemas.openxmlformats.org/drawingml/2006/diagram" xmlns:o="urn:schemas-microsoft-com:office:office" xmlns:v="urn:schemas-microsoft-com:vml" xmlns:pvml="urn:schemas-microsoft-com:office:powerpoint" xmlns:com="http://schemas.openxmlformats.org/drawingml/2006/compatibility" xmlns:p14="http://schemas.microsoft.com/office/powerpoint/2010/main" showMasterPhAnim="0" showMasterSp="0">
+  <p:cSld>
+    <p:spTree>
+      <p:nvGrpSpPr>
+        <p:cNvPr id="167" name="Shape 167"/>
+        <p:cNvGrpSpPr/>
+        <p:nvPr/>
+      </p:nvGrpSpPr>
+      <p:grpSpPr>
+        <a:xfrm>
+          <a:off x="0" y="0"/>
+          <a:ext cx="0" cy="0"/>
+          <a:chOff x="0" y="0"/>
+          <a:chExt cx="0" cy="0"/>
+        </a:xfrm>
+      </p:grpSpPr>
+      <p:sp>
+        <p:nvSpPr>
+          <p:cNvPr id="168" name="Shape 168"/>
+          <p:cNvSpPr/>
+          <p:nvPr>
+            <p:ph idx="2" type="sldImg"/>
+          </p:nvPr>
+        </p:nvSpPr>
+        <p:spPr>
+          <a:xfrm>
+            <a:off x="381300" y="685800"/>
+            <a:ext cx="6096000" cy="3429000"/>
+          </a:xfrm>
+          <a:custGeom>
+            <a:pathLst>
+              <a:path extrusionOk="0" h="120000" w="120000">
+                <a:moveTo>
+                  <a:pt x="0" y="0"/>
+                </a:moveTo>
+                <a:lnTo>
+                  <a:pt x="120000" y="0"/>
+                </a:lnTo>
+                <a:lnTo>
+                  <a:pt x="120000" y="120000"/>
+                </a:lnTo>
+                <a:lnTo>
+                  <a:pt x="0" y="120000"/>
+                </a:lnTo>
+                <a:close/>
+              </a:path>
+            </a:pathLst>
+          </a:custGeom>
+        </p:spPr>
+      </p:sp>
+      <p:sp>
+        <p:nvSpPr>
+          <p:cNvPr id="169" name="Shape 169"/>
+          <p:cNvSpPr txBox="1"/>
+          <p:nvPr>
+            <p:ph idx="1" type="body"/>
+          </p:nvPr>
+        </p:nvSpPr>
+        <p:spPr>
+          <a:xfrm>
+            <a:off x="685800" y="4343400"/>
+            <a:ext cx="5486400" cy="4114800"/>
+          </a:xfrm>
+          <a:prstGeom prst="rect">
+            <a:avLst/>
+          </a:prstGeom>
+        </p:spPr>
+        <p:txBody>
+          <a:bodyPr anchorCtr="0" anchor="t" bIns="91425" lIns="91425" rIns="91425" tIns="91425">
+            <a:noAutofit/>
+          </a:bodyPr>
+          <a:lstStyle/>
+          <a:p>
+            <a:pPr lvl="0">
+              <a:spcBef>
+                <a:spcPts val="0"/>
+              </a:spcBef>
+              <a:buNone/>
+            </a:pPr>
+            <a:r>
+              <a:t/>
+            </a:r>
+            <a:endParaRPr/>
+          </a:p>
+        </p:txBody>
+      </p:sp>
+    </p:spTree>
+  </p:cSld>
+  <p:clrMapOvr>
+    <a:masterClrMapping/>
+  </p:clrMapOvr>
+</p:notes>
+</file>
+
+<file path=ppt/notesSlides/notesSlide21.xml><?xml version="1.0" encoding="utf-8"?>
+<p:notes xmlns:a="http://schemas.openxmlformats.org/drawingml/2006/main" xmlns:r="http://schemas.openxmlformats.org/officeDocument/2006/relationships" xmlns:mc="http://schemas.openxmlformats.org/markup-compatibility/2006" xmlns:mv="urn:schemas-microsoft-com:mac:vml" xmlns:p="http://schemas.openxmlformats.org/presentationml/2006/main" xmlns:c="http://schemas.openxmlformats.org/drawingml/2006/chart" xmlns:dgm="http://schemas.openxmlformats.org/drawingml/2006/diagram" xmlns:o="urn:schemas-microsoft-com:office:office" xmlns:v="urn:schemas-microsoft-com:vml" xmlns:pvml="urn:schemas-microsoft-com:office:powerpoint" xmlns:com="http://schemas.openxmlformats.org/drawingml/2006/compatibility" xmlns:p14="http://schemas.microsoft.com/office/powerpoint/2010/main" showMasterPhAnim="0" showMasterSp="0">
+  <p:cSld>
+    <p:spTree>
+      <p:nvGrpSpPr>
+        <p:cNvPr id="174" name="Shape 174"/>
+        <p:cNvGrpSpPr/>
+        <p:nvPr/>
+      </p:nvGrpSpPr>
+      <p:grpSpPr>
+        <a:xfrm>
+          <a:off x="0" y="0"/>
+          <a:ext cx="0" cy="0"/>
+          <a:chOff x="0" y="0"/>
+          <a:chExt cx="0" cy="0"/>
+        </a:xfrm>
+      </p:grpSpPr>
+      <p:sp>
+        <p:nvSpPr>
+          <p:cNvPr id="175" name="Shape 175"/>
+          <p:cNvSpPr/>
+          <p:nvPr>
+            <p:ph idx="2" type="sldImg"/>
+          </p:nvPr>
+        </p:nvSpPr>
+        <p:spPr>
+          <a:xfrm>
+            <a:off x="381300" y="685800"/>
+            <a:ext cx="6096000" cy="3429000"/>
+          </a:xfrm>
+          <a:custGeom>
+            <a:pathLst>
+              <a:path extrusionOk="0" h="120000" w="120000">
+                <a:moveTo>
+                  <a:pt x="0" y="0"/>
+                </a:moveTo>
+                <a:lnTo>
+                  <a:pt x="120000" y="0"/>
+                </a:lnTo>
+                <a:lnTo>
+                  <a:pt x="120000" y="120000"/>
+                </a:lnTo>
+                <a:lnTo>
+                  <a:pt x="0" y="120000"/>
+                </a:lnTo>
+                <a:close/>
+              </a:path>
+            </a:pathLst>
+          </a:custGeom>
+        </p:spPr>
+      </p:sp>
+      <p:sp>
+        <p:nvSpPr>
+          <p:cNvPr id="176" name="Shape 176"/>
+          <p:cNvSpPr txBox="1"/>
+          <p:nvPr>
+            <p:ph idx="1" type="body"/>
+          </p:nvPr>
+        </p:nvSpPr>
+        <p:spPr>
+          <a:xfrm>
+            <a:off x="685800" y="4343400"/>
+            <a:ext cx="5486400" cy="4114800"/>
+          </a:xfrm>
+          <a:prstGeom prst="rect">
+            <a:avLst/>
+          </a:prstGeom>
+        </p:spPr>
+        <p:txBody>
+          <a:bodyPr anchorCtr="0" anchor="t" bIns="91425" lIns="91425" rIns="91425" tIns="91425">
+            <a:noAutofit/>
+          </a:bodyPr>
+          <a:lstStyle/>
+          <a:p>
+            <a:pPr lvl="0" rtl="0">
+              <a:spcBef>
+                <a:spcPts val="0"/>
+              </a:spcBef>
+              <a:buNone/>
+            </a:pPr>
+            <a:r>
+              <a:t/>
+            </a:r>
+            <a:endParaRPr/>
+          </a:p>
+        </p:txBody>
+      </p:sp>
+    </p:spTree>
+  </p:cSld>
+  <p:clrMapOvr>
+    <a:masterClrMapping/>
+  </p:clrMapOvr>
+</p:notes>
+</file>
+
+<file path=ppt/notesSlides/notesSlide22.xml><?xml version="1.0" encoding="utf-8"?>
+<p:notes xmlns:a="http://schemas.openxmlformats.org/drawingml/2006/main" xmlns:r="http://schemas.openxmlformats.org/officeDocument/2006/relationships" xmlns:mc="http://schemas.openxmlformats.org/markup-compatibility/2006" xmlns:mv="urn:schemas-microsoft-com:mac:vml" xmlns:p="http://schemas.openxmlformats.org/presentationml/2006/main" xmlns:c="http://schemas.openxmlformats.org/drawingml/2006/chart" xmlns:dgm="http://schemas.openxmlformats.org/drawingml/2006/diagram" xmlns:o="urn:schemas-microsoft-com:office:office" xmlns:v="urn:schemas-microsoft-com:vml" xmlns:pvml="urn:schemas-microsoft-com:office:powerpoint" xmlns:com="http://schemas.openxmlformats.org/drawingml/2006/compatibility" xmlns:p14="http://schemas.microsoft.com/office/powerpoint/2010/main" showMasterPhAnim="0" showMasterSp="0">
+  <p:cSld>
+    <p:spTree>
+      <p:nvGrpSpPr>
+        <p:cNvPr id="181" name="Shape 181"/>
+        <p:cNvGrpSpPr/>
+        <p:nvPr/>
+      </p:nvGrpSpPr>
+      <p:grpSpPr>
+        <a:xfrm>
+          <a:off x="0" y="0"/>
+          <a:ext cx="0" cy="0"/>
+          <a:chOff x="0" y="0"/>
+          <a:chExt cx="0" cy="0"/>
+        </a:xfrm>
+      </p:grpSpPr>
+      <p:sp>
+        <p:nvSpPr>
+          <p:cNvPr id="182" name="Shape 182"/>
+          <p:cNvSpPr/>
+          <p:nvPr>
+            <p:ph idx="2" type="sldImg"/>
+          </p:nvPr>
+        </p:nvSpPr>
+        <p:spPr>
+          <a:xfrm>
+            <a:off x="381300" y="685800"/>
+            <a:ext cx="6096000" cy="3429000"/>
+          </a:xfrm>
+          <a:custGeom>
+            <a:pathLst>
+              <a:path extrusionOk="0" h="120000" w="120000">
+                <a:moveTo>
+                  <a:pt x="0" y="0"/>
+                </a:moveTo>
+                <a:lnTo>
+                  <a:pt x="120000" y="0"/>
+                </a:lnTo>
+                <a:lnTo>
+                  <a:pt x="120000" y="120000"/>
+                </a:lnTo>
+                <a:lnTo>
+                  <a:pt x="0" y="120000"/>
+                </a:lnTo>
+                <a:close/>
+              </a:path>
+            </a:pathLst>
+          </a:custGeom>
+        </p:spPr>
+      </p:sp>
+      <p:sp>
+        <p:nvSpPr>
+          <p:cNvPr id="183" name="Shape 183"/>
+          <p:cNvSpPr txBox="1"/>
+          <p:nvPr>
+            <p:ph idx="1" type="body"/>
+          </p:nvPr>
+        </p:nvSpPr>
+        <p:spPr>
+          <a:xfrm>
+            <a:off x="685800" y="4343400"/>
+            <a:ext cx="5486400" cy="4114800"/>
+          </a:xfrm>
+          <a:prstGeom prst="rect">
+            <a:avLst/>
+          </a:prstGeom>
+        </p:spPr>
+        <p:txBody>
+          <a:bodyPr anchorCtr="0" anchor="t" bIns="91425" lIns="91425" rIns="91425" tIns="91425">
+            <a:noAutofit/>
+          </a:bodyPr>
+          <a:lstStyle/>
+          <a:p>
+            <a:pPr lvl="0">
+              <a:spcBef>
+                <a:spcPts val="0"/>
+              </a:spcBef>
+              <a:buNone/>
+            </a:pPr>
+            <a:r>
+              <a:t/>
+            </a:r>
+            <a:endParaRPr/>
+          </a:p>
+        </p:txBody>
+      </p:sp>
+    </p:spTree>
+  </p:cSld>
+  <p:clrMapOvr>
+    <a:masterClrMapping/>
+  </p:clrMapOvr>
+</p:notes>
+</file>
+
+<file path=ppt/notesSlides/notesSlide23.xml><?xml version="1.0" encoding="utf-8"?>
+<p:notes xmlns:a="http://schemas.openxmlformats.org/drawingml/2006/main" xmlns:r="http://schemas.openxmlformats.org/officeDocument/2006/relationships" xmlns:mc="http://schemas.openxmlformats.org/markup-compatibility/2006" xmlns:mv="urn:schemas-microsoft-com:mac:vml" xmlns:p="http://schemas.openxmlformats.org/presentationml/2006/main" xmlns:c="http://schemas.openxmlformats.org/drawingml/2006/chart" xmlns:dgm="http://schemas.openxmlformats.org/drawingml/2006/diagram" xmlns:o="urn:schemas-microsoft-com:office:office" xmlns:v="urn:schemas-microsoft-com:vml" xmlns:pvml="urn:schemas-microsoft-com:office:powerpoint" xmlns:com="http://schemas.openxmlformats.org/drawingml/2006/compatibility" xmlns:p14="http://schemas.microsoft.com/office/powerpoint/2010/main" showMasterPhAnim="0" showMasterSp="0">
+  <p:cSld>
+    <p:spTree>
+      <p:nvGrpSpPr>
+        <p:cNvPr id="188" name="Shape 188"/>
+        <p:cNvGrpSpPr/>
+        <p:nvPr/>
+      </p:nvGrpSpPr>
+      <p:grpSpPr>
+        <a:xfrm>
+          <a:off x="0" y="0"/>
+          <a:ext cx="0" cy="0"/>
+          <a:chOff x="0" y="0"/>
+          <a:chExt cx="0" cy="0"/>
+        </a:xfrm>
+      </p:grpSpPr>
+      <p:sp>
+        <p:nvSpPr>
+          <p:cNvPr id="189" name="Shape 189"/>
+          <p:cNvSpPr/>
+          <p:nvPr>
+            <p:ph idx="2" type="sldImg"/>
+          </p:nvPr>
+        </p:nvSpPr>
+        <p:spPr>
+          <a:xfrm>
+            <a:off x="381300" y="685800"/>
+            <a:ext cx="6096000" cy="3429000"/>
+          </a:xfrm>
+          <a:custGeom>
+            <a:pathLst>
+              <a:path extrusionOk="0" h="120000" w="120000">
+                <a:moveTo>
+                  <a:pt x="0" y="0"/>
+                </a:moveTo>
+                <a:lnTo>
+                  <a:pt x="120000" y="0"/>
+                </a:lnTo>
+                <a:lnTo>
+                  <a:pt x="120000" y="120000"/>
+                </a:lnTo>
+                <a:lnTo>
+                  <a:pt x="0" y="120000"/>
+                </a:lnTo>
+                <a:close/>
+              </a:path>
+            </a:pathLst>
+          </a:custGeom>
+        </p:spPr>
+      </p:sp>
+      <p:sp>
+        <p:nvSpPr>
+          <p:cNvPr id="190" name="Shape 190"/>
+          <p:cNvSpPr txBox="1"/>
+          <p:nvPr>
+            <p:ph idx="1" type="body"/>
+          </p:nvPr>
+        </p:nvSpPr>
+        <p:spPr>
+          <a:xfrm>
+            <a:off x="685800" y="4343400"/>
+            <a:ext cx="5486400" cy="4114800"/>
+          </a:xfrm>
+          <a:prstGeom prst="rect">
+            <a:avLst/>
+          </a:prstGeom>
+        </p:spPr>
+        <p:txBody>
+          <a:bodyPr anchorCtr="0" anchor="t" bIns="91425" lIns="91425" rIns="91425" tIns="91425">
+            <a:noAutofit/>
+          </a:bodyPr>
+          <a:lstStyle/>
+          <a:p>
+            <a:pPr lvl="0">
+              <a:spcBef>
+                <a:spcPts val="0"/>
+              </a:spcBef>
+              <a:buNone/>
+            </a:pPr>
+            <a:r>
+              <a:t/>
+            </a:r>
+            <a:endParaRPr/>
+          </a:p>
+        </p:txBody>
+      </p:sp>
+    </p:spTree>
+  </p:cSld>
+  <p:clrMapOvr>
+    <a:masterClrMapping/>
+  </p:clrMapOvr>
+</p:notes>
+</file>
+
+<file path=ppt/notesSlides/notesSlide24.xml><?xml version="1.0" encoding="utf-8"?>
+<p:notes xmlns:a="http://schemas.openxmlformats.org/drawingml/2006/main" xmlns:r="http://schemas.openxmlformats.org/officeDocument/2006/relationships" xmlns:mc="http://schemas.openxmlformats.org/markup-compatibility/2006" xmlns:mv="urn:schemas-microsoft-com:mac:vml" xmlns:p="http://schemas.openxmlformats.org/presentationml/2006/main" xmlns:c="http://schemas.openxmlformats.org/drawingml/2006/chart" xmlns:dgm="http://schemas.openxmlformats.org/drawingml/2006/diagram" xmlns:o="urn:schemas-microsoft-com:office:office" xmlns:v="urn:schemas-microsoft-com:vml" xmlns:pvml="urn:schemas-microsoft-com:office:powerpoint" xmlns:com="http://schemas.openxmlformats.org/drawingml/2006/compatibility" xmlns:p14="http://schemas.microsoft.com/office/powerpoint/2010/main" showMasterPhAnim="0" showMasterSp="0">
+  <p:cSld>
+    <p:spTree>
+      <p:nvGrpSpPr>
+        <p:cNvPr id="195" name="Shape 195"/>
+        <p:cNvGrpSpPr/>
+        <p:nvPr/>
+      </p:nvGrpSpPr>
+      <p:grpSpPr>
+        <a:xfrm>
+          <a:off x="0" y="0"/>
+          <a:ext cx="0" cy="0"/>
+          <a:chOff x="0" y="0"/>
+          <a:chExt cx="0" cy="0"/>
+        </a:xfrm>
+      </p:grpSpPr>
+      <p:sp>
+        <p:nvSpPr>
+          <p:cNvPr id="196" name="Shape 196"/>
+          <p:cNvSpPr/>
+          <p:nvPr>
+            <p:ph idx="2" type="sldImg"/>
+          </p:nvPr>
+        </p:nvSpPr>
+        <p:spPr>
+          <a:xfrm>
+            <a:off x="381300" y="685800"/>
+            <a:ext cx="6096000" cy="3429000"/>
+          </a:xfrm>
+          <a:custGeom>
+            <a:pathLst>
+              <a:path extrusionOk="0" h="120000" w="120000">
+                <a:moveTo>
+                  <a:pt x="0" y="0"/>
+                </a:moveTo>
+                <a:lnTo>
+                  <a:pt x="120000" y="0"/>
+                </a:lnTo>
+                <a:lnTo>
+                  <a:pt x="120000" y="120000"/>
+                </a:lnTo>
+                <a:lnTo>
+                  <a:pt x="0" y="120000"/>
+                </a:lnTo>
+                <a:close/>
+              </a:path>
+            </a:pathLst>
+          </a:custGeom>
+        </p:spPr>
+      </p:sp>
+      <p:sp>
+        <p:nvSpPr>
+          <p:cNvPr id="197" name="Shape 197"/>
+          <p:cNvSpPr txBox="1"/>
+          <p:nvPr>
+            <p:ph idx="1" type="body"/>
+          </p:nvPr>
+        </p:nvSpPr>
+        <p:spPr>
+          <a:xfrm>
+            <a:off x="685800" y="4343400"/>
+            <a:ext cx="5486400" cy="4114800"/>
+          </a:xfrm>
+          <a:prstGeom prst="rect">
+            <a:avLst/>
+          </a:prstGeom>
+        </p:spPr>
+        <p:txBody>
+          <a:bodyPr anchorCtr="0" anchor="t" bIns="91425" lIns="91425" rIns="91425" tIns="91425">
+            <a:noAutofit/>
+          </a:bodyPr>
+          <a:lstStyle/>
+          <a:p>
+            <a:pPr lvl="0">
+              <a:spcBef>
+                <a:spcPts val="0"/>
+              </a:spcBef>
+              <a:buNone/>
+            </a:pPr>
+            <a:r>
+              <a:t/>
+            </a:r>
+            <a:endParaRPr/>
+          </a:p>
+        </p:txBody>
+      </p:sp>
+    </p:spTree>
+  </p:cSld>
+  <p:clrMapOvr>
+    <a:masterClrMapping/>
+  </p:clrMapOvr>
+</p:notes>
+</file>
+
+<file path=ppt/notesSlides/notesSlide25.xml><?xml version="1.0" encoding="utf-8"?>
+<p:notes xmlns:a="http://schemas.openxmlformats.org/drawingml/2006/main" xmlns:r="http://schemas.openxmlformats.org/officeDocument/2006/relationships" xmlns:mc="http://schemas.openxmlformats.org/markup-compatibility/2006" xmlns:mv="urn:schemas-microsoft-com:mac:vml" xmlns:p="http://schemas.openxmlformats.org/presentationml/2006/main" xmlns:c="http://schemas.openxmlformats.org/drawingml/2006/chart" xmlns:dgm="http://schemas.openxmlformats.org/drawingml/2006/diagram" xmlns:o="urn:schemas-microsoft-com:office:office" xmlns:v="urn:schemas-microsoft-com:vml" xmlns:pvml="urn:schemas-microsoft-com:office:powerpoint" xmlns:com="http://schemas.openxmlformats.org/drawingml/2006/compatibility" xmlns:p14="http://schemas.microsoft.com/office/powerpoint/2010/main" showMasterPhAnim="0" showMasterSp="0">
+  <p:cSld>
+    <p:spTree>
+      <p:nvGrpSpPr>
+        <p:cNvPr id="202" name="Shape 202"/>
+        <p:cNvGrpSpPr/>
+        <p:nvPr/>
+      </p:nvGrpSpPr>
+      <p:grpSpPr>
+        <a:xfrm>
+          <a:off x="0" y="0"/>
+          <a:ext cx="0" cy="0"/>
+          <a:chOff x="0" y="0"/>
+          <a:chExt cx="0" cy="0"/>
+        </a:xfrm>
+      </p:grpSpPr>
+      <p:sp>
+        <p:nvSpPr>
+          <p:cNvPr id="203" name="Shape 203"/>
+          <p:cNvSpPr/>
+          <p:nvPr>
+            <p:ph idx="2" type="sldImg"/>
+          </p:nvPr>
+        </p:nvSpPr>
+        <p:spPr>
+          <a:xfrm>
+            <a:off x="381300" y="685800"/>
+            <a:ext cx="6096000" cy="3429000"/>
+          </a:xfrm>
+          <a:custGeom>
+            <a:pathLst>
+              <a:path extrusionOk="0" h="120000" w="120000">
+                <a:moveTo>
+                  <a:pt x="0" y="0"/>
+                </a:moveTo>
+                <a:lnTo>
+                  <a:pt x="120000" y="0"/>
+                </a:lnTo>
+                <a:lnTo>
+                  <a:pt x="120000" y="120000"/>
+                </a:lnTo>
+                <a:lnTo>
+                  <a:pt x="0" y="120000"/>
+                </a:lnTo>
+                <a:close/>
+              </a:path>
+            </a:pathLst>
+          </a:custGeom>
+        </p:spPr>
+      </p:sp>
+      <p:sp>
+        <p:nvSpPr>
+          <p:cNvPr id="204" name="Shape 204"/>
+          <p:cNvSpPr txBox="1"/>
+          <p:nvPr>
+            <p:ph idx="1" type="body"/>
+          </p:nvPr>
+        </p:nvSpPr>
+        <p:spPr>
+          <a:xfrm>
+            <a:off x="685800" y="4343400"/>
+            <a:ext cx="5486400" cy="4114800"/>
+          </a:xfrm>
+          <a:prstGeom prst="rect">
+            <a:avLst/>
+          </a:prstGeom>
+        </p:spPr>
+        <p:txBody>
+          <a:bodyPr anchorCtr="0" anchor="t" bIns="91425" lIns="91425" rIns="91425" tIns="91425">
+            <a:noAutofit/>
+          </a:bodyPr>
+          <a:lstStyle/>
+          <a:p>
+            <a:pPr lvl="0">
+              <a:spcBef>
+                <a:spcPts val="0"/>
+              </a:spcBef>
+              <a:buNone/>
+            </a:pPr>
+            <a:r>
+              <a:t/>
+            </a:r>
+            <a:endParaRPr/>
+          </a:p>
+        </p:txBody>
+      </p:sp>
+    </p:spTree>
+  </p:cSld>
+  <p:clrMapOvr>
+    <a:masterClrMapping/>
+  </p:clrMapOvr>
+</p:notes>
+</file>
+
+<file path=ppt/notesSlides/notesSlide26.xml><?xml version="1.0" encoding="utf-8"?>
+<p:notes xmlns:a="http://schemas.openxmlformats.org/drawingml/2006/main" xmlns:r="http://schemas.openxmlformats.org/officeDocument/2006/relationships" xmlns:mc="http://schemas.openxmlformats.org/markup-compatibility/2006" xmlns:mv="urn:schemas-microsoft-com:mac:vml" xmlns:p="http://schemas.openxmlformats.org/presentationml/2006/main" xmlns:c="http://schemas.openxmlformats.org/drawingml/2006/chart" xmlns:dgm="http://schemas.openxmlformats.org/drawingml/2006/diagram" xmlns:o="urn:schemas-microsoft-com:office:office" xmlns:v="urn:schemas-microsoft-com:vml" xmlns:pvml="urn:schemas-microsoft-com:office:powerpoint" xmlns:com="http://schemas.openxmlformats.org/drawingml/2006/compatibility" xmlns:p14="http://schemas.microsoft.com/office/powerpoint/2010/main" showMasterPhAnim="0" showMasterSp="0">
+  <p:cSld>
+    <p:spTree>
+      <p:nvGrpSpPr>
+        <p:cNvPr id="208" name="Shape 208"/>
+        <p:cNvGrpSpPr/>
+        <p:nvPr/>
+      </p:nvGrpSpPr>
+      <p:grpSpPr>
+        <a:xfrm>
+          <a:off x="0" y="0"/>
+          <a:ext cx="0" cy="0"/>
+          <a:chOff x="0" y="0"/>
+          <a:chExt cx="0" cy="0"/>
+        </a:xfrm>
+      </p:grpSpPr>
+      <p:sp>
+        <p:nvSpPr>
+          <p:cNvPr id="209" name="Shape 209"/>
+          <p:cNvSpPr/>
+          <p:nvPr>
+            <p:ph idx="2" type="sldImg"/>
+          </p:nvPr>
+        </p:nvSpPr>
+        <p:spPr>
+          <a:xfrm>
+            <a:off x="381300" y="685800"/>
+            <a:ext cx="6096000" cy="3429000"/>
+          </a:xfrm>
+          <a:custGeom>
+            <a:pathLst>
+              <a:path extrusionOk="0" h="120000" w="120000">
+                <a:moveTo>
+                  <a:pt x="0" y="0"/>
+                </a:moveTo>
+                <a:lnTo>
+                  <a:pt x="120000" y="0"/>
+                </a:lnTo>
+                <a:lnTo>
+                  <a:pt x="120000" y="120000"/>
+                </a:lnTo>
+                <a:lnTo>
+                  <a:pt x="0" y="120000"/>
+                </a:lnTo>
+                <a:close/>
+              </a:path>
+            </a:pathLst>
+          </a:custGeom>
+        </p:spPr>
+      </p:sp>
+      <p:sp>
+        <p:nvSpPr>
+          <p:cNvPr id="210" name="Shape 210"/>
+          <p:cNvSpPr txBox="1"/>
+          <p:nvPr>
+            <p:ph idx="1" type="body"/>
+          </p:nvPr>
+        </p:nvSpPr>
+        <p:spPr>
+          <a:xfrm>
+            <a:off x="685800" y="4343400"/>
+            <a:ext cx="5486400" cy="4114800"/>
+          </a:xfrm>
+          <a:prstGeom prst="rect">
+            <a:avLst/>
+          </a:prstGeom>
+        </p:spPr>
+        <p:txBody>
+          <a:bodyPr anchorCtr="0" anchor="t" bIns="91425" lIns="91425" rIns="91425" tIns="91425">
+            <a:noAutofit/>
+          </a:bodyPr>
+          <a:lstStyle/>
+          <a:p>
+            <a:pPr lvl="0">
+              <a:spcBef>
+                <a:spcPts val="0"/>
+              </a:spcBef>
+              <a:buNone/>
+            </a:pPr>
+            <a:r>
+              <a:t/>
+            </a:r>
+            <a:endParaRPr/>
+          </a:p>
+        </p:txBody>
+      </p:sp>
+    </p:spTree>
+  </p:cSld>
+  <p:clrMapOvr>
+    <a:masterClrMapping/>
+  </p:clrMapOvr>
+</p:notes>
+</file>
+
+<file path=ppt/notesSlides/notesSlide3.xml><?xml version="1.0" encoding="utf-8"?>
+<p:notes xmlns:a="http://schemas.openxmlformats.org/drawingml/2006/main" xmlns:r="http://schemas.openxmlformats.org/officeDocument/2006/relationships" xmlns:mc="http://schemas.openxmlformats.org/markup-compatibility/2006" xmlns:mv="urn:schemas-microsoft-com:mac:vml" xmlns:p="http://schemas.openxmlformats.org/presentationml/2006/main" xmlns:c="http://schemas.openxmlformats.org/drawingml/2006/chart" xmlns:dgm="http://schemas.openxmlformats.org/drawingml/2006/diagram" xmlns:o="urn:schemas-microsoft-com:office:office" xmlns:v="urn:schemas-microsoft-com:vml" xmlns:pvml="urn:schemas-microsoft-com:office:powerpoint" xmlns:com="http://schemas.openxmlformats.org/drawingml/2006/compatibility" xmlns:p14="http://schemas.microsoft.com/office/powerpoint/2010/main" showMasterPhAnim="0" showMasterSp="0">
+  <p:cSld>
+    <p:spTree>
+      <p:nvGrpSpPr>
+        <p:cNvPr id="65" name="Shape 65"/>
+        <p:cNvGrpSpPr/>
+        <p:nvPr/>
+      </p:nvGrpSpPr>
+      <p:grpSpPr>
+        <a:xfrm>
+          <a:off x="0" y="0"/>
+          <a:ext cx="0" cy="0"/>
+          <a:chOff x="0" y="0"/>
+          <a:chExt cx="0" cy="0"/>
+        </a:xfrm>
+      </p:grpSpPr>
+      <p:sp>
+        <p:nvSpPr>
+          <p:cNvPr id="66" name="Shape 66"/>
+          <p:cNvSpPr/>
+          <p:nvPr>
+            <p:ph idx="2" type="sldImg"/>
+          </p:nvPr>
+        </p:nvSpPr>
+        <p:spPr>
+          <a:xfrm>
+            <a:off x="381300" y="685800"/>
+            <a:ext cx="6096000" cy="3429000"/>
+          </a:xfrm>
+          <a:custGeom>
+            <a:pathLst>
+              <a:path extrusionOk="0" h="120000" w="120000">
+                <a:moveTo>
+                  <a:pt x="0" y="0"/>
+                </a:moveTo>
+                <a:lnTo>
+                  <a:pt x="120000" y="0"/>
+                </a:lnTo>
+                <a:lnTo>
+                  <a:pt x="120000" y="120000"/>
+                </a:lnTo>
+                <a:lnTo>
+                  <a:pt x="0" y="120000"/>
+                </a:lnTo>
+                <a:close/>
+              </a:path>
+            </a:pathLst>
+          </a:custGeom>
+        </p:spPr>
+      </p:sp>
+      <p:sp>
+        <p:nvSpPr>
+          <p:cNvPr id="67" name="Shape 67"/>
+          <p:cNvSpPr txBox="1"/>
+          <p:nvPr>
+            <p:ph idx="1" type="body"/>
+          </p:nvPr>
+        </p:nvSpPr>
+        <p:spPr>
+          <a:xfrm>
+            <a:off x="685800" y="4343400"/>
+            <a:ext cx="5486400" cy="4114800"/>
+          </a:xfrm>
+          <a:prstGeom prst="rect">
+            <a:avLst/>
+          </a:prstGeom>
+        </p:spPr>
+        <p:txBody>
+          <a:bodyPr anchorCtr="0" anchor="t" bIns="91425" lIns="91425" rIns="91425" tIns="91425">
+            <a:noAutofit/>
+          </a:bodyPr>
+          <a:lstStyle/>
+          <a:p>
+            <a:pPr lvl="0">
+              <a:spcBef>
+                <a:spcPts val="0"/>
+              </a:spcBef>
+              <a:buNone/>
+            </a:pPr>
+            <a:r>
+              <a:t/>
+            </a:r>
+            <a:endParaRPr/>
+          </a:p>
+        </p:txBody>
+      </p:sp>
+    </p:spTree>
+  </p:cSld>
+  <p:clrMapOvr>
+    <a:masterClrMapping/>
+  </p:clrMapOvr>
+</p:notes>
+</file>
+
+<file path=ppt/notesSlides/notesSlide4.xml><?xml version="1.0" encoding="utf-8"?>
+<p:notes xmlns:a="http://schemas.openxmlformats.org/drawingml/2006/main" xmlns:r="http://schemas.openxmlformats.org/officeDocument/2006/relationships" xmlns:mc="http://schemas.openxmlformats.org/markup-compatibility/2006" xmlns:mv="urn:schemas-microsoft-com:mac:vml" xmlns:p="http://schemas.openxmlformats.org/presentationml/2006/main" xmlns:c="http://schemas.openxmlformats.org/drawingml/2006/chart" xmlns:dgm="http://schemas.openxmlformats.org/drawingml/2006/diagram" xmlns:o="urn:schemas-microsoft-com:office:office" xmlns:v="urn:schemas-microsoft-com:vml" xmlns:pvml="urn:schemas-microsoft-com:office:powerpoint" xmlns:com="http://schemas.openxmlformats.org/drawingml/2006/compatibility" xmlns:p14="http://schemas.microsoft.com/office/powerpoint/2010/main" showMasterPhAnim="0" showMasterSp="0">
+  <p:cSld>
+    <p:spTree>
+      <p:nvGrpSpPr>
+        <p:cNvPr id="71" name="Shape 71"/>
+        <p:cNvGrpSpPr/>
+        <p:nvPr/>
+      </p:nvGrpSpPr>
+      <p:grpSpPr>
+        <a:xfrm>
+          <a:off x="0" y="0"/>
+          <a:ext cx="0" cy="0"/>
+          <a:chOff x="0" y="0"/>
+          <a:chExt cx="0" cy="0"/>
+        </a:xfrm>
+      </p:grpSpPr>
+      <p:sp>
+        <p:nvSpPr>
+          <p:cNvPr id="72" name="Shape 72"/>
+          <p:cNvSpPr/>
+          <p:nvPr>
+            <p:ph idx="2" type="sldImg"/>
+          </p:nvPr>
+        </p:nvSpPr>
+        <p:spPr>
+          <a:xfrm>
+            <a:off x="381300" y="685800"/>
+            <a:ext cx="6096000" cy="3429000"/>
+          </a:xfrm>
+          <a:custGeom>
+            <a:pathLst>
+              <a:path extrusionOk="0" h="120000" w="120000">
+                <a:moveTo>
+                  <a:pt x="0" y="0"/>
+                </a:moveTo>
+                <a:lnTo>
+                  <a:pt x="120000" y="0"/>
+                </a:lnTo>
+                <a:lnTo>
+                  <a:pt x="120000" y="120000"/>
+                </a:lnTo>
+                <a:lnTo>
+                  <a:pt x="0" y="120000"/>
+                </a:lnTo>
+                <a:close/>
+              </a:path>
+            </a:pathLst>
+          </a:custGeom>
+        </p:spPr>
+      </p:sp>
+      <p:sp>
+        <p:nvSpPr>
+          <p:cNvPr id="73" name="Shape 73"/>
           <p:cNvSpPr txBox="1"/>
           <p:nvPr>
             <p:ph idx="1" type="body"/>
@@ -1732,7 +2605,7 @@
   <p:cSld>
     <p:spTree>
       <p:nvGrpSpPr>
-        <p:cNvPr id="90" name="Shape 90"/>
+        <p:cNvPr id="89" name="Shape 89"/>
         <p:cNvGrpSpPr/>
         <p:nvPr/>
       </p:nvGrpSpPr>
@@ -1746,7 +2619,7 @@
       </p:grpSpPr>
       <p:sp>
         <p:nvSpPr>
-          <p:cNvPr id="91" name="Shape 91"/>
+          <p:cNvPr id="90" name="Shape 90"/>
           <p:cNvSpPr/>
           <p:nvPr>
             <p:ph idx="2" type="sldImg"/>
@@ -1780,7 +2653,7 @@
       </p:sp>
       <p:sp>
         <p:nvSpPr>
-          <p:cNvPr id="92" name="Shape 92"/>
+          <p:cNvPr id="91" name="Shape 91"/>
           <p:cNvSpPr txBox="1"/>
           <p:nvPr>
             <p:ph idx="1" type="body"/>
@@ -1827,7 +2700,7 @@
   <p:cSld>
     <p:spTree>
       <p:nvGrpSpPr>
-        <p:cNvPr id="96" name="Shape 96"/>
+        <p:cNvPr id="95" name="Shape 95"/>
         <p:cNvGrpSpPr/>
         <p:nvPr/>
       </p:nvGrpSpPr>
@@ -1841,7 +2714,7 @@
       </p:grpSpPr>
       <p:sp>
         <p:nvSpPr>
-          <p:cNvPr id="97" name="Shape 97"/>
+          <p:cNvPr id="96" name="Shape 96"/>
           <p:cNvSpPr/>
           <p:nvPr>
             <p:ph idx="2" type="sldImg"/>
@@ -1875,7 +2748,7 @@
       </p:sp>
       <p:sp>
         <p:nvSpPr>
-          <p:cNvPr id="98" name="Shape 98"/>
+          <p:cNvPr id="97" name="Shape 97"/>
           <p:cNvSpPr txBox="1"/>
           <p:nvPr>
             <p:ph idx="1" type="body"/>
@@ -1896,7 +2769,7 @@
           </a:bodyPr>
           <a:lstStyle/>
           <a:p>
-            <a:pPr lvl="0" rtl="0">
+            <a:pPr lvl="0">
               <a:spcBef>
                 <a:spcPts val="0"/>
               </a:spcBef>
@@ -1922,7 +2795,7 @@
   <p:cSld>
     <p:spTree>
       <p:nvGrpSpPr>
-        <p:cNvPr id="102" name="Shape 102"/>
+        <p:cNvPr id="101" name="Shape 101"/>
         <p:cNvGrpSpPr/>
         <p:nvPr/>
       </p:nvGrpSpPr>
@@ -1936,7 +2809,7 @@
       </p:grpSpPr>
       <p:sp>
         <p:nvSpPr>
-          <p:cNvPr id="103" name="Shape 103"/>
+          <p:cNvPr id="102" name="Shape 102"/>
           <p:cNvSpPr/>
           <p:nvPr>
             <p:ph idx="2" type="sldImg"/>
@@ -1970,7 +2843,7 @@
       </p:sp>
       <p:sp>
         <p:nvSpPr>
-          <p:cNvPr id="104" name="Shape 104"/>
+          <p:cNvPr id="103" name="Shape 103"/>
           <p:cNvSpPr txBox="1"/>
           <p:nvPr>
             <p:ph idx="1" type="body"/>
@@ -3822,14 +4695,14 @@
         </p:nvSpPr>
         <p:spPr>
           <a:xfrm>
-            <a:off x="4572000" y="-125"/>
+            <a:off x="4572000" y="25"/>
             <a:ext cx="4572000" cy="5143500"/>
           </a:xfrm>
           <a:prstGeom prst="rect">
             <a:avLst/>
           </a:prstGeom>
           <a:solidFill>
-            <a:schemeClr val="lt2"/>
+            <a:schemeClr val="dk2"/>
           </a:solidFill>
           <a:ln>
             <a:noFill/>
@@ -4101,7 +4974,7 @@
         </p:nvSpPr>
         <p:spPr>
           <a:xfrm>
-            <a:off x="4939500" y="724075"/>
+            <a:off x="4939500" y="724200"/>
             <a:ext cx="3837000" cy="3695100"/>
           </a:xfrm>
           <a:prstGeom prst="rect">
@@ -4115,55 +4988,118 @@
               <a:spcBef>
                 <a:spcPts val="0"/>
               </a:spcBef>
-              <a:defRPr/>
+              <a:buClr>
+                <a:schemeClr val="dk1"/>
+              </a:buClr>
+              <a:defRPr>
+                <a:solidFill>
+                  <a:schemeClr val="dk1"/>
+                </a:solidFill>
+              </a:defRPr>
             </a:lvl1pPr>
             <a:lvl2pPr lvl="1">
               <a:spcBef>
                 <a:spcPts val="0"/>
               </a:spcBef>
-              <a:defRPr/>
+              <a:buClr>
+                <a:schemeClr val="dk1"/>
+              </a:buClr>
+              <a:defRPr>
+                <a:solidFill>
+                  <a:schemeClr val="dk1"/>
+                </a:solidFill>
+              </a:defRPr>
             </a:lvl2pPr>
             <a:lvl3pPr lvl="2">
               <a:spcBef>
                 <a:spcPts val="0"/>
               </a:spcBef>
-              <a:defRPr/>
+              <a:buClr>
+                <a:schemeClr val="dk1"/>
+              </a:buClr>
+              <a:defRPr>
+                <a:solidFill>
+                  <a:schemeClr val="dk1"/>
+                </a:solidFill>
+              </a:defRPr>
             </a:lvl3pPr>
             <a:lvl4pPr lvl="3">
               <a:spcBef>
                 <a:spcPts val="0"/>
               </a:spcBef>
-              <a:defRPr/>
+              <a:buClr>
+                <a:schemeClr val="dk1"/>
+              </a:buClr>
+              <a:defRPr>
+                <a:solidFill>
+                  <a:schemeClr val="dk1"/>
+                </a:solidFill>
+              </a:defRPr>
             </a:lvl4pPr>
             <a:lvl5pPr lvl="4">
               <a:spcBef>
                 <a:spcPts val="0"/>
               </a:spcBef>
-              <a:defRPr/>
+              <a:buClr>
+                <a:schemeClr val="dk1"/>
+              </a:buClr>
+              <a:defRPr>
+                <a:solidFill>
+                  <a:schemeClr val="dk1"/>
+                </a:solidFill>
+              </a:defRPr>
             </a:lvl5pPr>
             <a:lvl6pPr lvl="5">
               <a:spcBef>
                 <a:spcPts val="0"/>
               </a:spcBef>
-              <a:defRPr/>
+              <a:buClr>
+                <a:schemeClr val="dk1"/>
+              </a:buClr>
+              <a:defRPr>
+                <a:solidFill>
+                  <a:schemeClr val="dk1"/>
+                </a:solidFill>
+              </a:defRPr>
             </a:lvl6pPr>
             <a:lvl7pPr lvl="6">
               <a:spcBef>
                 <a:spcPts val="0"/>
               </a:spcBef>
-              <a:defRPr/>
+              <a:buClr>
+                <a:schemeClr val="dk1"/>
+              </a:buClr>
+              <a:defRPr>
+                <a:solidFill>
+                  <a:schemeClr val="dk1"/>
+                </a:solidFill>
+              </a:defRPr>
             </a:lvl7pPr>
             <a:lvl8pPr lvl="7">
               <a:spcBef>
                 <a:spcPts val="0"/>
               </a:spcBef>
-              <a:defRPr/>
+              <a:buClr>
+                <a:schemeClr val="dk1"/>
+              </a:buClr>
+              <a:defRPr>
+                <a:solidFill>
+                  <a:schemeClr val="dk1"/>
+                </a:solidFill>
+              </a:defRPr>
             </a:lvl8pPr>
             <a:lvl9pPr lvl="8">
               <a:spcBef>
                 <a:spcPts val="0"/>
               </a:spcBef>
-              <a:defRPr/>
+              <a:buClr>
+                <a:schemeClr val="dk1"/>
+              </a:buClr>
+              <a:defRPr>
+                <a:solidFill>
+                  <a:schemeClr val="dk1"/>
+                </a:solidFill>
+              </a:defRPr>
             </a:lvl9pPr>
           </a:lstStyle>
           <a:p/>
@@ -4316,9 +5252,14 @@
   <p:cSld>
     <p:bg>
       <p:bgPr>
-        <a:solidFill>
-          <a:schemeClr val="lt1"/>
-        </a:solidFill>
+        <a:blipFill>
+          <a:blip r:embed="rId1">
+            <a:alphaModFix/>
+          </a:blip>
+          <a:stretch>
+            <a:fillRect/>
+          </a:stretch>
+        </a:blipFill>
       </p:bgPr>
     </p:bg>
     <p:spTree>
@@ -4533,12 +5474,12 @@
                 <a:spcPts val="1600"/>
               </a:spcAft>
               <a:buClr>
-                <a:schemeClr val="dk2"/>
+                <a:schemeClr val="lt2"/>
               </a:buClr>
               <a:buSzPct val="100000"/>
               <a:defRPr sz="1800">
                 <a:solidFill>
-                  <a:schemeClr val="dk2"/>
+                  <a:schemeClr val="lt2"/>
                 </a:solidFill>
               </a:defRPr>
             </a:lvl1pPr>
@@ -4553,11 +5494,11 @@
                 <a:spcPts val="1600"/>
               </a:spcAft>
               <a:buClr>
-                <a:schemeClr val="dk2"/>
+                <a:schemeClr val="lt2"/>
               </a:buClr>
               <a:defRPr>
                 <a:solidFill>
-                  <a:schemeClr val="dk2"/>
+                  <a:schemeClr val="lt2"/>
                 </a:solidFill>
               </a:defRPr>
             </a:lvl2pPr>
@@ -4572,11 +5513,11 @@
                 <a:spcPts val="1600"/>
               </a:spcAft>
               <a:buClr>
-                <a:schemeClr val="dk2"/>
+                <a:schemeClr val="lt2"/>
               </a:buClr>
               <a:defRPr>
                 <a:solidFill>
-                  <a:schemeClr val="dk2"/>
+                  <a:schemeClr val="lt2"/>
                 </a:solidFill>
               </a:defRPr>
             </a:lvl3pPr>
@@ -4591,11 +5532,11 @@
                 <a:spcPts val="1600"/>
               </a:spcAft>
               <a:buClr>
-                <a:schemeClr val="dk2"/>
+                <a:schemeClr val="lt2"/>
               </a:buClr>
               <a:defRPr>
                 <a:solidFill>
-                  <a:schemeClr val="dk2"/>
+                  <a:schemeClr val="lt2"/>
                 </a:solidFill>
               </a:defRPr>
             </a:lvl4pPr>
@@ -4610,11 +5551,11 @@
                 <a:spcPts val="1600"/>
               </a:spcAft>
               <a:buClr>
-                <a:schemeClr val="dk2"/>
+                <a:schemeClr val="lt2"/>
               </a:buClr>
               <a:defRPr>
                 <a:solidFill>
-                  <a:schemeClr val="dk2"/>
+                  <a:schemeClr val="lt2"/>
                 </a:solidFill>
               </a:defRPr>
             </a:lvl5pPr>
@@ -4629,11 +5570,11 @@
                 <a:spcPts val="1600"/>
               </a:spcAft>
               <a:buClr>
-                <a:schemeClr val="dk2"/>
+                <a:schemeClr val="lt2"/>
               </a:buClr>
               <a:defRPr>
                 <a:solidFill>
-                  <a:schemeClr val="dk2"/>
+                  <a:schemeClr val="lt2"/>
                 </a:solidFill>
               </a:defRPr>
             </a:lvl6pPr>
@@ -4648,11 +5589,11 @@
                 <a:spcPts val="1600"/>
               </a:spcAft>
               <a:buClr>
-                <a:schemeClr val="dk2"/>
+                <a:schemeClr val="lt2"/>
               </a:buClr>
               <a:defRPr>
                 <a:solidFill>
-                  <a:schemeClr val="dk2"/>
+                  <a:schemeClr val="lt2"/>
                 </a:solidFill>
               </a:defRPr>
             </a:lvl7pPr>
@@ -4667,11 +5608,11 @@
                 <a:spcPts val="1600"/>
               </a:spcAft>
               <a:buClr>
-                <a:schemeClr val="dk2"/>
+                <a:schemeClr val="lt2"/>
               </a:buClr>
               <a:defRPr>
                 <a:solidFill>
-                  <a:schemeClr val="dk2"/>
+                  <a:schemeClr val="lt2"/>
                 </a:solidFill>
               </a:defRPr>
             </a:lvl8pPr>
@@ -4686,11 +5627,11 @@
                 <a:spcPts val="1600"/>
               </a:spcAft>
               <a:buClr>
-                <a:schemeClr val="dk2"/>
+                <a:schemeClr val="lt2"/>
               </a:buClr>
               <a:defRPr>
                 <a:solidFill>
-                  <a:schemeClr val="dk2"/>
+                  <a:schemeClr val="lt2"/>
                 </a:solidFill>
               </a:defRPr>
             </a:lvl9pPr>
@@ -4734,7 +5675,7 @@
             <a:fld id="{00000000-1234-1234-1234-123412341234}" type="slidenum">
               <a:rPr lang="en" sz="1000">
                 <a:solidFill>
-                  <a:schemeClr val="dk2"/>
+                  <a:schemeClr val="lt2"/>
                 </a:solidFill>
               </a:rPr>
               <a:t>‹#›</a:t>
@@ -4746,17 +5687,17 @@
   </p:cSld>
   <p:clrMap accent1="accent1" accent2="accent2" accent3="accent3" accent4="accent4" accent5="accent5" accent6="accent6" bg1="lt1" bg2="dk2" tx1="dk1" tx2="lt2" folHlink="folHlink" hlink="hlink"/>
   <p:sldLayoutIdLst>
-    <p:sldLayoutId id="2147483648" r:id="rId1"/>
-    <p:sldLayoutId id="2147483649" r:id="rId2"/>
-    <p:sldLayoutId id="2147483650" r:id="rId3"/>
-    <p:sldLayoutId id="2147483651" r:id="rId4"/>
-    <p:sldLayoutId id="2147483652" r:id="rId5"/>
-    <p:sldLayoutId id="2147483653" r:id="rId6"/>
-    <p:sldLayoutId id="2147483654" r:id="rId7"/>
-    <p:sldLayoutId id="2147483655" r:id="rId8"/>
-    <p:sldLayoutId id="2147483656" r:id="rId9"/>
-    <p:sldLayoutId id="2147483657" r:id="rId10"/>
-    <p:sldLayoutId id="2147483658" r:id="rId11"/>
+    <p:sldLayoutId id="2147483648" r:id="rId2"/>
+    <p:sldLayoutId id="2147483649" r:id="rId3"/>
+    <p:sldLayoutId id="2147483650" r:id="rId4"/>
+    <p:sldLayoutId id="2147483651" r:id="rId5"/>
+    <p:sldLayoutId id="2147483652" r:id="rId6"/>
+    <p:sldLayoutId id="2147483653" r:id="rId7"/>
+    <p:sldLayoutId id="2147483654" r:id="rId8"/>
+    <p:sldLayoutId id="2147483655" r:id="rId9"/>
+    <p:sldLayoutId id="2147483656" r:id="rId10"/>
+    <p:sldLayoutId id="2147483657" r:id="rId11"/>
+    <p:sldLayoutId id="2147483658" r:id="rId12"/>
   </p:sldLayoutIdLst>
   <p:hf dt="0" ftr="0" hdr="0" sldNum="0"/>
   <p:txStyles>
@@ -5205,6 +6146,13 @@
 <file path=ppt/slides/slide1.xml><?xml version="1.0" encoding="utf-8"?>
 <p:sld xmlns:a="http://schemas.openxmlformats.org/drawingml/2006/main" xmlns:r="http://schemas.openxmlformats.org/officeDocument/2006/relationships" xmlns:mc="http://schemas.openxmlformats.org/markup-compatibility/2006" xmlns:mv="urn:schemas-microsoft-com:mac:vml" xmlns:p="http://schemas.openxmlformats.org/presentationml/2006/main" xmlns:c="http://schemas.openxmlformats.org/drawingml/2006/chart" xmlns:dgm="http://schemas.openxmlformats.org/drawingml/2006/diagram" xmlns:o="urn:schemas-microsoft-com:office:office" xmlns:v="urn:schemas-microsoft-com:vml" xmlns:pvml="urn:schemas-microsoft-com:office:powerpoint" xmlns:com="http://schemas.openxmlformats.org/drawingml/2006/compatibility" xmlns:p14="http://schemas.microsoft.com/office/powerpoint/2010/main">
   <p:cSld>
+    <p:bg>
+      <p:bgPr>
+        <a:solidFill>
+          <a:srgbClr val="000000"/>
+        </a:solidFill>
+      </p:bgPr>
+    </p:bg>
     <p:spTree>
       <p:nvGrpSpPr>
         <p:cNvPr id="53" name="Shape 53"/>
@@ -5229,8 +6177,8 @@
         </p:nvSpPr>
         <p:spPr>
           <a:xfrm>
-            <a:off x="3636798" y="-3425642"/>
-            <a:ext cx="8520600" cy="2052600"/>
+            <a:off x="1282499" y="720301"/>
+            <a:ext cx="6579000" cy="1584900"/>
           </a:xfrm>
           <a:prstGeom prst="rect">
             <a:avLst/>
@@ -5250,7 +6198,7 @@
             </a:pPr>
             <a:r>
               <a:rPr lang="en"/>
-              <a:t>Notradomocile</a:t>
+              <a:t>Nostradomocile</a:t>
             </a:r>
           </a:p>
         </p:txBody>
@@ -5265,7 +6213,7 @@
         </p:nvSpPr>
         <p:spPr>
           <a:xfrm>
-            <a:off x="390525" y="2789118"/>
+            <a:off x="460950" y="2789118"/>
             <a:ext cx="8222100" cy="998700"/>
           </a:xfrm>
           <a:prstGeom prst="rect">
@@ -5285,11 +6233,31 @@
               <a:buNone/>
             </a:pPr>
             <a:r>
-              <a:rPr lang="en" sz="1800"/>
+              <a:rPr lang="en" sz="1800">
+                <a:solidFill>
+                  <a:srgbClr val="FFFFFF"/>
+                </a:solidFill>
+              </a:rPr>
               <a:t>By:</a:t>
             </a:r>
           </a:p>
           <a:p>
+            <a:pPr lvl="0" rtl="0" algn="ctr">
+              <a:spcBef>
+                <a:spcPts val="0"/>
+              </a:spcBef>
+              <a:buNone/>
+            </a:pPr>
+            <a:r>
+              <a:rPr lang="en" sz="1800">
+                <a:solidFill>
+                  <a:srgbClr val="FFFFFF"/>
+                </a:solidFill>
+              </a:rPr>
+              <a:t>Ochaun Marshall, Christian Simaan</a:t>
+            </a:r>
+          </a:p>
+          <a:p>
             <a:pPr lvl="0" algn="ctr">
               <a:spcBef>
                 <a:spcPts val="0"/>
@@ -5297,8 +6265,12 @@
               <a:buNone/>
             </a:pPr>
             <a:r>
-              <a:rPr lang="en" sz="1800"/>
-              <a:t>Ochaun Marshall, Christian Simaan, Jeremy Hutton, Richard Andrews</a:t>
+              <a:rPr lang="en" sz="1800">
+                <a:solidFill>
+                  <a:srgbClr val="FFFFFF"/>
+                </a:solidFill>
+              </a:rPr>
+              <a:t> Jeremy Hutton, Richard Andrews</a:t>
             </a:r>
           </a:p>
         </p:txBody>
@@ -5311,8 +6283,8 @@
         </p:nvSpPr>
         <p:spPr>
           <a:xfrm>
-            <a:off x="1146100" y="1355750"/>
-            <a:ext cx="6750900" cy="1478400"/>
+            <a:off x="1362750" y="2256025"/>
+            <a:ext cx="6418500" cy="533100"/>
           </a:xfrm>
           <a:prstGeom prst="rect">
             <a:avLst/>
@@ -5328,31 +6300,79 @@
           </a:bodyPr>
           <a:lstStyle/>
           <a:p>
-            <a:pPr lvl="0" rtl="0" algn="ctr">
+            <a:pPr lvl="0" algn="ctr">
               <a:spcBef>
                 <a:spcPts val="0"/>
               </a:spcBef>
               <a:buNone/>
             </a:pPr>
             <a:r>
-              <a:rPr b="1" lang="en" sz="3600"/>
-              <a:t>Project Definition and </a:t>
-            </a:r>
-          </a:p>
-          <a:p>
-            <a:pPr lvl="0" algn="ctr">
-              <a:spcBef>
-                <a:spcPts val="0"/>
-              </a:spcBef>
-              <a:buNone/>
-            </a:pPr>
-            <a:r>
-              <a:rPr b="1" lang="en" sz="3600"/>
-              <a:t>Requirements Specification</a:t>
+              <a:rPr b="1" lang="en" sz="2000">
+                <a:solidFill>
+                  <a:srgbClr val="FFFFFF"/>
+                </a:solidFill>
+              </a:rPr>
+              <a:t>Project Overview</a:t>
             </a:r>
           </a:p>
         </p:txBody>
       </p:sp>
+      <p:pic>
+        <p:nvPicPr>
+          <p:cNvPr descr="Nostradomicile_logo_invert.png" id="57" name="Shape 57"/>
+          <p:cNvPicPr preferRelativeResize="0"/>
+          <p:nvPr/>
+        </p:nvPicPr>
+        <p:blipFill>
+          <a:blip r:embed="rId3">
+            <a:alphaModFix/>
+          </a:blip>
+          <a:stretch>
+            <a:fillRect/>
+          </a:stretch>
+        </p:blipFill>
+        <p:spPr>
+          <a:xfrm>
+            <a:off x="8017525" y="3989775"/>
+            <a:ext cx="1126475" cy="1126475"/>
+          </a:xfrm>
+          <a:prstGeom prst="rect">
+            <a:avLst/>
+          </a:prstGeom>
+          <a:noFill/>
+          <a:ln>
+            <a:noFill/>
+          </a:ln>
+        </p:spPr>
+      </p:pic>
+      <p:pic>
+        <p:nvPicPr>
+          <p:cNvPr id="58" name="Shape 58"/>
+          <p:cNvPicPr preferRelativeResize="0"/>
+          <p:nvPr/>
+        </p:nvPicPr>
+        <p:blipFill>
+          <a:blip r:embed="rId4">
+            <a:alphaModFix/>
+          </a:blip>
+          <a:stretch>
+            <a:fillRect/>
+          </a:stretch>
+        </p:blipFill>
+        <p:spPr>
+          <a:xfrm>
+            <a:off x="0" y="3989774"/>
+            <a:ext cx="915349" cy="1153725"/>
+          </a:xfrm>
+          <a:prstGeom prst="rect">
+            <a:avLst/>
+          </a:prstGeom>
+          <a:noFill/>
+          <a:ln>
+            <a:noFill/>
+          </a:ln>
+        </p:spPr>
+      </p:pic>
     </p:spTree>
   </p:cSld>
   <p:clrMapOvr>
@@ -5366,7 +6386,7 @@
   <p:cSld>
     <p:spTree>
       <p:nvGrpSpPr>
-        <p:cNvPr id="111" name="Shape 111"/>
+        <p:cNvPr id="110" name="Shape 110"/>
         <p:cNvGrpSpPr/>
         <p:nvPr/>
       </p:nvGrpSpPr>
@@ -5380,7 +6400,7 @@
       </p:grpSpPr>
       <p:sp>
         <p:nvSpPr>
-          <p:cNvPr id="112" name="Shape 112"/>
+          <p:cNvPr id="111" name="Shape 111"/>
           <p:cNvSpPr txBox="1"/>
           <p:nvPr>
             <p:ph type="title"/>
@@ -5401,64 +6421,115 @@
           </a:bodyPr>
           <a:lstStyle/>
           <a:p>
-            <a:pPr lvl="0" rtl="0" algn="ctr">
-              <a:spcBef>
-                <a:spcPts val="0"/>
-              </a:spcBef>
-              <a:buClr>
-                <a:schemeClr val="dk1"/>
-              </a:buClr>
-              <a:buSzPct val="39285"/>
-              <a:buFont typeface="Arial"/>
+            <a:pPr lvl="0" algn="ctr">
+              <a:spcBef>
+                <a:spcPts val="0"/>
+              </a:spcBef>
               <a:buNone/>
             </a:pPr>
             <a:r>
               <a:rPr lang="en"/>
-              <a:t>Timeline and Feasibility (cont.)</a:t>
-            </a:r>
-          </a:p>
-          <a:p>
-            <a:pPr lvl="0">
-              <a:spcBef>
-                <a:spcPts val="0"/>
-              </a:spcBef>
-              <a:buNone/>
-            </a:pPr>
-            <a:r>
-              <a:t/>
-            </a:r>
-            <a:endParaRPr/>
+              <a:t>System Model</a:t>
+            </a:r>
           </a:p>
         </p:txBody>
       </p:sp>
-      <p:pic>
-        <p:nvPicPr>
-          <p:cNvPr descr="timeline2.PNG" id="113" name="Shape 113"/>
-          <p:cNvPicPr preferRelativeResize="0"/>
-          <p:nvPr/>
-        </p:nvPicPr>
-        <p:blipFill>
-          <a:blip r:embed="rId3">
-            <a:alphaModFix/>
-          </a:blip>
-          <a:stretch>
-            <a:fillRect/>
-          </a:stretch>
-        </p:blipFill>
-        <p:spPr>
-          <a:xfrm>
-            <a:off x="1064925" y="1017725"/>
-            <a:ext cx="7014149" cy="3837699"/>
+      <p:sp>
+        <p:nvSpPr>
+          <p:cNvPr id="112" name="Shape 112"/>
+          <p:cNvSpPr txBox="1"/>
+          <p:nvPr>
+            <p:ph idx="1" type="body"/>
+          </p:nvPr>
+        </p:nvSpPr>
+        <p:spPr>
+          <a:xfrm>
+            <a:off x="311700" y="1152475"/>
+            <a:ext cx="8520600" cy="3416400"/>
           </a:xfrm>
           <a:prstGeom prst="rect">
             <a:avLst/>
           </a:prstGeom>
-          <a:noFill/>
-          <a:ln>
-            <a:noFill/>
-          </a:ln>
-        </p:spPr>
-      </p:pic>
+        </p:spPr>
+        <p:txBody>
+          <a:bodyPr anchorCtr="0" anchor="t" bIns="91425" lIns="91425" rIns="91425" tIns="91425">
+            <a:noAutofit/>
+          </a:bodyPr>
+          <a:lstStyle/>
+          <a:p>
+            <a:pPr indent="-228600" lvl="0" marL="457200" rtl="0">
+              <a:spcBef>
+                <a:spcPts val="0"/>
+              </a:spcBef>
+              <a:buClr>
+                <a:srgbClr val="FFFFFF"/>
+              </a:buClr>
+            </a:pPr>
+            <a:r>
+              <a:rPr lang="en">
+                <a:solidFill>
+                  <a:srgbClr val="FFFFFF"/>
+                </a:solidFill>
+              </a:rPr>
+              <a:t>Frontend will handle both displaying information to the user, and getting data from the user that will allow our application to analyze attributes.</a:t>
+            </a:r>
+          </a:p>
+          <a:p>
+            <a:pPr indent="-228600" lvl="0" marL="457200" rtl="0">
+              <a:spcBef>
+                <a:spcPts val="0"/>
+              </a:spcBef>
+              <a:buClr>
+                <a:srgbClr val="FFFFFF"/>
+              </a:buClr>
+            </a:pPr>
+            <a:r>
+              <a:rPr lang="en">
+                <a:solidFill>
+                  <a:srgbClr val="FFFFFF"/>
+                </a:solidFill>
+              </a:rPr>
+              <a:t>The backend will analyze the data that the frontend gets, and send it to the machine learning functions/system. The backend will also make request to the zillow api or our database depending on the request made, and whether we have the data required.</a:t>
+            </a:r>
+          </a:p>
+          <a:p>
+            <a:pPr indent="-228600" lvl="0" marL="457200" rtl="0">
+              <a:spcBef>
+                <a:spcPts val="0"/>
+              </a:spcBef>
+              <a:buClr>
+                <a:srgbClr val="FFFFFF"/>
+              </a:buClr>
+            </a:pPr>
+            <a:r>
+              <a:rPr lang="en">
+                <a:solidFill>
+                  <a:srgbClr val="FFFFFF"/>
+                </a:solidFill>
+              </a:rPr>
+              <a:t>We will use the Random Forest Classifier to analyze the data it gets from the backend, and provide answers to the backend.</a:t>
+            </a:r>
+          </a:p>
+          <a:p>
+            <a:pPr indent="-228600" lvl="0" marL="457200" rtl="0">
+              <a:spcBef>
+                <a:spcPts val="0"/>
+              </a:spcBef>
+              <a:buClr>
+                <a:srgbClr val="FFFFFF"/>
+              </a:buClr>
+            </a:pPr>
+            <a:r>
+              <a:rPr lang="en">
+                <a:solidFill>
+                  <a:srgbClr val="FFFFFF"/>
+                </a:solidFill>
+              </a:rPr>
+              <a:t>The database will store information we get from requests to the Zillow API, as well as any other information we need to store.</a:t>
+            </a:r>
+          </a:p>
+        </p:txBody>
+      </p:sp>
     </p:spTree>
   </p:cSld>
   <p:clrMapOvr>
@@ -5472,7 +6543,7 @@
   <p:cSld>
     <p:spTree>
       <p:nvGrpSpPr>
-        <p:cNvPr id="117" name="Shape 117"/>
+        <p:cNvPr id="116" name="Shape 116"/>
         <p:cNvGrpSpPr/>
         <p:nvPr/>
       </p:nvGrpSpPr>
@@ -5486,7 +6557,7 @@
       </p:grpSpPr>
       <p:sp>
         <p:nvSpPr>
-          <p:cNvPr id="118" name="Shape 118"/>
+          <p:cNvPr id="117" name="Shape 117"/>
           <p:cNvSpPr txBox="1"/>
           <p:nvPr>
             <p:ph type="title"/>
@@ -5494,8 +6565,8 @@
         </p:nvSpPr>
         <p:spPr>
           <a:xfrm>
-            <a:off x="311700" y="445025"/>
-            <a:ext cx="8520600" cy="572700"/>
+            <a:off x="536525" y="445025"/>
+            <a:ext cx="7930500" cy="572700"/>
           </a:xfrm>
           <a:prstGeom prst="rect">
             <a:avLst/>
@@ -5507,39 +6578,22 @@
           </a:bodyPr>
           <a:lstStyle/>
           <a:p>
-            <a:pPr lvl="0" rtl="0" algn="ctr">
-              <a:spcBef>
-                <a:spcPts val="0"/>
-              </a:spcBef>
-              <a:buClr>
-                <a:schemeClr val="dk1"/>
-              </a:buClr>
-              <a:buSzPct val="39285"/>
-              <a:buFont typeface="Arial"/>
+            <a:pPr lvl="0" algn="ctr">
+              <a:spcBef>
+                <a:spcPts val="0"/>
+              </a:spcBef>
               <a:buNone/>
             </a:pPr>
             <a:r>
               <a:rPr lang="en"/>
-              <a:t>Timeline and Feasibility (cont.)</a:t>
-            </a:r>
-          </a:p>
-          <a:p>
-            <a:pPr lvl="0">
-              <a:spcBef>
-                <a:spcPts val="0"/>
-              </a:spcBef>
-              <a:buNone/>
-            </a:pPr>
-            <a:r>
-              <a:t/>
-            </a:r>
-            <a:endParaRPr/>
+              <a:t>System Model</a:t>
+            </a:r>
           </a:p>
         </p:txBody>
       </p:sp>
       <p:pic>
         <p:nvPicPr>
-          <p:cNvPr descr="timeline3.PNG" id="119" name="Shape 119"/>
+          <p:cNvPr id="118" name="Shape 118"/>
           <p:cNvPicPr preferRelativeResize="0"/>
           <p:nvPr/>
         </p:nvPicPr>
@@ -5553,8 +6607,8 @@
         </p:blipFill>
         <p:spPr>
           <a:xfrm>
-            <a:off x="1492887" y="1017728"/>
-            <a:ext cx="6158224" cy="3719799"/>
+            <a:off x="1180075" y="1093850"/>
+            <a:ext cx="6923850" cy="3510175"/>
           </a:xfrm>
           <a:prstGeom prst="rect">
             <a:avLst/>
@@ -5578,7 +6632,7 @@
   <p:cSld>
     <p:spTree>
       <p:nvGrpSpPr>
-        <p:cNvPr id="123" name="Shape 123"/>
+        <p:cNvPr id="122" name="Shape 122"/>
         <p:cNvGrpSpPr/>
         <p:nvPr/>
       </p:nvGrpSpPr>
@@ -5592,7 +6646,7 @@
       </p:grpSpPr>
       <p:sp>
         <p:nvSpPr>
-          <p:cNvPr id="124" name="Shape 124"/>
+          <p:cNvPr id="123" name="Shape 123"/>
           <p:cNvSpPr txBox="1"/>
           <p:nvPr>
             <p:ph type="title"/>
@@ -5621,14 +6675,14 @@
             </a:pPr>
             <a:r>
               <a:rPr lang="en"/>
-              <a:t>Alternative models</a:t>
+              <a:t>Alternative System Model</a:t>
             </a:r>
           </a:p>
         </p:txBody>
       </p:sp>
       <p:sp>
         <p:nvSpPr>
-          <p:cNvPr id="125" name="Shape 125"/>
+          <p:cNvPr id="124" name="Shape 124"/>
           <p:cNvSpPr txBox="1"/>
           <p:nvPr>
             <p:ph idx="1" type="body"/>
@@ -5636,8 +6690,8 @@
         </p:nvSpPr>
         <p:spPr>
           <a:xfrm>
-            <a:off x="311700" y="1152475"/>
-            <a:ext cx="8520600" cy="3416400"/>
+            <a:off x="643275" y="1152475"/>
+            <a:ext cx="8009100" cy="3416400"/>
           </a:xfrm>
           <a:prstGeom prst="rect">
             <a:avLst/>
@@ -5649,23 +6703,60 @@
           </a:bodyPr>
           <a:lstStyle/>
           <a:p>
-            <a:pPr lvl="0">
-              <a:spcBef>
-                <a:spcPts val="0"/>
-              </a:spcBef>
-              <a:buNone/>
-            </a:pPr>
-            <a:r>
-              <a:rPr lang="en"/>
-              <a:t>The model we chose to use is the following setup: AngularJS and </a:t>
-            </a:r>
-            <a:r>
-              <a:rPr lang="en"/>
-              <a:t>Bootstrap for the frontend, </a:t>
-            </a:r>
-            <a:r>
-              <a:rPr lang="en"/>
-              <a:t>Django for backend programming, Python for machine learning, MySQL for database, and AWS for cloud hosting. The following slides will show the pros and cons of our choice vs. an alternative model that we were considering.</a:t>
+            <a:pPr indent="-228600" lvl="0" marL="457200" rtl="0">
+              <a:spcBef>
+                <a:spcPts val="0"/>
+              </a:spcBef>
+              <a:buClr>
+                <a:srgbClr val="FFFFFF"/>
+              </a:buClr>
+              <a:buChar char="●"/>
+            </a:pPr>
+            <a:r>
+              <a:rPr lang="en">
+                <a:solidFill>
+                  <a:srgbClr val="FFFFFF"/>
+                </a:solidFill>
+              </a:rPr>
+              <a:t>Utilizes statistical analysis in Python rather than machine learning.</a:t>
+            </a:r>
+          </a:p>
+          <a:p>
+            <a:pPr indent="-228600" lvl="0" marL="457200" rtl="0">
+              <a:spcBef>
+                <a:spcPts val="0"/>
+              </a:spcBef>
+              <a:buClr>
+                <a:srgbClr val="FFFFFF"/>
+              </a:buClr>
+              <a:buChar char="●"/>
+            </a:pPr>
+            <a:r>
+              <a:rPr lang="en">
+                <a:solidFill>
+                  <a:srgbClr val="FFFFFF"/>
+                </a:solidFill>
+              </a:rPr>
+              <a:t>Backend relies on Ruby on Rails and MongoDB rather than Django/Python and MySQL.</a:t>
+            </a:r>
+          </a:p>
+          <a:p>
+            <a:pPr indent="-228600" lvl="0" marL="457200">
+              <a:spcBef>
+                <a:spcPts val="0"/>
+              </a:spcBef>
+              <a:buClr>
+                <a:srgbClr val="FFFFFF"/>
+              </a:buClr>
+              <a:buChar char="●"/>
+            </a:pPr>
+            <a:r>
+              <a:rPr lang="en">
+                <a:solidFill>
+                  <a:srgbClr val="FFFFFF"/>
+                </a:solidFill>
+              </a:rPr>
+              <a:t>Front end uses JavaScript, and HTML rather than Angular JS and Bootstrap.</a:t>
             </a:r>
           </a:p>
         </p:txBody>
@@ -5683,7 +6774,7 @@
   <p:cSld>
     <p:spTree>
       <p:nvGrpSpPr>
-        <p:cNvPr id="129" name="Shape 129"/>
+        <p:cNvPr id="128" name="Shape 128"/>
         <p:cNvGrpSpPr/>
         <p:nvPr/>
       </p:nvGrpSpPr>
@@ -5697,7 +6788,7 @@
       </p:grpSpPr>
       <p:sp>
         <p:nvSpPr>
-          <p:cNvPr id="130" name="Shape 130"/>
+          <p:cNvPr id="129" name="Shape 129"/>
           <p:cNvSpPr txBox="1"/>
           <p:nvPr>
             <p:ph type="title"/>
@@ -5706,7 +6797,7 @@
         <p:spPr>
           <a:xfrm>
             <a:off x="311700" y="445025"/>
-            <a:ext cx="8520600" cy="990300"/>
+            <a:ext cx="8520600" cy="572700"/>
           </a:xfrm>
           <a:prstGeom prst="rect">
             <a:avLst/>
@@ -5726,323 +6817,51 @@
             </a:pPr>
             <a:r>
               <a:rPr lang="en"/>
-              <a:t>Architecture decisions: AngularJS &amp; Bootstrap vs. Pure HTML/CSS</a:t>
-            </a:r>
+              <a:t>Alternative System Model</a:t>
+            </a:r>
+          </a:p>
+          <a:p>
+            <a:pPr lvl="0">
+              <a:spcBef>
+                <a:spcPts val="0"/>
+              </a:spcBef>
+              <a:buNone/>
+            </a:pPr>
+            <a:r>
+              <a:t/>
+            </a:r>
+            <a:endParaRPr/>
           </a:p>
         </p:txBody>
       </p:sp>
-      <p:sp>
-        <p:nvSpPr>
-          <p:cNvPr id="131" name="Shape 131"/>
-          <p:cNvSpPr txBox="1"/>
-          <p:nvPr>
-            <p:ph idx="1" type="body"/>
-          </p:nvPr>
-        </p:nvSpPr>
-        <p:spPr>
-          <a:xfrm>
-            <a:off x="311700" y="1435325"/>
-            <a:ext cx="3999900" cy="3133500"/>
+      <p:pic>
+        <p:nvPicPr>
+          <p:cNvPr id="130" name="Shape 130"/>
+          <p:cNvPicPr preferRelativeResize="0"/>
+          <p:nvPr/>
+        </p:nvPicPr>
+        <p:blipFill>
+          <a:blip r:embed="rId3">
+            <a:alphaModFix/>
+          </a:blip>
+          <a:stretch>
+            <a:fillRect/>
+          </a:stretch>
+        </p:blipFill>
+        <p:spPr>
+          <a:xfrm>
+            <a:off x="802412" y="1114128"/>
+            <a:ext cx="7539174" cy="3443350"/>
           </a:xfrm>
           <a:prstGeom prst="rect">
             <a:avLst/>
           </a:prstGeom>
-        </p:spPr>
-        <p:txBody>
-          <a:bodyPr anchorCtr="0" anchor="t" bIns="91425" lIns="91425" rIns="91425" tIns="91425">
-            <a:noAutofit/>
-          </a:bodyPr>
-          <a:lstStyle/>
-          <a:p>
-            <a:pPr lvl="0" rtl="0" algn="ctr">
-              <a:spcBef>
-                <a:spcPts val="0"/>
-              </a:spcBef>
-              <a:buNone/>
-            </a:pPr>
-            <a:r>
-              <a:rPr b="1" lang="en" u="sng"/>
-              <a:t>AngularJS &amp; Bootstrap</a:t>
-            </a:r>
-          </a:p>
-          <a:p>
-            <a:pPr indent="-228600" lvl="0" marL="457200" rtl="0">
-              <a:spcBef>
-                <a:spcPts val="0"/>
-              </a:spcBef>
-              <a:buClr>
-                <a:srgbClr val="000000"/>
-              </a:buClr>
-            </a:pPr>
-            <a:r>
-              <a:rPr lang="en">
-                <a:solidFill>
-                  <a:srgbClr val="00FF00"/>
-                </a:solidFill>
-              </a:rPr>
-              <a:t>Pro</a:t>
-            </a:r>
-            <a:r>
-              <a:rPr lang="en">
-                <a:solidFill>
-                  <a:srgbClr val="000000"/>
-                </a:solidFill>
-              </a:rPr>
-              <a:t>: It uses MVC, so it’s more organized.</a:t>
-            </a:r>
-          </a:p>
-          <a:p>
-            <a:pPr indent="-228600" lvl="0" marL="457200" rtl="0">
-              <a:spcBef>
-                <a:spcPts val="0"/>
-              </a:spcBef>
-              <a:buClr>
-                <a:srgbClr val="000000"/>
-              </a:buClr>
-            </a:pPr>
-            <a:r>
-              <a:rPr lang="en">
-                <a:solidFill>
-                  <a:srgbClr val="00FF00"/>
-                </a:solidFill>
-              </a:rPr>
-              <a:t>Pro</a:t>
-            </a:r>
-            <a:r>
-              <a:rPr lang="en">
-                <a:solidFill>
-                  <a:srgbClr val="000000"/>
-                </a:solidFill>
-              </a:rPr>
-              <a:t>: It’s easier to manipulate DOM.</a:t>
-            </a:r>
-          </a:p>
-          <a:p>
-            <a:pPr indent="-228600" lvl="0" marL="457200" rtl="0">
-              <a:spcBef>
-                <a:spcPts val="0"/>
-              </a:spcBef>
-              <a:buClr>
-                <a:srgbClr val="000000"/>
-              </a:buClr>
-            </a:pPr>
-            <a:r>
-              <a:rPr lang="en">
-                <a:solidFill>
-                  <a:srgbClr val="00FF00"/>
-                </a:solidFill>
-              </a:rPr>
-              <a:t>Pro</a:t>
-            </a:r>
-            <a:r>
-              <a:rPr lang="en">
-                <a:solidFill>
-                  <a:srgbClr val="000000"/>
-                </a:solidFill>
-              </a:rPr>
-              <a:t>: Write less code.</a:t>
-            </a:r>
-          </a:p>
-          <a:p>
-            <a:pPr indent="-228600" lvl="0" marL="457200" rtl="0">
-              <a:spcBef>
-                <a:spcPts val="0"/>
-              </a:spcBef>
-              <a:buClr>
-                <a:srgbClr val="000000"/>
-              </a:buClr>
-            </a:pPr>
-            <a:r>
-              <a:rPr lang="en">
-                <a:solidFill>
-                  <a:srgbClr val="00FF00"/>
-                </a:solidFill>
-              </a:rPr>
-              <a:t>Pro</a:t>
-            </a:r>
-            <a:r>
-              <a:rPr lang="en">
-                <a:solidFill>
-                  <a:srgbClr val="000000"/>
-                </a:solidFill>
-              </a:rPr>
-              <a:t>: Consistency and responsive.</a:t>
-            </a:r>
-          </a:p>
-          <a:p>
-            <a:pPr indent="-228600" lvl="0" marL="457200" rtl="0">
-              <a:spcBef>
-                <a:spcPts val="0"/>
-              </a:spcBef>
-              <a:buClr>
-                <a:srgbClr val="000000"/>
-              </a:buClr>
-            </a:pPr>
-            <a:r>
-              <a:rPr lang="en">
-                <a:solidFill>
-                  <a:srgbClr val="FF0000"/>
-                </a:solidFill>
-              </a:rPr>
-              <a:t>Con</a:t>
-            </a:r>
-            <a:r>
-              <a:rPr lang="en">
-                <a:solidFill>
-                  <a:srgbClr val="000000"/>
-                </a:solidFill>
-              </a:rPr>
-              <a:t>: Experience.</a:t>
-            </a:r>
-          </a:p>
-          <a:p>
-            <a:pPr indent="-228600" lvl="0" marL="457200" rtl="0">
-              <a:spcBef>
-                <a:spcPts val="0"/>
-              </a:spcBef>
-              <a:buClr>
-                <a:srgbClr val="000000"/>
-              </a:buClr>
-            </a:pPr>
-            <a:r>
-              <a:rPr lang="en">
-                <a:solidFill>
-                  <a:srgbClr val="FF0000"/>
-                </a:solidFill>
-              </a:rPr>
-              <a:t>Con</a:t>
-            </a:r>
-            <a:r>
-              <a:rPr lang="en">
-                <a:solidFill>
-                  <a:srgbClr val="000000"/>
-                </a:solidFill>
-              </a:rPr>
-              <a:t>: Have to include the dependencies of both frameworks.</a:t>
-            </a:r>
-          </a:p>
-        </p:txBody>
-      </p:sp>
-      <p:sp>
-        <p:nvSpPr>
-          <p:cNvPr id="132" name="Shape 132"/>
-          <p:cNvSpPr txBox="1"/>
-          <p:nvPr>
-            <p:ph idx="2" type="body"/>
-          </p:nvPr>
-        </p:nvSpPr>
-        <p:spPr>
-          <a:xfrm>
-            <a:off x="4832400" y="1435375"/>
-            <a:ext cx="3999900" cy="3133500"/>
-          </a:xfrm>
-          <a:prstGeom prst="rect">
-            <a:avLst/>
-          </a:prstGeom>
-        </p:spPr>
-        <p:txBody>
-          <a:bodyPr anchorCtr="0" anchor="t" bIns="91425" lIns="91425" rIns="91425" tIns="91425">
-            <a:noAutofit/>
-          </a:bodyPr>
-          <a:lstStyle/>
-          <a:p>
-            <a:pPr lvl="0" rtl="0" algn="ctr">
-              <a:spcBef>
-                <a:spcPts val="0"/>
-              </a:spcBef>
-              <a:buNone/>
-            </a:pPr>
-            <a:r>
-              <a:rPr b="1" lang="en" u="sng"/>
-              <a:t>Pure HTML/CSS</a:t>
-            </a:r>
-          </a:p>
-          <a:p>
-            <a:pPr indent="-228600" lvl="0" marL="457200" rtl="0">
-              <a:spcBef>
-                <a:spcPts val="0"/>
-              </a:spcBef>
-            </a:pPr>
-            <a:r>
-              <a:rPr lang="en">
-                <a:solidFill>
-                  <a:srgbClr val="00FF00"/>
-                </a:solidFill>
-              </a:rPr>
-              <a:t>Pro</a:t>
-            </a:r>
-            <a:r>
-              <a:rPr lang="en"/>
-              <a:t>: Can write/code only what you need, instead of strictly following MVC.</a:t>
-            </a:r>
-          </a:p>
-          <a:p>
-            <a:pPr indent="-228600" lvl="0" marL="457200" rtl="0">
-              <a:spcBef>
-                <a:spcPts val="0"/>
-              </a:spcBef>
-            </a:pPr>
-            <a:r>
-              <a:rPr lang="en">
-                <a:solidFill>
-                  <a:srgbClr val="00FF00"/>
-                </a:solidFill>
-              </a:rPr>
-              <a:t>Pro</a:t>
-            </a:r>
-            <a:r>
-              <a:rPr lang="en"/>
-              <a:t>: None, or not as many, dependencies. </a:t>
-            </a:r>
-          </a:p>
-          <a:p>
-            <a:pPr indent="-228600" lvl="0" marL="457200" rtl="0">
-              <a:spcBef>
-                <a:spcPts val="0"/>
-              </a:spcBef>
-            </a:pPr>
-            <a:r>
-              <a:rPr lang="en">
-                <a:solidFill>
-                  <a:srgbClr val="FF0000"/>
-                </a:solidFill>
-              </a:rPr>
-              <a:t>Con</a:t>
-            </a:r>
-            <a:r>
-              <a:rPr lang="en"/>
-              <a:t>: Not as </a:t>
-            </a:r>
-            <a:r>
-              <a:rPr lang="en"/>
-              <a:t>consistent</a:t>
-            </a:r>
-            <a:r>
-              <a:rPr lang="en"/>
-              <a:t> or responsive.</a:t>
-            </a:r>
-          </a:p>
-          <a:p>
-            <a:pPr indent="-228600" lvl="0" marL="457200" rtl="0">
-              <a:spcBef>
-                <a:spcPts val="0"/>
-              </a:spcBef>
-            </a:pPr>
-            <a:r>
-              <a:rPr lang="en">
-                <a:solidFill>
-                  <a:srgbClr val="FF0000"/>
-                </a:solidFill>
-              </a:rPr>
-              <a:t>Con</a:t>
-            </a:r>
-            <a:r>
-              <a:rPr lang="en"/>
-              <a:t>: Harder to manipulate DOM.</a:t>
-            </a:r>
-          </a:p>
-        </p:txBody>
-      </p:sp>
+          <a:noFill/>
+          <a:ln>
+            <a:noFill/>
+          </a:ln>
+        </p:spPr>
+      </p:pic>
     </p:spTree>
   </p:cSld>
   <p:clrMapOvr>
@@ -6056,7 +6875,7 @@
   <p:cSld>
     <p:spTree>
       <p:nvGrpSpPr>
-        <p:cNvPr id="136" name="Shape 136"/>
+        <p:cNvPr id="134" name="Shape 134"/>
         <p:cNvGrpSpPr/>
         <p:nvPr/>
       </p:nvGrpSpPr>
@@ -6070,7 +6889,7 @@
       </p:grpSpPr>
       <p:sp>
         <p:nvSpPr>
-          <p:cNvPr id="137" name="Shape 137"/>
+          <p:cNvPr id="135" name="Shape 135"/>
           <p:cNvSpPr txBox="1"/>
           <p:nvPr>
             <p:ph type="title"/>
@@ -6099,18 +6918,14 @@
             </a:pPr>
             <a:r>
               <a:rPr lang="en"/>
-              <a:t>Architecture </a:t>
-            </a:r>
-            <a:r>
-              <a:rPr lang="en"/>
-              <a:t>decisions: Ruby on Rails VS Django</a:t>
+              <a:t>Subsystems</a:t>
             </a:r>
           </a:p>
         </p:txBody>
       </p:sp>
       <p:sp>
         <p:nvSpPr>
-          <p:cNvPr id="138" name="Shape 138"/>
+          <p:cNvPr id="136" name="Shape 136"/>
           <p:cNvSpPr txBox="1"/>
           <p:nvPr>
             <p:ph idx="1" type="body"/>
@@ -6119,7 +6934,7 @@
         <p:spPr>
           <a:xfrm>
             <a:off x="311700" y="1152475"/>
-            <a:ext cx="3999900" cy="3416400"/>
+            <a:ext cx="8520600" cy="3416400"/>
           </a:xfrm>
           <a:prstGeom prst="rect">
             <a:avLst/>
@@ -6131,186 +6946,39 @@
           </a:bodyPr>
           <a:lstStyle/>
           <a:p>
-            <a:pPr lvl="0" rtl="0" algn="ctr">
-              <a:spcBef>
-                <a:spcPts val="0"/>
-              </a:spcBef>
-              <a:buNone/>
-            </a:pPr>
-            <a:r>
-              <a:rPr b="1" lang="en" u="sng"/>
-              <a:t>Django</a:t>
-            </a:r>
-          </a:p>
-          <a:p>
             <a:pPr indent="-228600" lvl="0" marL="457200" rtl="0">
               <a:spcBef>
                 <a:spcPts val="0"/>
               </a:spcBef>
               <a:buClr>
-                <a:srgbClr val="000000"/>
+                <a:srgbClr val="FFFFFF"/>
               </a:buClr>
             </a:pPr>
             <a:r>
               <a:rPr lang="en">
                 <a:solidFill>
-                  <a:srgbClr val="00FF00"/>
-                </a:solidFill>
-              </a:rPr>
-              <a:t>Pro:</a:t>
-            </a:r>
-            <a:r>
-              <a:rPr lang="en">
-                <a:solidFill>
-                  <a:srgbClr val="000000"/>
-                </a:solidFill>
-              </a:rPr>
-              <a:t> Since we’re doing our machine learning in Python, we wouldn’t have to use too many different languages as it may over complicate things.</a:t>
-            </a:r>
-          </a:p>
-          <a:p>
-            <a:pPr indent="-228600" lvl="0" marL="457200" rtl="0">
+                  <a:srgbClr val="FFFFFF"/>
+                </a:solidFill>
+              </a:rPr>
+              <a:t>Frontend: The angular and bootstrap will be broken down into sections. Some sections will be dedicated to explaining to the user what this web application does. Other sections will get user input from the user in order to feed the input into the backend. Lastly several other sections will be about displaying the information that is retrieved from the backend after it has been analyzed.</a:t>
+            </a:r>
+          </a:p>
+          <a:p>
+            <a:pPr indent="-228600" lvl="0" marL="457200">
               <a:spcBef>
                 <a:spcPts val="0"/>
               </a:spcBef>
               <a:buClr>
-                <a:srgbClr val="000000"/>
+                <a:srgbClr val="FFFFFF"/>
               </a:buClr>
             </a:pPr>
             <a:r>
               <a:rPr lang="en">
                 <a:solidFill>
-                  <a:srgbClr val="00FF00"/>
-                </a:solidFill>
-              </a:rPr>
-              <a:t>Pro</a:t>
-            </a:r>
-            <a:r>
-              <a:rPr lang="en">
-                <a:solidFill>
-                  <a:srgbClr val="000000"/>
-                </a:solidFill>
-              </a:rPr>
-              <a:t>: Better code readability since it uses Python (Indents).</a:t>
-            </a:r>
-          </a:p>
-          <a:p>
-            <a:pPr indent="-228600" lvl="0" marL="457200">
-              <a:spcBef>
-                <a:spcPts val="0"/>
-              </a:spcBef>
-              <a:buClr>
-                <a:srgbClr val="000000"/>
-              </a:buClr>
-            </a:pPr>
-            <a:r>
-              <a:rPr lang="en">
-                <a:solidFill>
-                  <a:srgbClr val="FF0000"/>
-                </a:solidFill>
-              </a:rPr>
-              <a:t>Con</a:t>
-            </a:r>
-            <a:r>
-              <a:rPr lang="en">
-                <a:solidFill>
-                  <a:srgbClr val="000000"/>
-                </a:solidFill>
-              </a:rPr>
-              <a:t>: No experience with this framework.</a:t>
-            </a:r>
-          </a:p>
-        </p:txBody>
-      </p:sp>
-      <p:sp>
-        <p:nvSpPr>
-          <p:cNvPr id="139" name="Shape 139"/>
-          <p:cNvSpPr txBox="1"/>
-          <p:nvPr>
-            <p:ph idx="2" type="body"/>
-          </p:nvPr>
-        </p:nvSpPr>
-        <p:spPr>
-          <a:xfrm>
-            <a:off x="4832400" y="1152475"/>
-            <a:ext cx="3999900" cy="3416400"/>
-          </a:xfrm>
-          <a:prstGeom prst="rect">
-            <a:avLst/>
-          </a:prstGeom>
-        </p:spPr>
-        <p:txBody>
-          <a:bodyPr anchorCtr="0" anchor="t" bIns="91425" lIns="91425" rIns="91425" tIns="91425">
-            <a:noAutofit/>
-          </a:bodyPr>
-          <a:lstStyle/>
-          <a:p>
-            <a:pPr lvl="0" rtl="0" algn="ctr">
-              <a:spcBef>
-                <a:spcPts val="0"/>
-              </a:spcBef>
-              <a:buNone/>
-            </a:pPr>
-            <a:r>
-              <a:rPr b="1" lang="en" u="sng"/>
-              <a:t>Ruby on Rails</a:t>
-            </a:r>
-          </a:p>
-          <a:p>
-            <a:pPr indent="-228600" lvl="0" marL="457200" rtl="0">
-              <a:spcBef>
-                <a:spcPts val="0"/>
-              </a:spcBef>
-            </a:pPr>
-            <a:r>
-              <a:rPr lang="en">
-                <a:solidFill>
-                  <a:srgbClr val="00FF00"/>
-                </a:solidFill>
-              </a:rPr>
-              <a:t>Pro</a:t>
-            </a:r>
-            <a:r>
-              <a:rPr lang="en"/>
-              <a:t>: Some experience with this framework.</a:t>
-            </a:r>
-          </a:p>
-          <a:p>
-            <a:pPr indent="-228600" lvl="0" marL="457200" rtl="0">
-              <a:spcBef>
-                <a:spcPts val="0"/>
-              </a:spcBef>
-            </a:pPr>
-            <a:r>
-              <a:rPr lang="en">
-                <a:solidFill>
-                  <a:srgbClr val="00FF00"/>
-                </a:solidFill>
-              </a:rPr>
-              <a:t>Pro</a:t>
-            </a:r>
-            <a:r>
-              <a:rPr lang="en"/>
-              <a:t>: Probably has a better edge over Django for web development.</a:t>
-            </a:r>
-          </a:p>
-          <a:p>
-            <a:pPr indent="-228600" lvl="0" marL="457200">
-              <a:spcBef>
-                <a:spcPts val="0"/>
-              </a:spcBef>
-            </a:pPr>
-            <a:r>
-              <a:rPr lang="en">
-                <a:solidFill>
-                  <a:srgbClr val="FF0000"/>
-                </a:solidFill>
-              </a:rPr>
-              <a:t>Con</a:t>
-            </a:r>
-            <a:r>
-              <a:rPr lang="en"/>
-              <a:t>: Wouldn’t as easily tie in with the machine learning because of the separate languages.</a:t>
+                  <a:srgbClr val="FFFFFF"/>
+                </a:solidFill>
+              </a:rPr>
+              <a:t>Backend: The Django backend will also be broken into many different functions, but it will follow a MVC format. Functions such as making calls to the Zillow API, querying the database, sending data to the frontend to be displayed, etc.</a:t>
             </a:r>
           </a:p>
         </p:txBody>
@@ -6328,7 +6996,7 @@
   <p:cSld>
     <p:spTree>
       <p:nvGrpSpPr>
-        <p:cNvPr id="143" name="Shape 143"/>
+        <p:cNvPr id="140" name="Shape 140"/>
         <p:cNvGrpSpPr/>
         <p:nvPr/>
       </p:nvGrpSpPr>
@@ -6342,7 +7010,7 @@
       </p:grpSpPr>
       <p:sp>
         <p:nvSpPr>
-          <p:cNvPr id="144" name="Shape 144"/>
+          <p:cNvPr id="141" name="Shape 141"/>
           <p:cNvSpPr txBox="1"/>
           <p:nvPr>
             <p:ph type="title"/>
@@ -6350,8 +7018,8 @@
         </p:nvSpPr>
         <p:spPr>
           <a:xfrm>
-            <a:off x="311700" y="445025"/>
-            <a:ext cx="8520600" cy="572700"/>
+            <a:off x="497300" y="445025"/>
+            <a:ext cx="8160600" cy="572700"/>
           </a:xfrm>
           <a:prstGeom prst="rect">
             <a:avLst/>
@@ -6371,349 +7039,39 @@
             </a:pPr>
             <a:r>
               <a:rPr lang="en"/>
-              <a:t>Hosting decision: Cloud Hosting vs Local Ho</a:t>
-            </a:r>
-            <a:r>
-              <a:rPr lang="en"/>
-              <a:t>sting </a:t>
+              <a:t>Subsystem Model</a:t>
             </a:r>
           </a:p>
         </p:txBody>
       </p:sp>
-      <p:sp>
-        <p:nvSpPr>
-          <p:cNvPr id="145" name="Shape 145"/>
-          <p:cNvSpPr txBox="1"/>
-          <p:nvPr>
-            <p:ph idx="1" type="body"/>
-          </p:nvPr>
-        </p:nvSpPr>
-        <p:spPr>
-          <a:xfrm>
-            <a:off x="311700" y="1152475"/>
-            <a:ext cx="3999900" cy="3416400"/>
+      <p:pic>
+        <p:nvPicPr>
+          <p:cNvPr id="142" name="Shape 142"/>
+          <p:cNvPicPr preferRelativeResize="0"/>
+          <p:nvPr/>
+        </p:nvPicPr>
+        <p:blipFill>
+          <a:blip r:embed="rId3">
+            <a:alphaModFix/>
+          </a:blip>
+          <a:stretch>
+            <a:fillRect/>
+          </a:stretch>
+        </p:blipFill>
+        <p:spPr>
+          <a:xfrm>
+            <a:off x="1612775" y="945674"/>
+            <a:ext cx="5657424" cy="3872450"/>
           </a:xfrm>
           <a:prstGeom prst="rect">
             <a:avLst/>
           </a:prstGeom>
-        </p:spPr>
-        <p:txBody>
-          <a:bodyPr anchorCtr="0" anchor="t" bIns="91425" lIns="91425" rIns="91425" tIns="91425">
-            <a:noAutofit/>
-          </a:bodyPr>
-          <a:lstStyle/>
-          <a:p>
-            <a:pPr lvl="0" algn="ctr">
-              <a:spcBef>
-                <a:spcPts val="0"/>
-              </a:spcBef>
-              <a:buNone/>
-            </a:pPr>
-            <a:r>
-              <a:rPr b="1" lang="en" u="sng"/>
-              <a:t>Cloud</a:t>
-            </a:r>
-          </a:p>
-          <a:p>
-            <a:pPr indent="-228600" lvl="0" marL="457200" rtl="0">
-              <a:spcBef>
-                <a:spcPts val="0"/>
-              </a:spcBef>
-            </a:pPr>
-            <a:r>
-              <a:rPr lang="en">
-                <a:solidFill>
-                  <a:srgbClr val="00FF00"/>
-                </a:solidFill>
-              </a:rPr>
-              <a:t>Pro</a:t>
-            </a:r>
-            <a:r>
-              <a:rPr lang="en">
-                <a:solidFill>
-                  <a:srgbClr val="000000"/>
-                </a:solidFill>
-              </a:rPr>
-              <a:t>: Cloud hosting would give us </a:t>
-            </a:r>
-            <a:r>
-              <a:rPr lang="en">
-                <a:solidFill>
-                  <a:srgbClr val="000000"/>
-                </a:solidFill>
-              </a:rPr>
-              <a:t>24/7 access.</a:t>
-            </a:r>
-          </a:p>
-          <a:p>
-            <a:pPr indent="-228600" lvl="0" marL="457200" rtl="0">
-              <a:spcBef>
-                <a:spcPts val="0"/>
-              </a:spcBef>
-            </a:pPr>
-            <a:r>
-              <a:rPr lang="en">
-                <a:solidFill>
-                  <a:srgbClr val="00FF00"/>
-                </a:solidFill>
-              </a:rPr>
-              <a:t>Pro:</a:t>
-            </a:r>
-            <a:r>
-              <a:rPr lang="en">
-                <a:solidFill>
-                  <a:srgbClr val="000000"/>
-                </a:solidFill>
-              </a:rPr>
-              <a:t> It wouldn’t expend individual members computing resources.</a:t>
-            </a:r>
-          </a:p>
-          <a:p>
-            <a:pPr indent="-228600" lvl="0" marL="457200" rtl="0">
-              <a:spcBef>
-                <a:spcPts val="0"/>
-              </a:spcBef>
-              <a:buClr>
-                <a:srgbClr val="000000"/>
-              </a:buClr>
-            </a:pPr>
-            <a:r>
-              <a:rPr lang="en">
-                <a:solidFill>
-                  <a:srgbClr val="00FF00"/>
-                </a:solidFill>
-              </a:rPr>
-              <a:t>Pro</a:t>
-            </a:r>
-            <a:r>
-              <a:rPr lang="en">
-                <a:solidFill>
-                  <a:srgbClr val="000000"/>
-                </a:solidFill>
-              </a:rPr>
-              <a:t>: Easier to scale.</a:t>
-            </a:r>
-          </a:p>
-          <a:p>
-            <a:pPr indent="-228600" lvl="0" marL="457200" rtl="0">
-              <a:spcBef>
-                <a:spcPts val="0"/>
-              </a:spcBef>
-              <a:buClr>
-                <a:srgbClr val="000000"/>
-              </a:buClr>
-            </a:pPr>
-            <a:r>
-              <a:rPr lang="en">
-                <a:solidFill>
-                  <a:srgbClr val="00FF00"/>
-                </a:solidFill>
-              </a:rPr>
-              <a:t>Pro</a:t>
-            </a:r>
-            <a:r>
-              <a:rPr lang="en">
-                <a:solidFill>
-                  <a:srgbClr val="000000"/>
-                </a:solidFill>
-              </a:rPr>
-              <a:t>: Has support if we run into problems.</a:t>
-            </a:r>
-          </a:p>
-          <a:p>
-            <a:pPr indent="-228600" lvl="0" marL="457200" rtl="0">
-              <a:spcBef>
-                <a:spcPts val="0"/>
-              </a:spcBef>
-              <a:buClr>
-                <a:srgbClr val="000000"/>
-              </a:buClr>
-            </a:pPr>
-            <a:r>
-              <a:rPr lang="en">
-                <a:solidFill>
-                  <a:srgbClr val="FF0000"/>
-                </a:solidFill>
-              </a:rPr>
-              <a:t>Con</a:t>
-            </a:r>
-            <a:r>
-              <a:rPr lang="en">
-                <a:solidFill>
-                  <a:srgbClr val="000000"/>
-                </a:solidFill>
-              </a:rPr>
-              <a:t>: Cost money.</a:t>
-            </a:r>
-          </a:p>
-          <a:p>
-            <a:pPr indent="-228600" lvl="0" marL="457200">
-              <a:spcBef>
-                <a:spcPts val="0"/>
-              </a:spcBef>
-              <a:buClr>
-                <a:srgbClr val="000000"/>
-              </a:buClr>
-            </a:pPr>
-            <a:r>
-              <a:rPr lang="en">
-                <a:solidFill>
-                  <a:srgbClr val="FF0000"/>
-                </a:solidFill>
-              </a:rPr>
-              <a:t>Con</a:t>
-            </a:r>
-            <a:r>
-              <a:rPr lang="en">
-                <a:solidFill>
-                  <a:srgbClr val="000000"/>
-                </a:solidFill>
-              </a:rPr>
-              <a:t>: Requires internet access.</a:t>
-            </a:r>
-          </a:p>
-        </p:txBody>
-      </p:sp>
-      <p:sp>
-        <p:nvSpPr>
-          <p:cNvPr id="146" name="Shape 146"/>
-          <p:cNvSpPr txBox="1"/>
-          <p:nvPr>
-            <p:ph idx="2" type="body"/>
-          </p:nvPr>
-        </p:nvSpPr>
-        <p:spPr>
-          <a:xfrm>
-            <a:off x="4832400" y="1152475"/>
-            <a:ext cx="3999900" cy="3416400"/>
-          </a:xfrm>
-          <a:prstGeom prst="rect">
-            <a:avLst/>
-          </a:prstGeom>
-        </p:spPr>
-        <p:txBody>
-          <a:bodyPr anchorCtr="0" anchor="t" bIns="91425" lIns="91425" rIns="91425" tIns="91425">
-            <a:noAutofit/>
-          </a:bodyPr>
-          <a:lstStyle/>
-          <a:p>
-            <a:pPr lvl="0" algn="ctr">
-              <a:spcBef>
-                <a:spcPts val="0"/>
-              </a:spcBef>
-              <a:buNone/>
-            </a:pPr>
-            <a:r>
-              <a:rPr b="1" lang="en" u="sng"/>
-              <a:t>Localhost</a:t>
-            </a:r>
-          </a:p>
-          <a:p>
-            <a:pPr indent="-228600" lvl="0" marL="457200" rtl="0">
-              <a:spcBef>
-                <a:spcPts val="0"/>
-              </a:spcBef>
-              <a:buClr>
-                <a:srgbClr val="000000"/>
-              </a:buClr>
-            </a:pPr>
-            <a:r>
-              <a:rPr lang="en">
-                <a:solidFill>
-                  <a:srgbClr val="00FF00"/>
-                </a:solidFill>
-              </a:rPr>
-              <a:t>Pro</a:t>
-            </a:r>
-            <a:r>
-              <a:rPr lang="en">
-                <a:solidFill>
-                  <a:srgbClr val="000000"/>
-                </a:solidFill>
-              </a:rPr>
-              <a:t>: More control.</a:t>
-            </a:r>
-          </a:p>
-          <a:p>
-            <a:pPr indent="-228600" lvl="0" marL="457200" rtl="0">
-              <a:spcBef>
-                <a:spcPts val="0"/>
-              </a:spcBef>
-              <a:buClr>
-                <a:srgbClr val="000000"/>
-              </a:buClr>
-            </a:pPr>
-            <a:r>
-              <a:rPr lang="en">
-                <a:solidFill>
-                  <a:srgbClr val="00FF00"/>
-                </a:solidFill>
-              </a:rPr>
-              <a:t>Pro</a:t>
-            </a:r>
-            <a:r>
-              <a:rPr lang="en">
-                <a:solidFill>
-                  <a:srgbClr val="000000"/>
-                </a:solidFill>
-              </a:rPr>
-              <a:t>: Free.</a:t>
-            </a:r>
-          </a:p>
-          <a:p>
-            <a:pPr indent="-228600" lvl="0" marL="457200" rtl="0">
-              <a:spcBef>
-                <a:spcPts val="0"/>
-              </a:spcBef>
-              <a:buClr>
-                <a:srgbClr val="000000"/>
-              </a:buClr>
-            </a:pPr>
-            <a:r>
-              <a:rPr lang="en">
-                <a:solidFill>
-                  <a:srgbClr val="00FF00"/>
-                </a:solidFill>
-              </a:rPr>
-              <a:t>Pro</a:t>
-            </a:r>
-            <a:r>
-              <a:rPr lang="en">
-                <a:solidFill>
-                  <a:srgbClr val="000000"/>
-                </a:solidFill>
-              </a:rPr>
-              <a:t>: More security.</a:t>
-            </a:r>
-          </a:p>
-          <a:p>
-            <a:pPr indent="-228600" lvl="0" marL="457200">
-              <a:spcBef>
-                <a:spcPts val="0"/>
-              </a:spcBef>
-              <a:buClr>
-                <a:srgbClr val="000000"/>
-              </a:buClr>
-            </a:pPr>
-            <a:r>
-              <a:rPr lang="en">
-                <a:solidFill>
-                  <a:srgbClr val="FF0000"/>
-                </a:solidFill>
-              </a:rPr>
-              <a:t>Con</a:t>
-            </a:r>
-            <a:r>
-              <a:rPr lang="en">
-                <a:solidFill>
-                  <a:srgbClr val="000000"/>
-                </a:solidFill>
-              </a:rPr>
-              <a:t>: We might have problems presenting via localhost.</a:t>
-            </a:r>
-          </a:p>
-        </p:txBody>
-      </p:sp>
+          <a:noFill/>
+          <a:ln>
+            <a:noFill/>
+          </a:ln>
+        </p:spPr>
+      </p:pic>
     </p:spTree>
   </p:cSld>
   <p:clrMapOvr>
@@ -6727,7 +7085,7 @@
   <p:cSld>
     <p:spTree>
       <p:nvGrpSpPr>
-        <p:cNvPr id="150" name="Shape 150"/>
+        <p:cNvPr id="146" name="Shape 146"/>
         <p:cNvGrpSpPr/>
         <p:nvPr/>
       </p:nvGrpSpPr>
@@ -6741,7 +7099,7 @@
       </p:grpSpPr>
       <p:sp>
         <p:nvSpPr>
-          <p:cNvPr id="151" name="Shape 151"/>
+          <p:cNvPr id="147" name="Shape 147"/>
           <p:cNvSpPr txBox="1"/>
           <p:nvPr>
             <p:ph type="title"/>
@@ -6762,7 +7120,7 @@
           </a:bodyPr>
           <a:lstStyle/>
           <a:p>
-            <a:pPr lvl="0" algn="ctr">
+            <a:pPr lvl="0" rtl="0" algn="ctr">
               <a:spcBef>
                 <a:spcPts val="0"/>
               </a:spcBef>
@@ -6770,14 +7128,14 @@
             </a:pPr>
             <a:r>
               <a:rPr lang="en"/>
-              <a:t>Database decision: MySQL VS MongoDB</a:t>
+              <a:t>Subsystems</a:t>
             </a:r>
           </a:p>
         </p:txBody>
       </p:sp>
       <p:sp>
         <p:nvSpPr>
-          <p:cNvPr id="152" name="Shape 152"/>
+          <p:cNvPr id="148" name="Shape 148"/>
           <p:cNvSpPr txBox="1"/>
           <p:nvPr>
             <p:ph idx="1" type="body"/>
@@ -6785,8 +7143,8 @@
         </p:nvSpPr>
         <p:spPr>
           <a:xfrm>
-            <a:off x="311700" y="1152475"/>
-            <a:ext cx="3999900" cy="3416400"/>
+            <a:off x="474775" y="1152475"/>
+            <a:ext cx="8184000" cy="3416400"/>
           </a:xfrm>
           <a:prstGeom prst="rect">
             <a:avLst/>
@@ -6798,34 +7156,75 @@
           </a:bodyPr>
           <a:lstStyle/>
           <a:p>
-            <a:pPr lvl="0" rtl="0" algn="ctr">
-              <a:spcBef>
-                <a:spcPts val="0"/>
-              </a:spcBef>
-              <a:buNone/>
-            </a:pPr>
-            <a:r>
-              <a:rPr b="1" lang="en" u="sng"/>
-              <a:t>MySQL</a:t>
-            </a:r>
-          </a:p>
-          <a:p>
             <a:pPr indent="-228600" lvl="0" marL="457200" rtl="0">
               <a:spcBef>
                 <a:spcPts val="0"/>
               </a:spcBef>
-            </a:pPr>
-            <a:r>
-              <a:rPr lang="en">
-                <a:solidFill>
-                  <a:srgbClr val="00FF00"/>
-                </a:solidFill>
-              </a:rPr>
-              <a:t>Pro</a:t>
-            </a:r>
-            <a:r>
-              <a:rPr lang="en"/>
-              <a:t>: Several members of our group have experience with MySQL.</a:t>
+              <a:buClr>
+                <a:srgbClr val="FFFFFF"/>
+              </a:buClr>
+            </a:pPr>
+            <a:r>
+              <a:rPr lang="en">
+                <a:solidFill>
+                  <a:srgbClr val="FFFFFF"/>
+                </a:solidFill>
+              </a:rPr>
+              <a:t>MySQL Database - data stored in relational DB, updated on scheduled basis. Will include, among other things:</a:t>
+            </a:r>
+          </a:p>
+          <a:p>
+            <a:pPr indent="-228600" lvl="1" marL="914400" rtl="0">
+              <a:spcBef>
+                <a:spcPts val="0"/>
+              </a:spcBef>
+              <a:buClr>
+                <a:srgbClr val="FFFFFF"/>
+              </a:buClr>
+            </a:pPr>
+            <a:r>
+              <a:rPr lang="en">
+                <a:solidFill>
+                  <a:srgbClr val="FFFFFF"/>
+                </a:solidFill>
+              </a:rPr>
+              <a:t>Zipcode</a:t>
+            </a:r>
+          </a:p>
+          <a:p>
+            <a:pPr indent="-228600" lvl="1" marL="914400" rtl="0">
+              <a:spcBef>
+                <a:spcPts val="0"/>
+              </a:spcBef>
+              <a:buClr>
+                <a:srgbClr val="FFFFFF"/>
+              </a:buClr>
+            </a:pPr>
+            <a:r>
+              <a:rPr lang="en">
+                <a:solidFill>
+                  <a:srgbClr val="FFFFFF"/>
+                </a:solidFill>
+              </a:rPr>
+              <a:t>Status (sold/unsold)</a:t>
+            </a:r>
+          </a:p>
+          <a:p>
+            <a:pPr indent="-228600" lvl="1" marL="914400" rtl="0">
+              <a:spcBef>
+                <a:spcPts val="0"/>
+              </a:spcBef>
+              <a:buClr>
+                <a:srgbClr val="FFFFFF"/>
+              </a:buClr>
+            </a:pPr>
+            <a:r>
+              <a:rPr lang="en">
+                <a:solidFill>
+                  <a:srgbClr val="FFFFFF"/>
+                </a:solidFill>
+              </a:rPr>
+              <a:t>Home attributes (floor type, parking, etc.)</a:t>
             </a:r>
           </a:p>
           <a:p>
@@ -6833,18 +7232,71 @@
               <a:spcBef>
                 <a:spcPts val="0"/>
               </a:spcBef>
-            </a:pPr>
-            <a:r>
-              <a:rPr lang="en">
-                <a:solidFill>
-                  <a:srgbClr val="00FF00"/>
-                </a:solidFill>
-              </a:rPr>
-              <a:t>Pro</a:t>
-            </a:r>
-            <a:r>
-              <a:rPr lang="en"/>
-              <a:t>: Is a relational database, so handles a lot of work automatically that we might not want to handle manually.</a:t>
+              <a:buClr>
+                <a:srgbClr val="FFFFFF"/>
+              </a:buClr>
+            </a:pPr>
+            <a:r>
+              <a:rPr lang="en">
+                <a:solidFill>
+                  <a:srgbClr val="FFFFFF"/>
+                </a:solidFill>
+              </a:rPr>
+              <a:t>Machine Learning with Random Forest. </a:t>
+            </a:r>
+          </a:p>
+          <a:p>
+            <a:pPr indent="-228600" lvl="1" marL="914400" rtl="0">
+              <a:spcBef>
+                <a:spcPts val="0"/>
+              </a:spcBef>
+              <a:buClr>
+                <a:srgbClr val="FFFFFF"/>
+              </a:buClr>
+            </a:pPr>
+            <a:r>
+              <a:rPr lang="en">
+                <a:solidFill>
+                  <a:srgbClr val="FFFFFF"/>
+                </a:solidFill>
+              </a:rPr>
+              <a:t>Binary classifications on categorical features are easy </a:t>
+            </a:r>
+          </a:p>
+          <a:p>
+            <a:pPr indent="-228600" lvl="1" marL="914400" rtl="0">
+              <a:spcBef>
+                <a:spcPts val="0"/>
+              </a:spcBef>
+              <a:buClr>
+                <a:srgbClr val="FFFFFF"/>
+              </a:buClr>
+            </a:pPr>
+            <a:r>
+              <a:rPr lang="en">
+                <a:solidFill>
+                  <a:srgbClr val="FFFFFF"/>
+                </a:solidFill>
+              </a:rPr>
+              <a:t>Generates an ensemble of decisions and uses the majority classification of those trees to determine result</a:t>
+            </a:r>
+          </a:p>
+          <a:p>
+            <a:pPr indent="-228600" lvl="1" marL="914400" rtl="0">
+              <a:spcBef>
+                <a:spcPts val="0"/>
+              </a:spcBef>
+              <a:buClr>
+                <a:srgbClr val="FFFFFF"/>
+              </a:buClr>
+            </a:pPr>
+            <a:r>
+              <a:rPr lang="en">
+                <a:solidFill>
+                  <a:srgbClr val="FFFFFF"/>
+                </a:solidFill>
+              </a:rPr>
+              <a:t>Will be implemented using Scikit-learn library in Python</a:t>
             </a:r>
           </a:p>
           <a:p>
@@ -6852,158 +7304,35 @@
               <a:spcBef>
                 <a:spcPts val="0"/>
               </a:spcBef>
-            </a:pPr>
-            <a:r>
-              <a:rPr lang="en">
-                <a:solidFill>
-                  <a:srgbClr val="FF0000"/>
-                </a:solidFill>
-              </a:rPr>
-              <a:t>Con</a:t>
-            </a:r>
-            <a:r>
-              <a:rPr lang="en"/>
-              <a:t>: Not as fast as a NoSQL database would be.</a:t>
-            </a:r>
-          </a:p>
-        </p:txBody>
-      </p:sp>
-      <p:sp>
-        <p:nvSpPr>
-          <p:cNvPr id="153" name="Shape 153"/>
-          <p:cNvSpPr txBox="1"/>
-          <p:nvPr>
-            <p:ph idx="2" type="body"/>
-          </p:nvPr>
-        </p:nvSpPr>
-        <p:spPr>
-          <a:xfrm>
-            <a:off x="4832400" y="1152475"/>
-            <a:ext cx="3999900" cy="3416400"/>
-          </a:xfrm>
-          <a:prstGeom prst="rect">
-            <a:avLst/>
-          </a:prstGeom>
-        </p:spPr>
-        <p:txBody>
-          <a:bodyPr anchorCtr="0" anchor="t" bIns="91425" lIns="91425" rIns="91425" tIns="91425">
-            <a:noAutofit/>
-          </a:bodyPr>
-          <a:lstStyle/>
-          <a:p>
-            <a:pPr lvl="0" rtl="0" algn="ctr">
-              <a:spcBef>
-                <a:spcPts val="0"/>
-              </a:spcBef>
-              <a:buNone/>
-            </a:pPr>
-            <a:r>
-              <a:rPr b="1" lang="en" u="sng"/>
-              <a:t>MongoDB</a:t>
-            </a:r>
-          </a:p>
-          <a:p>
-            <a:pPr indent="-228600" lvl="0" marL="457200" rtl="0">
-              <a:spcBef>
-                <a:spcPts val="0"/>
-              </a:spcBef>
               <a:buClr>
-                <a:schemeClr val="dk1"/>
+                <a:srgbClr val="FFFFFF"/>
               </a:buClr>
             </a:pPr>
             <a:r>
               <a:rPr lang="en">
                 <a:solidFill>
-                  <a:srgbClr val="00FF00"/>
-                </a:solidFill>
-              </a:rPr>
-              <a:t>Pro:</a:t>
-            </a:r>
-            <a:r>
-              <a:rPr lang="en">
-                <a:solidFill>
-                  <a:schemeClr val="dk1"/>
-                </a:solidFill>
-              </a:rPr>
-              <a:t> Possibly faster.</a:t>
-            </a:r>
-          </a:p>
-          <a:p>
-            <a:pPr indent="-228600" lvl="0" marL="457200" rtl="0">
+                  <a:srgbClr val="FFFFFF"/>
+                </a:solidFill>
+              </a:rPr>
+              <a:t>Data Visualisations: Generated using Plotly library</a:t>
+            </a:r>
+          </a:p>
+          <a:p>
+            <a:pPr indent="-228600" lvl="1" marL="914400" rtl="0">
               <a:spcBef>
                 <a:spcPts val="0"/>
               </a:spcBef>
               <a:buClr>
-                <a:schemeClr val="dk1"/>
+                <a:srgbClr val="FFFFFF"/>
               </a:buClr>
             </a:pPr>
             <a:r>
               <a:rPr lang="en">
                 <a:solidFill>
-                  <a:srgbClr val="00FF00"/>
-                </a:solidFill>
-              </a:rPr>
-              <a:t>Pro</a:t>
-            </a:r>
-            <a:r>
-              <a:rPr lang="en">
-                <a:solidFill>
-                  <a:schemeClr val="dk1"/>
-                </a:solidFill>
-              </a:rPr>
-              <a:t>: Better performance if tweaked right.</a:t>
-            </a:r>
-          </a:p>
-          <a:p>
-            <a:pPr indent="-228600" lvl="0" marL="457200" rtl="0">
-              <a:spcBef>
-                <a:spcPts val="0"/>
-              </a:spcBef>
-              <a:buClr>
-                <a:schemeClr val="dk1"/>
-              </a:buClr>
-            </a:pPr>
-            <a:r>
-              <a:rPr lang="en">
-                <a:solidFill>
-                  <a:srgbClr val="FF0000"/>
-                </a:solidFill>
-              </a:rPr>
-              <a:t>Con</a:t>
-            </a:r>
-            <a:r>
-              <a:rPr lang="en">
-                <a:solidFill>
-                  <a:schemeClr val="dk1"/>
-                </a:solidFill>
-              </a:rPr>
-              <a:t>: Responsible for more work that a relational database would do automatically.</a:t>
-            </a:r>
-          </a:p>
-          <a:p>
-            <a:pPr indent="-228600" lvl="0" marL="457200" rtl="0">
-              <a:spcBef>
-                <a:spcPts val="0"/>
-              </a:spcBef>
-              <a:buClr>
-                <a:srgbClr val="000000"/>
-              </a:buClr>
-            </a:pPr>
-            <a:r>
-              <a:rPr lang="en">
-                <a:solidFill>
-                  <a:srgbClr val="FF0000"/>
-                </a:solidFill>
-              </a:rPr>
-              <a:t>Con</a:t>
-            </a:r>
-            <a:r>
-              <a:rPr lang="en">
-                <a:solidFill>
-                  <a:srgbClr val="000000"/>
-                </a:solidFill>
-              </a:rPr>
-              <a:t>: No experience with NoSQL databases.</a:t>
+                  <a:srgbClr val="FFFFFF"/>
+                </a:solidFill>
+              </a:rPr>
+              <a:t>Native support for dynamic visualizations in web apps </a:t>
             </a:r>
           </a:p>
         </p:txBody>
@@ -7021,7 +7350,7 @@
   <p:cSld>
     <p:spTree>
       <p:nvGrpSpPr>
-        <p:cNvPr id="157" name="Shape 157"/>
+        <p:cNvPr id="152" name="Shape 152"/>
         <p:cNvGrpSpPr/>
         <p:nvPr/>
       </p:nvGrpSpPr>
@@ -7035,7 +7364,7 @@
       </p:grpSpPr>
       <p:sp>
         <p:nvSpPr>
-          <p:cNvPr id="158" name="Shape 158"/>
+          <p:cNvPr id="153" name="Shape 153"/>
           <p:cNvSpPr txBox="1"/>
           <p:nvPr>
             <p:ph type="title"/>
@@ -7064,27 +7393,76 @@
             </a:pPr>
             <a:r>
               <a:rPr lang="en"/>
-              <a:t>R</a:t>
-            </a:r>
-            <a:r>
-              <a:rPr lang="en"/>
-              <a:t>oles and Responsibilities</a:t>
+              <a:t>Timeline</a:t>
             </a:r>
           </a:p>
         </p:txBody>
       </p:sp>
+      <p:pic>
+        <p:nvPicPr>
+          <p:cNvPr id="154" name="Shape 154"/>
+          <p:cNvPicPr preferRelativeResize="0"/>
+          <p:nvPr/>
+        </p:nvPicPr>
+        <p:blipFill>
+          <a:blip r:embed="rId4">
+            <a:alphaModFix/>
+          </a:blip>
+          <a:stretch>
+            <a:fillRect/>
+          </a:stretch>
+        </p:blipFill>
+        <p:spPr>
+          <a:xfrm>
+            <a:off x="1102900" y="1116462"/>
+            <a:ext cx="6594249" cy="3328824"/>
+          </a:xfrm>
+          <a:prstGeom prst="rect">
+            <a:avLst/>
+          </a:prstGeom>
+          <a:noFill/>
+          <a:ln>
+            <a:noFill/>
+          </a:ln>
+        </p:spPr>
+      </p:pic>
+    </p:spTree>
+  </p:cSld>
+  <p:clrMapOvr>
+    <a:masterClrMapping/>
+  </p:clrMapOvr>
+</p:sld>
+</file>
+
+<file path=ppt/slides/slide18.xml><?xml version="1.0" encoding="utf-8"?>
+<p:sld xmlns:a="http://schemas.openxmlformats.org/drawingml/2006/main" xmlns:r="http://schemas.openxmlformats.org/officeDocument/2006/relationships" xmlns:mc="http://schemas.openxmlformats.org/markup-compatibility/2006" xmlns:mv="urn:schemas-microsoft-com:mac:vml" xmlns:p="http://schemas.openxmlformats.org/presentationml/2006/main" xmlns:c="http://schemas.openxmlformats.org/drawingml/2006/chart" xmlns:dgm="http://schemas.openxmlformats.org/drawingml/2006/diagram" xmlns:o="urn:schemas-microsoft-com:office:office" xmlns:v="urn:schemas-microsoft-com:vml" xmlns:pvml="urn:schemas-microsoft-com:office:powerpoint" xmlns:com="http://schemas.openxmlformats.org/drawingml/2006/compatibility" xmlns:p14="http://schemas.microsoft.com/office/powerpoint/2010/main">
+  <p:cSld>
+    <p:spTree>
+      <p:nvGrpSpPr>
+        <p:cNvPr id="158" name="Shape 158"/>
+        <p:cNvGrpSpPr/>
+        <p:nvPr/>
+      </p:nvGrpSpPr>
+      <p:grpSpPr>
+        <a:xfrm>
+          <a:off x="0" y="0"/>
+          <a:ext cx="0" cy="0"/>
+          <a:chOff x="0" y="0"/>
+          <a:chExt cx="0" cy="0"/>
+        </a:xfrm>
+      </p:grpSpPr>
       <p:sp>
         <p:nvSpPr>
           <p:cNvPr id="159" name="Shape 159"/>
           <p:cNvSpPr txBox="1"/>
           <p:nvPr>
-            <p:ph idx="2" type="body"/>
-          </p:nvPr>
-        </p:nvSpPr>
-        <p:spPr>
-          <a:xfrm>
-            <a:off x="429416" y="1152475"/>
-            <a:ext cx="8125800" cy="3416400"/>
+            <p:ph type="title"/>
+          </p:nvPr>
+        </p:nvSpPr>
+        <p:spPr>
+          <a:xfrm>
+            <a:off x="311700" y="445025"/>
+            <a:ext cx="8520600" cy="572700"/>
           </a:xfrm>
           <a:prstGeom prst="rect">
             <a:avLst/>
@@ -7096,99 +7474,271 @@
           </a:bodyPr>
           <a:lstStyle/>
           <a:p>
+            <a:pPr lvl="0" rtl="0" algn="ctr">
+              <a:spcBef>
+                <a:spcPts val="0"/>
+              </a:spcBef>
+              <a:buClr>
+                <a:schemeClr val="dk1"/>
+              </a:buClr>
+              <a:buSzPct val="39285"/>
+              <a:buFont typeface="Arial"/>
+              <a:buNone/>
+            </a:pPr>
+            <a:r>
+              <a:rPr lang="en"/>
+              <a:t>Feasibility</a:t>
+            </a:r>
+          </a:p>
+          <a:p>
+            <a:pPr lvl="0">
+              <a:spcBef>
+                <a:spcPts val="0"/>
+              </a:spcBef>
+              <a:buNone/>
+            </a:pPr>
+            <a:r>
+              <a:t/>
+            </a:r>
+            <a:endParaRPr/>
+          </a:p>
+        </p:txBody>
+      </p:sp>
+      <p:sp>
+        <p:nvSpPr>
+          <p:cNvPr id="160" name="Shape 160"/>
+          <p:cNvSpPr txBox="1"/>
+          <p:nvPr/>
+        </p:nvSpPr>
+        <p:spPr>
+          <a:xfrm>
+            <a:off x="799225" y="1017725"/>
+            <a:ext cx="7630500" cy="3552300"/>
+          </a:xfrm>
+          <a:prstGeom prst="rect">
+            <a:avLst/>
+          </a:prstGeom>
+          <a:noFill/>
+          <a:ln>
+            <a:noFill/>
+          </a:ln>
+        </p:spPr>
+        <p:txBody>
+          <a:bodyPr anchorCtr="0" anchor="t" bIns="91425" lIns="91425" rIns="91425" tIns="91425">
+            <a:noAutofit/>
+          </a:bodyPr>
+          <a:lstStyle/>
+          <a:p>
             <a:pPr indent="-228600" lvl="0" marL="457200" rtl="0">
-              <a:spcBef>
-                <a:spcPts val="0"/>
-              </a:spcBef>
-            </a:pPr>
-            <a:r>
-              <a:rPr b="1" lang="en" u="sng"/>
-              <a:t>Frontend:</a:t>
-            </a:r>
+              <a:lnSpc>
+                <a:spcPct val="115000"/>
+              </a:lnSpc>
+              <a:spcBef>
+                <a:spcPts val="0"/>
+              </a:spcBef>
+              <a:buClr>
+                <a:srgbClr val="FFFFFF"/>
+              </a:buClr>
+              <a:buChar char="●"/>
+            </a:pPr>
+            <a:r>
+              <a:rPr lang="en">
+                <a:solidFill>
+                  <a:srgbClr val="FFFFFF"/>
+                </a:solidFill>
+              </a:rPr>
+              <a:t>Timeline sets out overlapping periods for several major tasks. </a:t>
+            </a:r>
+          </a:p>
+          <a:p>
+            <a:pPr indent="-228600" lvl="0" marL="457200" rtl="0">
+              <a:lnSpc>
+                <a:spcPct val="115000"/>
+              </a:lnSpc>
+              <a:spcBef>
+                <a:spcPts val="0"/>
+              </a:spcBef>
+              <a:buClr>
+                <a:srgbClr val="FFFFFF"/>
+              </a:buClr>
+              <a:buChar char="●"/>
+            </a:pPr>
+            <a:r>
+              <a:rPr lang="en">
+                <a:solidFill>
+                  <a:srgbClr val="FFFFFF"/>
+                </a:solidFill>
+              </a:rPr>
+              <a:t>Several portions of the project can be worked on in parallel, so a slowdown in one particular area should not cause an across the board delay. </a:t>
+            </a:r>
+          </a:p>
+          <a:p>
+            <a:pPr indent="-228600" lvl="0" marL="457200" rtl="0">
+              <a:lnSpc>
+                <a:spcPct val="115000"/>
+              </a:lnSpc>
+              <a:spcBef>
+                <a:spcPts val="0"/>
+              </a:spcBef>
+              <a:buClr>
+                <a:srgbClr val="FFFFFF"/>
+              </a:buClr>
+              <a:buChar char="●"/>
+            </a:pPr>
+            <a:r>
+              <a:rPr lang="en">
+                <a:solidFill>
+                  <a:srgbClr val="FFFFFF"/>
+                </a:solidFill>
+              </a:rPr>
+              <a:t>If some tasks are more complicated or difficult than anticipated, we don’t believe all tasks will be dependent on preceding tasks in timeline, so delay will be isolated.  </a:t>
+            </a:r>
+          </a:p>
+          <a:p>
+            <a:pPr indent="-228600" lvl="0" marL="457200" rtl="0">
+              <a:lnSpc>
+                <a:spcPct val="115000"/>
+              </a:lnSpc>
+              <a:spcBef>
+                <a:spcPts val="0"/>
+              </a:spcBef>
+              <a:buClr>
+                <a:srgbClr val="FFFFFF"/>
+              </a:buClr>
+              <a:buChar char="●"/>
+            </a:pPr>
+            <a:r>
+              <a:rPr lang="en">
+                <a:solidFill>
+                  <a:srgbClr val="FFFFFF"/>
+                </a:solidFill>
+              </a:rPr>
+              <a:t>Each task in the timeline includes preliminary testing for that component - additional time for testing shouldn’t be necessary, aside from final testing.  </a:t>
+            </a:r>
+          </a:p>
+        </p:txBody>
+      </p:sp>
+    </p:spTree>
+  </p:cSld>
+  <p:clrMapOvr>
+    <a:masterClrMapping/>
+  </p:clrMapOvr>
+</p:sld>
+</file>
+
+<file path=ppt/slides/slide19.xml><?xml version="1.0" encoding="utf-8"?>
+<p:sld xmlns:a="http://schemas.openxmlformats.org/drawingml/2006/main" xmlns:r="http://schemas.openxmlformats.org/officeDocument/2006/relationships" xmlns:mc="http://schemas.openxmlformats.org/markup-compatibility/2006" xmlns:mv="urn:schemas-microsoft-com:mac:vml" xmlns:p="http://schemas.openxmlformats.org/presentationml/2006/main" xmlns:c="http://schemas.openxmlformats.org/drawingml/2006/chart" xmlns:dgm="http://schemas.openxmlformats.org/drawingml/2006/diagram" xmlns:o="urn:schemas-microsoft-com:office:office" xmlns:v="urn:schemas-microsoft-com:vml" xmlns:pvml="urn:schemas-microsoft-com:office:powerpoint" xmlns:com="http://schemas.openxmlformats.org/drawingml/2006/compatibility" xmlns:p14="http://schemas.microsoft.com/office/powerpoint/2010/main">
+  <p:cSld>
+    <p:spTree>
+      <p:nvGrpSpPr>
+        <p:cNvPr id="164" name="Shape 164"/>
+        <p:cNvGrpSpPr/>
+        <p:nvPr/>
+      </p:nvGrpSpPr>
+      <p:grpSpPr>
+        <a:xfrm>
+          <a:off x="0" y="0"/>
+          <a:ext cx="0" cy="0"/>
+          <a:chOff x="0" y="0"/>
+          <a:chExt cx="0" cy="0"/>
+        </a:xfrm>
+      </p:grpSpPr>
+      <p:sp>
+        <p:nvSpPr>
+          <p:cNvPr id="165" name="Shape 165"/>
+          <p:cNvSpPr txBox="1"/>
+          <p:nvPr>
+            <p:ph type="title"/>
+          </p:nvPr>
+        </p:nvSpPr>
+        <p:spPr>
+          <a:xfrm>
+            <a:off x="311700" y="445025"/>
+            <a:ext cx="8520600" cy="572700"/>
+          </a:xfrm>
+          <a:prstGeom prst="rect">
+            <a:avLst/>
+          </a:prstGeom>
+        </p:spPr>
+        <p:txBody>
+          <a:bodyPr anchorCtr="0" anchor="t" bIns="91425" lIns="91425" rIns="91425" tIns="91425">
+            <a:noAutofit/>
+          </a:bodyPr>
+          <a:lstStyle/>
+          <a:p>
+            <a:pPr lvl="0" algn="ctr">
+              <a:spcBef>
+                <a:spcPts val="0"/>
+              </a:spcBef>
+              <a:buNone/>
+            </a:pPr>
             <a:r>
               <a:rPr lang="en"/>
-              <a:t> Jeremy Hutton</a:t>
-            </a:r>
-          </a:p>
-          <a:p>
-            <a:pPr indent="-228600" lvl="0" marL="457200" rtl="0">
-              <a:spcBef>
-                <a:spcPts val="0"/>
-              </a:spcBef>
-            </a:pPr>
-            <a:r>
-              <a:rPr b="1" lang="en" u="sng"/>
-              <a:t>Backend:</a:t>
+              <a:t>Alternative</a:t>
             </a:r>
             <a:r>
               <a:rPr lang="en"/>
-              <a:t> Richard Andrews</a:t>
-            </a:r>
-          </a:p>
-          <a:p>
-            <a:pPr indent="-228600" lvl="0" marL="457200" rtl="0">
-              <a:spcBef>
-                <a:spcPts val="0"/>
-              </a:spcBef>
-            </a:pPr>
-            <a:r>
-              <a:rPr b="1" lang="en" u="sng"/>
-              <a:t>Database:</a:t>
+              <a:t> model</a:t>
             </a:r>
             <a:r>
               <a:rPr lang="en"/>
-              <a:t> Christian Simaan</a:t>
-            </a:r>
-          </a:p>
-          <a:p>
-            <a:pPr indent="-228600" lvl="0" marL="457200" rtl="0">
-              <a:spcBef>
-                <a:spcPts val="0"/>
-              </a:spcBef>
-            </a:pPr>
-            <a:r>
-              <a:rPr b="1" lang="en" u="sng"/>
-              <a:t>Machine Learning:</a:t>
-            </a:r>
-            <a:r>
-              <a:rPr lang="en"/>
-              <a:t> Ochaun Marshall</a:t>
-            </a:r>
-          </a:p>
-          <a:p>
-            <a:pPr lvl="0" rtl="0">
+              <a:t>s</a:t>
+            </a:r>
+          </a:p>
+        </p:txBody>
+      </p:sp>
+      <p:sp>
+        <p:nvSpPr>
+          <p:cNvPr id="166" name="Shape 166"/>
+          <p:cNvSpPr txBox="1"/>
+          <p:nvPr>
+            <p:ph idx="1" type="body"/>
+          </p:nvPr>
+        </p:nvSpPr>
+        <p:spPr>
+          <a:xfrm>
+            <a:off x="610425" y="1152475"/>
+            <a:ext cx="8026200" cy="3416400"/>
+          </a:xfrm>
+          <a:prstGeom prst="rect">
+            <a:avLst/>
+          </a:prstGeom>
+        </p:spPr>
+        <p:txBody>
+          <a:bodyPr anchorCtr="0" anchor="t" bIns="91425" lIns="91425" rIns="91425" tIns="91425">
+            <a:noAutofit/>
+          </a:bodyPr>
+          <a:lstStyle/>
+          <a:p>
+            <a:pPr lvl="0">
               <a:spcBef>
                 <a:spcPts val="0"/>
               </a:spcBef>
               <a:buNone/>
             </a:pPr>
             <a:r>
-              <a:t/>
-            </a:r>
-            <a:endParaRPr/>
-          </a:p>
-          <a:p>
-            <a:pPr lvl="0">
-              <a:spcBef>
-                <a:spcPts val="0"/>
-              </a:spcBef>
-              <a:buNone/>
-            </a:pPr>
-            <a:r>
-              <a:rPr lang="en"/>
-              <a:t>Note: When any member finishes work in their role, they will help with another role where needed and/or appropriate.</a:t>
-            </a:r>
-          </a:p>
-          <a:p>
-            <a:pPr lvl="0">
-              <a:spcBef>
-                <a:spcPts val="0"/>
-              </a:spcBef>
-              <a:buNone/>
-            </a:pPr>
-            <a:r>
-              <a:rPr lang="en"/>
-              <a:t> </a:t>
+              <a:rPr lang="en">
+                <a:solidFill>
+                  <a:srgbClr val="FFFFFF"/>
+                </a:solidFill>
+              </a:rPr>
+              <a:t>The model we chose to use is the following setup: AngularJS and </a:t>
+            </a:r>
+            <a:r>
+              <a:rPr lang="en">
+                <a:solidFill>
+                  <a:srgbClr val="FFFFFF"/>
+                </a:solidFill>
+              </a:rPr>
+              <a:t>Bootstrap for the frontend, </a:t>
+            </a:r>
+            <a:r>
+              <a:rPr lang="en">
+                <a:solidFill>
+                  <a:srgbClr val="FFFFFF"/>
+                </a:solidFill>
+              </a:rPr>
+              <a:t>Django for backend programming, Python for machine learning, MySQL for database, and AWS for cloud hosting. The following slides will show the pros and cons of our choice vs. an alternative model that we were considering.</a:t>
             </a:r>
           </a:p>
         </p:txBody>
@@ -7206,7 +7756,7 @@
   <p:cSld>
     <p:spTree>
       <p:nvGrpSpPr>
-        <p:cNvPr id="60" name="Shape 60"/>
+        <p:cNvPr id="62" name="Shape 62"/>
         <p:cNvGrpSpPr/>
         <p:nvPr/>
       </p:nvGrpSpPr>
@@ -7220,7 +7770,7 @@
       </p:grpSpPr>
       <p:sp>
         <p:nvSpPr>
-          <p:cNvPr id="61" name="Shape 61"/>
+          <p:cNvPr id="63" name="Shape 63"/>
           <p:cNvSpPr txBox="1"/>
           <p:nvPr>
             <p:ph type="title"/>
@@ -7256,7 +7806,7 @@
       </p:sp>
       <p:sp>
         <p:nvSpPr>
-          <p:cNvPr id="62" name="Shape 62"/>
+          <p:cNvPr id="64" name="Shape 64"/>
           <p:cNvSpPr txBox="1"/>
           <p:nvPr>
             <p:ph idx="1" type="body"/>
@@ -7264,8 +7814,8 @@
         </p:nvSpPr>
         <p:spPr>
           <a:xfrm>
-            <a:off x="311700" y="1152475"/>
-            <a:ext cx="8520600" cy="3416400"/>
+            <a:off x="509400" y="1017725"/>
+            <a:ext cx="8125200" cy="3594600"/>
           </a:xfrm>
           <a:prstGeom prst="rect">
             <a:avLst/>
@@ -7281,52 +7831,2755 @@
               <a:spcBef>
                 <a:spcPts val="0"/>
               </a:spcBef>
-            </a:pPr>
-            <a:r>
-              <a:rPr b="1" lang="en" u="sng"/>
+              <a:buClr>
+                <a:srgbClr val="FFFFFF"/>
+              </a:buClr>
+            </a:pPr>
+            <a:r>
+              <a:rPr b="1" lang="en" u="sng">
+                <a:solidFill>
+                  <a:srgbClr val="FFFFFF"/>
+                </a:solidFill>
+              </a:rPr>
               <a:t>Problem:</a:t>
             </a:r>
             <a:r>
-              <a:rPr lang="en"/>
+              <a:rPr lang="en">
+                <a:solidFill>
+                  <a:srgbClr val="FFFFFF"/>
+                </a:solidFill>
+              </a:rPr>
               <a:t>  </a:t>
             </a:r>
           </a:p>
           <a:p>
             <a:pPr indent="-228600" lvl="1" marL="914400" rtl="0">
-              <a:spcBef>
-                <a:spcPts val="0"/>
-              </a:spcBef>
-            </a:pPr>
-            <a:r>
-              <a:rPr lang="en"/>
-              <a:t>It is difficult to determine whether a house will likely sell in a particular area. </a:t>
+              <a:lnSpc>
+                <a:spcPct val="100000"/>
+              </a:lnSpc>
+              <a:spcBef>
+                <a:spcPts val="0"/>
+              </a:spcBef>
+              <a:buClr>
+                <a:srgbClr val="FFFFFF"/>
+              </a:buClr>
+            </a:pPr>
+            <a:r>
+              <a:rPr lang="en">
+                <a:solidFill>
+                  <a:srgbClr val="FFFFFF"/>
+                </a:solidFill>
+              </a:rPr>
+              <a:t>It can be difficult to determine whether a house will sell and what factors will influence its desirability in a particular area.</a:t>
+            </a:r>
+          </a:p>
+          <a:p>
+            <a:pPr indent="-228600" lvl="0" marL="457200" rtl="0">
+              <a:spcBef>
+                <a:spcPts val="0"/>
+              </a:spcBef>
+              <a:buClr>
+                <a:srgbClr val="FFFFFF"/>
+              </a:buClr>
+            </a:pPr>
+            <a:r>
+              <a:rPr b="1" lang="en" u="sng">
+                <a:solidFill>
+                  <a:srgbClr val="FFFFFF"/>
+                </a:solidFill>
+              </a:rPr>
+              <a:t>Solution:</a:t>
+            </a:r>
+            <a:r>
+              <a:rPr lang="en">
+                <a:solidFill>
+                  <a:srgbClr val="FFFFFF"/>
+                </a:solidFill>
+              </a:rPr>
+              <a:t> </a:t>
             </a:r>
           </a:p>
           <a:p>
             <a:pPr indent="-228600" lvl="1" marL="914400" rtl="0">
-              <a:spcBef>
-                <a:spcPts val="0"/>
-              </a:spcBef>
-            </a:pPr>
-            <a:r>
-              <a:rPr lang="en"/>
-              <a:t>and the most popular factors that lead to a house's sale in an area.</a:t>
-            </a:r>
-          </a:p>
-          <a:p>
-            <a:pPr indent="-228600" lvl="0" marL="457200" rtl="0">
-              <a:spcBef>
-                <a:spcPts val="0"/>
-              </a:spcBef>
-            </a:pPr>
-            <a:r>
-              <a:rPr b="1" lang="en" u="sng"/>
-              <a:t>Solution:</a:t>
+              <a:lnSpc>
+                <a:spcPct val="100000"/>
+              </a:lnSpc>
+              <a:spcBef>
+                <a:spcPts val="0"/>
+              </a:spcBef>
+              <a:buClr>
+                <a:srgbClr val="FFFFFF"/>
+              </a:buClr>
+            </a:pPr>
+            <a:r>
+              <a:rPr lang="en" u="sng">
+                <a:solidFill>
+                  <a:srgbClr val="FFFFFF"/>
+                </a:solidFill>
+              </a:rPr>
+              <a:t>Project Goal:</a:t>
+            </a:r>
+            <a:r>
+              <a:rPr lang="en">
+                <a:solidFill>
+                  <a:srgbClr val="FFFFFF"/>
+                </a:solidFill>
+              </a:rPr>
+              <a:t> Create a web application which determines if a house will sell based on desirable factors in an area and allows users to explore houses on the market based on their preferences and desired location.</a:t>
+            </a:r>
+          </a:p>
+          <a:p>
+            <a:pPr indent="-228600" lvl="1" marL="914400" rtl="0">
+              <a:lnSpc>
+                <a:spcPct val="100000"/>
+              </a:lnSpc>
+              <a:spcBef>
+                <a:spcPts val="0"/>
+              </a:spcBef>
+              <a:buClr>
+                <a:srgbClr val="FFFFFF"/>
+              </a:buClr>
+            </a:pPr>
+            <a:r>
+              <a:rPr lang="en" u="sng">
+                <a:solidFill>
+                  <a:srgbClr val="FFFFFF"/>
+                </a:solidFill>
+              </a:rPr>
+              <a:t>Project Description</a:t>
+            </a:r>
+            <a:r>
+              <a:rPr lang="en">
+                <a:solidFill>
+                  <a:srgbClr val="FFFFFF"/>
+                </a:solidFill>
+              </a:rPr>
+              <a:t>:  NostraDomicile will accomplish this goal by:</a:t>
+            </a:r>
+          </a:p>
+          <a:p>
+            <a:pPr indent="-228600" lvl="2" marL="1371600" rtl="0">
+              <a:lnSpc>
+                <a:spcPct val="100000"/>
+              </a:lnSpc>
+              <a:spcBef>
+                <a:spcPts val="0"/>
+              </a:spcBef>
+              <a:buClr>
+                <a:srgbClr val="FFFFFF"/>
+              </a:buClr>
+            </a:pPr>
+            <a:r>
+              <a:rPr lang="en">
+                <a:solidFill>
+                  <a:srgbClr val="FFFFFF"/>
+                </a:solidFill>
+              </a:rPr>
+              <a:t>Retrieving and storing housing market information using a Zillow API and MySQL database</a:t>
+            </a:r>
+          </a:p>
+          <a:p>
+            <a:pPr indent="-228600" lvl="2" marL="1371600" rtl="0">
+              <a:lnSpc>
+                <a:spcPct val="100000"/>
+              </a:lnSpc>
+              <a:spcBef>
+                <a:spcPts val="0"/>
+              </a:spcBef>
+              <a:buClr>
+                <a:srgbClr val="FFFFFF"/>
+              </a:buClr>
+            </a:pPr>
+            <a:r>
+              <a:rPr lang="en">
+                <a:solidFill>
+                  <a:srgbClr val="FFFFFF"/>
+                </a:solidFill>
+              </a:rPr>
+              <a:t>Using machine learning to evaluate housing data and determine factors influencing home sales in a particular area</a:t>
+            </a:r>
+          </a:p>
+          <a:p>
+            <a:pPr indent="-228600" lvl="2" marL="1371600" rtl="0">
+              <a:lnSpc>
+                <a:spcPct val="100000"/>
+              </a:lnSpc>
+              <a:spcBef>
+                <a:spcPts val="0"/>
+              </a:spcBef>
+              <a:buClr>
+                <a:srgbClr val="FFFFFF"/>
+              </a:buClr>
+            </a:pPr>
+            <a:r>
+              <a:rPr lang="en">
+                <a:solidFill>
+                  <a:srgbClr val="FFFFFF"/>
+                </a:solidFill>
+              </a:rPr>
+              <a:t>Creating a user-friendly interface for users to view data about factors influencing home sales and create data visualizations about houses on the market based on user preferences </a:t>
+            </a:r>
+          </a:p>
+        </p:txBody>
+      </p:sp>
+    </p:spTree>
+  </p:cSld>
+  <p:clrMapOvr>
+    <a:masterClrMapping/>
+  </p:clrMapOvr>
+</p:sld>
+</file>
+
+<file path=ppt/slides/slide20.xml><?xml version="1.0" encoding="utf-8"?>
+<p:sld xmlns:a="http://schemas.openxmlformats.org/drawingml/2006/main" xmlns:r="http://schemas.openxmlformats.org/officeDocument/2006/relationships" xmlns:mc="http://schemas.openxmlformats.org/markup-compatibility/2006" xmlns:mv="urn:schemas-microsoft-com:mac:vml" xmlns:p="http://schemas.openxmlformats.org/presentationml/2006/main" xmlns:c="http://schemas.openxmlformats.org/drawingml/2006/chart" xmlns:dgm="http://schemas.openxmlformats.org/drawingml/2006/diagram" xmlns:o="urn:schemas-microsoft-com:office:office" xmlns:v="urn:schemas-microsoft-com:vml" xmlns:pvml="urn:schemas-microsoft-com:office:powerpoint" xmlns:com="http://schemas.openxmlformats.org/drawingml/2006/compatibility" xmlns:p14="http://schemas.microsoft.com/office/powerpoint/2010/main">
+  <p:cSld>
+    <p:spTree>
+      <p:nvGrpSpPr>
+        <p:cNvPr id="170" name="Shape 170"/>
+        <p:cNvGrpSpPr/>
+        <p:nvPr/>
+      </p:nvGrpSpPr>
+      <p:grpSpPr>
+        <a:xfrm>
+          <a:off x="0" y="0"/>
+          <a:ext cx="0" cy="0"/>
+          <a:chOff x="0" y="0"/>
+          <a:chExt cx="0" cy="0"/>
+        </a:xfrm>
+      </p:grpSpPr>
+      <p:sp>
+        <p:nvSpPr>
+          <p:cNvPr id="171" name="Shape 171"/>
+          <p:cNvSpPr txBox="1"/>
+          <p:nvPr>
+            <p:ph type="title"/>
+          </p:nvPr>
+        </p:nvSpPr>
+        <p:spPr>
+          <a:xfrm>
+            <a:off x="489200" y="445025"/>
+            <a:ext cx="8176500" cy="572700"/>
+          </a:xfrm>
+          <a:prstGeom prst="rect">
+            <a:avLst/>
+          </a:prstGeom>
+        </p:spPr>
+        <p:txBody>
+          <a:bodyPr anchorCtr="0" anchor="t" bIns="91425" lIns="91425" rIns="91425" tIns="91425">
+            <a:noAutofit/>
+          </a:bodyPr>
+          <a:lstStyle/>
+          <a:p>
+            <a:pPr lvl="0">
+              <a:spcBef>
+                <a:spcPts val="0"/>
+              </a:spcBef>
+              <a:buNone/>
+            </a:pPr>
+            <a:r>
+              <a:rPr lang="en" sz="2400"/>
+              <a:t>Architecture </a:t>
+            </a:r>
+            <a:r>
+              <a:rPr lang="en" sz="2400"/>
+              <a:t>Decisions</a:t>
+            </a:r>
+            <a:r>
+              <a:rPr lang="en" sz="2400"/>
+              <a:t>: ML Model v.s. Statistical Model</a:t>
+            </a:r>
+          </a:p>
+        </p:txBody>
+      </p:sp>
+      <p:sp>
+        <p:nvSpPr>
+          <p:cNvPr id="172" name="Shape 172"/>
+          <p:cNvSpPr txBox="1"/>
+          <p:nvPr>
+            <p:ph idx="1" type="body"/>
+          </p:nvPr>
+        </p:nvSpPr>
+        <p:spPr>
+          <a:xfrm>
+            <a:off x="489200" y="1152475"/>
+            <a:ext cx="3822300" cy="3416400"/>
+          </a:xfrm>
+          <a:prstGeom prst="rect">
+            <a:avLst/>
+          </a:prstGeom>
+        </p:spPr>
+        <p:txBody>
+          <a:bodyPr anchorCtr="0" anchor="t" bIns="91425" lIns="91425" rIns="91425" tIns="91425">
+            <a:noAutofit/>
+          </a:bodyPr>
+          <a:lstStyle/>
+          <a:p>
+            <a:pPr lvl="0" rtl="0" algn="ctr">
+              <a:spcBef>
+                <a:spcPts val="0"/>
+              </a:spcBef>
+              <a:buNone/>
+            </a:pPr>
+            <a:r>
+              <a:rPr lang="en">
+                <a:solidFill>
+                  <a:srgbClr val="FFFFFF"/>
+                </a:solidFill>
+              </a:rPr>
+              <a:t>System Model 1: Machine Learning</a:t>
+            </a:r>
+          </a:p>
+          <a:p>
+            <a:pPr indent="-317500" lvl="0" marL="457200" marR="0" rtl="0" algn="l">
+              <a:lnSpc>
+                <a:spcPct val="115000"/>
+              </a:lnSpc>
+              <a:spcBef>
+                <a:spcPts val="0"/>
+              </a:spcBef>
+              <a:spcAft>
+                <a:spcPts val="1600"/>
+              </a:spcAft>
+              <a:buSzPct val="100000"/>
+              <a:buFont typeface="Arial"/>
+              <a:buChar char="●"/>
+            </a:pPr>
+            <a:r>
+              <a:rPr lang="en">
+                <a:solidFill>
+                  <a:srgbClr val="00FF00"/>
+                </a:solidFill>
+              </a:rPr>
+              <a:t>Pro: </a:t>
+            </a:r>
+            <a:r>
+              <a:rPr lang="en">
+                <a:solidFill>
+                  <a:srgbClr val="FFFFFF"/>
+                </a:solidFill>
+              </a:rPr>
+              <a:t>Less computations needed and thereby more efficient </a:t>
+            </a:r>
+          </a:p>
+          <a:p>
+            <a:pPr indent="-228600" lvl="0" marL="457200" marR="0" rtl="0" algn="l">
+              <a:lnSpc>
+                <a:spcPct val="115000"/>
+              </a:lnSpc>
+              <a:spcBef>
+                <a:spcPts val="0"/>
+              </a:spcBef>
+              <a:spcAft>
+                <a:spcPts val="1600"/>
+              </a:spcAft>
+              <a:buClr>
+                <a:srgbClr val="B7B7B7"/>
+              </a:buClr>
+              <a:buChar char="●"/>
+            </a:pPr>
+            <a:r>
+              <a:rPr lang="en">
+                <a:solidFill>
+                  <a:srgbClr val="00FF00"/>
+                </a:solidFill>
+              </a:rPr>
+              <a:t>Pro:</a:t>
+            </a:r>
+            <a:r>
+              <a:rPr lang="en">
+                <a:solidFill>
+                  <a:srgbClr val="B7B7B7"/>
+                </a:solidFill>
+              </a:rPr>
+              <a:t> </a:t>
+            </a:r>
+            <a:r>
+              <a:rPr lang="en">
+                <a:solidFill>
+                  <a:srgbClr val="FFFFFF"/>
+                </a:solidFill>
+              </a:rPr>
+              <a:t>ML Models are data independent</a:t>
+            </a:r>
+          </a:p>
+          <a:p>
+            <a:pPr indent="-228600" lvl="1" marL="914400" marR="0" rtl="0" algn="l">
+              <a:lnSpc>
+                <a:spcPct val="115000"/>
+              </a:lnSpc>
+              <a:spcBef>
+                <a:spcPts val="0"/>
+              </a:spcBef>
+              <a:spcAft>
+                <a:spcPts val="1600"/>
+              </a:spcAft>
+              <a:buClr>
+                <a:srgbClr val="FFFFFF"/>
+              </a:buClr>
+              <a:buChar char="○"/>
+            </a:pPr>
+            <a:r>
+              <a:rPr lang="en">
+                <a:solidFill>
+                  <a:srgbClr val="FFFFFF"/>
+                </a:solidFill>
+              </a:rPr>
+              <a:t>You don’t need to know the “rules” of the data</a:t>
+            </a:r>
+          </a:p>
+          <a:p>
+            <a:pPr indent="-228600" lvl="0" marL="457200" marR="0" rtl="0" algn="l">
+              <a:lnSpc>
+                <a:spcPct val="115000"/>
+              </a:lnSpc>
+              <a:spcBef>
+                <a:spcPts val="0"/>
+              </a:spcBef>
+              <a:spcAft>
+                <a:spcPts val="1600"/>
+              </a:spcAft>
+              <a:buClr>
+                <a:srgbClr val="B7B7B7"/>
+              </a:buClr>
+              <a:buChar char="●"/>
+            </a:pPr>
+            <a:r>
+              <a:rPr lang="en">
+                <a:solidFill>
+                  <a:srgbClr val="00FF00"/>
+                </a:solidFill>
+              </a:rPr>
+              <a:t>Pro:</a:t>
+            </a:r>
+            <a:r>
+              <a:rPr lang="en">
+                <a:solidFill>
+                  <a:srgbClr val="B7B7B7"/>
+                </a:solidFill>
+              </a:rPr>
+              <a:t> </a:t>
+            </a:r>
+            <a:r>
+              <a:rPr lang="en">
+                <a:solidFill>
+                  <a:srgbClr val="FFFFFF"/>
+                </a:solidFill>
+              </a:rPr>
+              <a:t>ML Models (classifiers) work really well with categorical variables and binary/categorical answers</a:t>
+            </a:r>
+          </a:p>
+          <a:p>
+            <a:pPr indent="-228600" lvl="0" marL="457200" marR="0" rtl="0" algn="l">
+              <a:lnSpc>
+                <a:spcPct val="115000"/>
+              </a:lnSpc>
+              <a:spcBef>
+                <a:spcPts val="0"/>
+              </a:spcBef>
+              <a:spcAft>
+                <a:spcPts val="1600"/>
+              </a:spcAft>
+              <a:buClr>
+                <a:srgbClr val="B7B7B7"/>
+              </a:buClr>
+              <a:buChar char="●"/>
+            </a:pPr>
+            <a:r>
+              <a:rPr lang="en">
+                <a:solidFill>
+                  <a:srgbClr val="FF0000"/>
+                </a:solidFill>
+              </a:rPr>
+              <a:t>Con: </a:t>
+            </a:r>
+            <a:r>
+              <a:rPr lang="en">
+                <a:solidFill>
+                  <a:srgbClr val="FFFFFF"/>
+                </a:solidFill>
+              </a:rPr>
+              <a:t>Requires a large amount of data to get started</a:t>
+            </a:r>
+          </a:p>
+          <a:p>
+            <a:pPr lvl="0" marR="0" rtl="0" algn="l">
+              <a:lnSpc>
+                <a:spcPct val="115000"/>
+              </a:lnSpc>
+              <a:spcBef>
+                <a:spcPts val="0"/>
+              </a:spcBef>
+              <a:spcAft>
+                <a:spcPts val="1600"/>
+              </a:spcAft>
+              <a:buNone/>
+            </a:pPr>
+            <a:r>
+              <a:t/>
+            </a:r>
+            <a:endParaRPr>
+              <a:solidFill>
+                <a:srgbClr val="B7B7B7"/>
+              </a:solidFill>
+            </a:endParaRPr>
+          </a:p>
+        </p:txBody>
+      </p:sp>
+      <p:sp>
+        <p:nvSpPr>
+          <p:cNvPr id="173" name="Shape 173"/>
+          <p:cNvSpPr txBox="1"/>
+          <p:nvPr>
+            <p:ph idx="2" type="body"/>
+          </p:nvPr>
+        </p:nvSpPr>
+        <p:spPr>
+          <a:xfrm>
+            <a:off x="4832400" y="1152475"/>
+            <a:ext cx="3822300" cy="3416400"/>
+          </a:xfrm>
+          <a:prstGeom prst="rect">
+            <a:avLst/>
+          </a:prstGeom>
+        </p:spPr>
+        <p:txBody>
+          <a:bodyPr anchorCtr="0" anchor="t" bIns="91425" lIns="91425" rIns="91425" tIns="91425">
+            <a:noAutofit/>
+          </a:bodyPr>
+          <a:lstStyle/>
+          <a:p>
+            <a:pPr lvl="0" rtl="0" algn="ctr">
+              <a:spcBef>
+                <a:spcPts val="0"/>
+              </a:spcBef>
+              <a:buNone/>
+            </a:pPr>
+            <a:r>
+              <a:rPr lang="en">
+                <a:solidFill>
+                  <a:srgbClr val="FFFFFF"/>
+                </a:solidFill>
+              </a:rPr>
+              <a:t>System Model 2: Statistical Analysis</a:t>
+            </a:r>
+          </a:p>
+          <a:p>
+            <a:pPr indent="-228600" lvl="0" marL="457200" rtl="0" algn="l">
+              <a:spcBef>
+                <a:spcPts val="0"/>
+              </a:spcBef>
+            </a:pPr>
+            <a:r>
+              <a:rPr lang="en">
+                <a:solidFill>
+                  <a:srgbClr val="00FF00"/>
+                </a:solidFill>
+              </a:rPr>
+              <a:t>Pro:</a:t>
+            </a:r>
+            <a:r>
+              <a:rPr lang="en">
+                <a:solidFill>
+                  <a:srgbClr val="FFFFFF"/>
+                </a:solidFill>
+              </a:rPr>
+              <a:t> Proofs are easier to document</a:t>
+            </a:r>
+          </a:p>
+          <a:p>
+            <a:pPr indent="-228600" lvl="0" marL="457200" rtl="0" algn="l">
+              <a:spcBef>
+                <a:spcPts val="0"/>
+              </a:spcBef>
+            </a:pPr>
+            <a:r>
+              <a:rPr lang="en">
+                <a:solidFill>
+                  <a:srgbClr val="00FF00"/>
+                </a:solidFill>
+              </a:rPr>
+              <a:t>Pro: </a:t>
+            </a:r>
+            <a:r>
+              <a:rPr lang="en">
+                <a:solidFill>
+                  <a:srgbClr val="FFFFFF"/>
+                </a:solidFill>
+              </a:rPr>
+              <a:t>The amount (volume) of data doesn’t matter </a:t>
+            </a:r>
+          </a:p>
+          <a:p>
+            <a:pPr indent="-228600" lvl="0" marL="457200" rtl="0" algn="l">
+              <a:spcBef>
+                <a:spcPts val="0"/>
+              </a:spcBef>
+            </a:pPr>
+            <a:r>
+              <a:rPr lang="en">
+                <a:solidFill>
+                  <a:srgbClr val="FF0000"/>
+                </a:solidFill>
+              </a:rPr>
+              <a:t>Con: </a:t>
+            </a:r>
+            <a:r>
+              <a:rPr lang="en">
+                <a:solidFill>
+                  <a:srgbClr val="FFFFFF"/>
+                </a:solidFill>
+              </a:rPr>
+              <a:t>Stat Models are generally formed using an hypothesis making them “Data dependant” </a:t>
+            </a:r>
+          </a:p>
+          <a:p>
+            <a:pPr indent="-228600" lvl="0" marL="457200" rtl="0" algn="l">
+              <a:spcBef>
+                <a:spcPts val="0"/>
+              </a:spcBef>
+            </a:pPr>
+            <a:r>
+              <a:rPr lang="en">
+                <a:solidFill>
+                  <a:srgbClr val="FF0000"/>
+                </a:solidFill>
+              </a:rPr>
+              <a:t>Con:</a:t>
+            </a:r>
+            <a:r>
+              <a:rPr lang="en">
+                <a:solidFill>
+                  <a:srgbClr val="FFFFFF"/>
+                </a:solidFill>
+              </a:rPr>
+              <a:t> Must add weights to categorical and binary values</a:t>
+            </a:r>
+          </a:p>
+          <a:p>
+            <a:pPr indent="-228600" lvl="0" marL="457200" algn="l">
+              <a:spcBef>
+                <a:spcPts val="0"/>
+              </a:spcBef>
+            </a:pPr>
+            <a:r>
+              <a:rPr lang="en">
+                <a:solidFill>
+                  <a:srgbClr val="FF0000"/>
+                </a:solidFill>
+              </a:rPr>
+              <a:t>Con:</a:t>
             </a:r>
             <a:r>
               <a:rPr lang="en"/>
               <a:t> </a:t>
             </a:r>
+            <a:r>
+              <a:rPr lang="en">
+                <a:solidFill>
+                  <a:srgbClr val="FFFFFF"/>
+                </a:solidFill>
+              </a:rPr>
+              <a:t>Analysing the data and selecting the appropriate stat model is nontrivial</a:t>
+            </a:r>
+          </a:p>
+        </p:txBody>
+      </p:sp>
+    </p:spTree>
+  </p:cSld>
+  <p:clrMapOvr>
+    <a:masterClrMapping/>
+  </p:clrMapOvr>
+</p:sld>
+</file>
+
+<file path=ppt/slides/slide21.xml><?xml version="1.0" encoding="utf-8"?>
+<p:sld xmlns:a="http://schemas.openxmlformats.org/drawingml/2006/main" xmlns:r="http://schemas.openxmlformats.org/officeDocument/2006/relationships" xmlns:mc="http://schemas.openxmlformats.org/markup-compatibility/2006" xmlns:mv="urn:schemas-microsoft-com:mac:vml" xmlns:p="http://schemas.openxmlformats.org/presentationml/2006/main" xmlns:c="http://schemas.openxmlformats.org/drawingml/2006/chart" xmlns:dgm="http://schemas.openxmlformats.org/drawingml/2006/diagram" xmlns:o="urn:schemas-microsoft-com:office:office" xmlns:v="urn:schemas-microsoft-com:vml" xmlns:pvml="urn:schemas-microsoft-com:office:powerpoint" xmlns:com="http://schemas.openxmlformats.org/drawingml/2006/compatibility" xmlns:p14="http://schemas.microsoft.com/office/powerpoint/2010/main">
+  <p:cSld>
+    <p:spTree>
+      <p:nvGrpSpPr>
+        <p:cNvPr id="177" name="Shape 177"/>
+        <p:cNvGrpSpPr/>
+        <p:nvPr/>
+      </p:nvGrpSpPr>
+      <p:grpSpPr>
+        <a:xfrm>
+          <a:off x="0" y="0"/>
+          <a:ext cx="0" cy="0"/>
+          <a:chOff x="0" y="0"/>
+          <a:chExt cx="0" cy="0"/>
+        </a:xfrm>
+      </p:grpSpPr>
+      <p:sp>
+        <p:nvSpPr>
+          <p:cNvPr id="178" name="Shape 178"/>
+          <p:cNvSpPr txBox="1"/>
+          <p:nvPr>
+            <p:ph type="title"/>
+          </p:nvPr>
+        </p:nvSpPr>
+        <p:spPr>
+          <a:xfrm>
+            <a:off x="311700" y="445025"/>
+            <a:ext cx="8520600" cy="990300"/>
+          </a:xfrm>
+          <a:prstGeom prst="rect">
+            <a:avLst/>
+          </a:prstGeom>
+        </p:spPr>
+        <p:txBody>
+          <a:bodyPr anchorCtr="0" anchor="t" bIns="91425" lIns="91425" rIns="91425" tIns="91425">
+            <a:noAutofit/>
+          </a:bodyPr>
+          <a:lstStyle/>
+          <a:p>
+            <a:pPr lvl="0" rtl="0" algn="ctr">
+              <a:spcBef>
+                <a:spcPts val="0"/>
+              </a:spcBef>
+              <a:buNone/>
+            </a:pPr>
+            <a:r>
+              <a:rPr lang="en"/>
+              <a:t>Architecture decisions: AngularJS &amp; Bootstrap vs. Pure HTML/CSS</a:t>
+            </a:r>
+          </a:p>
+        </p:txBody>
+      </p:sp>
+      <p:sp>
+        <p:nvSpPr>
+          <p:cNvPr id="179" name="Shape 179"/>
+          <p:cNvSpPr txBox="1"/>
+          <p:nvPr>
+            <p:ph idx="1" type="body"/>
+          </p:nvPr>
+        </p:nvSpPr>
+        <p:spPr>
+          <a:xfrm>
+            <a:off x="311700" y="1435325"/>
+            <a:ext cx="3999900" cy="3133500"/>
+          </a:xfrm>
+          <a:prstGeom prst="rect">
+            <a:avLst/>
+          </a:prstGeom>
+        </p:spPr>
+        <p:txBody>
+          <a:bodyPr anchorCtr="0" anchor="t" bIns="91425" lIns="91425" rIns="91425" tIns="91425">
+            <a:noAutofit/>
+          </a:bodyPr>
+          <a:lstStyle/>
+          <a:p>
+            <a:pPr lvl="0" rtl="0" algn="ctr">
+              <a:spcBef>
+                <a:spcPts val="0"/>
+              </a:spcBef>
+              <a:buNone/>
+            </a:pPr>
+            <a:r>
+              <a:rPr b="1" lang="en" u="sng">
+                <a:solidFill>
+                  <a:srgbClr val="FFFFFF"/>
+                </a:solidFill>
+              </a:rPr>
+              <a:t>AngularJS &amp; Bootstrap</a:t>
+            </a:r>
+          </a:p>
+          <a:p>
+            <a:pPr indent="-228600" lvl="0" marL="457200" rtl="0">
+              <a:spcBef>
+                <a:spcPts val="0"/>
+              </a:spcBef>
+            </a:pPr>
+            <a:r>
+              <a:rPr lang="en">
+                <a:solidFill>
+                  <a:srgbClr val="00FF00"/>
+                </a:solidFill>
+              </a:rPr>
+              <a:t>Pro</a:t>
+            </a:r>
+            <a:r>
+              <a:rPr lang="en">
+                <a:solidFill>
+                  <a:srgbClr val="000000"/>
+                </a:solidFill>
+              </a:rPr>
+              <a:t>:</a:t>
+            </a:r>
+            <a:r>
+              <a:rPr lang="en">
+                <a:solidFill>
+                  <a:srgbClr val="FFFFFF"/>
+                </a:solidFill>
+              </a:rPr>
+              <a:t> It uses MVC, so it’s more organized.</a:t>
+            </a:r>
+          </a:p>
+          <a:p>
+            <a:pPr indent="-228600" lvl="0" marL="457200" rtl="0">
+              <a:spcBef>
+                <a:spcPts val="0"/>
+              </a:spcBef>
+            </a:pPr>
+            <a:r>
+              <a:rPr lang="en">
+                <a:solidFill>
+                  <a:srgbClr val="00FF00"/>
+                </a:solidFill>
+              </a:rPr>
+              <a:t>Pro</a:t>
+            </a:r>
+            <a:r>
+              <a:rPr lang="en">
+                <a:solidFill>
+                  <a:srgbClr val="000000"/>
+                </a:solidFill>
+              </a:rPr>
+              <a:t>:</a:t>
+            </a:r>
+            <a:r>
+              <a:rPr lang="en">
+                <a:solidFill>
+                  <a:srgbClr val="FFFFFF"/>
+                </a:solidFill>
+              </a:rPr>
+              <a:t> It’s easier to manipulate DOM.</a:t>
+            </a:r>
+          </a:p>
+          <a:p>
+            <a:pPr indent="-228600" lvl="0" marL="457200" rtl="0">
+              <a:spcBef>
+                <a:spcPts val="0"/>
+              </a:spcBef>
+            </a:pPr>
+            <a:r>
+              <a:rPr lang="en">
+                <a:solidFill>
+                  <a:srgbClr val="00FF00"/>
+                </a:solidFill>
+              </a:rPr>
+              <a:t>Pro</a:t>
+            </a:r>
+            <a:r>
+              <a:rPr lang="en">
+                <a:solidFill>
+                  <a:srgbClr val="000000"/>
+                </a:solidFill>
+              </a:rPr>
+              <a:t>: </a:t>
+            </a:r>
+            <a:r>
+              <a:rPr lang="en">
+                <a:solidFill>
+                  <a:srgbClr val="FFFFFF"/>
+                </a:solidFill>
+              </a:rPr>
+              <a:t>Write less code.</a:t>
+            </a:r>
+          </a:p>
+          <a:p>
+            <a:pPr indent="-228600" lvl="0" marL="457200" rtl="0">
+              <a:spcBef>
+                <a:spcPts val="0"/>
+              </a:spcBef>
+            </a:pPr>
+            <a:r>
+              <a:rPr lang="en">
+                <a:solidFill>
+                  <a:srgbClr val="00FF00"/>
+                </a:solidFill>
+              </a:rPr>
+              <a:t>Pro</a:t>
+            </a:r>
+            <a:r>
+              <a:rPr lang="en">
+                <a:solidFill>
+                  <a:srgbClr val="000000"/>
+                </a:solidFill>
+              </a:rPr>
+              <a:t>: </a:t>
+            </a:r>
+            <a:r>
+              <a:rPr lang="en">
+                <a:solidFill>
+                  <a:srgbClr val="FFFFFF"/>
+                </a:solidFill>
+              </a:rPr>
+              <a:t>Consistency and responsive.</a:t>
+            </a:r>
+          </a:p>
+          <a:p>
+            <a:pPr indent="-228600" lvl="0" marL="457200" rtl="0">
+              <a:spcBef>
+                <a:spcPts val="0"/>
+              </a:spcBef>
+            </a:pPr>
+            <a:r>
+              <a:rPr lang="en">
+                <a:solidFill>
+                  <a:srgbClr val="FF0000"/>
+                </a:solidFill>
+              </a:rPr>
+              <a:t>Con</a:t>
+            </a:r>
+            <a:r>
+              <a:rPr lang="en">
+                <a:solidFill>
+                  <a:srgbClr val="000000"/>
+                </a:solidFill>
+              </a:rPr>
+              <a:t>:</a:t>
+            </a:r>
+            <a:r>
+              <a:rPr lang="en">
+                <a:solidFill>
+                  <a:srgbClr val="FFFFFF"/>
+                </a:solidFill>
+              </a:rPr>
+              <a:t> Experience.</a:t>
+            </a:r>
+          </a:p>
+          <a:p>
+            <a:pPr indent="-228600" lvl="0" marL="457200" rtl="0">
+              <a:spcBef>
+                <a:spcPts val="0"/>
+              </a:spcBef>
+            </a:pPr>
+            <a:r>
+              <a:rPr lang="en">
+                <a:solidFill>
+                  <a:srgbClr val="FF0000"/>
+                </a:solidFill>
+              </a:rPr>
+              <a:t>Con</a:t>
+            </a:r>
+            <a:r>
+              <a:rPr lang="en">
+                <a:solidFill>
+                  <a:srgbClr val="000000"/>
+                </a:solidFill>
+              </a:rPr>
+              <a:t>: </a:t>
+            </a:r>
+            <a:r>
+              <a:rPr lang="en">
+                <a:solidFill>
+                  <a:srgbClr val="FFFFFF"/>
+                </a:solidFill>
+              </a:rPr>
+              <a:t>Have to include the dependencies of both frameworks.</a:t>
+            </a:r>
+          </a:p>
+        </p:txBody>
+      </p:sp>
+      <p:sp>
+        <p:nvSpPr>
+          <p:cNvPr id="180" name="Shape 180"/>
+          <p:cNvSpPr txBox="1"/>
+          <p:nvPr>
+            <p:ph idx="2" type="body"/>
+          </p:nvPr>
+        </p:nvSpPr>
+        <p:spPr>
+          <a:xfrm>
+            <a:off x="4832400" y="1435375"/>
+            <a:ext cx="3999900" cy="3133500"/>
+          </a:xfrm>
+          <a:prstGeom prst="rect">
+            <a:avLst/>
+          </a:prstGeom>
+        </p:spPr>
+        <p:txBody>
+          <a:bodyPr anchorCtr="0" anchor="t" bIns="91425" lIns="91425" rIns="91425" tIns="91425">
+            <a:noAutofit/>
+          </a:bodyPr>
+          <a:lstStyle/>
+          <a:p>
+            <a:pPr lvl="0" rtl="0" algn="ctr">
+              <a:spcBef>
+                <a:spcPts val="0"/>
+              </a:spcBef>
+              <a:buNone/>
+            </a:pPr>
+            <a:r>
+              <a:rPr b="1" lang="en" u="sng">
+                <a:solidFill>
+                  <a:srgbClr val="FFFFFF"/>
+                </a:solidFill>
+              </a:rPr>
+              <a:t>Pure HTML/CSS</a:t>
+            </a:r>
+          </a:p>
+          <a:p>
+            <a:pPr indent="-228600" lvl="0" marL="457200" rtl="0">
+              <a:spcBef>
+                <a:spcPts val="0"/>
+              </a:spcBef>
+            </a:pPr>
+            <a:r>
+              <a:rPr lang="en">
+                <a:solidFill>
+                  <a:srgbClr val="00FF00"/>
+                </a:solidFill>
+              </a:rPr>
+              <a:t>Pro</a:t>
+            </a:r>
+            <a:r>
+              <a:rPr lang="en"/>
+              <a:t>: </a:t>
+            </a:r>
+            <a:r>
+              <a:rPr lang="en">
+                <a:solidFill>
+                  <a:srgbClr val="FFFFFF"/>
+                </a:solidFill>
+              </a:rPr>
+              <a:t>Can write/code only what you need, instead of strictly following MVC.</a:t>
+            </a:r>
+          </a:p>
+          <a:p>
+            <a:pPr indent="-228600" lvl="0" marL="457200" rtl="0">
+              <a:spcBef>
+                <a:spcPts val="0"/>
+              </a:spcBef>
+            </a:pPr>
+            <a:r>
+              <a:rPr lang="en">
+                <a:solidFill>
+                  <a:srgbClr val="00FF00"/>
+                </a:solidFill>
+              </a:rPr>
+              <a:t>Pro</a:t>
+            </a:r>
+            <a:r>
+              <a:rPr lang="en"/>
+              <a:t>: </a:t>
+            </a:r>
+            <a:r>
+              <a:rPr lang="en">
+                <a:solidFill>
+                  <a:srgbClr val="FFFFFF"/>
+                </a:solidFill>
+              </a:rPr>
+              <a:t>None, or not as many, dependencies</a:t>
+            </a:r>
+            <a:r>
+              <a:rPr lang="en"/>
+              <a:t>. </a:t>
+            </a:r>
+          </a:p>
+          <a:p>
+            <a:pPr indent="-228600" lvl="0" marL="457200" rtl="0">
+              <a:spcBef>
+                <a:spcPts val="0"/>
+              </a:spcBef>
+            </a:pPr>
+            <a:r>
+              <a:rPr lang="en">
+                <a:solidFill>
+                  <a:srgbClr val="FF0000"/>
+                </a:solidFill>
+              </a:rPr>
+              <a:t>Con</a:t>
+            </a:r>
+            <a:r>
+              <a:rPr lang="en"/>
+              <a:t>: </a:t>
+            </a:r>
+            <a:r>
+              <a:rPr lang="en">
+                <a:solidFill>
+                  <a:srgbClr val="FFFFFF"/>
+                </a:solidFill>
+              </a:rPr>
+              <a:t>Not as </a:t>
+            </a:r>
+            <a:r>
+              <a:rPr lang="en">
+                <a:solidFill>
+                  <a:srgbClr val="FFFFFF"/>
+                </a:solidFill>
+              </a:rPr>
+              <a:t>consistent</a:t>
+            </a:r>
+            <a:r>
+              <a:rPr lang="en">
+                <a:solidFill>
+                  <a:srgbClr val="FFFFFF"/>
+                </a:solidFill>
+              </a:rPr>
+              <a:t> or responsive.</a:t>
+            </a:r>
+          </a:p>
+          <a:p>
+            <a:pPr indent="-228600" lvl="0" marL="457200" rtl="0">
+              <a:spcBef>
+                <a:spcPts val="0"/>
+              </a:spcBef>
+            </a:pPr>
+            <a:r>
+              <a:rPr lang="en">
+                <a:solidFill>
+                  <a:srgbClr val="FF0000"/>
+                </a:solidFill>
+              </a:rPr>
+              <a:t>Con</a:t>
+            </a:r>
+            <a:r>
+              <a:rPr lang="en"/>
+              <a:t>: </a:t>
+            </a:r>
+            <a:r>
+              <a:rPr lang="en">
+                <a:solidFill>
+                  <a:srgbClr val="FFFFFF"/>
+                </a:solidFill>
+              </a:rPr>
+              <a:t>Harder to manipulate DOM.</a:t>
+            </a:r>
+          </a:p>
+        </p:txBody>
+      </p:sp>
+    </p:spTree>
+  </p:cSld>
+  <p:clrMapOvr>
+    <a:masterClrMapping/>
+  </p:clrMapOvr>
+</p:sld>
+</file>
+
+<file path=ppt/slides/slide22.xml><?xml version="1.0" encoding="utf-8"?>
+<p:sld xmlns:a="http://schemas.openxmlformats.org/drawingml/2006/main" xmlns:r="http://schemas.openxmlformats.org/officeDocument/2006/relationships" xmlns:mc="http://schemas.openxmlformats.org/markup-compatibility/2006" xmlns:mv="urn:schemas-microsoft-com:mac:vml" xmlns:p="http://schemas.openxmlformats.org/presentationml/2006/main" xmlns:c="http://schemas.openxmlformats.org/drawingml/2006/chart" xmlns:dgm="http://schemas.openxmlformats.org/drawingml/2006/diagram" xmlns:o="urn:schemas-microsoft-com:office:office" xmlns:v="urn:schemas-microsoft-com:vml" xmlns:pvml="urn:schemas-microsoft-com:office:powerpoint" xmlns:com="http://schemas.openxmlformats.org/drawingml/2006/compatibility" xmlns:p14="http://schemas.microsoft.com/office/powerpoint/2010/main">
+  <p:cSld>
+    <p:spTree>
+      <p:nvGrpSpPr>
+        <p:cNvPr id="184" name="Shape 184"/>
+        <p:cNvGrpSpPr/>
+        <p:nvPr/>
+      </p:nvGrpSpPr>
+      <p:grpSpPr>
+        <a:xfrm>
+          <a:off x="0" y="0"/>
+          <a:ext cx="0" cy="0"/>
+          <a:chOff x="0" y="0"/>
+          <a:chExt cx="0" cy="0"/>
+        </a:xfrm>
+      </p:grpSpPr>
+      <p:sp>
+        <p:nvSpPr>
+          <p:cNvPr id="185" name="Shape 185"/>
+          <p:cNvSpPr txBox="1"/>
+          <p:nvPr>
+            <p:ph type="title"/>
+          </p:nvPr>
+        </p:nvSpPr>
+        <p:spPr>
+          <a:xfrm>
+            <a:off x="311700" y="445025"/>
+            <a:ext cx="8520600" cy="572700"/>
+          </a:xfrm>
+          <a:prstGeom prst="rect">
+            <a:avLst/>
+          </a:prstGeom>
+        </p:spPr>
+        <p:txBody>
+          <a:bodyPr anchorCtr="0" anchor="t" bIns="91425" lIns="91425" rIns="91425" tIns="91425">
+            <a:noAutofit/>
+          </a:bodyPr>
+          <a:lstStyle/>
+          <a:p>
+            <a:pPr lvl="0" algn="ctr">
+              <a:spcBef>
+                <a:spcPts val="0"/>
+              </a:spcBef>
+              <a:buNone/>
+            </a:pPr>
+            <a:r>
+              <a:rPr lang="en"/>
+              <a:t>Architecture </a:t>
+            </a:r>
+            <a:r>
+              <a:rPr lang="en"/>
+              <a:t>decisions: Ruby on Rails VS Django</a:t>
+            </a:r>
+          </a:p>
+        </p:txBody>
+      </p:sp>
+      <p:sp>
+        <p:nvSpPr>
+          <p:cNvPr id="186" name="Shape 186"/>
+          <p:cNvSpPr txBox="1"/>
+          <p:nvPr>
+            <p:ph idx="1" type="body"/>
+          </p:nvPr>
+        </p:nvSpPr>
+        <p:spPr>
+          <a:xfrm>
+            <a:off x="497400" y="1152475"/>
+            <a:ext cx="3814200" cy="3416400"/>
+          </a:xfrm>
+          <a:prstGeom prst="rect">
+            <a:avLst/>
+          </a:prstGeom>
+        </p:spPr>
+        <p:txBody>
+          <a:bodyPr anchorCtr="0" anchor="t" bIns="91425" lIns="91425" rIns="91425" tIns="91425">
+            <a:noAutofit/>
+          </a:bodyPr>
+          <a:lstStyle/>
+          <a:p>
+            <a:pPr lvl="0" rtl="0" algn="ctr">
+              <a:spcBef>
+                <a:spcPts val="0"/>
+              </a:spcBef>
+              <a:buNone/>
+            </a:pPr>
+            <a:r>
+              <a:rPr b="1" lang="en" u="sng">
+                <a:solidFill>
+                  <a:srgbClr val="FFFFFF"/>
+                </a:solidFill>
+              </a:rPr>
+              <a:t>Django</a:t>
+            </a:r>
+          </a:p>
+          <a:p>
+            <a:pPr indent="-228600" lvl="0" marL="457200" rtl="0">
+              <a:spcBef>
+                <a:spcPts val="0"/>
+              </a:spcBef>
+            </a:pPr>
+            <a:r>
+              <a:rPr lang="en">
+                <a:solidFill>
+                  <a:srgbClr val="00FF00"/>
+                </a:solidFill>
+              </a:rPr>
+              <a:t>Pro:</a:t>
+            </a:r>
+            <a:r>
+              <a:rPr lang="en">
+                <a:solidFill>
+                  <a:srgbClr val="000000"/>
+                </a:solidFill>
+              </a:rPr>
+              <a:t> </a:t>
+            </a:r>
+            <a:r>
+              <a:rPr lang="en">
+                <a:solidFill>
+                  <a:srgbClr val="FFFFFF"/>
+                </a:solidFill>
+              </a:rPr>
+              <a:t>Since machine learning will be in Python, simplifies code by reducing the number of languages used.</a:t>
+            </a:r>
+          </a:p>
+          <a:p>
+            <a:pPr indent="-228600" lvl="0" marL="457200" rtl="0">
+              <a:spcBef>
+                <a:spcPts val="0"/>
+              </a:spcBef>
+            </a:pPr>
+            <a:r>
+              <a:rPr lang="en">
+                <a:solidFill>
+                  <a:srgbClr val="00FF00"/>
+                </a:solidFill>
+              </a:rPr>
+              <a:t>Pro</a:t>
+            </a:r>
+            <a:r>
+              <a:rPr lang="en">
+                <a:solidFill>
+                  <a:srgbClr val="000000"/>
+                </a:solidFill>
+              </a:rPr>
+              <a:t>:</a:t>
+            </a:r>
+            <a:r>
+              <a:rPr lang="en">
+                <a:solidFill>
+                  <a:srgbClr val="FFFFFF"/>
+                </a:solidFill>
+              </a:rPr>
+              <a:t>Easily implemented database connectors. </a:t>
+            </a:r>
+          </a:p>
+          <a:p>
+            <a:pPr indent="-228600" lvl="0" marL="457200">
+              <a:spcBef>
+                <a:spcPts val="0"/>
+              </a:spcBef>
+            </a:pPr>
+            <a:r>
+              <a:rPr lang="en">
+                <a:solidFill>
+                  <a:srgbClr val="FF0000"/>
+                </a:solidFill>
+              </a:rPr>
+              <a:t>Con</a:t>
+            </a:r>
+            <a:r>
+              <a:rPr lang="en">
+                <a:solidFill>
+                  <a:srgbClr val="000000"/>
+                </a:solidFill>
+              </a:rPr>
+              <a:t>:</a:t>
+            </a:r>
+            <a:r>
+              <a:rPr lang="en">
+                <a:solidFill>
+                  <a:srgbClr val="FFFFFF"/>
+                </a:solidFill>
+              </a:rPr>
+              <a:t> No experience with this framework.</a:t>
+            </a:r>
+          </a:p>
+        </p:txBody>
+      </p:sp>
+      <p:sp>
+        <p:nvSpPr>
+          <p:cNvPr id="187" name="Shape 187"/>
+          <p:cNvSpPr txBox="1"/>
+          <p:nvPr>
+            <p:ph idx="2" type="body"/>
+          </p:nvPr>
+        </p:nvSpPr>
+        <p:spPr>
+          <a:xfrm>
+            <a:off x="4832400" y="1152475"/>
+            <a:ext cx="3999900" cy="3416400"/>
+          </a:xfrm>
+          <a:prstGeom prst="rect">
+            <a:avLst/>
+          </a:prstGeom>
+        </p:spPr>
+        <p:txBody>
+          <a:bodyPr anchorCtr="0" anchor="t" bIns="91425" lIns="91425" rIns="91425" tIns="91425">
+            <a:noAutofit/>
+          </a:bodyPr>
+          <a:lstStyle/>
+          <a:p>
+            <a:pPr lvl="0" rtl="0" algn="ctr">
+              <a:spcBef>
+                <a:spcPts val="0"/>
+              </a:spcBef>
+              <a:buNone/>
+            </a:pPr>
+            <a:r>
+              <a:rPr b="1" lang="en" u="sng">
+                <a:solidFill>
+                  <a:srgbClr val="FFFFFF"/>
+                </a:solidFill>
+              </a:rPr>
+              <a:t>Ruby on Rails</a:t>
+            </a:r>
+          </a:p>
+          <a:p>
+            <a:pPr indent="-228600" lvl="0" marL="457200" rtl="0">
+              <a:spcBef>
+                <a:spcPts val="0"/>
+              </a:spcBef>
+            </a:pPr>
+            <a:r>
+              <a:rPr lang="en">
+                <a:solidFill>
+                  <a:srgbClr val="00FF00"/>
+                </a:solidFill>
+              </a:rPr>
+              <a:t>Pro</a:t>
+            </a:r>
+            <a:r>
+              <a:rPr lang="en"/>
+              <a:t>: </a:t>
+            </a:r>
+            <a:r>
+              <a:rPr lang="en">
+                <a:solidFill>
+                  <a:srgbClr val="FFFFFF"/>
+                </a:solidFill>
+              </a:rPr>
+              <a:t>Some experience with this framework.</a:t>
+            </a:r>
+          </a:p>
+          <a:p>
+            <a:pPr indent="-228600" lvl="0" marL="457200" rtl="0">
+              <a:spcBef>
+                <a:spcPts val="0"/>
+              </a:spcBef>
+            </a:pPr>
+            <a:r>
+              <a:rPr lang="en">
+                <a:solidFill>
+                  <a:srgbClr val="00FF00"/>
+                </a:solidFill>
+              </a:rPr>
+              <a:t>Pro</a:t>
+            </a:r>
+            <a:r>
+              <a:rPr lang="en"/>
+              <a:t>: </a:t>
+            </a:r>
+          </a:p>
+          <a:p>
+            <a:pPr indent="-228600" lvl="0" marL="457200" rtl="0">
+              <a:spcBef>
+                <a:spcPts val="0"/>
+              </a:spcBef>
+            </a:pPr>
+            <a:r>
+              <a:rPr lang="en">
+                <a:solidFill>
+                  <a:srgbClr val="FF0000"/>
+                </a:solidFill>
+              </a:rPr>
+              <a:t>Con</a:t>
+            </a:r>
+            <a:r>
+              <a:rPr lang="en"/>
+              <a:t>: </a:t>
+            </a:r>
+            <a:r>
+              <a:rPr lang="en">
+                <a:solidFill>
+                  <a:srgbClr val="FFFFFF"/>
+                </a:solidFill>
+              </a:rPr>
+              <a:t>More difficult to coordinate with machine learning b/c of language differences</a:t>
+            </a:r>
+          </a:p>
+          <a:p>
+            <a:pPr indent="-228600" lvl="0" marL="457200" rtl="0">
+              <a:spcBef>
+                <a:spcPts val="0"/>
+              </a:spcBef>
+              <a:buClr>
+                <a:srgbClr val="FFFFFF"/>
+              </a:buClr>
+            </a:pPr>
+            <a:r>
+              <a:rPr lang="en">
+                <a:solidFill>
+                  <a:srgbClr val="FF0000"/>
+                </a:solidFill>
+              </a:rPr>
+              <a:t>Con</a:t>
+            </a:r>
+            <a:r>
+              <a:rPr lang="en">
+                <a:solidFill>
+                  <a:srgbClr val="FFFFFF"/>
+                </a:solidFill>
+              </a:rPr>
+              <a:t>: Native Machine learning requires different libraries for different modules</a:t>
+            </a:r>
+          </a:p>
+        </p:txBody>
+      </p:sp>
+    </p:spTree>
+  </p:cSld>
+  <p:clrMapOvr>
+    <a:masterClrMapping/>
+  </p:clrMapOvr>
+</p:sld>
+</file>
+
+<file path=ppt/slides/slide23.xml><?xml version="1.0" encoding="utf-8"?>
+<p:sld xmlns:a="http://schemas.openxmlformats.org/drawingml/2006/main" xmlns:r="http://schemas.openxmlformats.org/officeDocument/2006/relationships" xmlns:mc="http://schemas.openxmlformats.org/markup-compatibility/2006" xmlns:mv="urn:schemas-microsoft-com:mac:vml" xmlns:p="http://schemas.openxmlformats.org/presentationml/2006/main" xmlns:c="http://schemas.openxmlformats.org/drawingml/2006/chart" xmlns:dgm="http://schemas.openxmlformats.org/drawingml/2006/diagram" xmlns:o="urn:schemas-microsoft-com:office:office" xmlns:v="urn:schemas-microsoft-com:vml" xmlns:pvml="urn:schemas-microsoft-com:office:powerpoint" xmlns:com="http://schemas.openxmlformats.org/drawingml/2006/compatibility" xmlns:p14="http://schemas.microsoft.com/office/powerpoint/2010/main">
+  <p:cSld>
+    <p:spTree>
+      <p:nvGrpSpPr>
+        <p:cNvPr id="191" name="Shape 191"/>
+        <p:cNvGrpSpPr/>
+        <p:nvPr/>
+      </p:nvGrpSpPr>
+      <p:grpSpPr>
+        <a:xfrm>
+          <a:off x="0" y="0"/>
+          <a:ext cx="0" cy="0"/>
+          <a:chOff x="0" y="0"/>
+          <a:chExt cx="0" cy="0"/>
+        </a:xfrm>
+      </p:grpSpPr>
+      <p:sp>
+        <p:nvSpPr>
+          <p:cNvPr id="192" name="Shape 192"/>
+          <p:cNvSpPr txBox="1"/>
+          <p:nvPr>
+            <p:ph type="title"/>
+          </p:nvPr>
+        </p:nvSpPr>
+        <p:spPr>
+          <a:xfrm>
+            <a:off x="311700" y="445025"/>
+            <a:ext cx="8520600" cy="572700"/>
+          </a:xfrm>
+          <a:prstGeom prst="rect">
+            <a:avLst/>
+          </a:prstGeom>
+        </p:spPr>
+        <p:txBody>
+          <a:bodyPr anchorCtr="0" anchor="t" bIns="91425" lIns="91425" rIns="91425" tIns="91425">
+            <a:noAutofit/>
+          </a:bodyPr>
+          <a:lstStyle/>
+          <a:p>
+            <a:pPr lvl="0" algn="ctr">
+              <a:spcBef>
+                <a:spcPts val="0"/>
+              </a:spcBef>
+              <a:buNone/>
+            </a:pPr>
+            <a:r>
+              <a:rPr lang="en"/>
+              <a:t>Hosting decision: Cloud Hosting vs Local Ho</a:t>
+            </a:r>
+            <a:r>
+              <a:rPr lang="en"/>
+              <a:t>sting </a:t>
+            </a:r>
+          </a:p>
+        </p:txBody>
+      </p:sp>
+      <p:sp>
+        <p:nvSpPr>
+          <p:cNvPr id="193" name="Shape 193"/>
+          <p:cNvSpPr txBox="1"/>
+          <p:nvPr>
+            <p:ph idx="1" type="body"/>
+          </p:nvPr>
+        </p:nvSpPr>
+        <p:spPr>
+          <a:xfrm>
+            <a:off x="508700" y="1152475"/>
+            <a:ext cx="3803100" cy="3416400"/>
+          </a:xfrm>
+          <a:prstGeom prst="rect">
+            <a:avLst/>
+          </a:prstGeom>
+        </p:spPr>
+        <p:txBody>
+          <a:bodyPr anchorCtr="0" anchor="t" bIns="91425" lIns="91425" rIns="91425" tIns="91425">
+            <a:noAutofit/>
+          </a:bodyPr>
+          <a:lstStyle/>
+          <a:p>
+            <a:pPr lvl="0" algn="ctr">
+              <a:spcBef>
+                <a:spcPts val="0"/>
+              </a:spcBef>
+              <a:buNone/>
+            </a:pPr>
+            <a:r>
+              <a:rPr b="1" lang="en" u="sng">
+                <a:solidFill>
+                  <a:srgbClr val="FFFFFF"/>
+                </a:solidFill>
+              </a:rPr>
+              <a:t>Cloud</a:t>
+            </a:r>
+          </a:p>
+          <a:p>
+            <a:pPr indent="-228600" lvl="0" marL="457200" rtl="0">
+              <a:spcBef>
+                <a:spcPts val="0"/>
+              </a:spcBef>
+              <a:buClr>
+                <a:srgbClr val="FFFFFF"/>
+              </a:buClr>
+            </a:pPr>
+            <a:r>
+              <a:rPr lang="en">
+                <a:solidFill>
+                  <a:srgbClr val="00FF00"/>
+                </a:solidFill>
+              </a:rPr>
+              <a:t>Pro</a:t>
+            </a:r>
+            <a:r>
+              <a:rPr lang="en">
+                <a:solidFill>
+                  <a:srgbClr val="000000"/>
+                </a:solidFill>
+              </a:rPr>
+              <a:t>:</a:t>
+            </a:r>
+            <a:r>
+              <a:rPr lang="en">
+                <a:solidFill>
+                  <a:srgbClr val="FFFFFF"/>
+                </a:solidFill>
+              </a:rPr>
+              <a:t> </a:t>
+            </a:r>
+            <a:r>
+              <a:rPr lang="en">
+                <a:solidFill>
+                  <a:srgbClr val="FFFFFF"/>
+                </a:solidFill>
+              </a:rPr>
+              <a:t>24/7 access.</a:t>
+            </a:r>
+          </a:p>
+          <a:p>
+            <a:pPr indent="-228600" lvl="0" marL="457200" rtl="0">
+              <a:spcBef>
+                <a:spcPts val="0"/>
+              </a:spcBef>
+              <a:buClr>
+                <a:srgbClr val="FFFFFF"/>
+              </a:buClr>
+            </a:pPr>
+            <a:r>
+              <a:rPr lang="en">
+                <a:solidFill>
+                  <a:srgbClr val="00FF00"/>
+                </a:solidFill>
+              </a:rPr>
+              <a:t>Pro:</a:t>
+            </a:r>
+            <a:r>
+              <a:rPr lang="en">
+                <a:solidFill>
+                  <a:srgbClr val="FFFFFF"/>
+                </a:solidFill>
+              </a:rPr>
+              <a:t> Hardware requirements handled by external party. </a:t>
+            </a:r>
+          </a:p>
+          <a:p>
+            <a:pPr indent="-228600" lvl="0" marL="457200" rtl="0">
+              <a:spcBef>
+                <a:spcPts val="0"/>
+              </a:spcBef>
+              <a:buClr>
+                <a:srgbClr val="FFFFFF"/>
+              </a:buClr>
+            </a:pPr>
+            <a:r>
+              <a:rPr lang="en">
+                <a:solidFill>
+                  <a:srgbClr val="00FF00"/>
+                </a:solidFill>
+              </a:rPr>
+              <a:t>Pro</a:t>
+            </a:r>
+            <a:r>
+              <a:rPr lang="en">
+                <a:solidFill>
+                  <a:srgbClr val="000000"/>
+                </a:solidFill>
+              </a:rPr>
+              <a:t>:</a:t>
+            </a:r>
+            <a:r>
+              <a:rPr lang="en">
+                <a:solidFill>
+                  <a:srgbClr val="FFFFFF"/>
+                </a:solidFill>
+              </a:rPr>
+              <a:t> Easier to scale.</a:t>
+            </a:r>
+          </a:p>
+          <a:p>
+            <a:pPr indent="-228600" lvl="0" marL="457200" rtl="0">
+              <a:spcBef>
+                <a:spcPts val="0"/>
+              </a:spcBef>
+              <a:buClr>
+                <a:srgbClr val="FFFFFF"/>
+              </a:buClr>
+            </a:pPr>
+            <a:r>
+              <a:rPr lang="en">
+                <a:solidFill>
+                  <a:srgbClr val="00FF00"/>
+                </a:solidFill>
+              </a:rPr>
+              <a:t>Pro</a:t>
+            </a:r>
+            <a:r>
+              <a:rPr lang="en">
+                <a:solidFill>
+                  <a:srgbClr val="000000"/>
+                </a:solidFill>
+              </a:rPr>
+              <a:t>: </a:t>
+            </a:r>
+            <a:r>
+              <a:rPr lang="en">
+                <a:solidFill>
+                  <a:srgbClr val="FFFFFF"/>
+                </a:solidFill>
+              </a:rPr>
+              <a:t>Has support if we run into problems.</a:t>
+            </a:r>
+          </a:p>
+          <a:p>
+            <a:pPr indent="-228600" lvl="0" marL="457200" rtl="0">
+              <a:spcBef>
+                <a:spcPts val="0"/>
+              </a:spcBef>
+              <a:buClr>
+                <a:srgbClr val="FFFFFF"/>
+              </a:buClr>
+            </a:pPr>
+            <a:r>
+              <a:rPr lang="en">
+                <a:solidFill>
+                  <a:srgbClr val="FF0000"/>
+                </a:solidFill>
+              </a:rPr>
+              <a:t>Con</a:t>
+            </a:r>
+            <a:r>
+              <a:rPr lang="en">
+                <a:solidFill>
+                  <a:srgbClr val="000000"/>
+                </a:solidFill>
+              </a:rPr>
+              <a:t>: </a:t>
+            </a:r>
+            <a:r>
+              <a:rPr lang="en">
+                <a:solidFill>
+                  <a:srgbClr val="FFFFFF"/>
+                </a:solidFill>
+              </a:rPr>
+              <a:t>Costs money.</a:t>
+            </a:r>
+          </a:p>
+          <a:p>
+            <a:pPr indent="-228600" lvl="0" marL="457200" rtl="0">
+              <a:spcBef>
+                <a:spcPts val="0"/>
+              </a:spcBef>
+              <a:buClr>
+                <a:srgbClr val="FFFFFF"/>
+              </a:buClr>
+            </a:pPr>
+            <a:r>
+              <a:rPr lang="en">
+                <a:solidFill>
+                  <a:srgbClr val="FF0000"/>
+                </a:solidFill>
+              </a:rPr>
+              <a:t>Con</a:t>
+            </a:r>
+            <a:r>
+              <a:rPr lang="en">
+                <a:solidFill>
+                  <a:srgbClr val="000000"/>
+                </a:solidFill>
+              </a:rPr>
+              <a:t>: </a:t>
+            </a:r>
+            <a:r>
+              <a:rPr lang="en">
+                <a:solidFill>
+                  <a:srgbClr val="FFFFFF"/>
+                </a:solidFill>
+              </a:rPr>
+              <a:t>Requires internet access.</a:t>
+            </a:r>
+          </a:p>
+        </p:txBody>
+      </p:sp>
+      <p:sp>
+        <p:nvSpPr>
+          <p:cNvPr id="194" name="Shape 194"/>
+          <p:cNvSpPr txBox="1"/>
+          <p:nvPr>
+            <p:ph idx="2" type="body"/>
+          </p:nvPr>
+        </p:nvSpPr>
+        <p:spPr>
+          <a:xfrm>
+            <a:off x="4832400" y="1152475"/>
+            <a:ext cx="3803100" cy="3416400"/>
+          </a:xfrm>
+          <a:prstGeom prst="rect">
+            <a:avLst/>
+          </a:prstGeom>
+        </p:spPr>
+        <p:txBody>
+          <a:bodyPr anchorCtr="0" anchor="t" bIns="91425" lIns="91425" rIns="91425" tIns="91425">
+            <a:noAutofit/>
+          </a:bodyPr>
+          <a:lstStyle/>
+          <a:p>
+            <a:pPr lvl="0" algn="ctr">
+              <a:spcBef>
+                <a:spcPts val="0"/>
+              </a:spcBef>
+              <a:buNone/>
+            </a:pPr>
+            <a:r>
+              <a:rPr b="1" lang="en" u="sng">
+                <a:solidFill>
+                  <a:srgbClr val="FFFFFF"/>
+                </a:solidFill>
+              </a:rPr>
+              <a:t>Localhost</a:t>
+            </a:r>
+          </a:p>
+          <a:p>
+            <a:pPr indent="-228600" lvl="0" marL="457200" rtl="0">
+              <a:spcBef>
+                <a:spcPts val="0"/>
+              </a:spcBef>
+              <a:buClr>
+                <a:srgbClr val="FFFFFF"/>
+              </a:buClr>
+            </a:pPr>
+            <a:r>
+              <a:rPr lang="en">
+                <a:solidFill>
+                  <a:srgbClr val="00FF00"/>
+                </a:solidFill>
+              </a:rPr>
+              <a:t>Pro</a:t>
+            </a:r>
+            <a:r>
+              <a:rPr lang="en">
+                <a:solidFill>
+                  <a:srgbClr val="000000"/>
+                </a:solidFill>
+              </a:rPr>
+              <a:t>:</a:t>
+            </a:r>
+            <a:r>
+              <a:rPr lang="en">
+                <a:solidFill>
+                  <a:srgbClr val="FFFFFF"/>
+                </a:solidFill>
+              </a:rPr>
+              <a:t> More control.</a:t>
+            </a:r>
+          </a:p>
+          <a:p>
+            <a:pPr indent="-228600" lvl="0" marL="457200" rtl="0">
+              <a:spcBef>
+                <a:spcPts val="0"/>
+              </a:spcBef>
+              <a:buClr>
+                <a:srgbClr val="FFFFFF"/>
+              </a:buClr>
+            </a:pPr>
+            <a:r>
+              <a:rPr lang="en">
+                <a:solidFill>
+                  <a:srgbClr val="00FF00"/>
+                </a:solidFill>
+              </a:rPr>
+              <a:t>Pro</a:t>
+            </a:r>
+            <a:r>
+              <a:rPr lang="en">
+                <a:solidFill>
+                  <a:srgbClr val="000000"/>
+                </a:solidFill>
+              </a:rPr>
+              <a:t>:</a:t>
+            </a:r>
+            <a:r>
+              <a:rPr lang="en">
+                <a:solidFill>
+                  <a:srgbClr val="FFFFFF"/>
+                </a:solidFill>
+              </a:rPr>
+              <a:t> Free.</a:t>
+            </a:r>
+          </a:p>
+          <a:p>
+            <a:pPr indent="-228600" lvl="0" marL="457200" rtl="0">
+              <a:spcBef>
+                <a:spcPts val="0"/>
+              </a:spcBef>
+              <a:buClr>
+                <a:srgbClr val="FFFFFF"/>
+              </a:buClr>
+            </a:pPr>
+            <a:r>
+              <a:rPr lang="en">
+                <a:solidFill>
+                  <a:srgbClr val="00FF00"/>
+                </a:solidFill>
+              </a:rPr>
+              <a:t>Pro</a:t>
+            </a:r>
+            <a:r>
+              <a:rPr lang="en">
+                <a:solidFill>
+                  <a:srgbClr val="000000"/>
+                </a:solidFill>
+              </a:rPr>
+              <a:t>: </a:t>
+            </a:r>
+            <a:r>
+              <a:rPr lang="en">
+                <a:solidFill>
+                  <a:srgbClr val="FFFFFF"/>
+                </a:solidFill>
+              </a:rPr>
+              <a:t>More security.</a:t>
+            </a:r>
+          </a:p>
+          <a:p>
+            <a:pPr indent="-228600" lvl="0" marL="457200" rtl="0">
+              <a:spcBef>
+                <a:spcPts val="0"/>
+              </a:spcBef>
+              <a:buClr>
+                <a:srgbClr val="FFFFFF"/>
+              </a:buClr>
+            </a:pPr>
+            <a:r>
+              <a:rPr lang="en">
+                <a:solidFill>
+                  <a:srgbClr val="FF0000"/>
+                </a:solidFill>
+              </a:rPr>
+              <a:t>Con</a:t>
+            </a:r>
+            <a:r>
+              <a:rPr lang="en">
+                <a:solidFill>
+                  <a:srgbClr val="000000"/>
+                </a:solidFill>
+              </a:rPr>
+              <a:t>:</a:t>
+            </a:r>
+            <a:r>
+              <a:rPr lang="en">
+                <a:solidFill>
+                  <a:srgbClr val="FFFFFF"/>
+                </a:solidFill>
+              </a:rPr>
+              <a:t> Hardware requirements must be met by group members.</a:t>
+            </a:r>
+          </a:p>
+          <a:p>
+            <a:pPr indent="-228600" lvl="0" marL="457200" rtl="0">
+              <a:spcBef>
+                <a:spcPts val="0"/>
+              </a:spcBef>
+              <a:buClr>
+                <a:srgbClr val="FFFFFF"/>
+              </a:buClr>
+            </a:pPr>
+            <a:r>
+              <a:rPr lang="en">
+                <a:solidFill>
+                  <a:srgbClr val="FF0000"/>
+                </a:solidFill>
+              </a:rPr>
+              <a:t>Con</a:t>
+            </a:r>
+            <a:r>
+              <a:rPr lang="en">
+                <a:solidFill>
+                  <a:srgbClr val="FFFFFF"/>
+                </a:solidFill>
+              </a:rPr>
+              <a:t> Local hardware failure could create issues.</a:t>
+            </a:r>
+          </a:p>
+        </p:txBody>
+      </p:sp>
+    </p:spTree>
+  </p:cSld>
+  <p:clrMapOvr>
+    <a:masterClrMapping/>
+  </p:clrMapOvr>
+</p:sld>
+</file>
+
+<file path=ppt/slides/slide24.xml><?xml version="1.0" encoding="utf-8"?>
+<p:sld xmlns:a="http://schemas.openxmlformats.org/drawingml/2006/main" xmlns:r="http://schemas.openxmlformats.org/officeDocument/2006/relationships" xmlns:mc="http://schemas.openxmlformats.org/markup-compatibility/2006" xmlns:mv="urn:schemas-microsoft-com:mac:vml" xmlns:p="http://schemas.openxmlformats.org/presentationml/2006/main" xmlns:c="http://schemas.openxmlformats.org/drawingml/2006/chart" xmlns:dgm="http://schemas.openxmlformats.org/drawingml/2006/diagram" xmlns:o="urn:schemas-microsoft-com:office:office" xmlns:v="urn:schemas-microsoft-com:vml" xmlns:pvml="urn:schemas-microsoft-com:office:powerpoint" xmlns:com="http://schemas.openxmlformats.org/drawingml/2006/compatibility" xmlns:p14="http://schemas.microsoft.com/office/powerpoint/2010/main">
+  <p:cSld>
+    <p:spTree>
+      <p:nvGrpSpPr>
+        <p:cNvPr id="198" name="Shape 198"/>
+        <p:cNvGrpSpPr/>
+        <p:nvPr/>
+      </p:nvGrpSpPr>
+      <p:grpSpPr>
+        <a:xfrm>
+          <a:off x="0" y="0"/>
+          <a:ext cx="0" cy="0"/>
+          <a:chOff x="0" y="0"/>
+          <a:chExt cx="0" cy="0"/>
+        </a:xfrm>
+      </p:grpSpPr>
+      <p:sp>
+        <p:nvSpPr>
+          <p:cNvPr id="199" name="Shape 199"/>
+          <p:cNvSpPr txBox="1"/>
+          <p:nvPr>
+            <p:ph type="title"/>
+          </p:nvPr>
+        </p:nvSpPr>
+        <p:spPr>
+          <a:xfrm>
+            <a:off x="311700" y="445025"/>
+            <a:ext cx="8520600" cy="572700"/>
+          </a:xfrm>
+          <a:prstGeom prst="rect">
+            <a:avLst/>
+          </a:prstGeom>
+        </p:spPr>
+        <p:txBody>
+          <a:bodyPr anchorCtr="0" anchor="t" bIns="91425" lIns="91425" rIns="91425" tIns="91425">
+            <a:noAutofit/>
+          </a:bodyPr>
+          <a:lstStyle/>
+          <a:p>
+            <a:pPr lvl="0" algn="ctr">
+              <a:spcBef>
+                <a:spcPts val="0"/>
+              </a:spcBef>
+              <a:buNone/>
+            </a:pPr>
+            <a:r>
+              <a:rPr lang="en"/>
+              <a:t>Database decision: MySQL VS MongoDB</a:t>
+            </a:r>
+          </a:p>
+        </p:txBody>
+      </p:sp>
+      <p:sp>
+        <p:nvSpPr>
+          <p:cNvPr id="200" name="Shape 200"/>
+          <p:cNvSpPr txBox="1"/>
+          <p:nvPr>
+            <p:ph idx="1" type="body"/>
+          </p:nvPr>
+        </p:nvSpPr>
+        <p:spPr>
+          <a:xfrm>
+            <a:off x="461250" y="1152475"/>
+            <a:ext cx="3850200" cy="3416400"/>
+          </a:xfrm>
+          <a:prstGeom prst="rect">
+            <a:avLst/>
+          </a:prstGeom>
+        </p:spPr>
+        <p:txBody>
+          <a:bodyPr anchorCtr="0" anchor="t" bIns="91425" lIns="91425" rIns="91425" tIns="91425">
+            <a:noAutofit/>
+          </a:bodyPr>
+          <a:lstStyle/>
+          <a:p>
+            <a:pPr lvl="0" rtl="0" algn="ctr">
+              <a:spcBef>
+                <a:spcPts val="0"/>
+              </a:spcBef>
+              <a:buNone/>
+            </a:pPr>
+            <a:r>
+              <a:rPr b="1" lang="en" u="sng">
+                <a:solidFill>
+                  <a:srgbClr val="F3F3F3"/>
+                </a:solidFill>
+              </a:rPr>
+              <a:t>MySQL</a:t>
+            </a:r>
+          </a:p>
+          <a:p>
+            <a:pPr indent="-228600" lvl="0" marL="457200" rtl="0">
+              <a:spcBef>
+                <a:spcPts val="0"/>
+              </a:spcBef>
+            </a:pPr>
+            <a:r>
+              <a:rPr lang="en">
+                <a:solidFill>
+                  <a:srgbClr val="00FF00"/>
+                </a:solidFill>
+              </a:rPr>
+              <a:t>Pro</a:t>
+            </a:r>
+            <a:r>
+              <a:rPr lang="en"/>
+              <a:t>: </a:t>
+            </a:r>
+            <a:r>
+              <a:rPr lang="en">
+                <a:solidFill>
+                  <a:srgbClr val="FFFFFF"/>
+                </a:solidFill>
+              </a:rPr>
+              <a:t>Several members of our group have experience with MySQL.</a:t>
+            </a:r>
+          </a:p>
+          <a:p>
+            <a:pPr indent="-228600" lvl="0" marL="457200" rtl="0">
+              <a:spcBef>
+                <a:spcPts val="0"/>
+              </a:spcBef>
+            </a:pPr>
+            <a:r>
+              <a:rPr lang="en">
+                <a:solidFill>
+                  <a:srgbClr val="00FF00"/>
+                </a:solidFill>
+              </a:rPr>
+              <a:t>Pro</a:t>
+            </a:r>
+            <a:r>
+              <a:rPr lang="en"/>
+              <a:t>: </a:t>
+            </a:r>
+            <a:r>
+              <a:rPr lang="en">
+                <a:solidFill>
+                  <a:srgbClr val="FFFFFF"/>
+                </a:solidFill>
+              </a:rPr>
+              <a:t>Data integrity constraints enforced.</a:t>
+            </a:r>
+          </a:p>
+          <a:p>
+            <a:pPr indent="-228600" lvl="0" marL="457200" rtl="0">
+              <a:spcBef>
+                <a:spcPts val="0"/>
+              </a:spcBef>
+            </a:pPr>
+            <a:r>
+              <a:rPr lang="en">
+                <a:solidFill>
+                  <a:srgbClr val="00FF00"/>
+                </a:solidFill>
+              </a:rPr>
+              <a:t>Pro</a:t>
+            </a:r>
+            <a:r>
+              <a:rPr lang="en"/>
+              <a:t>:</a:t>
+            </a:r>
+            <a:r>
+              <a:rPr lang="en">
+                <a:solidFill>
+                  <a:srgbClr val="FFFFFF"/>
+                </a:solidFill>
+              </a:rPr>
+              <a:t> “Transaction” processes supported natively. </a:t>
+            </a:r>
+          </a:p>
+          <a:p>
+            <a:pPr indent="-228600" lvl="0" marL="457200" rtl="0">
+              <a:spcBef>
+                <a:spcPts val="0"/>
+              </a:spcBef>
+            </a:pPr>
+            <a:r>
+              <a:rPr lang="en">
+                <a:solidFill>
+                  <a:srgbClr val="FF0000"/>
+                </a:solidFill>
+              </a:rPr>
+              <a:t>Con</a:t>
+            </a:r>
+            <a:r>
+              <a:rPr lang="en"/>
+              <a:t>: </a:t>
+            </a:r>
+            <a:r>
+              <a:rPr lang="en">
+                <a:solidFill>
+                  <a:srgbClr val="FFFFFF"/>
+                </a:solidFill>
+              </a:rPr>
+              <a:t>Not easily scalable - requires horizontal partitioning or clustering</a:t>
+            </a:r>
+            <a:r>
+              <a:rPr lang="en"/>
+              <a:t>.</a:t>
+            </a:r>
+          </a:p>
+          <a:p>
+            <a:pPr indent="-228600" lvl="0" marL="457200" rtl="0">
+              <a:spcBef>
+                <a:spcPts val="0"/>
+              </a:spcBef>
+            </a:pPr>
+            <a:r>
+              <a:rPr lang="en">
+                <a:solidFill>
+                  <a:srgbClr val="FF0000"/>
+                </a:solidFill>
+              </a:rPr>
+              <a:t>Con</a:t>
+            </a:r>
+            <a:r>
+              <a:rPr lang="en"/>
+              <a:t>: </a:t>
+            </a:r>
+            <a:r>
+              <a:rPr lang="en">
+                <a:solidFill>
+                  <a:srgbClr val="FFFFFF"/>
+                </a:solidFill>
+              </a:rPr>
+              <a:t>Requires explicit data type declarations and data must conform.</a:t>
+            </a:r>
+          </a:p>
+          <a:p>
+            <a:pPr indent="-228600" lvl="0" marL="457200" rtl="0">
+              <a:spcBef>
+                <a:spcPts val="0"/>
+              </a:spcBef>
+            </a:pPr>
+            <a:r>
+              <a:rPr lang="en">
+                <a:solidFill>
+                  <a:srgbClr val="FF0000"/>
+                </a:solidFill>
+              </a:rPr>
+              <a:t>Con</a:t>
+            </a:r>
+            <a:r>
+              <a:rPr lang="en"/>
+              <a:t>: </a:t>
+            </a:r>
+            <a:r>
+              <a:rPr lang="en">
+                <a:solidFill>
+                  <a:srgbClr val="FFFFFF"/>
+                </a:solidFill>
+              </a:rPr>
+              <a:t>High transaction loads seriously affect performance.</a:t>
+            </a:r>
+          </a:p>
+        </p:txBody>
+      </p:sp>
+      <p:sp>
+        <p:nvSpPr>
+          <p:cNvPr id="201" name="Shape 201"/>
+          <p:cNvSpPr txBox="1"/>
+          <p:nvPr>
+            <p:ph idx="2" type="body"/>
+          </p:nvPr>
+        </p:nvSpPr>
+        <p:spPr>
+          <a:xfrm>
+            <a:off x="4832400" y="1152475"/>
+            <a:ext cx="3850200" cy="3416400"/>
+          </a:xfrm>
+          <a:prstGeom prst="rect">
+            <a:avLst/>
+          </a:prstGeom>
+        </p:spPr>
+        <p:txBody>
+          <a:bodyPr anchorCtr="0" anchor="t" bIns="91425" lIns="91425" rIns="91425" tIns="91425">
+            <a:noAutofit/>
+          </a:bodyPr>
+          <a:lstStyle/>
+          <a:p>
+            <a:pPr lvl="0" rtl="0" algn="ctr">
+              <a:spcBef>
+                <a:spcPts val="0"/>
+              </a:spcBef>
+              <a:buNone/>
+            </a:pPr>
+            <a:r>
+              <a:rPr b="1" lang="en" u="sng">
+                <a:solidFill>
+                  <a:srgbClr val="F3F3F3"/>
+                </a:solidFill>
+              </a:rPr>
+              <a:t>MongoDB</a:t>
+            </a:r>
+          </a:p>
+          <a:p>
+            <a:pPr indent="-228600" lvl="0" marL="457200" rtl="0">
+              <a:spcBef>
+                <a:spcPts val="0"/>
+              </a:spcBef>
+              <a:buClr>
+                <a:srgbClr val="FFFFFF"/>
+              </a:buClr>
+            </a:pPr>
+            <a:r>
+              <a:rPr lang="en">
+                <a:solidFill>
+                  <a:srgbClr val="00FF00"/>
+                </a:solidFill>
+              </a:rPr>
+              <a:t>Pro:</a:t>
+            </a:r>
+            <a:r>
+              <a:rPr lang="en">
+                <a:solidFill>
+                  <a:schemeClr val="dk1"/>
+                </a:solidFill>
+              </a:rPr>
+              <a:t> Doesn’t rely on object relational mapping - more flexibility. </a:t>
+            </a:r>
+          </a:p>
+          <a:p>
+            <a:pPr indent="-228600" lvl="0" marL="457200" rtl="0">
+              <a:spcBef>
+                <a:spcPts val="0"/>
+              </a:spcBef>
+              <a:buClr>
+                <a:srgbClr val="FFFFFF"/>
+              </a:buClr>
+            </a:pPr>
+            <a:r>
+              <a:rPr lang="en">
+                <a:solidFill>
+                  <a:srgbClr val="00FF00"/>
+                </a:solidFill>
+              </a:rPr>
+              <a:t>Pro</a:t>
+            </a:r>
+            <a:r>
+              <a:rPr lang="en">
+                <a:solidFill>
+                  <a:schemeClr val="dk1"/>
+                </a:solidFill>
+              </a:rPr>
+              <a:t>: All object info is stored in a single instance accessed via key - simple.</a:t>
+            </a:r>
+          </a:p>
+          <a:p>
+            <a:pPr indent="-228600" lvl="0" marL="457200" rtl="0">
+              <a:spcBef>
+                <a:spcPts val="0"/>
+              </a:spcBef>
+              <a:buClr>
+                <a:srgbClr val="FFFFFF"/>
+              </a:buClr>
+            </a:pPr>
+            <a:r>
+              <a:rPr lang="en">
+                <a:solidFill>
+                  <a:srgbClr val="00FF00"/>
+                </a:solidFill>
+              </a:rPr>
+              <a:t>Pro</a:t>
+            </a:r>
+            <a:r>
+              <a:rPr lang="en">
+                <a:solidFill>
+                  <a:srgbClr val="FFFFFF"/>
+                </a:solidFill>
+              </a:rPr>
+              <a:t>: More scalable than relational DB.</a:t>
+            </a:r>
+          </a:p>
+          <a:p>
+            <a:pPr indent="-228600" lvl="0" marL="457200" rtl="0">
+              <a:spcBef>
+                <a:spcPts val="0"/>
+              </a:spcBef>
+              <a:buClr>
+                <a:srgbClr val="FFFFFF"/>
+              </a:buClr>
+            </a:pPr>
+            <a:r>
+              <a:rPr lang="en">
+                <a:solidFill>
+                  <a:srgbClr val="FF0000"/>
+                </a:solidFill>
+              </a:rPr>
+              <a:t>Con</a:t>
+            </a:r>
+            <a:r>
+              <a:rPr lang="en">
+                <a:solidFill>
+                  <a:schemeClr val="dk1"/>
+                </a:solidFill>
+              </a:rPr>
+              <a:t>: No enforcement for data integrity constraints.</a:t>
+            </a:r>
+          </a:p>
+          <a:p>
+            <a:pPr indent="-228600" lvl="0" marL="457200" rtl="0">
+              <a:spcBef>
+                <a:spcPts val="0"/>
+              </a:spcBef>
+              <a:buClr>
+                <a:srgbClr val="FFFFFF"/>
+              </a:buClr>
+            </a:pPr>
+            <a:r>
+              <a:rPr lang="en">
+                <a:solidFill>
+                  <a:srgbClr val="FF0000"/>
+                </a:solidFill>
+              </a:rPr>
+              <a:t>Con</a:t>
+            </a:r>
+            <a:r>
+              <a:rPr lang="en">
+                <a:solidFill>
+                  <a:srgbClr val="FFFFFF"/>
+                </a:solidFill>
+              </a:rPr>
+              <a:t>: 	No join operation comparable to SQL relational JOIN.</a:t>
+            </a:r>
+          </a:p>
+          <a:p>
+            <a:pPr indent="-228600" lvl="0" marL="457200" rtl="0">
+              <a:spcBef>
+                <a:spcPts val="0"/>
+              </a:spcBef>
+              <a:buClr>
+                <a:srgbClr val="FFFFFF"/>
+              </a:buClr>
+            </a:pPr>
+            <a:r>
+              <a:rPr lang="en">
+                <a:solidFill>
+                  <a:srgbClr val="FF0000"/>
+                </a:solidFill>
+              </a:rPr>
+              <a:t>Con</a:t>
+            </a:r>
+            <a:r>
+              <a:rPr lang="en">
+                <a:solidFill>
+                  <a:srgbClr val="FFFFFF"/>
+                </a:solidFill>
+              </a:rPr>
+              <a:t>: </a:t>
+            </a:r>
+            <a:r>
+              <a:rPr lang="en">
+                <a:solidFill>
+                  <a:schemeClr val="dk1"/>
+                </a:solidFill>
+              </a:rPr>
+              <a:t>No experience with NoSQL databases.</a:t>
+            </a:r>
+          </a:p>
+        </p:txBody>
+      </p:sp>
+    </p:spTree>
+  </p:cSld>
+  <p:clrMapOvr>
+    <a:masterClrMapping/>
+  </p:clrMapOvr>
+</p:sld>
+</file>
+
+<file path=ppt/slides/slide25.xml><?xml version="1.0" encoding="utf-8"?>
+<p:sld xmlns:a="http://schemas.openxmlformats.org/drawingml/2006/main" xmlns:r="http://schemas.openxmlformats.org/officeDocument/2006/relationships" xmlns:mc="http://schemas.openxmlformats.org/markup-compatibility/2006" xmlns:mv="urn:schemas-microsoft-com:mac:vml" xmlns:p="http://schemas.openxmlformats.org/presentationml/2006/main" xmlns:c="http://schemas.openxmlformats.org/drawingml/2006/chart" xmlns:dgm="http://schemas.openxmlformats.org/drawingml/2006/diagram" xmlns:o="urn:schemas-microsoft-com:office:office" xmlns:v="urn:schemas-microsoft-com:vml" xmlns:pvml="urn:schemas-microsoft-com:office:powerpoint" xmlns:com="http://schemas.openxmlformats.org/drawingml/2006/compatibility" xmlns:p14="http://schemas.microsoft.com/office/powerpoint/2010/main">
+  <p:cSld>
+    <p:spTree>
+      <p:nvGrpSpPr>
+        <p:cNvPr id="205" name="Shape 205"/>
+        <p:cNvGrpSpPr/>
+        <p:nvPr/>
+      </p:nvGrpSpPr>
+      <p:grpSpPr>
+        <a:xfrm>
+          <a:off x="0" y="0"/>
+          <a:ext cx="0" cy="0"/>
+          <a:chOff x="0" y="0"/>
+          <a:chExt cx="0" cy="0"/>
+        </a:xfrm>
+      </p:grpSpPr>
+      <p:sp>
+        <p:nvSpPr>
+          <p:cNvPr id="206" name="Shape 206"/>
+          <p:cNvSpPr txBox="1"/>
+          <p:nvPr>
+            <p:ph type="title"/>
+          </p:nvPr>
+        </p:nvSpPr>
+        <p:spPr>
+          <a:xfrm>
+            <a:off x="311700" y="445025"/>
+            <a:ext cx="8520600" cy="572700"/>
+          </a:xfrm>
+          <a:prstGeom prst="rect">
+            <a:avLst/>
+          </a:prstGeom>
+        </p:spPr>
+        <p:txBody>
+          <a:bodyPr anchorCtr="0" anchor="t" bIns="91425" lIns="91425" rIns="91425" tIns="91425">
+            <a:noAutofit/>
+          </a:bodyPr>
+          <a:lstStyle/>
+          <a:p>
+            <a:pPr lvl="0" algn="ctr">
+              <a:spcBef>
+                <a:spcPts val="0"/>
+              </a:spcBef>
+              <a:buNone/>
+            </a:pPr>
+            <a:r>
+              <a:rPr lang="en"/>
+              <a:t>R</a:t>
+            </a:r>
+            <a:r>
+              <a:rPr lang="en"/>
+              <a:t>oles and Responsibilities</a:t>
+            </a:r>
+          </a:p>
+        </p:txBody>
+      </p:sp>
+      <p:sp>
+        <p:nvSpPr>
+          <p:cNvPr id="207" name="Shape 207"/>
+          <p:cNvSpPr txBox="1"/>
+          <p:nvPr>
+            <p:ph idx="2" type="body"/>
+          </p:nvPr>
+        </p:nvSpPr>
+        <p:spPr>
+          <a:xfrm>
+            <a:off x="429416" y="1152475"/>
+            <a:ext cx="8125800" cy="3416400"/>
+          </a:xfrm>
+          <a:prstGeom prst="rect">
+            <a:avLst/>
+          </a:prstGeom>
+        </p:spPr>
+        <p:txBody>
+          <a:bodyPr anchorCtr="0" anchor="t" bIns="91425" lIns="91425" rIns="91425" tIns="91425">
+            <a:noAutofit/>
+          </a:bodyPr>
+          <a:lstStyle/>
+          <a:p>
+            <a:pPr indent="-228600" lvl="0" marL="457200" rtl="0">
+              <a:spcBef>
+                <a:spcPts val="0"/>
+              </a:spcBef>
+              <a:buClr>
+                <a:srgbClr val="FFFFFF"/>
+              </a:buClr>
+            </a:pPr>
+            <a:r>
+              <a:rPr b="1" lang="en" u="sng">
+                <a:solidFill>
+                  <a:srgbClr val="FFFFFF"/>
+                </a:solidFill>
+              </a:rPr>
+              <a:t>Frontend:</a:t>
+            </a:r>
+            <a:r>
+              <a:rPr lang="en">
+                <a:solidFill>
+                  <a:srgbClr val="FFFFFF"/>
+                </a:solidFill>
+              </a:rPr>
+              <a:t> Jeremy Hutton</a:t>
+            </a:r>
+          </a:p>
+          <a:p>
+            <a:pPr indent="-228600" lvl="0" marL="457200" rtl="0">
+              <a:spcBef>
+                <a:spcPts val="0"/>
+              </a:spcBef>
+              <a:buClr>
+                <a:srgbClr val="FFFFFF"/>
+              </a:buClr>
+            </a:pPr>
+            <a:r>
+              <a:rPr b="1" lang="en" u="sng">
+                <a:solidFill>
+                  <a:srgbClr val="FFFFFF"/>
+                </a:solidFill>
+              </a:rPr>
+              <a:t>Backend:</a:t>
+            </a:r>
+            <a:r>
+              <a:rPr lang="en">
+                <a:solidFill>
+                  <a:srgbClr val="FFFFFF"/>
+                </a:solidFill>
+              </a:rPr>
+              <a:t> Richard Andrews</a:t>
+            </a:r>
+          </a:p>
+          <a:p>
+            <a:pPr indent="-228600" lvl="0" marL="457200" rtl="0">
+              <a:spcBef>
+                <a:spcPts val="0"/>
+              </a:spcBef>
+              <a:buClr>
+                <a:srgbClr val="FFFFFF"/>
+              </a:buClr>
+            </a:pPr>
+            <a:r>
+              <a:rPr b="1" lang="en" u="sng">
+                <a:solidFill>
+                  <a:srgbClr val="FFFFFF"/>
+                </a:solidFill>
+              </a:rPr>
+              <a:t>Backend/Database:</a:t>
+            </a:r>
+            <a:r>
+              <a:rPr lang="en">
+                <a:solidFill>
+                  <a:srgbClr val="FFFFFF"/>
+                </a:solidFill>
+              </a:rPr>
+              <a:t> Christian Simaan</a:t>
+            </a:r>
+          </a:p>
+          <a:p>
+            <a:pPr indent="-228600" lvl="0" marL="457200" rtl="0">
+              <a:spcBef>
+                <a:spcPts val="0"/>
+              </a:spcBef>
+              <a:buClr>
+                <a:srgbClr val="FFFFFF"/>
+              </a:buClr>
+            </a:pPr>
+            <a:r>
+              <a:rPr b="1" lang="en" u="sng">
+                <a:solidFill>
+                  <a:srgbClr val="FFFFFF"/>
+                </a:solidFill>
+              </a:rPr>
+              <a:t>Frontend/Machine Learning:</a:t>
+            </a:r>
+            <a:r>
+              <a:rPr lang="en">
+                <a:solidFill>
+                  <a:srgbClr val="FFFFFF"/>
+                </a:solidFill>
+              </a:rPr>
+              <a:t> Ochaun Marshall</a:t>
+            </a:r>
+          </a:p>
+          <a:p>
+            <a:pPr lvl="0" rtl="0">
+              <a:spcBef>
+                <a:spcPts val="0"/>
+              </a:spcBef>
+              <a:buNone/>
+            </a:pPr>
+            <a:r>
+              <a:t/>
+            </a:r>
+            <a:endParaRPr/>
+          </a:p>
+          <a:p>
+            <a:pPr lvl="0">
+              <a:spcBef>
+                <a:spcPts val="0"/>
+              </a:spcBef>
+              <a:buNone/>
+            </a:pPr>
+            <a:r>
+              <a:rPr lang="en"/>
+              <a:t>Note: When any member finishes work in their role, they will help with another role where needed and/or appropriate.</a:t>
+            </a:r>
+          </a:p>
+          <a:p>
+            <a:pPr lvl="0">
+              <a:spcBef>
+                <a:spcPts val="0"/>
+              </a:spcBef>
+              <a:buNone/>
+            </a:pPr>
+            <a:r>
+              <a:rPr lang="en"/>
+              <a:t> </a:t>
+            </a:r>
+          </a:p>
+        </p:txBody>
+      </p:sp>
+    </p:spTree>
+  </p:cSld>
+  <p:clrMapOvr>
+    <a:masterClrMapping/>
+  </p:clrMapOvr>
+</p:sld>
+</file>
+
+<file path=ppt/slides/slide26.xml><?xml version="1.0" encoding="utf-8"?>
+<p:sld xmlns:a="http://schemas.openxmlformats.org/drawingml/2006/main" xmlns:r="http://schemas.openxmlformats.org/officeDocument/2006/relationships" xmlns:mc="http://schemas.openxmlformats.org/markup-compatibility/2006" xmlns:mv="urn:schemas-microsoft-com:mac:vml" xmlns:p="http://schemas.openxmlformats.org/presentationml/2006/main" xmlns:c="http://schemas.openxmlformats.org/drawingml/2006/chart" xmlns:dgm="http://schemas.openxmlformats.org/drawingml/2006/diagram" xmlns:o="urn:schemas-microsoft-com:office:office" xmlns:v="urn:schemas-microsoft-com:vml" xmlns:pvml="urn:schemas-microsoft-com:office:powerpoint" xmlns:com="http://schemas.openxmlformats.org/drawingml/2006/compatibility" xmlns:p14="http://schemas.microsoft.com/office/powerpoint/2010/main">
+  <p:cSld>
+    <p:spTree>
+      <p:nvGrpSpPr>
+        <p:cNvPr id="211" name="Shape 211"/>
+        <p:cNvGrpSpPr/>
+        <p:nvPr/>
+      </p:nvGrpSpPr>
+      <p:grpSpPr>
+        <a:xfrm>
+          <a:off x="0" y="0"/>
+          <a:ext cx="0" cy="0"/>
+          <a:chOff x="0" y="0"/>
+          <a:chExt cx="0" cy="0"/>
+        </a:xfrm>
+      </p:grpSpPr>
+      <p:sp>
+        <p:nvSpPr>
+          <p:cNvPr id="212" name="Shape 212"/>
+          <p:cNvSpPr txBox="1"/>
+          <p:nvPr>
+            <p:ph type="title"/>
+          </p:nvPr>
+        </p:nvSpPr>
+        <p:spPr>
+          <a:xfrm>
+            <a:off x="311700" y="445025"/>
+            <a:ext cx="8520600" cy="572700"/>
+          </a:xfrm>
+          <a:prstGeom prst="rect">
+            <a:avLst/>
+          </a:prstGeom>
+        </p:spPr>
+        <p:txBody>
+          <a:bodyPr anchorCtr="0" anchor="t" bIns="91425" lIns="91425" rIns="91425" tIns="91425">
+            <a:noAutofit/>
+          </a:bodyPr>
+          <a:lstStyle/>
+          <a:p>
+            <a:pPr lvl="0" algn="ctr">
+              <a:spcBef>
+                <a:spcPts val="0"/>
+              </a:spcBef>
+              <a:buNone/>
+            </a:pPr>
+            <a:r>
+              <a:rPr lang="en"/>
+              <a:t>Project Progress</a:t>
+            </a:r>
+          </a:p>
+        </p:txBody>
+      </p:sp>
+      <p:sp>
+        <p:nvSpPr>
+          <p:cNvPr id="213" name="Shape 213"/>
+          <p:cNvSpPr txBox="1"/>
+          <p:nvPr>
+            <p:ph idx="1" type="body"/>
+          </p:nvPr>
+        </p:nvSpPr>
+        <p:spPr>
+          <a:xfrm>
+            <a:off x="311700" y="1152475"/>
+            <a:ext cx="8520600" cy="3416400"/>
+          </a:xfrm>
+          <a:prstGeom prst="rect">
+            <a:avLst/>
+          </a:prstGeom>
+        </p:spPr>
+        <p:txBody>
+          <a:bodyPr anchorCtr="0" anchor="t" bIns="91425" lIns="91425" rIns="91425" tIns="91425">
+            <a:noAutofit/>
+          </a:bodyPr>
+          <a:lstStyle/>
+          <a:p>
+            <a:pPr indent="-228600" lvl="0" marL="457200" rtl="0">
+              <a:spcBef>
+                <a:spcPts val="0"/>
+              </a:spcBef>
+            </a:pPr>
+            <a:r>
+              <a:rPr lang="en"/>
+              <a:t>Developed Data Acquisition Program</a:t>
+            </a:r>
           </a:p>
           <a:p>
             <a:pPr indent="-228600" lvl="1" marL="914400" rtl="0">
@@ -7336,7 +10589,18 @@
             </a:pPr>
             <a:r>
               <a:rPr lang="en"/>
-              <a:t>We wish to create a web application that will display these factors and more, based upon a user's input of the location of their house. </a:t>
+              <a:t>Using Python with PyZillow</a:t>
+            </a:r>
+          </a:p>
+          <a:p>
+            <a:pPr indent="-228600" lvl="0" marL="457200" rtl="0">
+              <a:spcBef>
+                <a:spcPts val="0"/>
+              </a:spcBef>
+            </a:pPr>
+            <a:r>
+              <a:rPr lang="en"/>
+              <a:t>Set Up AWS Services</a:t>
             </a:r>
           </a:p>
           <a:p>
@@ -7347,18 +10611,62 @@
             </a:pPr>
             <a:r>
               <a:rPr lang="en"/>
-              <a:t>NostraDomicile (our web application) will accomplish this using a frontend, backend, machine learning, and a database. </a:t>
-            </a:r>
-          </a:p>
-          <a:p>
-            <a:pPr indent="-228600" lvl="1" marL="914400">
+              <a:t>Elastic Beanstalk, Relational Database, Server Instance</a:t>
+            </a:r>
+          </a:p>
+          <a:p>
+            <a:pPr indent="-228600" lvl="0" marL="457200" rtl="0">
               <a:spcBef>
                 <a:spcPts val="0"/>
               </a:spcBef>
             </a:pPr>
             <a:r>
               <a:rPr lang="en"/>
-              <a:t>Our application will also retrieve information using Zillow API, and make evaluations upon the returned information.</a:t>
+              <a:t>Developed MySQL and Python Function For Database Creation</a:t>
+            </a:r>
+          </a:p>
+          <a:p>
+            <a:pPr indent="-228600" lvl="0" marL="457200" rtl="0">
+              <a:spcBef>
+                <a:spcPts val="0"/>
+              </a:spcBef>
+            </a:pPr>
+            <a:r>
+              <a:rPr lang="en"/>
+              <a:t>Created MySQL RD Instance on AWS Server</a:t>
+            </a:r>
+          </a:p>
+          <a:p>
+            <a:pPr indent="-228600" lvl="0" marL="457200" rtl="0">
+              <a:spcBef>
+                <a:spcPts val="0"/>
+              </a:spcBef>
+            </a:pPr>
+            <a:r>
+              <a:rPr lang="en"/>
+              <a:t>Started Parameterizing Random Forest Based on Attributes From PyZillow</a:t>
+            </a:r>
+          </a:p>
+          <a:p>
+            <a:pPr indent="-228600" lvl="0" marL="457200" rtl="0">
+              <a:spcBef>
+                <a:spcPts val="0"/>
+              </a:spcBef>
+            </a:pPr>
+            <a:r>
+              <a:rPr lang="en"/>
+              <a:t>Developed Front End Design</a:t>
+            </a:r>
+          </a:p>
+          <a:p>
+            <a:pPr indent="-228600" lvl="0" marL="457200" rtl="0">
+              <a:spcBef>
+                <a:spcPts val="0"/>
+              </a:spcBef>
+            </a:pPr>
+            <a:r>
+              <a:rPr lang="en"/>
+              <a:t>Began Developing Front End</a:t>
             </a:r>
           </a:p>
         </p:txBody>
@@ -7376,7 +10684,7 @@
   <p:cSld>
     <p:spTree>
       <p:nvGrpSpPr>
-        <p:cNvPr id="66" name="Shape 66"/>
+        <p:cNvPr id="68" name="Shape 68"/>
         <p:cNvGrpSpPr/>
         <p:nvPr/>
       </p:nvGrpSpPr>
@@ -7390,7 +10698,7 @@
       </p:grpSpPr>
       <p:sp>
         <p:nvSpPr>
-          <p:cNvPr id="67" name="Shape 67"/>
+          <p:cNvPr id="69" name="Shape 69"/>
           <p:cNvSpPr txBox="1"/>
           <p:nvPr>
             <p:ph type="title"/>
@@ -7419,14 +10727,18 @@
             </a:pPr>
             <a:r>
               <a:rPr lang="en"/>
-              <a:t>Requirement Priority</a:t>
+              <a:t>Functional Requirements - </a:t>
+            </a:r>
+            <a:r>
+              <a:rPr lang="en"/>
+              <a:t>Features Priority</a:t>
             </a:r>
           </a:p>
         </p:txBody>
       </p:sp>
       <p:sp>
         <p:nvSpPr>
-          <p:cNvPr id="68" name="Shape 68"/>
+          <p:cNvPr id="70" name="Shape 70"/>
           <p:cNvSpPr txBox="1"/>
           <p:nvPr>
             <p:ph idx="1" type="body"/>
@@ -7435,7 +10747,7 @@
         <p:spPr>
           <a:xfrm>
             <a:off x="311700" y="1152475"/>
-            <a:ext cx="8520600" cy="3416400"/>
+            <a:ext cx="8328600" cy="3416400"/>
           </a:xfrm>
           <a:prstGeom prst="rect">
             <a:avLst/>
@@ -7451,11 +10763,34 @@
               <a:spcBef>
                 <a:spcPts val="0"/>
               </a:spcBef>
+              <a:buClr>
+                <a:srgbClr val="FFFFFF"/>
+              </a:buClr>
               <a:buChar char="●"/>
             </a:pPr>
             <a:r>
-              <a:rPr lang="en"/>
-              <a:t>The 1st tier features are the core of our application, and would need to be focused first. These are at the highest priorty </a:t>
+              <a:rPr lang="en">
+                <a:solidFill>
+                  <a:srgbClr val="FFFFFF"/>
+                </a:solidFill>
+              </a:rPr>
+              <a:t>1st-tier -</a:t>
+            </a:r>
+            <a:r>
+              <a:rPr lang="en">
+                <a:solidFill>
+                  <a:srgbClr val="FFFFFF"/>
+                </a:solidFill>
+              </a:rPr>
+              <a:t> Features essential to</a:t>
+            </a:r>
+            <a:r>
+              <a:rPr lang="en">
+                <a:solidFill>
+                  <a:srgbClr val="FFFFFF"/>
+                </a:solidFill>
+              </a:rPr>
+              <a:t> core functionality - highest priority</a:t>
             </a:r>
           </a:p>
           <a:p>
@@ -7466,28 +10801,74 @@
               <a:buNone/>
             </a:pPr>
             <a:r>
-              <a:rPr lang="en"/>
-              <a:t>The 2nd tier features are also features we would like to have, but are not fundamental to our application. They would simply add more depth and desire to use our application. So their addition is based </a:t>
-            </a:r>
-            <a:r>
-              <a:rPr lang="en"/>
-              <a:t>solely</a:t>
-            </a:r>
-            <a:r>
-              <a:rPr lang="en"/>
-              <a:t> on time. </a:t>
-            </a:r>
-          </a:p>
-          <a:p>
-            <a:pPr lvl="0" rtl="0">
+              <a:t/>
+            </a:r>
+            <a:endParaRPr>
+              <a:solidFill>
+                <a:srgbClr val="FFFFFF"/>
+              </a:solidFill>
+            </a:endParaRPr>
+          </a:p>
+          <a:p>
+            <a:pPr indent="-228600" lvl="0" marL="457200" rtl="0">
+              <a:spcBef>
+                <a:spcPts val="0"/>
+              </a:spcBef>
+              <a:buClr>
+                <a:srgbClr val="FFFFFF"/>
+              </a:buClr>
+              <a:buChar char="●"/>
+            </a:pPr>
+            <a:r>
+              <a:rPr lang="en">
+                <a:solidFill>
+                  <a:srgbClr val="FFFFFF"/>
+                </a:solidFill>
+              </a:rPr>
+              <a:t>2nd-tier - Features adding desirable, </a:t>
+            </a:r>
+            <a:r>
+              <a:rPr lang="en">
+                <a:solidFill>
+                  <a:srgbClr val="FFFFFF"/>
+                </a:solidFill>
+              </a:rPr>
+              <a:t>non-core functionality</a:t>
+            </a:r>
+          </a:p>
+          <a:p>
+            <a:pPr indent="0" lvl="0" marL="457200" rtl="0">
               <a:spcBef>
                 <a:spcPts val="0"/>
               </a:spcBef>
               <a:buNone/>
             </a:pPr>
             <a:r>
-              <a:rPr lang="en"/>
-              <a:t>Lastly the 3rd tier features would be done once we finished all other tier features, and would mainly be longshots.</a:t>
+              <a:t/>
+            </a:r>
+            <a:endParaRPr>
+              <a:solidFill>
+                <a:srgbClr val="FFFFFF"/>
+              </a:solidFill>
+            </a:endParaRPr>
+          </a:p>
+          <a:p>
+            <a:pPr indent="-228600" lvl="0" marL="457200" rtl="0">
+              <a:spcBef>
+                <a:spcPts val="0"/>
+              </a:spcBef>
+              <a:buClr>
+                <a:srgbClr val="FFFFFF"/>
+              </a:buClr>
+              <a:buChar char="●"/>
+            </a:pPr>
+            <a:r>
+              <a:rPr lang="en">
+                <a:solidFill>
+                  <a:srgbClr val="FFFFFF"/>
+                </a:solidFill>
+              </a:rPr>
+              <a:t>3rd-tier - Possible additional features - lowest priority</a:t>
             </a:r>
           </a:p>
         </p:txBody>
@@ -7505,7 +10886,7 @@
   <p:cSld>
     <p:spTree>
       <p:nvGrpSpPr>
-        <p:cNvPr id="72" name="Shape 72"/>
+        <p:cNvPr id="74" name="Shape 74"/>
         <p:cNvGrpSpPr/>
         <p:nvPr/>
       </p:nvGrpSpPr>
@@ -7519,7 +10900,7 @@
       </p:grpSpPr>
       <p:sp>
         <p:nvSpPr>
-          <p:cNvPr id="73" name="Shape 73"/>
+          <p:cNvPr id="75" name="Shape 75"/>
           <p:cNvSpPr txBox="1"/>
           <p:nvPr>
             <p:ph type="title"/>
@@ -7540,7 +10921,7 @@
           </a:bodyPr>
           <a:lstStyle/>
           <a:p>
-            <a:pPr lvl="0" algn="ctr">
+            <a:pPr lvl="0" rtl="0" algn="ctr">
               <a:spcBef>
                 <a:spcPts val="0"/>
               </a:spcBef>
@@ -7548,14 +10929,26 @@
             </a:pPr>
             <a:r>
               <a:rPr lang="en"/>
-              <a:t>Features</a:t>
-            </a:r>
+              <a:t>Functional Requirements</a:t>
+            </a:r>
+          </a:p>
+          <a:p>
+            <a:pPr lvl="0" algn="l">
+              <a:spcBef>
+                <a:spcPts val="0"/>
+              </a:spcBef>
+              <a:buNone/>
+            </a:pPr>
+            <a:r>
+              <a:t/>
+            </a:r>
+            <a:endParaRPr/>
           </a:p>
         </p:txBody>
       </p:sp>
       <p:sp>
         <p:nvSpPr>
-          <p:cNvPr id="74" name="Shape 74"/>
+          <p:cNvPr id="76" name="Shape 76"/>
           <p:cNvSpPr txBox="1"/>
           <p:nvPr>
             <p:ph idx="1" type="body"/>
@@ -7563,8 +10956,8 @@
         </p:nvSpPr>
         <p:spPr>
           <a:xfrm>
-            <a:off x="425875" y="1017725"/>
-            <a:ext cx="2560500" cy="3756300"/>
+            <a:off x="618250" y="1152475"/>
+            <a:ext cx="7875600" cy="3416400"/>
           </a:xfrm>
           <a:prstGeom prst="rect">
             <a:avLst/>
@@ -7576,287 +10969,143 @@
           </a:bodyPr>
           <a:lstStyle/>
           <a:p>
-            <a:pPr lvl="0" rtl="0">
-              <a:spcBef>
-                <a:spcPts val="0"/>
-              </a:spcBef>
-              <a:buNone/>
-            </a:pPr>
-            <a:r>
-              <a:rPr b="1" lang="en" sz="1400"/>
-              <a:t>1st tier:</a:t>
-            </a:r>
-          </a:p>
-          <a:p>
-            <a:pPr indent="-285750" lvl="0" marL="457200" rtl="0">
-              <a:spcBef>
-                <a:spcPts val="0"/>
-              </a:spcBef>
-              <a:buSzPct val="100000"/>
-            </a:pPr>
-            <a:r>
-              <a:rPr lang="en" sz="900"/>
-              <a:t>Allow user to specify attributes for house qualities.</a:t>
-            </a:r>
-          </a:p>
-          <a:p>
-            <a:pPr indent="-285750" lvl="0" marL="457200" rtl="0">
-              <a:spcBef>
-                <a:spcPts val="0"/>
-              </a:spcBef>
-              <a:buSzPct val="100000"/>
-            </a:pPr>
-            <a:r>
-              <a:rPr lang="en" sz="900"/>
-              <a:t>Obtain housing info using the Zillow API</a:t>
-            </a:r>
-          </a:p>
-          <a:p>
-            <a:pPr indent="-285750" lvl="0" marL="457200" rtl="0">
-              <a:spcBef>
-                <a:spcPts val="0"/>
-              </a:spcBef>
-              <a:buSzPct val="100000"/>
-            </a:pPr>
-            <a:r>
-              <a:rPr lang="en" sz="900"/>
-              <a:t>Look for available houses within a zip code.</a:t>
-            </a:r>
-          </a:p>
-          <a:p>
-            <a:pPr indent="-285750" lvl="0" marL="457200" rtl="0">
-              <a:spcBef>
-                <a:spcPts val="0"/>
-              </a:spcBef>
-              <a:buSzPct val="100000"/>
-            </a:pPr>
-            <a:r>
-              <a:rPr lang="en" sz="900"/>
-              <a:t>Create data visualizations based on home sales info.</a:t>
-            </a:r>
-          </a:p>
-          <a:p>
-            <a:pPr indent="-285750" lvl="0" marL="457200" rtl="0">
-              <a:spcBef>
-                <a:spcPts val="0"/>
-              </a:spcBef>
-              <a:buSzPct val="100000"/>
-            </a:pPr>
-            <a:r>
-              <a:rPr lang="en" sz="900"/>
-              <a:t>Create a database to store housing info, query, and run data through machine learning algorithms.</a:t>
-            </a:r>
-          </a:p>
-          <a:p>
-            <a:pPr indent="-285750" lvl="0" marL="457200" rtl="0">
-              <a:spcBef>
-                <a:spcPts val="0"/>
-              </a:spcBef>
-              <a:buSzPct val="100000"/>
-            </a:pPr>
-            <a:r>
-              <a:rPr lang="en" sz="900"/>
-              <a:t>Server side backend connected to database and frontend of web application.</a:t>
-            </a:r>
-          </a:p>
-          <a:p>
-            <a:pPr indent="-285750" lvl="0" marL="457200" rtl="0">
-              <a:spcBef>
-                <a:spcPts val="0"/>
-              </a:spcBef>
-              <a:buSzPct val="100000"/>
-            </a:pPr>
-            <a:r>
-              <a:rPr lang="en" sz="900"/>
-              <a:t>Obtain a cloud hosting service (AWS)</a:t>
-            </a:r>
-          </a:p>
-          <a:p>
-            <a:pPr indent="-285750" lvl="0" marL="457200" rtl="0">
-              <a:spcBef>
-                <a:spcPts val="0"/>
-              </a:spcBef>
-              <a:buSzPct val="100000"/>
-            </a:pPr>
-            <a:r>
-              <a:rPr lang="en" sz="900"/>
-              <a:t>Do frontend of website.</a:t>
-            </a:r>
-          </a:p>
-          <a:p>
-            <a:pPr indent="-285750" lvl="0" marL="457200" rtl="0">
-              <a:spcBef>
-                <a:spcPts val="0"/>
-              </a:spcBef>
-              <a:buSzPct val="100000"/>
-            </a:pPr>
-            <a:r>
-              <a:rPr lang="en" sz="900"/>
-              <a:t>User able to determine whether a house will sell or not based on attributes and zip code.</a:t>
-            </a:r>
-          </a:p>
-          <a:p>
-            <a:pPr indent="-285750" lvl="0" marL="457200">
-              <a:spcBef>
-                <a:spcPts val="0"/>
-              </a:spcBef>
-              <a:buSzPct val="100000"/>
-            </a:pPr>
-            <a:r>
-              <a:rPr lang="en" sz="900"/>
-              <a:t>User able to find the most desirable factors in a zip code.</a:t>
-            </a:r>
-          </a:p>
-        </p:txBody>
-      </p:sp>
-      <p:sp>
-        <p:nvSpPr>
-          <p:cNvPr id="75" name="Shape 75"/>
-          <p:cNvSpPr txBox="1"/>
-          <p:nvPr>
-            <p:ph idx="1" type="body"/>
-          </p:nvPr>
-        </p:nvSpPr>
-        <p:spPr>
-          <a:xfrm>
-            <a:off x="6271800" y="1190650"/>
-            <a:ext cx="2560500" cy="3416400"/>
-          </a:xfrm>
-          <a:prstGeom prst="rect">
-            <a:avLst/>
-          </a:prstGeom>
-        </p:spPr>
-        <p:txBody>
-          <a:bodyPr anchorCtr="0" anchor="t" bIns="91425" lIns="91425" rIns="91425" tIns="91425">
-            <a:noAutofit/>
-          </a:bodyPr>
-          <a:lstStyle/>
-          <a:p>
-            <a:pPr lvl="0" rtl="0">
-              <a:spcBef>
-                <a:spcPts val="0"/>
-              </a:spcBef>
-              <a:buNone/>
-            </a:pPr>
-            <a:r>
-              <a:rPr b="1" lang="en" sz="1400"/>
-              <a:t>3rd</a:t>
-            </a:r>
-            <a:r>
-              <a:rPr b="1" lang="en" sz="1400"/>
-              <a:t> tier:</a:t>
-            </a:r>
-          </a:p>
-          <a:p>
-            <a:pPr indent="-285750" lvl="0" marL="457200" rtl="0">
-              <a:spcBef>
-                <a:spcPts val="0"/>
-              </a:spcBef>
-              <a:buSzPct val="100000"/>
-            </a:pPr>
-            <a:r>
-              <a:rPr lang="en" sz="900"/>
-              <a:t>Suggest attributes to increase sales price.</a:t>
-            </a:r>
-          </a:p>
-          <a:p>
-            <a:pPr indent="-285750" lvl="0" marL="457200" rtl="0">
-              <a:spcBef>
-                <a:spcPts val="0"/>
-              </a:spcBef>
-              <a:buSzPct val="100000"/>
-            </a:pPr>
-            <a:r>
-              <a:rPr lang="en" sz="900"/>
-              <a:t>Email results printout to users.</a:t>
-            </a:r>
-          </a:p>
-          <a:p>
-            <a:pPr indent="-285750" lvl="0" marL="457200" rtl="0">
-              <a:spcBef>
-                <a:spcPts val="0"/>
-              </a:spcBef>
-              <a:buSzPct val="100000"/>
-            </a:pPr>
-            <a:r>
-              <a:rPr lang="en" sz="900"/>
-              <a:t>Provide suggested product links based on most important factors.</a:t>
-            </a:r>
-          </a:p>
-        </p:txBody>
-      </p:sp>
-      <p:sp>
-        <p:nvSpPr>
-          <p:cNvPr id="76" name="Shape 76"/>
-          <p:cNvSpPr txBox="1"/>
-          <p:nvPr>
-            <p:ph idx="1" type="body"/>
-          </p:nvPr>
-        </p:nvSpPr>
-        <p:spPr>
-          <a:xfrm>
-            <a:off x="3291750" y="1190650"/>
-            <a:ext cx="2560500" cy="3416400"/>
-          </a:xfrm>
-          <a:prstGeom prst="rect">
-            <a:avLst/>
-          </a:prstGeom>
-        </p:spPr>
-        <p:txBody>
-          <a:bodyPr anchorCtr="0" anchor="t" bIns="91425" lIns="91425" rIns="91425" tIns="91425">
-            <a:noAutofit/>
-          </a:bodyPr>
-          <a:lstStyle/>
-          <a:p>
-            <a:pPr lvl="0" rtl="0">
-              <a:spcBef>
-                <a:spcPts val="0"/>
-              </a:spcBef>
-              <a:buNone/>
-            </a:pPr>
-            <a:r>
-              <a:rPr b="1" lang="en" sz="1400"/>
-              <a:t>2nd</a:t>
-            </a:r>
-            <a:r>
-              <a:rPr b="1" lang="en" sz="1400"/>
-              <a:t> tier:</a:t>
-            </a:r>
-          </a:p>
-          <a:p>
-            <a:pPr indent="-285750" lvl="0" marL="457200" rtl="0">
-              <a:spcBef>
-                <a:spcPts val="0"/>
-              </a:spcBef>
-              <a:buSzPct val="100000"/>
-            </a:pPr>
-            <a:r>
-              <a:rPr lang="en" sz="900"/>
-              <a:t>Determine if a house will sell at a given price.</a:t>
-            </a:r>
-          </a:p>
-          <a:p>
-            <a:pPr indent="-285750" lvl="0" marL="457200" rtl="0">
-              <a:spcBef>
-                <a:spcPts val="0"/>
-              </a:spcBef>
-              <a:buSzPct val="100000"/>
-            </a:pPr>
-            <a:r>
-              <a:rPr lang="en" sz="900"/>
-              <a:t>Predict a viable sales price for given attributes.</a:t>
-            </a:r>
-          </a:p>
-          <a:p>
-            <a:pPr indent="-285750" lvl="0" marL="457200" rtl="0">
-              <a:spcBef>
-                <a:spcPts val="0"/>
-              </a:spcBef>
-              <a:buSzPct val="100000"/>
-            </a:pPr>
-            <a:r>
-              <a:rPr lang="en" sz="900"/>
-              <a:t>Rank realtors by sales count.</a:t>
+            <a:pPr indent="-330200" lvl="0" marL="457200" rtl="0">
+              <a:spcBef>
+                <a:spcPts val="0"/>
+              </a:spcBef>
+              <a:buClr>
+                <a:srgbClr val="FFFFFF"/>
+              </a:buClr>
+              <a:buSzPct val="100000"/>
+              <a:buChar char="●"/>
+            </a:pPr>
+            <a:r>
+              <a:rPr lang="en" sz="1600">
+                <a:solidFill>
+                  <a:srgbClr val="FFFFFF"/>
+                </a:solidFill>
+              </a:rPr>
+              <a:t>Users able to input attributes and location for predictive home sale analysis (1st-tier)</a:t>
+            </a:r>
+          </a:p>
+          <a:p>
+            <a:pPr indent="-330200" lvl="0" marL="457200" rtl="0">
+              <a:spcBef>
+                <a:spcPts val="0"/>
+              </a:spcBef>
+              <a:buClr>
+                <a:srgbClr val="FFFFFF"/>
+              </a:buClr>
+              <a:buSzPct val="100000"/>
+              <a:buChar char="●"/>
+            </a:pPr>
+            <a:r>
+              <a:rPr lang="en" sz="1600">
+                <a:solidFill>
+                  <a:srgbClr val="FFFFFF"/>
+                </a:solidFill>
+              </a:rPr>
+              <a:t>Users able to filter homes listed by attributes and location(1st-tier)</a:t>
+            </a:r>
+          </a:p>
+          <a:p>
+            <a:pPr indent="-330200" lvl="0" marL="457200" rtl="0">
+              <a:spcBef>
+                <a:spcPts val="0"/>
+              </a:spcBef>
+              <a:buClr>
+                <a:srgbClr val="FFFFFF"/>
+              </a:buClr>
+              <a:buSzPct val="100000"/>
+              <a:buChar char="●"/>
+            </a:pPr>
+            <a:r>
+              <a:rPr lang="en" sz="1600">
+                <a:solidFill>
+                  <a:srgbClr val="FFFFFF"/>
+                </a:solidFill>
+              </a:rPr>
+              <a:t>Users able to create visualizations for housing data based on filters (1st-tier)</a:t>
+            </a:r>
+          </a:p>
+          <a:p>
+            <a:pPr indent="-330200" lvl="0" marL="457200" rtl="0">
+              <a:spcBef>
+                <a:spcPts val="0"/>
+              </a:spcBef>
+              <a:buClr>
+                <a:srgbClr val="FFFFFF"/>
+              </a:buClr>
+              <a:buSzPct val="100000"/>
+              <a:buChar char="●"/>
+            </a:pPr>
+            <a:r>
+              <a:rPr lang="en" sz="1600">
+                <a:solidFill>
+                  <a:srgbClr val="FFFFFF"/>
+                </a:solidFill>
+              </a:rPr>
+              <a:t>Users able to view most influential factors in home sales for a given area (1st-tier)</a:t>
+            </a:r>
+          </a:p>
+          <a:p>
+            <a:pPr indent="-330200" lvl="0" marL="457200" rtl="0">
+              <a:spcBef>
+                <a:spcPts val="0"/>
+              </a:spcBef>
+              <a:buClr>
+                <a:srgbClr val="FFFFFF"/>
+              </a:buClr>
+              <a:buSzPct val="100000"/>
+              <a:buChar char="●"/>
+            </a:pPr>
+            <a:r>
+              <a:rPr lang="en" sz="1600">
+                <a:solidFill>
+                  <a:srgbClr val="FFFFFF"/>
+                </a:solidFill>
+              </a:rPr>
+              <a:t>Predictive home sale analysis based on price-point (2nd-tier)</a:t>
+            </a:r>
+          </a:p>
+          <a:p>
+            <a:pPr indent="-330200" lvl="0" marL="457200" rtl="0">
+              <a:spcBef>
+                <a:spcPts val="0"/>
+              </a:spcBef>
+              <a:buClr>
+                <a:srgbClr val="FFFFFF"/>
+              </a:buClr>
+              <a:buSzPct val="100000"/>
+              <a:buChar char="●"/>
+            </a:pPr>
+            <a:r>
+              <a:rPr lang="en" sz="1600">
+                <a:solidFill>
+                  <a:srgbClr val="FFFFFF"/>
+                </a:solidFill>
+              </a:rPr>
+              <a:t>Predictive home purchase analysis based on attributes and location (2nd-tier)</a:t>
+            </a:r>
+          </a:p>
+          <a:p>
+            <a:pPr indent="-330200" lvl="0" marL="457200">
+              <a:spcBef>
+                <a:spcPts val="0"/>
+              </a:spcBef>
+              <a:buClr>
+                <a:srgbClr val="FFFFFF"/>
+              </a:buClr>
+              <a:buSzPct val="100000"/>
+              <a:buChar char="●"/>
+            </a:pPr>
+            <a:r>
+              <a:rPr lang="en" sz="1600">
+                <a:solidFill>
+                  <a:srgbClr val="FFFFFF"/>
+                </a:solidFill>
+              </a:rPr>
+              <a:t>Suggest home alterations to potentially enhance sale value (3rd-tier)</a:t>
             </a:r>
           </a:p>
         </p:txBody>
@@ -7917,7 +11166,7 @@
             </a:pPr>
             <a:r>
               <a:rPr lang="en"/>
-              <a:t>System Model</a:t>
+              <a:t>User Interface Requirements</a:t>
             </a:r>
           </a:p>
         </p:txBody>
@@ -7932,12 +11181,21 @@
         </p:nvSpPr>
         <p:spPr>
           <a:xfrm>
-            <a:off x="311700" y="1152475"/>
-            <a:ext cx="8520600" cy="3416400"/>
+            <a:off x="463475" y="1152475"/>
+            <a:ext cx="8229600" cy="3648900"/>
           </a:xfrm>
           <a:prstGeom prst="rect">
             <a:avLst/>
           </a:prstGeom>
+          <a:ln cap="flat" cmpd="sng" w="9525">
+            <a:solidFill>
+              <a:srgbClr val="FFFFFF"/>
+            </a:solidFill>
+            <a:prstDash val="solid"/>
+            <a:round/>
+            <a:headEnd len="med" w="med" type="none"/>
+            <a:tailEnd len="med" w="med" type="none"/>
+          </a:ln>
         </p:spPr>
         <p:txBody>
           <a:bodyPr anchorCtr="0" anchor="t" bIns="91425" lIns="91425" rIns="91425" tIns="91425">
@@ -7945,48 +11203,260 @@
           </a:bodyPr>
           <a:lstStyle/>
           <a:p>
-            <a:pPr indent="-228600" lvl="0" marL="457200" rtl="0">
-              <a:spcBef>
-                <a:spcPts val="0"/>
-              </a:spcBef>
-            </a:pPr>
-            <a:r>
-              <a:rPr lang="en"/>
-              <a:t>The frontend will handle both displaying information to the user, and getting data from the user that will allow our application to analyze attributes.</a:t>
-            </a:r>
-          </a:p>
-          <a:p>
-            <a:pPr indent="-228600" lvl="0" marL="457200" rtl="0">
-              <a:spcBef>
-                <a:spcPts val="0"/>
-              </a:spcBef>
-            </a:pPr>
-            <a:r>
-              <a:rPr lang="en"/>
-              <a:t>The backend will analyze the data that the frontend gets, and send it to the machine learning functions/system. The backend will also make request to the zillow api or our database depending on the request made, and whether we have the data required.</a:t>
-            </a:r>
-          </a:p>
-          <a:p>
-            <a:pPr indent="-228600" lvl="0" marL="457200" rtl="0">
-              <a:spcBef>
-                <a:spcPts val="0"/>
-              </a:spcBef>
-            </a:pPr>
-            <a:r>
-              <a:rPr lang="en"/>
-              <a:t>We will use the Random Forest Classifier to analyze the data it gets from the backend, and provide answers to the backend.</a:t>
-            </a:r>
-          </a:p>
-          <a:p>
-            <a:pPr indent="-228600" lvl="0" marL="457200">
-              <a:spcBef>
-                <a:spcPts val="0"/>
-              </a:spcBef>
-            </a:pPr>
-            <a:r>
-              <a:rPr lang="en"/>
-              <a:t>The database will store information we get from requests to the zillow API, as well as any other information we need to store.</a:t>
-            </a:r>
+            <a:pPr indent="-317500" lvl="0" marL="457200" rtl="0">
+              <a:lnSpc>
+                <a:spcPct val="107916"/>
+              </a:lnSpc>
+              <a:spcBef>
+                <a:spcPts val="0"/>
+              </a:spcBef>
+              <a:spcAft>
+                <a:spcPts val="0"/>
+              </a:spcAft>
+              <a:buClr>
+                <a:srgbClr val="FFFFFF"/>
+              </a:buClr>
+              <a:buSzPct val="100000"/>
+              <a:buChar char="●"/>
+            </a:pPr>
+            <a:r>
+              <a:rPr lang="en" sz="1400">
+                <a:solidFill>
+                  <a:srgbClr val="FFFFFF"/>
+                </a:solidFill>
+              </a:rPr>
+              <a:t>Users can enter “About” page with detailed explanation of web application functions and its goal.</a:t>
+            </a:r>
+          </a:p>
+          <a:p>
+            <a:pPr indent="-317500" lvl="0" marL="457200" rtl="0">
+              <a:lnSpc>
+                <a:spcPct val="107916"/>
+              </a:lnSpc>
+              <a:spcBef>
+                <a:spcPts val="0"/>
+              </a:spcBef>
+              <a:spcAft>
+                <a:spcPts val="0"/>
+              </a:spcAft>
+              <a:buClr>
+                <a:srgbClr val="FFFFFF"/>
+              </a:buClr>
+              <a:buSzPct val="100000"/>
+              <a:buChar char="●"/>
+            </a:pPr>
+            <a:r>
+              <a:rPr lang="en" sz="1400">
+                <a:solidFill>
+                  <a:srgbClr val="FFFFFF"/>
+                </a:solidFill>
+              </a:rPr>
+              <a:t>Users can enter “Blog” page with articles by experts in real estate.</a:t>
+            </a:r>
+          </a:p>
+          <a:p>
+            <a:pPr indent="-317500" lvl="0" marL="457200" rtl="0">
+              <a:lnSpc>
+                <a:spcPct val="107916"/>
+              </a:lnSpc>
+              <a:spcBef>
+                <a:spcPts val="0"/>
+              </a:spcBef>
+              <a:spcAft>
+                <a:spcPts val="0"/>
+              </a:spcAft>
+              <a:buClr>
+                <a:srgbClr val="FFFFFF"/>
+              </a:buClr>
+              <a:buSzPct val="100000"/>
+              <a:buChar char="●"/>
+            </a:pPr>
+            <a:r>
+              <a:rPr lang="en" sz="1400">
+                <a:solidFill>
+                  <a:srgbClr val="FFFFFF"/>
+                </a:solidFill>
+              </a:rPr>
+              <a:t>Geographic area (zipcode) text entry bar for predictions and data visualizations.</a:t>
+            </a:r>
+          </a:p>
+          <a:p>
+            <a:pPr indent="-317500" lvl="0" marL="457200" rtl="0">
+              <a:lnSpc>
+                <a:spcPct val="107916"/>
+              </a:lnSpc>
+              <a:spcBef>
+                <a:spcPts val="0"/>
+              </a:spcBef>
+              <a:spcAft>
+                <a:spcPts val="0"/>
+              </a:spcAft>
+              <a:buClr>
+                <a:srgbClr val="FFFFFF"/>
+              </a:buClr>
+              <a:buSzPct val="100000"/>
+              <a:buChar char="●"/>
+            </a:pPr>
+            <a:r>
+              <a:rPr lang="en" sz="1400">
+                <a:solidFill>
+                  <a:srgbClr val="FFFFFF"/>
+                </a:solidFill>
+              </a:rPr>
+              <a:t>Drop down boxes for users to enter their home’s attributes for sale prediction.</a:t>
+            </a:r>
+          </a:p>
+          <a:p>
+            <a:pPr indent="-317500" lvl="0" marL="457200" rtl="0">
+              <a:lnSpc>
+                <a:spcPct val="107916"/>
+              </a:lnSpc>
+              <a:spcBef>
+                <a:spcPts val="0"/>
+              </a:spcBef>
+              <a:spcAft>
+                <a:spcPts val="0"/>
+              </a:spcAft>
+              <a:buClr>
+                <a:srgbClr val="FFFFFF"/>
+              </a:buClr>
+              <a:buSzPct val="100000"/>
+              <a:buChar char="●"/>
+            </a:pPr>
+            <a:r>
+              <a:rPr lang="en" sz="1400">
+                <a:solidFill>
+                  <a:srgbClr val="FFFFFF"/>
+                </a:solidFill>
+              </a:rPr>
+              <a:t>Button to return the most important factors for home sales in an area.</a:t>
+            </a:r>
+          </a:p>
+          <a:p>
+            <a:pPr indent="-317500" lvl="0" marL="457200" rtl="0">
+              <a:lnSpc>
+                <a:spcPct val="107916"/>
+              </a:lnSpc>
+              <a:spcBef>
+                <a:spcPts val="0"/>
+              </a:spcBef>
+              <a:spcAft>
+                <a:spcPts val="0"/>
+              </a:spcAft>
+              <a:buClr>
+                <a:srgbClr val="FFFFFF"/>
+              </a:buClr>
+              <a:buSzPct val="100000"/>
+              <a:buChar char="●"/>
+            </a:pPr>
+            <a:r>
+              <a:rPr lang="en" sz="1400">
+                <a:solidFill>
+                  <a:srgbClr val="FFFFFF"/>
+                </a:solidFill>
+              </a:rPr>
+              <a:t>Checkboxes and submit button to request data visualizations.</a:t>
+            </a:r>
+          </a:p>
+          <a:p>
+            <a:pPr indent="-317500" lvl="0" marL="457200" rtl="0">
+              <a:lnSpc>
+                <a:spcPct val="107916"/>
+              </a:lnSpc>
+              <a:spcBef>
+                <a:spcPts val="0"/>
+              </a:spcBef>
+              <a:spcAft>
+                <a:spcPts val="0"/>
+              </a:spcAft>
+              <a:buClr>
+                <a:srgbClr val="FFFFFF"/>
+              </a:buClr>
+              <a:buSzPct val="100000"/>
+              <a:buChar char="●"/>
+            </a:pPr>
+            <a:r>
+              <a:rPr lang="en" sz="1400">
+                <a:solidFill>
+                  <a:srgbClr val="FFFFFF"/>
+                </a:solidFill>
+              </a:rPr>
+              <a:t>Text entry and submit button for price prediction based on home attributes</a:t>
+            </a:r>
+          </a:p>
+          <a:p>
+            <a:pPr indent="-317500" lvl="0" marL="457200" rtl="0">
+              <a:lnSpc>
+                <a:spcPct val="107916"/>
+              </a:lnSpc>
+              <a:spcBef>
+                <a:spcPts val="0"/>
+              </a:spcBef>
+              <a:spcAft>
+                <a:spcPts val="0"/>
+              </a:spcAft>
+              <a:buClr>
+                <a:srgbClr val="FFFFFF"/>
+              </a:buClr>
+              <a:buSzPct val="100000"/>
+              <a:buChar char="●"/>
+            </a:pPr>
+            <a:r>
+              <a:rPr lang="en" sz="1400">
+                <a:solidFill>
+                  <a:srgbClr val="FFFFFF"/>
+                </a:solidFill>
+              </a:rPr>
+              <a:t>“Get Price Estimate” button which returns a prediction on a price for which a house might sell.</a:t>
+            </a:r>
+          </a:p>
+          <a:p>
+            <a:pPr indent="-317500" lvl="0" marL="457200" rtl="0">
+              <a:lnSpc>
+                <a:spcPct val="107916"/>
+              </a:lnSpc>
+              <a:spcBef>
+                <a:spcPts val="0"/>
+              </a:spcBef>
+              <a:spcAft>
+                <a:spcPts val="0"/>
+              </a:spcAft>
+              <a:buClr>
+                <a:srgbClr val="FFFFFF"/>
+              </a:buClr>
+              <a:buSzPct val="100000"/>
+              <a:buChar char="●"/>
+            </a:pPr>
+            <a:r>
+              <a:rPr lang="en" sz="1400">
+                <a:solidFill>
+                  <a:srgbClr val="FFFFFF"/>
+                </a:solidFill>
+              </a:rPr>
+              <a:t>“Get Suggested Home Improvement” button for improvement suggestions to enhance value.</a:t>
+            </a:r>
+          </a:p>
+          <a:p>
+            <a:pPr lvl="0" rtl="0">
+              <a:lnSpc>
+                <a:spcPct val="107916"/>
+              </a:lnSpc>
+              <a:spcBef>
+                <a:spcPts val="0"/>
+              </a:spcBef>
+              <a:spcAft>
+                <a:spcPts val="0"/>
+              </a:spcAft>
+              <a:buNone/>
+            </a:pPr>
+            <a:r>
+              <a:t/>
+            </a:r>
+            <a:endParaRPr sz="1400">
+              <a:solidFill>
+                <a:srgbClr val="FFFFFF"/>
+              </a:solidFill>
+            </a:endParaRPr>
           </a:p>
         </p:txBody>
       </p:sp>
@@ -8020,20 +11490,20 @@
           <p:cNvPr id="87" name="Shape 87"/>
           <p:cNvSpPr txBox="1"/>
           <p:nvPr>
-            <p:ph type="title"/>
-          </p:nvPr>
-        </p:nvSpPr>
-        <p:spPr>
-          <a:xfrm>
-            <a:off x="311700" y="445025"/>
-            <a:ext cx="8520600" cy="572700"/>
+            <p:ph type="ctrTitle"/>
+          </p:nvPr>
+        </p:nvSpPr>
+        <p:spPr>
+          <a:xfrm>
+            <a:off x="311700" y="744575"/>
+            <a:ext cx="8520600" cy="550500"/>
           </a:xfrm>
           <a:prstGeom prst="rect">
             <a:avLst/>
           </a:prstGeom>
         </p:spPr>
         <p:txBody>
-          <a:bodyPr anchorCtr="0" anchor="t" bIns="91425" lIns="91425" rIns="91425" tIns="91425">
+          <a:bodyPr anchorCtr="0" anchor="b" bIns="91425" lIns="91425" rIns="91425" tIns="91425">
             <a:noAutofit/>
           </a:bodyPr>
           <a:lstStyle/>
@@ -8045,8 +11515,8 @@
               <a:buNone/>
             </a:pPr>
             <a:r>
-              <a:rPr lang="en"/>
-              <a:t>Diagram of System Model</a:t>
+              <a:rPr lang="en" sz="2400"/>
+              <a:t>Usability Requirements</a:t>
             </a:r>
           </a:p>
         </p:txBody>
@@ -8055,56 +11525,12 @@
         <p:nvSpPr>
           <p:cNvPr id="88" name="Shape 88"/>
           <p:cNvSpPr txBox="1"/>
-          <p:nvPr>
-            <p:ph idx="1" type="body"/>
-          </p:nvPr>
-        </p:nvSpPr>
-        <p:spPr>
-          <a:xfrm>
-            <a:off x="311700" y="1152475"/>
-            <a:ext cx="8520600" cy="3416400"/>
-          </a:xfrm>
-          <a:prstGeom prst="rect">
-            <a:avLst/>
-          </a:prstGeom>
-        </p:spPr>
-        <p:txBody>
-          <a:bodyPr anchorCtr="0" anchor="t" bIns="91425" lIns="91425" rIns="91425" tIns="91425">
-            <a:noAutofit/>
-          </a:bodyPr>
-          <a:lstStyle/>
-          <a:p>
-            <a:pPr lvl="0">
-              <a:spcBef>
-                <a:spcPts val="0"/>
-              </a:spcBef>
-              <a:buNone/>
-            </a:pPr>
-            <a:r>
-              <a:t/>
-            </a:r>
-            <a:endParaRPr/>
-          </a:p>
-        </p:txBody>
-      </p:sp>
-      <p:pic>
-        <p:nvPicPr>
-          <p:cNvPr descr="dhxfkhjkl;.png" id="89" name="Shape 89"/>
-          <p:cNvPicPr preferRelativeResize="0"/>
           <p:nvPr/>
-        </p:nvPicPr>
-        <p:blipFill>
-          <a:blip r:embed="rId3">
-            <a:alphaModFix/>
-          </a:blip>
-          <a:stretch>
-            <a:fillRect/>
-          </a:stretch>
-        </p:blipFill>
-        <p:spPr>
-          <a:xfrm>
-            <a:off x="2138362" y="1185862"/>
-            <a:ext cx="4867275" cy="2771775"/>
+        </p:nvSpPr>
+        <p:spPr>
+          <a:xfrm>
+            <a:off x="586425" y="1514950"/>
+            <a:ext cx="8026800" cy="2113500"/>
           </a:xfrm>
           <a:prstGeom prst="rect">
             <a:avLst/>
@@ -8114,7 +11540,145 @@
             <a:noFill/>
           </a:ln>
         </p:spPr>
-      </p:pic>
+        <p:txBody>
+          <a:bodyPr anchorCtr="0" anchor="t" bIns="91425" lIns="91425" rIns="91425" tIns="91425">
+            <a:noAutofit/>
+          </a:bodyPr>
+          <a:lstStyle/>
+          <a:p>
+            <a:pPr lvl="0">
+              <a:spcBef>
+                <a:spcPts val="0"/>
+              </a:spcBef>
+              <a:buNone/>
+            </a:pPr>
+            <a:r>
+              <a:t/>
+            </a:r>
+            <a:endParaRPr>
+              <a:solidFill>
+                <a:srgbClr val="FFFFFF"/>
+              </a:solidFill>
+            </a:endParaRPr>
+          </a:p>
+          <a:p>
+            <a:pPr indent="-342900" lvl="0" marL="457200">
+              <a:spcBef>
+                <a:spcPts val="0"/>
+              </a:spcBef>
+              <a:buClr>
+                <a:srgbClr val="FFFFFF"/>
+              </a:buClr>
+              <a:buSzPct val="100000"/>
+              <a:buChar char="●"/>
+            </a:pPr>
+            <a:r>
+              <a:rPr lang="en" sz="1800">
+                <a:solidFill>
+                  <a:srgbClr val="FFFFFF"/>
+                </a:solidFill>
+              </a:rPr>
+              <a:t>The application will load within 1-2 second interval.</a:t>
+            </a:r>
+          </a:p>
+          <a:p>
+            <a:pPr indent="-342900" lvl="0" marL="457200">
+              <a:spcBef>
+                <a:spcPts val="0"/>
+              </a:spcBef>
+              <a:buClr>
+                <a:srgbClr val="FFFFFF"/>
+              </a:buClr>
+              <a:buSzPct val="100000"/>
+              <a:buChar char="●"/>
+            </a:pPr>
+            <a:r>
+              <a:rPr lang="en" sz="1800">
+                <a:solidFill>
+                  <a:srgbClr val="FFFFFF"/>
+                </a:solidFill>
+              </a:rPr>
+              <a:t>All buttons will conform to the same style.</a:t>
+            </a:r>
+          </a:p>
+          <a:p>
+            <a:pPr indent="-342900" lvl="0" marL="457200">
+              <a:spcBef>
+                <a:spcPts val="0"/>
+              </a:spcBef>
+              <a:buClr>
+                <a:srgbClr val="FFFFFF"/>
+              </a:buClr>
+              <a:buSzPct val="100000"/>
+              <a:buChar char="●"/>
+            </a:pPr>
+            <a:r>
+              <a:rPr lang="en" sz="1800">
+                <a:solidFill>
+                  <a:srgbClr val="FFFFFF"/>
+                </a:solidFill>
+              </a:rPr>
+              <a:t>Any text area, checkbox, or dropdown box will have helpful instructions.</a:t>
+            </a:r>
+          </a:p>
+          <a:p>
+            <a:pPr indent="-342900" lvl="0" marL="457200">
+              <a:spcBef>
+                <a:spcPts val="0"/>
+              </a:spcBef>
+              <a:buClr>
+                <a:srgbClr val="FFFFFF"/>
+              </a:buClr>
+              <a:buSzPct val="100000"/>
+              <a:buChar char="●"/>
+            </a:pPr>
+            <a:r>
+              <a:rPr lang="en" sz="1800">
+                <a:solidFill>
+                  <a:srgbClr val="FFFFFF"/>
+                </a:solidFill>
+              </a:rPr>
+              <a:t>Any function of the web application may be reached within 2-3 clicks.</a:t>
+            </a:r>
+          </a:p>
+          <a:p>
+            <a:pPr indent="-342900" lvl="0" marL="457200">
+              <a:spcBef>
+                <a:spcPts val="0"/>
+              </a:spcBef>
+              <a:buClr>
+                <a:srgbClr val="FFFFFF"/>
+              </a:buClr>
+              <a:buSzPct val="100000"/>
+              <a:buChar char="●"/>
+            </a:pPr>
+            <a:r>
+              <a:rPr lang="en" sz="1800">
+                <a:solidFill>
+                  <a:srgbClr val="FFFFFF"/>
+                </a:solidFill>
+              </a:rPr>
+              <a:t>Any subsequent page within the application will adhere to the same style</a:t>
+            </a:r>
+          </a:p>
+          <a:p>
+            <a:pPr lvl="0">
+              <a:spcBef>
+                <a:spcPts val="0"/>
+              </a:spcBef>
+              <a:buNone/>
+            </a:pPr>
+            <a:r>
+              <a:t/>
+            </a:r>
+            <a:endParaRPr sz="1800">
+              <a:solidFill>
+                <a:srgbClr val="FFFFFF"/>
+              </a:solidFill>
+            </a:endParaRPr>
+          </a:p>
+        </p:txBody>
+      </p:sp>
     </p:spTree>
   </p:cSld>
   <p:clrMapOvr>
@@ -8128,7 +11692,7 @@
   <p:cSld>
     <p:spTree>
       <p:nvGrpSpPr>
-        <p:cNvPr id="93" name="Shape 93"/>
+        <p:cNvPr id="92" name="Shape 92"/>
         <p:cNvGrpSpPr/>
         <p:nvPr/>
       </p:nvGrpSpPr>
@@ -8142,7 +11706,7 @@
       </p:grpSpPr>
       <p:sp>
         <p:nvSpPr>
-          <p:cNvPr id="94" name="Shape 94"/>
+          <p:cNvPr id="93" name="Shape 93"/>
           <p:cNvSpPr txBox="1"/>
           <p:nvPr>
             <p:ph type="title"/>
@@ -8171,14 +11735,14 @@
             </a:pPr>
             <a:r>
               <a:rPr lang="en"/>
-              <a:t>Subsystems</a:t>
+              <a:t>Performance Requirements</a:t>
             </a:r>
           </a:p>
         </p:txBody>
       </p:sp>
       <p:sp>
         <p:nvSpPr>
-          <p:cNvPr id="95" name="Shape 95"/>
+          <p:cNvPr id="94" name="Shape 94"/>
           <p:cNvSpPr txBox="1"/>
           <p:nvPr>
             <p:ph idx="1" type="body"/>
@@ -8200,25 +11764,225 @@
           <a:lstStyle/>
           <a:p>
             <a:pPr indent="-228600" lvl="0" marL="457200" rtl="0">
-              <a:spcBef>
-                <a:spcPts val="0"/>
-              </a:spcBef>
-            </a:pPr>
-            <a:r>
-              <a:rPr lang="en"/>
-              <a:t>Frontend: The angular and bootstrap will be broken down into sections. Some sections will be dedicated to explaining to the user what this web application does. Other sections will get user input from the user in order to feed the input into the backend. Lastly several other sections will be about displaying the information that is retrieved from the backend after it has been analyzed.</a:t>
-            </a:r>
-          </a:p>
-          <a:p>
-            <a:pPr indent="-228600" lvl="0" marL="457200">
-              <a:spcBef>
-                <a:spcPts val="0"/>
-              </a:spcBef>
-            </a:pPr>
-            <a:r>
-              <a:rPr lang="en"/>
-              <a:t>Backend: The Django backend will also be broken into many different functions, but it will follow a MVC format. Functions such as making calls to the Zillow API, querying the database, sending data to the frontend to be displayed, etc.</a:t>
-            </a:r>
+              <a:lnSpc>
+                <a:spcPct val="107916"/>
+              </a:lnSpc>
+              <a:spcBef>
+                <a:spcPts val="0"/>
+              </a:spcBef>
+              <a:spcAft>
+                <a:spcPts val="0"/>
+              </a:spcAft>
+              <a:buClr>
+                <a:srgbClr val="FFFFFF"/>
+              </a:buClr>
+              <a:buFont typeface="Calibri"/>
+              <a:buChar char="●"/>
+            </a:pPr>
+            <a:r>
+              <a:rPr lang="en">
+                <a:solidFill>
+                  <a:srgbClr val="FFFFFF"/>
+                </a:solidFill>
+                <a:latin typeface="Calibri"/>
+                <a:ea typeface="Calibri"/>
+                <a:cs typeface="Calibri"/>
+                <a:sym typeface="Calibri"/>
+              </a:rPr>
+              <a:t>Any system process taking longer than 1 second will display a “processing” dialog box.</a:t>
+            </a:r>
+          </a:p>
+          <a:p>
+            <a:pPr indent="-228600" lvl="0" marL="457200" rtl="0">
+              <a:lnSpc>
+                <a:spcPct val="107916"/>
+              </a:lnSpc>
+              <a:spcBef>
+                <a:spcPts val="0"/>
+              </a:spcBef>
+              <a:spcAft>
+                <a:spcPts val="0"/>
+              </a:spcAft>
+              <a:buClr>
+                <a:srgbClr val="FFFFFF"/>
+              </a:buClr>
+              <a:buFont typeface="Calibri"/>
+              <a:buChar char="●"/>
+            </a:pPr>
+            <a:r>
+              <a:rPr lang="en">
+                <a:solidFill>
+                  <a:srgbClr val="FFFFFF"/>
+                </a:solidFill>
+                <a:latin typeface="Calibri"/>
+                <a:ea typeface="Calibri"/>
+                <a:cs typeface="Calibri"/>
+                <a:sym typeface="Calibri"/>
+              </a:rPr>
+              <a:t>Any system process taking longer than 8 seconds will display an estimate of the time remaining on the task.</a:t>
+            </a:r>
+          </a:p>
+          <a:p>
+            <a:pPr indent="-228600" lvl="0" marL="457200" rtl="0">
+              <a:lnSpc>
+                <a:spcPct val="107916"/>
+              </a:lnSpc>
+              <a:spcBef>
+                <a:spcPts val="0"/>
+              </a:spcBef>
+              <a:spcAft>
+                <a:spcPts val="0"/>
+              </a:spcAft>
+              <a:buClr>
+                <a:srgbClr val="FFFFFF"/>
+              </a:buClr>
+              <a:buFont typeface="Calibri"/>
+              <a:buChar char="●"/>
+            </a:pPr>
+            <a:r>
+              <a:rPr lang="en">
+                <a:solidFill>
+                  <a:srgbClr val="FFFFFF"/>
+                </a:solidFill>
+                <a:latin typeface="Calibri"/>
+                <a:ea typeface="Calibri"/>
+                <a:cs typeface="Calibri"/>
+                <a:sym typeface="Calibri"/>
+              </a:rPr>
+              <a:t>95% of response time should be less than 5 seconds for processes involving queries from the database.</a:t>
+            </a:r>
+          </a:p>
+          <a:p>
+            <a:pPr indent="-228600" lvl="0" marL="457200" rtl="0">
+              <a:lnSpc>
+                <a:spcPct val="107916"/>
+              </a:lnSpc>
+              <a:spcBef>
+                <a:spcPts val="0"/>
+              </a:spcBef>
+              <a:spcAft>
+                <a:spcPts val="0"/>
+              </a:spcAft>
+              <a:buClr>
+                <a:srgbClr val="FFFFFF"/>
+              </a:buClr>
+              <a:buFont typeface="Calibri"/>
+              <a:buChar char="●"/>
+            </a:pPr>
+            <a:r>
+              <a:rPr lang="en">
+                <a:solidFill>
+                  <a:srgbClr val="FFFFFF"/>
+                </a:solidFill>
+                <a:latin typeface="Calibri"/>
+                <a:ea typeface="Calibri"/>
+                <a:cs typeface="Calibri"/>
+                <a:sym typeface="Calibri"/>
+              </a:rPr>
+              <a:t>Database will respond to 1,000 reads per hour.</a:t>
+            </a:r>
+          </a:p>
+          <a:p>
+            <a:pPr indent="-228600" lvl="0" marL="457200" rtl="0">
+              <a:lnSpc>
+                <a:spcPct val="107916"/>
+              </a:lnSpc>
+              <a:spcBef>
+                <a:spcPts val="0"/>
+              </a:spcBef>
+              <a:spcAft>
+                <a:spcPts val="0"/>
+              </a:spcAft>
+              <a:buClr>
+                <a:srgbClr val="FFFFFF"/>
+              </a:buClr>
+              <a:buFont typeface="Calibri"/>
+              <a:buChar char="●"/>
+            </a:pPr>
+            <a:r>
+              <a:rPr lang="en">
+                <a:solidFill>
+                  <a:srgbClr val="FFFFFF"/>
+                </a:solidFill>
+                <a:latin typeface="Calibri"/>
+                <a:ea typeface="Calibri"/>
+                <a:cs typeface="Calibri"/>
+                <a:sym typeface="Calibri"/>
+              </a:rPr>
+              <a:t>Data Visualizations will appear after user request within 2 seconds.</a:t>
+            </a:r>
+          </a:p>
+          <a:p>
+            <a:pPr indent="-228600" lvl="0" marL="457200" rtl="0">
+              <a:lnSpc>
+                <a:spcPct val="107916"/>
+              </a:lnSpc>
+              <a:spcBef>
+                <a:spcPts val="0"/>
+              </a:spcBef>
+              <a:spcAft>
+                <a:spcPts val="0"/>
+              </a:spcAft>
+              <a:buClr>
+                <a:srgbClr val="FFFFFF"/>
+              </a:buClr>
+              <a:buFont typeface="Calibri"/>
+              <a:buChar char="●"/>
+            </a:pPr>
+            <a:r>
+              <a:rPr lang="en">
+                <a:solidFill>
+                  <a:srgbClr val="FFFFFF"/>
+                </a:solidFill>
+                <a:latin typeface="Calibri"/>
+                <a:ea typeface="Calibri"/>
+                <a:cs typeface="Calibri"/>
+                <a:sym typeface="Calibri"/>
+              </a:rPr>
+              <a:t>Must support concurrent users.</a:t>
+            </a:r>
+          </a:p>
+          <a:p>
+            <a:pPr lvl="0" rtl="0">
+              <a:lnSpc>
+                <a:spcPct val="107916"/>
+              </a:lnSpc>
+              <a:spcBef>
+                <a:spcPts val="0"/>
+              </a:spcBef>
+              <a:spcAft>
+                <a:spcPts val="0"/>
+              </a:spcAft>
+              <a:buNone/>
+            </a:pPr>
+            <a:r>
+              <a:t/>
+            </a:r>
+            <a:endParaRPr b="1">
+              <a:solidFill>
+                <a:srgbClr val="FFFFFF"/>
+              </a:solidFill>
+              <a:latin typeface="Calibri"/>
+              <a:ea typeface="Calibri"/>
+              <a:cs typeface="Calibri"/>
+              <a:sym typeface="Calibri"/>
+            </a:endParaRPr>
+          </a:p>
+          <a:p>
+            <a:pPr lvl="0">
+              <a:spcBef>
+                <a:spcPts val="0"/>
+              </a:spcBef>
+              <a:buNone/>
+            </a:pPr>
+            <a:r>
+              <a:t/>
+            </a:r>
+            <a:endParaRPr>
+              <a:solidFill>
+                <a:srgbClr val="FFFFFF"/>
+              </a:solidFill>
+            </a:endParaRPr>
           </a:p>
         </p:txBody>
       </p:sp>
@@ -8235,7 +11999,7 @@
   <p:cSld>
     <p:spTree>
       <p:nvGrpSpPr>
-        <p:cNvPr id="99" name="Shape 99"/>
+        <p:cNvPr id="98" name="Shape 98"/>
         <p:cNvGrpSpPr/>
         <p:nvPr/>
       </p:nvGrpSpPr>
@@ -8249,7 +12013,7 @@
       </p:grpSpPr>
       <p:sp>
         <p:nvSpPr>
-          <p:cNvPr id="100" name="Shape 100"/>
+          <p:cNvPr id="99" name="Shape 99"/>
           <p:cNvSpPr txBox="1"/>
           <p:nvPr>
             <p:ph type="title"/>
@@ -8270,7 +12034,7 @@
           </a:bodyPr>
           <a:lstStyle/>
           <a:p>
-            <a:pPr lvl="0" rtl="0" algn="ctr">
+            <a:pPr lvl="0" algn="ctr">
               <a:spcBef>
                 <a:spcPts val="0"/>
               </a:spcBef>
@@ -8278,14 +12042,14 @@
             </a:pPr>
             <a:r>
               <a:rPr lang="en"/>
-              <a:t>Subsystems</a:t>
+              <a:t>System Interface Requirements</a:t>
             </a:r>
           </a:p>
         </p:txBody>
       </p:sp>
       <p:sp>
         <p:nvSpPr>
-          <p:cNvPr id="101" name="Shape 101"/>
+          <p:cNvPr id="100" name="Shape 100"/>
           <p:cNvSpPr txBox="1"/>
           <p:nvPr>
             <p:ph idx="1" type="body"/>
@@ -8307,35 +12071,92 @@
           <a:lstStyle/>
           <a:p>
             <a:pPr indent="-228600" lvl="0" marL="457200" rtl="0">
-              <a:spcBef>
-                <a:spcPts val="0"/>
-              </a:spcBef>
-            </a:pPr>
-            <a:r>
-              <a:rPr lang="en"/>
-              <a:t>Database: The MySQL database will be broken up into tables of information. The information will be comprised of zip codes, indicators of whether a house has sold or not, attributes of said house, status of users, and so forth. This information can then be updated via queries from the backend as new data becomes available.</a:t>
+              <a:lnSpc>
+                <a:spcPct val="107916"/>
+              </a:lnSpc>
+              <a:spcBef>
+                <a:spcPts val="0"/>
+              </a:spcBef>
+              <a:spcAft>
+                <a:spcPts val="0"/>
+              </a:spcAft>
+              <a:buClr>
+                <a:srgbClr val="FFFFFF"/>
+              </a:buClr>
+              <a:buFont typeface="Calibri"/>
+              <a:buChar char="●"/>
+            </a:pPr>
+            <a:r>
+              <a:rPr lang="en">
+                <a:solidFill>
+                  <a:srgbClr val="FFFFFF"/>
+                </a:solidFill>
+                <a:latin typeface="Calibri"/>
+                <a:ea typeface="Calibri"/>
+                <a:cs typeface="Calibri"/>
+                <a:sym typeface="Calibri"/>
+              </a:rPr>
+              <a:t>Application must be successfully hosted and displayed by cloud service(AWS).</a:t>
             </a:r>
           </a:p>
           <a:p>
             <a:pPr indent="-228600" lvl="0" marL="457200" rtl="0">
-              <a:spcBef>
-                <a:spcPts val="0"/>
-              </a:spcBef>
-            </a:pPr>
-            <a:r>
-              <a:rPr lang="en"/>
-              <a:t>Random Forest:The machine learning classifier that will be used is the Random Forest. It generates a ensemble of decision and uses the majority classification of those trees to determine result. I will be implemented using Scikit-learn library in Python. </a:t>
+              <a:lnSpc>
+                <a:spcPct val="107916"/>
+              </a:lnSpc>
+              <a:spcBef>
+                <a:spcPts val="0"/>
+              </a:spcBef>
+              <a:spcAft>
+                <a:spcPts val="0"/>
+              </a:spcAft>
+              <a:buClr>
+                <a:srgbClr val="FFFFFF"/>
+              </a:buClr>
+              <a:buFont typeface="Calibri"/>
+              <a:buChar char="●"/>
+            </a:pPr>
+            <a:r>
+              <a:rPr lang="en">
+                <a:solidFill>
+                  <a:srgbClr val="FFFFFF"/>
+                </a:solidFill>
+                <a:latin typeface="Calibri"/>
+                <a:ea typeface="Calibri"/>
+                <a:cs typeface="Calibri"/>
+                <a:sym typeface="Calibri"/>
+              </a:rPr>
+              <a:t>Front end of web application must successfully query database upon user request.</a:t>
             </a:r>
           </a:p>
           <a:p>
             <a:pPr indent="-228600" lvl="0" marL="457200" rtl="0">
-              <a:spcBef>
-                <a:spcPts val="0"/>
-              </a:spcBef>
-            </a:pPr>
-            <a:r>
-              <a:rPr lang="en"/>
-              <a:t>Visualisations: Will be generated using the MatPlotlib </a:t>
+              <a:lnSpc>
+                <a:spcPct val="107916"/>
+              </a:lnSpc>
+              <a:spcBef>
+                <a:spcPts val="0"/>
+              </a:spcBef>
+              <a:spcAft>
+                <a:spcPts val="0"/>
+              </a:spcAft>
+              <a:buClr>
+                <a:srgbClr val="FFFFFF"/>
+              </a:buClr>
+              <a:buFont typeface="Calibri"/>
+              <a:buChar char="●"/>
+            </a:pPr>
+            <a:r>
+              <a:rPr lang="en">
+                <a:solidFill>
+                  <a:srgbClr val="FFFFFF"/>
+                </a:solidFill>
+                <a:latin typeface="Calibri"/>
+                <a:ea typeface="Calibri"/>
+                <a:cs typeface="Calibri"/>
+                <a:sym typeface="Calibri"/>
+              </a:rPr>
+              <a:t>Database must successfully return requested data run through machine learning algorithm, statistical analysis and data visualization program and front end must successfully display request.</a:t>
             </a:r>
           </a:p>
         </p:txBody>
@@ -8353,7 +12174,7 @@
   <p:cSld>
     <p:spTree>
       <p:nvGrpSpPr>
-        <p:cNvPr id="105" name="Shape 105"/>
+        <p:cNvPr id="104" name="Shape 104"/>
         <p:cNvGrpSpPr/>
         <p:nvPr/>
       </p:nvGrpSpPr>
@@ -8367,7 +12188,7 @@
       </p:grpSpPr>
       <p:sp>
         <p:nvSpPr>
-          <p:cNvPr id="106" name="Shape 106"/>
+          <p:cNvPr id="105" name="Shape 105"/>
           <p:cNvSpPr txBox="1"/>
           <p:nvPr>
             <p:ph type="title"/>
@@ -8396,39 +12217,108 @@
             </a:pPr>
             <a:r>
               <a:rPr lang="en"/>
-              <a:t>Timeline and Feasibility</a:t>
+              <a:t>Security Requirements</a:t>
             </a:r>
           </a:p>
         </p:txBody>
       </p:sp>
-      <p:pic>
-        <p:nvPicPr>
-          <p:cNvPr descr="timeline1.PNG" id="107" name="Shape 107"/>
-          <p:cNvPicPr preferRelativeResize="0"/>
-          <p:nvPr/>
-        </p:nvPicPr>
-        <p:blipFill>
-          <a:blip r:embed="rId3">
-            <a:alphaModFix/>
-          </a:blip>
-          <a:stretch>
-            <a:fillRect/>
-          </a:stretch>
-        </p:blipFill>
-        <p:spPr>
-          <a:xfrm>
-            <a:off x="721112" y="1017725"/>
-            <a:ext cx="7701786" cy="3820974"/>
+      <p:sp>
+        <p:nvSpPr>
+          <p:cNvPr id="106" name="Shape 106"/>
+          <p:cNvSpPr txBox="1"/>
+          <p:nvPr>
+            <p:ph idx="1" type="body"/>
+          </p:nvPr>
+        </p:nvSpPr>
+        <p:spPr>
+          <a:xfrm>
+            <a:off x="560850" y="1152475"/>
+            <a:ext cx="8004600" cy="3416400"/>
           </a:xfrm>
           <a:prstGeom prst="rect">
             <a:avLst/>
           </a:prstGeom>
-          <a:noFill/>
-          <a:ln>
-            <a:noFill/>
-          </a:ln>
-        </p:spPr>
-      </p:pic>
+        </p:spPr>
+        <p:txBody>
+          <a:bodyPr anchorCtr="0" anchor="t" bIns="91425" lIns="91425" rIns="91425" tIns="91425">
+            <a:noAutofit/>
+          </a:bodyPr>
+          <a:lstStyle/>
+          <a:p>
+            <a:pPr indent="-228600" lvl="0" marL="457200" rtl="0">
+              <a:spcBef>
+                <a:spcPts val="0"/>
+              </a:spcBef>
+              <a:buClr>
+                <a:srgbClr val="FFFFFF"/>
+              </a:buClr>
+              <a:buChar char="●"/>
+            </a:pPr>
+            <a:r>
+              <a:rPr lang="en">
+                <a:solidFill>
+                  <a:srgbClr val="FFFFFF"/>
+                </a:solidFill>
+              </a:rPr>
+              <a:t>Home data in DB can’t be altered except by authorized automated scripts or administrators. </a:t>
+            </a:r>
+          </a:p>
+          <a:p>
+            <a:pPr indent="-228600" lvl="0" marL="457200" rtl="0">
+              <a:spcBef>
+                <a:spcPts val="0"/>
+              </a:spcBef>
+              <a:buClr>
+                <a:srgbClr val="FFFFFF"/>
+              </a:buClr>
+              <a:buChar char="●"/>
+            </a:pPr>
+            <a:r>
+              <a:rPr lang="en">
+                <a:solidFill>
+                  <a:srgbClr val="FFFFFF"/>
+                </a:solidFill>
+              </a:rPr>
+              <a:t>Realtor rankings and underlying data in DB can’t be altered except by automated scripts or administrators.</a:t>
+            </a:r>
+          </a:p>
+          <a:p>
+            <a:pPr indent="-228600" lvl="0" marL="457200" rtl="0">
+              <a:spcBef>
+                <a:spcPts val="0"/>
+              </a:spcBef>
+              <a:buClr>
+                <a:srgbClr val="FFFFFF"/>
+              </a:buClr>
+              <a:buChar char="●"/>
+            </a:pPr>
+            <a:r>
+              <a:rPr lang="en">
+                <a:solidFill>
+                  <a:srgbClr val="FFFFFF"/>
+                </a:solidFill>
+              </a:rPr>
+              <a:t>Realtor blog articles can’t be placed, removed or altered except by administrators. </a:t>
+            </a:r>
+          </a:p>
+          <a:p>
+            <a:pPr lvl="0">
+              <a:spcBef>
+                <a:spcPts val="0"/>
+              </a:spcBef>
+              <a:buNone/>
+            </a:pPr>
+            <a:r>
+              <a:t/>
+            </a:r>
+            <a:endParaRPr>
+              <a:solidFill>
+                <a:srgbClr val="FFFFFF"/>
+              </a:solidFill>
+            </a:endParaRPr>
+          </a:p>
+        </p:txBody>
+      </p:sp>
     </p:spTree>
   </p:cSld>
   <p:clrMapOvr>
@@ -8438,6 +12328,285 @@
 </file>
 
 <file path=ppt/theme/theme1.xml><?xml version="1.0" encoding="utf-8"?>
+<a:theme xmlns:a="http://schemas.openxmlformats.org/drawingml/2006/main" xmlns:r="http://schemas.openxmlformats.org/officeDocument/2006/relationships" name="simple-dark-2">
+  <a:themeElements>
+    <a:clrScheme name="Simple Dark">
+      <a:dk1>
+        <a:srgbClr val="FFFFFF"/>
+      </a:dk1>
+      <a:lt1>
+        <a:srgbClr val="212121"/>
+      </a:lt1>
+      <a:dk2>
+        <a:srgbClr val="303030"/>
+      </a:dk2>
+      <a:lt2>
+        <a:srgbClr val="ADADAD"/>
+      </a:lt2>
+      <a:accent1>
+        <a:srgbClr val="009688"/>
+      </a:accent1>
+      <a:accent2>
+        <a:srgbClr val="EEEEEE"/>
+      </a:accent2>
+      <a:accent3>
+        <a:srgbClr val="78909C"/>
+      </a:accent3>
+      <a:accent4>
+        <a:srgbClr val="FFAB40"/>
+      </a:accent4>
+      <a:accent5>
+        <a:srgbClr val="4DD0E1"/>
+      </a:accent5>
+      <a:accent6>
+        <a:srgbClr val="EEFF41"/>
+      </a:accent6>
+      <a:hlink>
+        <a:srgbClr val="4DD0E1"/>
+      </a:hlink>
+      <a:folHlink>
+        <a:srgbClr val="4DD0E1"/>
+      </a:folHlink>
+    </a:clrScheme>
+    <a:fontScheme name="Office">
+      <a:majorFont>
+        <a:latin typeface="Arial"/>
+        <a:ea typeface=""/>
+        <a:cs typeface=""/>
+        <a:font script="Jpan" typeface="ＭＳ Ｐゴシック"/>
+        <a:font script="Hang" typeface="맑은 고딕"/>
+        <a:font script="Hans" typeface="宋体"/>
+        <a:font script="Hant" typeface="新細明體"/>
+        <a:font script="Arab" typeface="Times New Roman"/>
+        <a:font script="Hebr" typeface="Times New Roman"/>
+        <a:font script="Thai" typeface="Angsana New"/>
+        <a:font script="Ethi" typeface="Nyala"/>
+        <a:font script="Beng" typeface="Vrinda"/>
+        <a:font script="Gujr" typeface="Shruti"/>
+        <a:font script="Khmr" typeface="MoolBoran"/>
+        <a:font script="Knda" typeface="Tunga"/>
+        <a:font script="Guru" typeface="Raavi"/>
+        <a:font script="Cans" typeface="Euphemia"/>
+        <a:font script="Cher" typeface="Plantagenet Cherokee"/>
+        <a:font script="Yiii" typeface="Microsoft Yi Baiti"/>
+        <a:font script="Tibt" typeface="Microsoft Himalaya"/>
+        <a:font script="Thaa" typeface="MV Boli"/>
+        <a:font script="Deva" typeface="Mangal"/>
+        <a:font script="Telu" typeface="Gautami"/>
+        <a:font script="Taml" typeface="Latha"/>
+        <a:font script="Syrc" typeface="Estrangelo Edessa"/>
+        <a:font script="Orya" typeface="Kalinga"/>
+        <a:font script="Mlym" typeface="Kartika"/>
+        <a:font script="Laoo" typeface="DokChampa"/>
+        <a:font script="Sinh" typeface="Iskoola Pota"/>
+        <a:font script="Mong" typeface="Mongolian Baiti"/>
+        <a:font script="Viet" typeface="Times New Roman"/>
+        <a:font script="Uigh" typeface="Microsoft Uighur"/>
+        <a:font script="Geor" typeface="Sylfaen"/>
+      </a:majorFont>
+      <a:minorFont>
+        <a:latin typeface="Arial"/>
+        <a:ea typeface=""/>
+        <a:cs typeface=""/>
+        <a:font script="Jpan" typeface="ＭＳ Ｐゴシック"/>
+        <a:font script="Hang" typeface="맑은 고딕"/>
+        <a:font script="Hans" typeface="宋体"/>
+        <a:font script="Hant" typeface="新細明體"/>
+        <a:font script="Arab" typeface="Arial"/>
+        <a:font script="Hebr" typeface="Arial"/>
+        <a:font script="Thai" typeface="Cordia New"/>
+        <a:font script="Ethi" typeface="Nyala"/>
+        <a:font script="Beng" typeface="Vrinda"/>
+        <a:font script="Gujr" typeface="Shruti"/>
+        <a:font script="Khmr" typeface="DaunPenh"/>
+        <a:font script="Knda" typeface="Tunga"/>
+        <a:font script="Guru" typeface="Raavi"/>
+        <a:font script="Cans" typeface="Euphemia"/>
+        <a:font script="Cher" typeface="Plantagenet Cherokee"/>
+        <a:font script="Yiii" typeface="Microsoft Yi Baiti"/>
+        <a:font script="Tibt" typeface="Microsoft Himalaya"/>
+        <a:font script="Thaa" typeface="MV Boli"/>
+        <a:font script="Deva" typeface="Mangal"/>
+        <a:font script="Telu" typeface="Gautami"/>
+        <a:font script="Taml" typeface="Latha"/>
+        <a:font script="Syrc" typeface="Estrangelo Edessa"/>
+        <a:font script="Orya" typeface="Kalinga"/>
+        <a:font script="Mlym" typeface="Kartika"/>
+        <a:font script="Laoo" typeface="DokChampa"/>
+        <a:font script="Sinh" typeface="Iskoola Pota"/>
+        <a:font script="Mong" typeface="Mongolian Baiti"/>
+        <a:font script="Viet" typeface="Arial"/>
+        <a:font script="Uigh" typeface="Microsoft Uighur"/>
+        <a:font script="Geor" typeface="Sylfaen"/>
+      </a:minorFont>
+    </a:fontScheme>
+    <a:fmtScheme name="Office">
+      <a:fillStyleLst>
+        <a:solidFill>
+          <a:schemeClr val="phClr"/>
+        </a:solidFill>
+        <a:gradFill rotWithShape="1">
+          <a:gsLst>
+            <a:gs pos="0">
+              <a:schemeClr val="phClr">
+                <a:tint val="50000"/>
+                <a:satMod val="300000"/>
+              </a:schemeClr>
+            </a:gs>
+            <a:gs pos="35000">
+              <a:schemeClr val="phClr">
+                <a:tint val="37000"/>
+                <a:satMod val="300000"/>
+              </a:schemeClr>
+            </a:gs>
+            <a:gs pos="100000">
+              <a:schemeClr val="phClr">
+                <a:tint val="15000"/>
+                <a:satMod val="350000"/>
+              </a:schemeClr>
+            </a:gs>
+          </a:gsLst>
+          <a:lin ang="16200000" scaled="1"/>
+        </a:gradFill>
+        <a:gradFill rotWithShape="1">
+          <a:gsLst>
+            <a:gs pos="0">
+              <a:schemeClr val="phClr">
+                <a:tint val="100000"/>
+                <a:shade val="100000"/>
+                <a:satMod val="130000"/>
+              </a:schemeClr>
+            </a:gs>
+            <a:gs pos="100000">
+              <a:schemeClr val="phClr">
+                <a:tint val="50000"/>
+                <a:shade val="100000"/>
+                <a:satMod val="350000"/>
+              </a:schemeClr>
+            </a:gs>
+          </a:gsLst>
+          <a:lin ang="16200000" scaled="0"/>
+        </a:gradFill>
+      </a:fillStyleLst>
+      <a:lnStyleLst>
+        <a:ln w="9525" cap="flat" cmpd="sng" algn="ctr">
+          <a:solidFill>
+            <a:schemeClr val="phClr">
+              <a:shade val="95000"/>
+              <a:satMod val="105000"/>
+            </a:schemeClr>
+          </a:solidFill>
+          <a:prstDash val="solid"/>
+        </a:ln>
+        <a:ln w="25400" cap="flat" cmpd="sng" algn="ctr">
+          <a:solidFill>
+            <a:schemeClr val="phClr"/>
+          </a:solidFill>
+          <a:prstDash val="solid"/>
+        </a:ln>
+        <a:ln w="38100" cap="flat" cmpd="sng" algn="ctr">
+          <a:solidFill>
+            <a:schemeClr val="phClr"/>
+          </a:solidFill>
+          <a:prstDash val="solid"/>
+        </a:ln>
+      </a:lnStyleLst>
+      <a:effectStyleLst>
+        <a:effectStyle>
+          <a:effectLst>
+            <a:outerShdw blurRad="40000" dist="20000" dir="5400000" rotWithShape="0">
+              <a:srgbClr val="000000">
+                <a:alpha val="38000"/>
+              </a:srgbClr>
+            </a:outerShdw>
+          </a:effectLst>
+        </a:effectStyle>
+        <a:effectStyle>
+          <a:effectLst>
+            <a:outerShdw blurRad="40000" dist="23000" dir="5400000" rotWithShape="0">
+              <a:srgbClr val="000000">
+                <a:alpha val="35000"/>
+              </a:srgbClr>
+            </a:outerShdw>
+          </a:effectLst>
+        </a:effectStyle>
+        <a:effectStyle>
+          <a:effectLst>
+            <a:outerShdw blurRad="40000" dist="23000" dir="5400000" rotWithShape="0">
+              <a:srgbClr val="000000">
+                <a:alpha val="35000"/>
+              </a:srgbClr>
+            </a:outerShdw>
+          </a:effectLst>
+          <a:scene3d>
+            <a:camera prst="orthographicFront">
+              <a:rot lat="0" lon="0" rev="0"/>
+            </a:camera>
+            <a:lightRig rig="threePt" dir="t">
+              <a:rot lat="0" lon="0" rev="1200000"/>
+            </a:lightRig>
+          </a:scene3d>
+          <a:sp3d>
+            <a:bevelT w="63500" h="25400"/>
+          </a:sp3d>
+        </a:effectStyle>
+      </a:effectStyleLst>
+      <a:bgFillStyleLst>
+        <a:solidFill>
+          <a:schemeClr val="phClr"/>
+        </a:solidFill>
+        <a:gradFill rotWithShape="1">
+          <a:gsLst>
+            <a:gs pos="0">
+              <a:schemeClr val="phClr">
+                <a:tint val="40000"/>
+                <a:satMod val="350000"/>
+              </a:schemeClr>
+            </a:gs>
+            <a:gs pos="40000">
+              <a:schemeClr val="phClr">
+                <a:tint val="45000"/>
+                <a:shade val="99000"/>
+                <a:satMod val="350000"/>
+              </a:schemeClr>
+            </a:gs>
+            <a:gs pos="100000">
+              <a:schemeClr val="phClr">
+                <a:shade val="20000"/>
+                <a:satMod val="255000"/>
+              </a:schemeClr>
+            </a:gs>
+          </a:gsLst>
+          <a:path path="circle">
+            <a:fillToRect l="50000" t="-80000" r="50000" b="180000"/>
+          </a:path>
+        </a:gradFill>
+        <a:gradFill rotWithShape="1">
+          <a:gsLst>
+            <a:gs pos="0">
+              <a:schemeClr val="phClr">
+                <a:tint val="80000"/>
+                <a:satMod val="300000"/>
+              </a:schemeClr>
+            </a:gs>
+            <a:gs pos="100000">
+              <a:schemeClr val="phClr">
+                <a:shade val="30000"/>
+                <a:satMod val="200000"/>
+              </a:schemeClr>
+            </a:gs>
+          </a:gsLst>
+          <a:path path="circle">
+            <a:fillToRect l="50000" t="50000" r="50000" b="50000"/>
+          </a:path>
+        </a:gradFill>
+      </a:bgFillStyleLst>
+    </a:fmtScheme>
+  </a:themeElements>
+</a:theme>
+</file>
+
+<file path=ppt/theme/theme2.xml><?xml version="1.0" encoding="utf-8"?>
 <a:theme xmlns:a="http://schemas.openxmlformats.org/drawingml/2006/main" xmlns:r="http://schemas.openxmlformats.org/officeDocument/2006/relationships" name="Custom Theme">
   <a:themeElements>
     <a:clrScheme name="Default">
@@ -8714,283 +12883,4 @@
     </a:fmtScheme>
   </a:themeElements>
 </a:theme>
-</file>
-
-<file path=ppt/theme/theme2.xml><?xml version="1.0" encoding="utf-8"?>
-<a:theme xmlns:a="http://schemas.openxmlformats.org/drawingml/2006/main" xmlns:r="http://schemas.openxmlformats.org/officeDocument/2006/relationships" name="simple-light-2">
-  <a:themeElements>
-    <a:clrScheme name="Simple Light">
-      <a:dk1>
-        <a:srgbClr val="000000"/>
-      </a:dk1>
-      <a:lt1>
-        <a:srgbClr val="FFFFFF"/>
-      </a:lt1>
-      <a:dk2>
-        <a:srgbClr val="595959"/>
-      </a:dk2>
-      <a:lt2>
-        <a:srgbClr val="EEEEEE"/>
-      </a:lt2>
-      <a:accent1>
-        <a:srgbClr val="FFAB40"/>
-      </a:accent1>
-      <a:accent2>
-        <a:srgbClr val="212121"/>
-      </a:accent2>
-      <a:accent3>
-        <a:srgbClr val="78909C"/>
-      </a:accent3>
-      <a:accent4>
-        <a:srgbClr val="FFAB40"/>
-      </a:accent4>
-      <a:accent5>
-        <a:srgbClr val="0097A7"/>
-      </a:accent5>
-      <a:accent6>
-        <a:srgbClr val="EEFF41"/>
-      </a:accent6>
-      <a:hlink>
-        <a:srgbClr val="0097A7"/>
-      </a:hlink>
-      <a:folHlink>
-        <a:srgbClr val="0097A7"/>
-      </a:folHlink>
-    </a:clrScheme>
-    <a:fontScheme name="Office">
-      <a:majorFont>
-        <a:latin typeface="Arial"/>
-        <a:ea typeface=""/>
-        <a:cs typeface=""/>
-        <a:font script="Jpan" typeface="ＭＳ Ｐゴシック"/>
-        <a:font script="Hang" typeface="맑은 고딕"/>
-        <a:font script="Hans" typeface="宋体"/>
-        <a:font script="Hant" typeface="新細明體"/>
-        <a:font script="Arab" typeface="Times New Roman"/>
-        <a:font script="Hebr" typeface="Times New Roman"/>
-        <a:font script="Thai" typeface="Angsana New"/>
-        <a:font script="Ethi" typeface="Nyala"/>
-        <a:font script="Beng" typeface="Vrinda"/>
-        <a:font script="Gujr" typeface="Shruti"/>
-        <a:font script="Khmr" typeface="MoolBoran"/>
-        <a:font script="Knda" typeface="Tunga"/>
-        <a:font script="Guru" typeface="Raavi"/>
-        <a:font script="Cans" typeface="Euphemia"/>
-        <a:font script="Cher" typeface="Plantagenet Cherokee"/>
-        <a:font script="Yiii" typeface="Microsoft Yi Baiti"/>
-        <a:font script="Tibt" typeface="Microsoft Himalaya"/>
-        <a:font script="Thaa" typeface="MV Boli"/>
-        <a:font script="Deva" typeface="Mangal"/>
-        <a:font script="Telu" typeface="Gautami"/>
-        <a:font script="Taml" typeface="Latha"/>
-        <a:font script="Syrc" typeface="Estrangelo Edessa"/>
-        <a:font script="Orya" typeface="Kalinga"/>
-        <a:font script="Mlym" typeface="Kartika"/>
-        <a:font script="Laoo" typeface="DokChampa"/>
-        <a:font script="Sinh" typeface="Iskoola Pota"/>
-        <a:font script="Mong" typeface="Mongolian Baiti"/>
-        <a:font script="Viet" typeface="Times New Roman"/>
-        <a:font script="Uigh" typeface="Microsoft Uighur"/>
-        <a:font script="Geor" typeface="Sylfaen"/>
-      </a:majorFont>
-      <a:minorFont>
-        <a:latin typeface="Arial"/>
-        <a:ea typeface=""/>
-        <a:cs typeface=""/>
-        <a:font script="Jpan" typeface="ＭＳ Ｐゴシック"/>
-        <a:font script="Hang" typeface="맑은 고딕"/>
-        <a:font script="Hans" typeface="宋体"/>
-        <a:font script="Hant" typeface="新細明體"/>
-        <a:font script="Arab" typeface="Arial"/>
-        <a:font script="Hebr" typeface="Arial"/>
-        <a:font script="Thai" typeface="Cordia New"/>
-        <a:font script="Ethi" typeface="Nyala"/>
-        <a:font script="Beng" typeface="Vrinda"/>
-        <a:font script="Gujr" typeface="Shruti"/>
-        <a:font script="Khmr" typeface="DaunPenh"/>
-        <a:font script="Knda" typeface="Tunga"/>
-        <a:font script="Guru" typeface="Raavi"/>
-        <a:font script="Cans" typeface="Euphemia"/>
-        <a:font script="Cher" typeface="Plantagenet Cherokee"/>
-        <a:font script="Yiii" typeface="Microsoft Yi Baiti"/>
-        <a:font script="Tibt" typeface="Microsoft Himalaya"/>
-        <a:font script="Thaa" typeface="MV Boli"/>
-        <a:font script="Deva" typeface="Mangal"/>
-        <a:font script="Telu" typeface="Gautami"/>
-        <a:font script="Taml" typeface="Latha"/>
-        <a:font script="Syrc" typeface="Estrangelo Edessa"/>
-        <a:font script="Orya" typeface="Kalinga"/>
-        <a:font script="Mlym" typeface="Kartika"/>
-        <a:font script="Laoo" typeface="DokChampa"/>
-        <a:font script="Sinh" typeface="Iskoola Pota"/>
-        <a:font script="Mong" typeface="Mongolian Baiti"/>
-        <a:font script="Viet" typeface="Arial"/>
-        <a:font script="Uigh" typeface="Microsoft Uighur"/>
-        <a:font script="Geor" typeface="Sylfaen"/>
-      </a:minorFont>
-    </a:fontScheme>
-    <a:fmtScheme name="Office">
-      <a:fillStyleLst>
-        <a:solidFill>
-          <a:schemeClr val="phClr"/>
-        </a:solidFill>
-        <a:gradFill rotWithShape="1">
-          <a:gsLst>
-            <a:gs pos="0">
-              <a:schemeClr val="phClr">
-                <a:tint val="50000"/>
-                <a:satMod val="300000"/>
-              </a:schemeClr>
-            </a:gs>
-            <a:gs pos="35000">
-              <a:schemeClr val="phClr">
-                <a:tint val="37000"/>
-                <a:satMod val="300000"/>
-              </a:schemeClr>
-            </a:gs>
-            <a:gs pos="100000">
-              <a:schemeClr val="phClr">
-                <a:tint val="15000"/>
-                <a:satMod val="350000"/>
-              </a:schemeClr>
-            </a:gs>
-          </a:gsLst>
-          <a:lin ang="16200000" scaled="1"/>
-        </a:gradFill>
-        <a:gradFill rotWithShape="1">
-          <a:gsLst>
-            <a:gs pos="0">
-              <a:schemeClr val="phClr">
-                <a:tint val="100000"/>
-                <a:shade val="100000"/>
-                <a:satMod val="130000"/>
-              </a:schemeClr>
-            </a:gs>
-            <a:gs pos="100000">
-              <a:schemeClr val="phClr">
-                <a:tint val="50000"/>
-                <a:shade val="100000"/>
-                <a:satMod val="350000"/>
-              </a:schemeClr>
-            </a:gs>
-          </a:gsLst>
-          <a:lin ang="16200000" scaled="0"/>
-        </a:gradFill>
-      </a:fillStyleLst>
-      <a:lnStyleLst>
-        <a:ln w="9525" cap="flat" cmpd="sng" algn="ctr">
-          <a:solidFill>
-            <a:schemeClr val="phClr">
-              <a:shade val="95000"/>
-              <a:satMod val="105000"/>
-            </a:schemeClr>
-          </a:solidFill>
-          <a:prstDash val="solid"/>
-        </a:ln>
-        <a:ln w="25400" cap="flat" cmpd="sng" algn="ctr">
-          <a:solidFill>
-            <a:schemeClr val="phClr"/>
-          </a:solidFill>
-          <a:prstDash val="solid"/>
-        </a:ln>
-        <a:ln w="38100" cap="flat" cmpd="sng" algn="ctr">
-          <a:solidFill>
-            <a:schemeClr val="phClr"/>
-          </a:solidFill>
-          <a:prstDash val="solid"/>
-        </a:ln>
-      </a:lnStyleLst>
-      <a:effectStyleLst>
-        <a:effectStyle>
-          <a:effectLst>
-            <a:outerShdw blurRad="40000" dist="20000" dir="5400000" rotWithShape="0">
-              <a:srgbClr val="000000">
-                <a:alpha val="38000"/>
-              </a:srgbClr>
-            </a:outerShdw>
-          </a:effectLst>
-        </a:effectStyle>
-        <a:effectStyle>
-          <a:effectLst>
-            <a:outerShdw blurRad="40000" dist="23000" dir="5400000" rotWithShape="0">
-              <a:srgbClr val="000000">
-                <a:alpha val="35000"/>
-              </a:srgbClr>
-            </a:outerShdw>
-          </a:effectLst>
-        </a:effectStyle>
-        <a:effectStyle>
-          <a:effectLst>
-            <a:outerShdw blurRad="40000" dist="23000" dir="5400000" rotWithShape="0">
-              <a:srgbClr val="000000">
-                <a:alpha val="35000"/>
-              </a:srgbClr>
-            </a:outerShdw>
-          </a:effectLst>
-          <a:scene3d>
-            <a:camera prst="orthographicFront">
-              <a:rot lat="0" lon="0" rev="0"/>
-            </a:camera>
-            <a:lightRig rig="threePt" dir="t">
-              <a:rot lat="0" lon="0" rev="1200000"/>
-            </a:lightRig>
-          </a:scene3d>
-          <a:sp3d>
-            <a:bevelT w="63500" h="25400"/>
-          </a:sp3d>
-        </a:effectStyle>
-      </a:effectStyleLst>
-      <a:bgFillStyleLst>
-        <a:solidFill>
-          <a:schemeClr val="phClr"/>
-        </a:solidFill>
-        <a:gradFill rotWithShape="1">
-          <a:gsLst>
-            <a:gs pos="0">
-              <a:schemeClr val="phClr">
-                <a:tint val="40000"/>
-                <a:satMod val="350000"/>
-              </a:schemeClr>
-            </a:gs>
-            <a:gs pos="40000">
-              <a:schemeClr val="phClr">
-                <a:tint val="45000"/>
-                <a:shade val="99000"/>
-                <a:satMod val="350000"/>
-              </a:schemeClr>
-            </a:gs>
-            <a:gs pos="100000">
-              <a:schemeClr val="phClr">
-                <a:shade val="20000"/>
-                <a:satMod val="255000"/>
-              </a:schemeClr>
-            </a:gs>
-          </a:gsLst>
-          <a:path path="circle">
-            <a:fillToRect l="50000" t="-80000" r="50000" b="180000"/>
-          </a:path>
-        </a:gradFill>
-        <a:gradFill rotWithShape="1">
-          <a:gsLst>
-            <a:gs pos="0">
-              <a:schemeClr val="phClr">
-                <a:tint val="80000"/>
-                <a:satMod val="300000"/>
-              </a:schemeClr>
-            </a:gs>
-            <a:gs pos="100000">
-              <a:schemeClr val="phClr">
-                <a:shade val="30000"/>
-                <a:satMod val="200000"/>
-              </a:schemeClr>
-            </a:gs>
-          </a:gsLst>
-          <a:path path="circle">
-            <a:fillToRect l="50000" t="50000" r="50000" b="50000"/>
-          </a:path>
-        </a:gradFill>
-      </a:bgFillStyleLst>
-    </a:fmtScheme>
-  </a:themeElements>
-</a:theme>
 </file>
--- a/docs/NostraDomicile.pptx
+++ b/docs/NostraDomicile.pptx
@@ -1,44 +1,45 @@
 
 <file path=ppt/presentation.xml><?xml version="1.0" encoding="utf-8"?>
-<p:presentation xmlns:a="http://schemas.openxmlformats.org/drawingml/2006/main" xmlns:r="http://schemas.openxmlformats.org/officeDocument/2006/relationships" xmlns:mc="http://schemas.openxmlformats.org/markup-compatibility/2006" xmlns:mv="urn:schemas-microsoft-com:mac:vml" xmlns:p="http://schemas.openxmlformats.org/presentationml/2006/main" xmlns:c="http://schemas.openxmlformats.org/drawingml/2006/chart" xmlns:dgm="http://schemas.openxmlformats.org/drawingml/2006/diagram" xmlns:o="urn:schemas-microsoft-com:office:office" xmlns:v="urn:schemas-microsoft-com:vml" xmlns:pvml="urn:schemas-microsoft-com:office:powerpoint" xmlns:com="http://schemas.openxmlformats.org/drawingml/2006/compatibility" xmlns:p14="http://schemas.microsoft.com/office/powerpoint/2010/main" autoCompressPictures="0" strictFirstAndLastChars="0" saveSubsetFonts="1">
+<p:presentation xmlns:a="http://schemas.openxmlformats.org/drawingml/2006/main" xmlns:r="http://schemas.openxmlformats.org/officeDocument/2006/relationships" xmlns:p="http://schemas.openxmlformats.org/presentationml/2006/main" strictFirstAndLastChars="0" saveSubsetFonts="1" autoCompressPictures="0">
   <p:sldMasterIdLst>
-    <p:sldMasterId id="2147483659" r:id="rId4"/>
+    <p:sldMasterId id="2147483659" r:id="rId1"/>
   </p:sldMasterIdLst>
   <p:notesMasterIdLst>
-    <p:notesMasterId r:id="rId5"/>
+    <p:notesMasterId r:id="rId29"/>
   </p:notesMasterIdLst>
   <p:sldIdLst>
-    <p:sldId id="256" r:id="rId6"/>
-    <p:sldId id="257" r:id="rId7"/>
-    <p:sldId id="258" r:id="rId8"/>
-    <p:sldId id="259" r:id="rId9"/>
-    <p:sldId id="260" r:id="rId10"/>
-    <p:sldId id="261" r:id="rId11"/>
-    <p:sldId id="262" r:id="rId12"/>
-    <p:sldId id="263" r:id="rId13"/>
-    <p:sldId id="264" r:id="rId14"/>
-    <p:sldId id="265" r:id="rId15"/>
-    <p:sldId id="266" r:id="rId16"/>
-    <p:sldId id="267" r:id="rId17"/>
-    <p:sldId id="268" r:id="rId18"/>
-    <p:sldId id="269" r:id="rId19"/>
-    <p:sldId id="270" r:id="rId20"/>
-    <p:sldId id="271" r:id="rId21"/>
-    <p:sldId id="272" r:id="rId22"/>
-    <p:sldId id="273" r:id="rId23"/>
-    <p:sldId id="274" r:id="rId24"/>
-    <p:sldId id="275" r:id="rId25"/>
-    <p:sldId id="276" r:id="rId26"/>
-    <p:sldId id="277" r:id="rId27"/>
-    <p:sldId id="278" r:id="rId28"/>
-    <p:sldId id="279" r:id="rId29"/>
-    <p:sldId id="280" r:id="rId30"/>
-    <p:sldId id="281" r:id="rId31"/>
+    <p:sldId id="256" r:id="rId2"/>
+    <p:sldId id="257" r:id="rId3"/>
+    <p:sldId id="258" r:id="rId4"/>
+    <p:sldId id="259" r:id="rId5"/>
+    <p:sldId id="260" r:id="rId6"/>
+    <p:sldId id="261" r:id="rId7"/>
+    <p:sldId id="262" r:id="rId8"/>
+    <p:sldId id="263" r:id="rId9"/>
+    <p:sldId id="264" r:id="rId10"/>
+    <p:sldId id="265" r:id="rId11"/>
+    <p:sldId id="266" r:id="rId12"/>
+    <p:sldId id="267" r:id="rId13"/>
+    <p:sldId id="268" r:id="rId14"/>
+    <p:sldId id="269" r:id="rId15"/>
+    <p:sldId id="270" r:id="rId16"/>
+    <p:sldId id="271" r:id="rId17"/>
+    <p:sldId id="272" r:id="rId18"/>
+    <p:sldId id="273" r:id="rId19"/>
+    <p:sldId id="274" r:id="rId20"/>
+    <p:sldId id="275" r:id="rId21"/>
+    <p:sldId id="276" r:id="rId22"/>
+    <p:sldId id="277" r:id="rId23"/>
+    <p:sldId id="278" r:id="rId24"/>
+    <p:sldId id="279" r:id="rId25"/>
+    <p:sldId id="280" r:id="rId26"/>
+    <p:sldId id="281" r:id="rId27"/>
+    <p:sldId id="282" r:id="rId28"/>
   </p:sldIdLst>
-  <p:sldSz cy="5143500" cx="9144000"/>
+  <p:sldSz cx="9144000" cy="5143500" type="screen16x9"/>
   <p:notesSz cx="6858000" cy="9144000"/>
   <p:defaultTextStyle>
-    <a:defPPr lvl="0" marR="0" rtl="0" algn="l">
+    <a:defPPr marR="0" lvl="0" algn="l" rtl="0">
       <a:lnSpc>
         <a:spcPct val="100000"/>
       </a:lnSpc>
@@ -49,7 +50,7 @@
         <a:spcPts val="0"/>
       </a:spcAft>
     </a:defPPr>
-    <a:lvl1pPr lvl="0" marR="0" rtl="0" algn="l">
+    <a:lvl1pPr marR="0" lvl="0" algn="l" rtl="0">
       <a:lnSpc>
         <a:spcPct val="100000"/>
       </a:lnSpc>
@@ -60,7 +61,7 @@
         <a:spcPts val="0"/>
       </a:spcAft>
       <a:buNone/>
-      <a:defRPr b="0" i="0" sz="1400" u="none" cap="none" strike="noStrike">
+      <a:defRPr sz="1400" b="0" i="0" u="none" strike="noStrike" cap="none">
         <a:solidFill>
           <a:srgbClr val="000000"/>
         </a:solidFill>
@@ -70,7 +71,7 @@
         <a:sym typeface="Arial"/>
       </a:defRPr>
     </a:lvl1pPr>
-    <a:lvl2pPr lvl="1" marR="0" rtl="0" algn="l">
+    <a:lvl2pPr marR="0" lvl="1" algn="l" rtl="0">
       <a:lnSpc>
         <a:spcPct val="100000"/>
       </a:lnSpc>
@@ -81,7 +82,7 @@
         <a:spcPts val="0"/>
       </a:spcAft>
       <a:buNone/>
-      <a:defRPr b="0" i="0" sz="1400" u="none" cap="none" strike="noStrike">
+      <a:defRPr sz="1400" b="0" i="0" u="none" strike="noStrike" cap="none">
         <a:solidFill>
           <a:srgbClr val="000000"/>
         </a:solidFill>
@@ -91,7 +92,7 @@
         <a:sym typeface="Arial"/>
       </a:defRPr>
     </a:lvl2pPr>
-    <a:lvl3pPr lvl="2" marR="0" rtl="0" algn="l">
+    <a:lvl3pPr marR="0" lvl="2" algn="l" rtl="0">
       <a:lnSpc>
         <a:spcPct val="100000"/>
       </a:lnSpc>
@@ -102,7 +103,7 @@
         <a:spcPts val="0"/>
       </a:spcAft>
       <a:buNone/>
-      <a:defRPr b="0" i="0" sz="1400" u="none" cap="none" strike="noStrike">
+      <a:defRPr sz="1400" b="0" i="0" u="none" strike="noStrike" cap="none">
         <a:solidFill>
           <a:srgbClr val="000000"/>
         </a:solidFill>
@@ -112,7 +113,7 @@
         <a:sym typeface="Arial"/>
       </a:defRPr>
     </a:lvl3pPr>
-    <a:lvl4pPr lvl="3" marR="0" rtl="0" algn="l">
+    <a:lvl4pPr marR="0" lvl="3" algn="l" rtl="0">
       <a:lnSpc>
         <a:spcPct val="100000"/>
       </a:lnSpc>
@@ -123,7 +124,7 @@
         <a:spcPts val="0"/>
       </a:spcAft>
       <a:buNone/>
-      <a:defRPr b="0" i="0" sz="1400" u="none" cap="none" strike="noStrike">
+      <a:defRPr sz="1400" b="0" i="0" u="none" strike="noStrike" cap="none">
         <a:solidFill>
           <a:srgbClr val="000000"/>
         </a:solidFill>
@@ -133,7 +134,7 @@
         <a:sym typeface="Arial"/>
       </a:defRPr>
     </a:lvl4pPr>
-    <a:lvl5pPr lvl="4" marR="0" rtl="0" algn="l">
+    <a:lvl5pPr marR="0" lvl="4" algn="l" rtl="0">
       <a:lnSpc>
         <a:spcPct val="100000"/>
       </a:lnSpc>
@@ -144,7 +145,7 @@
         <a:spcPts val="0"/>
       </a:spcAft>
       <a:buNone/>
-      <a:defRPr b="0" i="0" sz="1400" u="none" cap="none" strike="noStrike">
+      <a:defRPr sz="1400" b="0" i="0" u="none" strike="noStrike" cap="none">
         <a:solidFill>
           <a:srgbClr val="000000"/>
         </a:solidFill>
@@ -154,7 +155,7 @@
         <a:sym typeface="Arial"/>
       </a:defRPr>
     </a:lvl5pPr>
-    <a:lvl6pPr lvl="5" marR="0" rtl="0" algn="l">
+    <a:lvl6pPr marR="0" lvl="5" algn="l" rtl="0">
       <a:lnSpc>
         <a:spcPct val="100000"/>
       </a:lnSpc>
@@ -165,7 +166,7 @@
         <a:spcPts val="0"/>
       </a:spcAft>
       <a:buNone/>
-      <a:defRPr b="0" i="0" sz="1400" u="none" cap="none" strike="noStrike">
+      <a:defRPr sz="1400" b="0" i="0" u="none" strike="noStrike" cap="none">
         <a:solidFill>
           <a:srgbClr val="000000"/>
         </a:solidFill>
@@ -175,7 +176,7 @@
         <a:sym typeface="Arial"/>
       </a:defRPr>
     </a:lvl6pPr>
-    <a:lvl7pPr lvl="6" marR="0" rtl="0" algn="l">
+    <a:lvl7pPr marR="0" lvl="6" algn="l" rtl="0">
       <a:lnSpc>
         <a:spcPct val="100000"/>
       </a:lnSpc>
@@ -186,7 +187,7 @@
         <a:spcPts val="0"/>
       </a:spcAft>
       <a:buNone/>
-      <a:defRPr b="0" i="0" sz="1400" u="none" cap="none" strike="noStrike">
+      <a:defRPr sz="1400" b="0" i="0" u="none" strike="noStrike" cap="none">
         <a:solidFill>
           <a:srgbClr val="000000"/>
         </a:solidFill>
@@ -196,7 +197,7 @@
         <a:sym typeface="Arial"/>
       </a:defRPr>
     </a:lvl7pPr>
-    <a:lvl8pPr lvl="7" marR="0" rtl="0" algn="l">
+    <a:lvl8pPr marR="0" lvl="7" algn="l" rtl="0">
       <a:lnSpc>
         <a:spcPct val="100000"/>
       </a:lnSpc>
@@ -207,7 +208,7 @@
         <a:spcPts val="0"/>
       </a:spcAft>
       <a:buNone/>
-      <a:defRPr b="0" i="0" sz="1400" u="none" cap="none" strike="noStrike">
+      <a:defRPr sz="1400" b="0" i="0" u="none" strike="noStrike" cap="none">
         <a:solidFill>
           <a:srgbClr val="000000"/>
         </a:solidFill>
@@ -217,7 +218,7 @@
         <a:sym typeface="Arial"/>
       </a:defRPr>
     </a:lvl8pPr>
-    <a:lvl9pPr lvl="8" marR="0" rtl="0" algn="l">
+    <a:lvl9pPr marR="0" lvl="8" algn="l" rtl="0">
       <a:lnSpc>
         <a:spcPct val="100000"/>
       </a:lnSpc>
@@ -228,7 +229,7 @@
         <a:spcPts val="0"/>
       </a:spcAft>
       <a:buNone/>
-      <a:defRPr b="0" i="0" sz="1400" u="none" cap="none" strike="noStrike">
+      <a:defRPr sz="1400" b="0" i="0" u="none" strike="noStrike" cap="none">
         <a:solidFill>
           <a:srgbClr val="000000"/>
         </a:solidFill>
@@ -243,14 +244,14 @@
 </file>
 
 <file path=ppt/commentAuthors.xml><?xml version="1.0" encoding="utf-8"?>
-<p:cmAuthorLst xmlns:a="http://schemas.openxmlformats.org/drawingml/2006/main" xmlns:r="http://schemas.openxmlformats.org/officeDocument/2006/relationships" xmlns:mc="http://schemas.openxmlformats.org/markup-compatibility/2006" xmlns:mv="urn:schemas-microsoft-com:mac:vml" xmlns:p="http://schemas.openxmlformats.org/presentationml/2006/main" xmlns:c="http://schemas.openxmlformats.org/drawingml/2006/chart" xmlns:dgm="http://schemas.openxmlformats.org/drawingml/2006/diagram" xmlns:o="urn:schemas-microsoft-com:office:office" xmlns:v="urn:schemas-microsoft-com:vml" xmlns:pvml="urn:schemas-microsoft-com:office:powerpoint" xmlns:com="http://schemas.openxmlformats.org/drawingml/2006/compatibility" xmlns:p14="http://schemas.microsoft.com/office/powerpoint/2010/main">
-  <p:cmAuthor clrIdx="0" id="0" initials="" lastIdx="2" name="Ochaun Marshall"/>
+<p:cmAuthorLst xmlns:a="http://schemas.openxmlformats.org/drawingml/2006/main" xmlns:r="http://schemas.openxmlformats.org/officeDocument/2006/relationships" xmlns:p="http://schemas.openxmlformats.org/presentationml/2006/main">
+  <p:cmAuthor id="0" name="Ochaun Marshall" initials="" lastIdx="2" clrIdx="0"/>
 </p:cmAuthorLst>
 </file>
 
 <file path=ppt/comments/comment1.xml><?xml version="1.0" encoding="utf-8"?>
-<p:cmLst xmlns:a="http://schemas.openxmlformats.org/drawingml/2006/main" xmlns:r="http://schemas.openxmlformats.org/officeDocument/2006/relationships" xmlns:mc="http://schemas.openxmlformats.org/markup-compatibility/2006" xmlns:mv="urn:schemas-microsoft-com:mac:vml" xmlns:p="http://schemas.openxmlformats.org/presentationml/2006/main" xmlns:c="http://schemas.openxmlformats.org/drawingml/2006/chart" xmlns:dgm="http://schemas.openxmlformats.org/drawingml/2006/diagram" xmlns:o="urn:schemas-microsoft-com:office:office" xmlns:v="urn:schemas-microsoft-com:vml" xmlns:pvml="urn:schemas-microsoft-com:office:powerpoint" xmlns:com="http://schemas.openxmlformats.org/drawingml/2006/compatibility" xmlns:p14="http://schemas.microsoft.com/office/powerpoint/2010/main">
-  <p:cm authorId="0" idx="1" dt="2017-02-07T17:19:33.179">
+<p:cmLst xmlns:a="http://schemas.openxmlformats.org/drawingml/2006/main" xmlns:r="http://schemas.openxmlformats.org/officeDocument/2006/relationships" xmlns:p="http://schemas.openxmlformats.org/presentationml/2006/main">
+  <p:cm authorId="0" dt="2017-02-07T17:19:33.179" idx="1">
     <p:pos x="6000" y="0"/>
     <p:text>He mentioned Categories for Requirement Specification</p:text>
   </p:cm>
@@ -258,8 +259,8 @@
 </file>
 
 <file path=ppt/comments/comment2.xml><?xml version="1.0" encoding="utf-8"?>
-<p:cmLst xmlns:a="http://schemas.openxmlformats.org/drawingml/2006/main" xmlns:r="http://schemas.openxmlformats.org/officeDocument/2006/relationships" xmlns:mc="http://schemas.openxmlformats.org/markup-compatibility/2006" xmlns:mv="urn:schemas-microsoft-com:mac:vml" xmlns:p="http://schemas.openxmlformats.org/presentationml/2006/main" xmlns:c="http://schemas.openxmlformats.org/drawingml/2006/chart" xmlns:dgm="http://schemas.openxmlformats.org/drawingml/2006/diagram" xmlns:o="urn:schemas-microsoft-com:office:office" xmlns:v="urn:schemas-microsoft-com:vml" xmlns:pvml="urn:schemas-microsoft-com:office:powerpoint" xmlns:com="http://schemas.openxmlformats.org/drawingml/2006/compatibility" xmlns:p14="http://schemas.microsoft.com/office/powerpoint/2010/main">
-  <p:cm authorId="0" idx="2" dt="2017-02-08T02:31:28.995">
+<p:cmLst xmlns:a="http://schemas.openxmlformats.org/drawingml/2006/main" xmlns:r="http://schemas.openxmlformats.org/officeDocument/2006/relationships" xmlns:p="http://schemas.openxmlformats.org/presentationml/2006/main">
+  <p:cm authorId="0" dt="2017-02-08T02:31:28.995" idx="2">
     <p:pos x="6000" y="0"/>
     <p:text>Replace this with Ghant Chart</p:text>
   </p:cm>
@@ -267,11 +268,16 @@
 </file>
 
 <file path=ppt/notesMasters/notesMaster1.xml><?xml version="1.0" encoding="utf-8"?>
-<p:notesMaster xmlns:a="http://schemas.openxmlformats.org/drawingml/2006/main" xmlns:r="http://schemas.openxmlformats.org/officeDocument/2006/relationships" xmlns:mc="http://schemas.openxmlformats.org/markup-compatibility/2006" xmlns:mv="urn:schemas-microsoft-com:mac:vml" xmlns:p="http://schemas.openxmlformats.org/presentationml/2006/main" xmlns:c="http://schemas.openxmlformats.org/drawingml/2006/chart" xmlns:dgm="http://schemas.openxmlformats.org/drawingml/2006/diagram" xmlns:o="urn:schemas-microsoft-com:office:office" xmlns:v="urn:schemas-microsoft-com:vml" xmlns:pvml="urn:schemas-microsoft-com:office:powerpoint" xmlns:com="http://schemas.openxmlformats.org/drawingml/2006/compatibility" xmlns:p14="http://schemas.microsoft.com/office/powerpoint/2010/main">
+<p:notesMaster xmlns:a="http://schemas.openxmlformats.org/drawingml/2006/main" xmlns:r="http://schemas.openxmlformats.org/officeDocument/2006/relationships" xmlns:p="http://schemas.openxmlformats.org/presentationml/2006/main">
   <p:cSld>
+    <p:bg>
+      <p:bgRef idx="1001">
+        <a:schemeClr val="bg1"/>
+      </p:bgRef>
+    </p:bg>
     <p:spTree>
       <p:nvGrpSpPr>
-        <p:cNvPr id="2" name="Shape 2"/>
+        <p:cNvPr id="1" name="Shape 2"/>
         <p:cNvGrpSpPr/>
         <p:nvPr/>
       </p:nvGrpSpPr>
@@ -286,9 +292,11 @@
       <p:sp>
         <p:nvSpPr>
           <p:cNvPr id="3" name="Shape 3"/>
-          <p:cNvSpPr/>
-          <p:nvPr>
-            <p:ph idx="2" type="sldImg"/>
+          <p:cNvSpPr>
+            <a:spLocks noGrp="1" noRot="1" noChangeAspect="1"/>
+          </p:cNvSpPr>
+          <p:nvPr>
+            <p:ph type="sldImg" idx="2"/>
           </p:nvPr>
         </p:nvSpPr>
         <p:spPr>
@@ -297,8 +305,13 @@
             <a:ext cx="6096075" cy="3429000"/>
           </a:xfrm>
           <a:custGeom>
+            <a:avLst/>
+            <a:gdLst/>
+            <a:ahLst/>
+            <a:cxnLst/>
+            <a:rect l="0" t="0" r="0" b="0"/>
             <a:pathLst>
-              <a:path extrusionOk="0" h="120000" w="120000">
+              <a:path w="120000" h="120000" extrusionOk="0">
                 <a:moveTo>
                   <a:pt x="0" y="0"/>
                 </a:moveTo>
@@ -316,23 +329,25 @@
             </a:pathLst>
           </a:custGeom>
           <a:noFill/>
-          <a:ln cap="flat" cmpd="sng" w="9525">
+          <a:ln w="9525" cap="flat" cmpd="sng">
             <a:solidFill>
               <a:srgbClr val="000000"/>
             </a:solidFill>
             <a:prstDash val="solid"/>
             <a:round/>
-            <a:headEnd len="med" w="med" type="none"/>
-            <a:tailEnd len="med" w="med" type="none"/>
+            <a:headEnd type="none" w="med" len="med"/>
+            <a:tailEnd type="none" w="med" len="med"/>
           </a:ln>
         </p:spPr>
       </p:sp>
       <p:sp>
         <p:nvSpPr>
           <p:cNvPr id="4" name="Shape 4"/>
-          <p:cNvSpPr txBox="1"/>
-          <p:nvPr>
-            <p:ph idx="1" type="body"/>
+          <p:cNvSpPr txBox="1">
+            <a:spLocks noGrp="1"/>
+          </p:cNvSpPr>
+          <p:nvPr>
+            <p:ph type="body" idx="1"/>
           </p:nvPr>
         </p:nvSpPr>
         <p:spPr>
@@ -349,7 +364,7 @@
           </a:ln>
         </p:spPr>
         <p:txBody>
-          <a:bodyPr anchorCtr="0" anchor="t" bIns="91425" lIns="91425" rIns="91425" tIns="91425"/>
+          <a:bodyPr lIns="91425" tIns="91425" rIns="91425" bIns="91425" anchor="t" anchorCtr="0"/>
           <a:lstStyle>
             <a:lvl1pPr lvl="0">
               <a:spcBef>
@@ -406,21 +421,115 @@
               <a:defRPr sz="1100"/>
             </a:lvl9pPr>
           </a:lstStyle>
-          <a:p/>
+          <a:p>
+            <a:endParaRPr/>
+          </a:p>
         </p:txBody>
       </p:sp>
     </p:spTree>
   </p:cSld>
-  <p:clrMap accent1="accent1" accent2="accent2" accent3="accent3" accent4="accent4" accent5="accent5" accent6="accent6" bg1="lt1" bg2="dk2" tx1="dk1" tx2="lt2" folHlink="folHlink" hlink="hlink"/>
+  <p:clrMap bg1="lt1" tx1="dk1" bg2="dk2" tx2="lt2" accent1="accent1" accent2="accent2" accent3="accent3" accent4="accent4" accent5="accent5" accent6="accent6" hlink="hlink" folHlink="folHlink"/>
+  <p:notesStyle>
+    <a:lvl1pPr marL="0" algn="l" defTabSz="914400" rtl="0" eaLnBrk="1" latinLnBrk="0" hangingPunct="1">
+      <a:defRPr sz="1200" kern="1200">
+        <a:solidFill>
+          <a:schemeClr val="tx1"/>
+        </a:solidFill>
+        <a:latin typeface="+mn-lt"/>
+        <a:ea typeface="+mn-ea"/>
+        <a:cs typeface="+mn-cs"/>
+      </a:defRPr>
+    </a:lvl1pPr>
+    <a:lvl2pPr marL="457200" algn="l" defTabSz="914400" rtl="0" eaLnBrk="1" latinLnBrk="0" hangingPunct="1">
+      <a:defRPr sz="1200" kern="1200">
+        <a:solidFill>
+          <a:schemeClr val="tx1"/>
+        </a:solidFill>
+        <a:latin typeface="+mn-lt"/>
+        <a:ea typeface="+mn-ea"/>
+        <a:cs typeface="+mn-cs"/>
+      </a:defRPr>
+    </a:lvl2pPr>
+    <a:lvl3pPr marL="914400" algn="l" defTabSz="914400" rtl="0" eaLnBrk="1" latinLnBrk="0" hangingPunct="1">
+      <a:defRPr sz="1200" kern="1200">
+        <a:solidFill>
+          <a:schemeClr val="tx1"/>
+        </a:solidFill>
+        <a:latin typeface="+mn-lt"/>
+        <a:ea typeface="+mn-ea"/>
+        <a:cs typeface="+mn-cs"/>
+      </a:defRPr>
+    </a:lvl3pPr>
+    <a:lvl4pPr marL="1371600" algn="l" defTabSz="914400" rtl="0" eaLnBrk="1" latinLnBrk="0" hangingPunct="1">
+      <a:defRPr sz="1200" kern="1200">
+        <a:solidFill>
+          <a:schemeClr val="tx1"/>
+        </a:solidFill>
+        <a:latin typeface="+mn-lt"/>
+        <a:ea typeface="+mn-ea"/>
+        <a:cs typeface="+mn-cs"/>
+      </a:defRPr>
+    </a:lvl4pPr>
+    <a:lvl5pPr marL="1828800" algn="l" defTabSz="914400" rtl="0" eaLnBrk="1" latinLnBrk="0" hangingPunct="1">
+      <a:defRPr sz="1200" kern="1200">
+        <a:solidFill>
+          <a:schemeClr val="tx1"/>
+        </a:solidFill>
+        <a:latin typeface="+mn-lt"/>
+        <a:ea typeface="+mn-ea"/>
+        <a:cs typeface="+mn-cs"/>
+      </a:defRPr>
+    </a:lvl5pPr>
+    <a:lvl6pPr marL="2286000" algn="l" defTabSz="914400" rtl="0" eaLnBrk="1" latinLnBrk="0" hangingPunct="1">
+      <a:defRPr sz="1200" kern="1200">
+        <a:solidFill>
+          <a:schemeClr val="tx1"/>
+        </a:solidFill>
+        <a:latin typeface="+mn-lt"/>
+        <a:ea typeface="+mn-ea"/>
+        <a:cs typeface="+mn-cs"/>
+      </a:defRPr>
+    </a:lvl6pPr>
+    <a:lvl7pPr marL="2743200" algn="l" defTabSz="914400" rtl="0" eaLnBrk="1" latinLnBrk="0" hangingPunct="1">
+      <a:defRPr sz="1200" kern="1200">
+        <a:solidFill>
+          <a:schemeClr val="tx1"/>
+        </a:solidFill>
+        <a:latin typeface="+mn-lt"/>
+        <a:ea typeface="+mn-ea"/>
+        <a:cs typeface="+mn-cs"/>
+      </a:defRPr>
+    </a:lvl7pPr>
+    <a:lvl8pPr marL="3200400" algn="l" defTabSz="914400" rtl="0" eaLnBrk="1" latinLnBrk="0" hangingPunct="1">
+      <a:defRPr sz="1200" kern="1200">
+        <a:solidFill>
+          <a:schemeClr val="tx1"/>
+        </a:solidFill>
+        <a:latin typeface="+mn-lt"/>
+        <a:ea typeface="+mn-ea"/>
+        <a:cs typeface="+mn-cs"/>
+      </a:defRPr>
+    </a:lvl8pPr>
+    <a:lvl9pPr marL="3657600" algn="l" defTabSz="914400" rtl="0" eaLnBrk="1" latinLnBrk="0" hangingPunct="1">
+      <a:defRPr sz="1200" kern="1200">
+        <a:solidFill>
+          <a:schemeClr val="tx1"/>
+        </a:solidFill>
+        <a:latin typeface="+mn-lt"/>
+        <a:ea typeface="+mn-ea"/>
+        <a:cs typeface="+mn-cs"/>
+      </a:defRPr>
+    </a:lvl9pPr>
+  </p:notesStyle>
 </p:notesMaster>
 </file>
 
 <file path=ppt/notesSlides/notesSlide1.xml><?xml version="1.0" encoding="utf-8"?>
-<p:notes xmlns:a="http://schemas.openxmlformats.org/drawingml/2006/main" xmlns:r="http://schemas.openxmlformats.org/officeDocument/2006/relationships" xmlns:mc="http://schemas.openxmlformats.org/markup-compatibility/2006" xmlns:mv="urn:schemas-microsoft-com:mac:vml" xmlns:p="http://schemas.openxmlformats.org/presentationml/2006/main" xmlns:c="http://schemas.openxmlformats.org/drawingml/2006/chart" xmlns:dgm="http://schemas.openxmlformats.org/drawingml/2006/diagram" xmlns:o="urn:schemas-microsoft-com:office:office" xmlns:v="urn:schemas-microsoft-com:vml" xmlns:pvml="urn:schemas-microsoft-com:office:powerpoint" xmlns:com="http://schemas.openxmlformats.org/drawingml/2006/compatibility" xmlns:p14="http://schemas.microsoft.com/office/powerpoint/2010/main" showMasterPhAnim="0" showMasterSp="0">
+<p:notes xmlns:a="http://schemas.openxmlformats.org/drawingml/2006/main" xmlns:r="http://schemas.openxmlformats.org/officeDocument/2006/relationships" xmlns:p="http://schemas.openxmlformats.org/presentationml/2006/main" showMasterSp="0" showMasterPhAnim="0">
   <p:cSld>
     <p:spTree>
       <p:nvGrpSpPr>
-        <p:cNvPr id="50" name="Shape 50"/>
+        <p:cNvPr id="1" name="Shape 50"/>
         <p:cNvGrpSpPr/>
         <p:nvPr/>
       </p:nvGrpSpPr>
@@ -435,9 +544,11 @@
       <p:sp>
         <p:nvSpPr>
           <p:cNvPr id="51" name="Shape 51"/>
-          <p:cNvSpPr/>
-          <p:nvPr>
-            <p:ph idx="2" type="sldImg"/>
+          <p:cNvSpPr>
+            <a:spLocks noGrp="1" noRot="1" noChangeAspect="1"/>
+          </p:cNvSpPr>
+          <p:nvPr>
+            <p:ph type="sldImg" idx="2"/>
           </p:nvPr>
         </p:nvSpPr>
         <p:spPr>
@@ -446,8 +557,13 @@
             <a:ext cx="6096075" cy="3429000"/>
           </a:xfrm>
           <a:custGeom>
+            <a:avLst/>
+            <a:gdLst/>
+            <a:ahLst/>
+            <a:cxnLst/>
+            <a:rect l="0" t="0" r="0" b="0"/>
             <a:pathLst>
-              <a:path extrusionOk="0" h="120000" w="120000">
+              <a:path w="120000" h="120000" extrusionOk="0">
                 <a:moveTo>
                   <a:pt x="0" y="0"/>
                 </a:moveTo>
@@ -469,9 +585,11 @@
       <p:sp>
         <p:nvSpPr>
           <p:cNvPr id="52" name="Shape 52"/>
-          <p:cNvSpPr txBox="1"/>
-          <p:nvPr>
-            <p:ph idx="1" type="body"/>
+          <p:cNvSpPr txBox="1">
+            <a:spLocks noGrp="1"/>
+          </p:cNvSpPr>
+          <p:nvPr>
+            <p:ph type="body" idx="1"/>
           </p:nvPr>
         </p:nvSpPr>
         <p:spPr>
@@ -484,7 +602,7 @@
           </a:prstGeom>
         </p:spPr>
         <p:txBody>
-          <a:bodyPr anchorCtr="0" anchor="t" bIns="91425" lIns="91425" rIns="91425" tIns="91425">
+          <a:bodyPr lIns="91425" tIns="91425" rIns="91425" bIns="91425" anchor="t" anchorCtr="0">
             <a:noAutofit/>
           </a:bodyPr>
           <a:lstStyle/>
@@ -495,9 +613,6 @@
               </a:spcBef>
               <a:buNone/>
             </a:pPr>
-            <a:r>
-              <a:t/>
-            </a:r>
             <a:endParaRPr/>
           </a:p>
         </p:txBody>
@@ -511,11 +626,11 @@
 </file>
 
 <file path=ppt/notesSlides/notesSlide10.xml><?xml version="1.0" encoding="utf-8"?>
-<p:notes xmlns:a="http://schemas.openxmlformats.org/drawingml/2006/main" xmlns:r="http://schemas.openxmlformats.org/officeDocument/2006/relationships" xmlns:mc="http://schemas.openxmlformats.org/markup-compatibility/2006" xmlns:mv="urn:schemas-microsoft-com:mac:vml" xmlns:p="http://schemas.openxmlformats.org/presentationml/2006/main" xmlns:c="http://schemas.openxmlformats.org/drawingml/2006/chart" xmlns:dgm="http://schemas.openxmlformats.org/drawingml/2006/diagram" xmlns:o="urn:schemas-microsoft-com:office:office" xmlns:v="urn:schemas-microsoft-com:vml" xmlns:pvml="urn:schemas-microsoft-com:office:powerpoint" xmlns:com="http://schemas.openxmlformats.org/drawingml/2006/compatibility" xmlns:p14="http://schemas.microsoft.com/office/powerpoint/2010/main" showMasterPhAnim="0" showMasterSp="0">
+<p:notes xmlns:a="http://schemas.openxmlformats.org/drawingml/2006/main" xmlns:r="http://schemas.openxmlformats.org/officeDocument/2006/relationships" xmlns:p="http://schemas.openxmlformats.org/presentationml/2006/main" showMasterSp="0" showMasterPhAnim="0">
   <p:cSld>
     <p:spTree>
       <p:nvGrpSpPr>
-        <p:cNvPr id="107" name="Shape 107"/>
+        <p:cNvPr id="1" name="Shape 107"/>
         <p:cNvGrpSpPr/>
         <p:nvPr/>
       </p:nvGrpSpPr>
@@ -530,9 +645,11 @@
       <p:sp>
         <p:nvSpPr>
           <p:cNvPr id="108" name="Shape 108"/>
-          <p:cNvSpPr/>
-          <p:nvPr>
-            <p:ph idx="2" type="sldImg"/>
+          <p:cNvSpPr>
+            <a:spLocks noGrp="1" noRot="1" noChangeAspect="1"/>
+          </p:cNvSpPr>
+          <p:nvPr>
+            <p:ph type="sldImg" idx="2"/>
           </p:nvPr>
         </p:nvSpPr>
         <p:spPr>
@@ -541,8 +658,13 @@
             <a:ext cx="6096000" cy="3429000"/>
           </a:xfrm>
           <a:custGeom>
+            <a:avLst/>
+            <a:gdLst/>
+            <a:ahLst/>
+            <a:cxnLst/>
+            <a:rect l="0" t="0" r="0" b="0"/>
             <a:pathLst>
-              <a:path extrusionOk="0" h="120000" w="120000">
+              <a:path w="120000" h="120000" extrusionOk="0">
                 <a:moveTo>
                   <a:pt x="0" y="0"/>
                 </a:moveTo>
@@ -564,9 +686,11 @@
       <p:sp>
         <p:nvSpPr>
           <p:cNvPr id="109" name="Shape 109"/>
-          <p:cNvSpPr txBox="1"/>
-          <p:nvPr>
-            <p:ph idx="1" type="body"/>
+          <p:cNvSpPr txBox="1">
+            <a:spLocks noGrp="1"/>
+          </p:cNvSpPr>
+          <p:nvPr>
+            <p:ph type="body" idx="1"/>
           </p:nvPr>
         </p:nvSpPr>
         <p:spPr>
@@ -579,7 +703,7 @@
           </a:prstGeom>
         </p:spPr>
         <p:txBody>
-          <a:bodyPr anchorCtr="0" anchor="t" bIns="91425" lIns="91425" rIns="91425" tIns="91425">
+          <a:bodyPr lIns="91425" tIns="91425" rIns="91425" bIns="91425" anchor="t" anchorCtr="0">
             <a:noAutofit/>
           </a:bodyPr>
           <a:lstStyle/>
@@ -590,9 +714,6 @@
               </a:spcBef>
               <a:buNone/>
             </a:pPr>
-            <a:r>
-              <a:t/>
-            </a:r>
             <a:endParaRPr/>
           </a:p>
         </p:txBody>
@@ -606,11 +727,11 @@
 </file>
 
 <file path=ppt/notesSlides/notesSlide11.xml><?xml version="1.0" encoding="utf-8"?>
-<p:notes xmlns:a="http://schemas.openxmlformats.org/drawingml/2006/main" xmlns:r="http://schemas.openxmlformats.org/officeDocument/2006/relationships" xmlns:mc="http://schemas.openxmlformats.org/markup-compatibility/2006" xmlns:mv="urn:schemas-microsoft-com:mac:vml" xmlns:p="http://schemas.openxmlformats.org/presentationml/2006/main" xmlns:c="http://schemas.openxmlformats.org/drawingml/2006/chart" xmlns:dgm="http://schemas.openxmlformats.org/drawingml/2006/diagram" xmlns:o="urn:schemas-microsoft-com:office:office" xmlns:v="urn:schemas-microsoft-com:vml" xmlns:pvml="urn:schemas-microsoft-com:office:powerpoint" xmlns:com="http://schemas.openxmlformats.org/drawingml/2006/compatibility" xmlns:p14="http://schemas.microsoft.com/office/powerpoint/2010/main" showMasterPhAnim="0" showMasterSp="0">
+<p:notes xmlns:a="http://schemas.openxmlformats.org/drawingml/2006/main" xmlns:r="http://schemas.openxmlformats.org/officeDocument/2006/relationships" xmlns:p="http://schemas.openxmlformats.org/presentationml/2006/main" showMasterSp="0" showMasterPhAnim="0">
   <p:cSld>
     <p:spTree>
       <p:nvGrpSpPr>
-        <p:cNvPr id="113" name="Shape 113"/>
+        <p:cNvPr id="1" name="Shape 113"/>
         <p:cNvGrpSpPr/>
         <p:nvPr/>
       </p:nvGrpSpPr>
@@ -625,9 +746,11 @@
       <p:sp>
         <p:nvSpPr>
           <p:cNvPr id="114" name="Shape 114"/>
-          <p:cNvSpPr/>
-          <p:nvPr>
-            <p:ph idx="2" type="sldImg"/>
+          <p:cNvSpPr>
+            <a:spLocks noGrp="1" noRot="1" noChangeAspect="1"/>
+          </p:cNvSpPr>
+          <p:nvPr>
+            <p:ph type="sldImg" idx="2"/>
           </p:nvPr>
         </p:nvSpPr>
         <p:spPr>
@@ -636,8 +759,13 @@
             <a:ext cx="6096000" cy="3429000"/>
           </a:xfrm>
           <a:custGeom>
+            <a:avLst/>
+            <a:gdLst/>
+            <a:ahLst/>
+            <a:cxnLst/>
+            <a:rect l="0" t="0" r="0" b="0"/>
             <a:pathLst>
-              <a:path extrusionOk="0" h="120000" w="120000">
+              <a:path w="120000" h="120000" extrusionOk="0">
                 <a:moveTo>
                   <a:pt x="0" y="0"/>
                 </a:moveTo>
@@ -659,9 +787,11 @@
       <p:sp>
         <p:nvSpPr>
           <p:cNvPr id="115" name="Shape 115"/>
-          <p:cNvSpPr txBox="1"/>
-          <p:nvPr>
-            <p:ph idx="1" type="body"/>
+          <p:cNvSpPr txBox="1">
+            <a:spLocks noGrp="1"/>
+          </p:cNvSpPr>
+          <p:nvPr>
+            <p:ph type="body" idx="1"/>
           </p:nvPr>
         </p:nvSpPr>
         <p:spPr>
@@ -674,7 +804,7 @@
           </a:prstGeom>
         </p:spPr>
         <p:txBody>
-          <a:bodyPr anchorCtr="0" anchor="t" bIns="91425" lIns="91425" rIns="91425" tIns="91425">
+          <a:bodyPr lIns="91425" tIns="91425" rIns="91425" bIns="91425" anchor="t" anchorCtr="0">
             <a:noAutofit/>
           </a:bodyPr>
           <a:lstStyle/>
@@ -685,9 +815,6 @@
               </a:spcBef>
               <a:buNone/>
             </a:pPr>
-            <a:r>
-              <a:t/>
-            </a:r>
             <a:endParaRPr/>
           </a:p>
         </p:txBody>
@@ -701,11 +828,11 @@
 </file>
 
 <file path=ppt/notesSlides/notesSlide12.xml><?xml version="1.0" encoding="utf-8"?>
-<p:notes xmlns:a="http://schemas.openxmlformats.org/drawingml/2006/main" xmlns:r="http://schemas.openxmlformats.org/officeDocument/2006/relationships" xmlns:mc="http://schemas.openxmlformats.org/markup-compatibility/2006" xmlns:mv="urn:schemas-microsoft-com:mac:vml" xmlns:p="http://schemas.openxmlformats.org/presentationml/2006/main" xmlns:c="http://schemas.openxmlformats.org/drawingml/2006/chart" xmlns:dgm="http://schemas.openxmlformats.org/drawingml/2006/diagram" xmlns:o="urn:schemas-microsoft-com:office:office" xmlns:v="urn:schemas-microsoft-com:vml" xmlns:pvml="urn:schemas-microsoft-com:office:powerpoint" xmlns:com="http://schemas.openxmlformats.org/drawingml/2006/compatibility" xmlns:p14="http://schemas.microsoft.com/office/powerpoint/2010/main" showMasterPhAnim="0" showMasterSp="0">
+<p:notes xmlns:a="http://schemas.openxmlformats.org/drawingml/2006/main" xmlns:r="http://schemas.openxmlformats.org/officeDocument/2006/relationships" xmlns:p="http://schemas.openxmlformats.org/presentationml/2006/main" showMasterSp="0" showMasterPhAnim="0">
   <p:cSld>
     <p:spTree>
       <p:nvGrpSpPr>
-        <p:cNvPr id="119" name="Shape 119"/>
+        <p:cNvPr id="1" name="Shape 119"/>
         <p:cNvGrpSpPr/>
         <p:nvPr/>
       </p:nvGrpSpPr>
@@ -720,9 +847,11 @@
       <p:sp>
         <p:nvSpPr>
           <p:cNvPr id="120" name="Shape 120"/>
-          <p:cNvSpPr/>
-          <p:nvPr>
-            <p:ph idx="2" type="sldImg"/>
+          <p:cNvSpPr>
+            <a:spLocks noGrp="1" noRot="1" noChangeAspect="1"/>
+          </p:cNvSpPr>
+          <p:nvPr>
+            <p:ph type="sldImg" idx="2"/>
           </p:nvPr>
         </p:nvSpPr>
         <p:spPr>
@@ -731,8 +860,13 @@
             <a:ext cx="6096000" cy="3429000"/>
           </a:xfrm>
           <a:custGeom>
+            <a:avLst/>
+            <a:gdLst/>
+            <a:ahLst/>
+            <a:cxnLst/>
+            <a:rect l="0" t="0" r="0" b="0"/>
             <a:pathLst>
-              <a:path extrusionOk="0" h="120000" w="120000">
+              <a:path w="120000" h="120000" extrusionOk="0">
                 <a:moveTo>
                   <a:pt x="0" y="0"/>
                 </a:moveTo>
@@ -754,9 +888,11 @@
       <p:sp>
         <p:nvSpPr>
           <p:cNvPr id="121" name="Shape 121"/>
-          <p:cNvSpPr txBox="1"/>
-          <p:nvPr>
-            <p:ph idx="1" type="body"/>
+          <p:cNvSpPr txBox="1">
+            <a:spLocks noGrp="1"/>
+          </p:cNvSpPr>
+          <p:nvPr>
+            <p:ph type="body" idx="1"/>
           </p:nvPr>
         </p:nvSpPr>
         <p:spPr>
@@ -769,7 +905,7 @@
           </a:prstGeom>
         </p:spPr>
         <p:txBody>
-          <a:bodyPr anchorCtr="0" anchor="t" bIns="91425" lIns="91425" rIns="91425" tIns="91425">
+          <a:bodyPr lIns="91425" tIns="91425" rIns="91425" bIns="91425" anchor="t" anchorCtr="0">
             <a:noAutofit/>
           </a:bodyPr>
           <a:lstStyle/>
@@ -780,9 +916,6 @@
               </a:spcBef>
               <a:buNone/>
             </a:pPr>
-            <a:r>
-              <a:t/>
-            </a:r>
             <a:endParaRPr/>
           </a:p>
         </p:txBody>
@@ -796,11 +929,11 @@
 </file>
 
 <file path=ppt/notesSlides/notesSlide13.xml><?xml version="1.0" encoding="utf-8"?>
-<p:notes xmlns:a="http://schemas.openxmlformats.org/drawingml/2006/main" xmlns:r="http://schemas.openxmlformats.org/officeDocument/2006/relationships" xmlns:mc="http://schemas.openxmlformats.org/markup-compatibility/2006" xmlns:mv="urn:schemas-microsoft-com:mac:vml" xmlns:p="http://schemas.openxmlformats.org/presentationml/2006/main" xmlns:c="http://schemas.openxmlformats.org/drawingml/2006/chart" xmlns:dgm="http://schemas.openxmlformats.org/drawingml/2006/diagram" xmlns:o="urn:schemas-microsoft-com:office:office" xmlns:v="urn:schemas-microsoft-com:vml" xmlns:pvml="urn:schemas-microsoft-com:office:powerpoint" xmlns:com="http://schemas.openxmlformats.org/drawingml/2006/compatibility" xmlns:p14="http://schemas.microsoft.com/office/powerpoint/2010/main" showMasterPhAnim="0" showMasterSp="0">
+<p:notes xmlns:a="http://schemas.openxmlformats.org/drawingml/2006/main" xmlns:r="http://schemas.openxmlformats.org/officeDocument/2006/relationships" xmlns:p="http://schemas.openxmlformats.org/presentationml/2006/main" showMasterSp="0" showMasterPhAnim="0">
   <p:cSld>
     <p:spTree>
       <p:nvGrpSpPr>
-        <p:cNvPr id="125" name="Shape 125"/>
+        <p:cNvPr id="1" name="Shape 125"/>
         <p:cNvGrpSpPr/>
         <p:nvPr/>
       </p:nvGrpSpPr>
@@ -815,9 +948,11 @@
       <p:sp>
         <p:nvSpPr>
           <p:cNvPr id="126" name="Shape 126"/>
-          <p:cNvSpPr/>
-          <p:nvPr>
-            <p:ph idx="2" type="sldImg"/>
+          <p:cNvSpPr>
+            <a:spLocks noGrp="1" noRot="1" noChangeAspect="1"/>
+          </p:cNvSpPr>
+          <p:nvPr>
+            <p:ph type="sldImg" idx="2"/>
           </p:nvPr>
         </p:nvSpPr>
         <p:spPr>
@@ -826,8 +961,13 @@
             <a:ext cx="6096000" cy="3429000"/>
           </a:xfrm>
           <a:custGeom>
+            <a:avLst/>
+            <a:gdLst/>
+            <a:ahLst/>
+            <a:cxnLst/>
+            <a:rect l="0" t="0" r="0" b="0"/>
             <a:pathLst>
-              <a:path extrusionOk="0" h="120000" w="120000">
+              <a:path w="120000" h="120000" extrusionOk="0">
                 <a:moveTo>
                   <a:pt x="0" y="0"/>
                 </a:moveTo>
@@ -849,9 +989,11 @@
       <p:sp>
         <p:nvSpPr>
           <p:cNvPr id="127" name="Shape 127"/>
-          <p:cNvSpPr txBox="1"/>
-          <p:nvPr>
-            <p:ph idx="1" type="body"/>
+          <p:cNvSpPr txBox="1">
+            <a:spLocks noGrp="1"/>
+          </p:cNvSpPr>
+          <p:nvPr>
+            <p:ph type="body" idx="1"/>
           </p:nvPr>
         </p:nvSpPr>
         <p:spPr>
@@ -864,7 +1006,7 @@
           </a:prstGeom>
         </p:spPr>
         <p:txBody>
-          <a:bodyPr anchorCtr="0" anchor="t" bIns="91425" lIns="91425" rIns="91425" tIns="91425">
+          <a:bodyPr lIns="91425" tIns="91425" rIns="91425" bIns="91425" anchor="t" anchorCtr="0">
             <a:noAutofit/>
           </a:bodyPr>
           <a:lstStyle/>
@@ -875,9 +1017,6 @@
               </a:spcBef>
               <a:buNone/>
             </a:pPr>
-            <a:r>
-              <a:t/>
-            </a:r>
             <a:endParaRPr/>
           </a:p>
         </p:txBody>
@@ -891,11 +1030,11 @@
 </file>
 
 <file path=ppt/notesSlides/notesSlide14.xml><?xml version="1.0" encoding="utf-8"?>
-<p:notes xmlns:a="http://schemas.openxmlformats.org/drawingml/2006/main" xmlns:r="http://schemas.openxmlformats.org/officeDocument/2006/relationships" xmlns:mc="http://schemas.openxmlformats.org/markup-compatibility/2006" xmlns:mv="urn:schemas-microsoft-com:mac:vml" xmlns:p="http://schemas.openxmlformats.org/presentationml/2006/main" xmlns:c="http://schemas.openxmlformats.org/drawingml/2006/chart" xmlns:dgm="http://schemas.openxmlformats.org/drawingml/2006/diagram" xmlns:o="urn:schemas-microsoft-com:office:office" xmlns:v="urn:schemas-microsoft-com:vml" xmlns:pvml="urn:schemas-microsoft-com:office:powerpoint" xmlns:com="http://schemas.openxmlformats.org/drawingml/2006/compatibility" xmlns:p14="http://schemas.microsoft.com/office/powerpoint/2010/main" showMasterPhAnim="0" showMasterSp="0">
+<p:notes xmlns:a="http://schemas.openxmlformats.org/drawingml/2006/main" xmlns:r="http://schemas.openxmlformats.org/officeDocument/2006/relationships" xmlns:p="http://schemas.openxmlformats.org/presentationml/2006/main" showMasterSp="0" showMasterPhAnim="0">
   <p:cSld>
     <p:spTree>
       <p:nvGrpSpPr>
-        <p:cNvPr id="131" name="Shape 131"/>
+        <p:cNvPr id="1" name="Shape 131"/>
         <p:cNvGrpSpPr/>
         <p:nvPr/>
       </p:nvGrpSpPr>
@@ -910,9 +1049,11 @@
       <p:sp>
         <p:nvSpPr>
           <p:cNvPr id="132" name="Shape 132"/>
-          <p:cNvSpPr/>
-          <p:nvPr>
-            <p:ph idx="2" type="sldImg"/>
+          <p:cNvSpPr>
+            <a:spLocks noGrp="1" noRot="1" noChangeAspect="1"/>
+          </p:cNvSpPr>
+          <p:nvPr>
+            <p:ph type="sldImg" idx="2"/>
           </p:nvPr>
         </p:nvSpPr>
         <p:spPr>
@@ -921,8 +1062,13 @@
             <a:ext cx="6096000" cy="3429000"/>
           </a:xfrm>
           <a:custGeom>
+            <a:avLst/>
+            <a:gdLst/>
+            <a:ahLst/>
+            <a:cxnLst/>
+            <a:rect l="0" t="0" r="0" b="0"/>
             <a:pathLst>
-              <a:path extrusionOk="0" h="120000" w="120000">
+              <a:path w="120000" h="120000" extrusionOk="0">
                 <a:moveTo>
                   <a:pt x="0" y="0"/>
                 </a:moveTo>
@@ -944,9 +1090,11 @@
       <p:sp>
         <p:nvSpPr>
           <p:cNvPr id="133" name="Shape 133"/>
-          <p:cNvSpPr txBox="1"/>
-          <p:nvPr>
-            <p:ph idx="1" type="body"/>
+          <p:cNvSpPr txBox="1">
+            <a:spLocks noGrp="1"/>
+          </p:cNvSpPr>
+          <p:nvPr>
+            <p:ph type="body" idx="1"/>
           </p:nvPr>
         </p:nvSpPr>
         <p:spPr>
@@ -959,7 +1107,7 @@
           </a:prstGeom>
         </p:spPr>
         <p:txBody>
-          <a:bodyPr anchorCtr="0" anchor="t" bIns="91425" lIns="91425" rIns="91425" tIns="91425">
+          <a:bodyPr lIns="91425" tIns="91425" rIns="91425" bIns="91425" anchor="t" anchorCtr="0">
             <a:noAutofit/>
           </a:bodyPr>
           <a:lstStyle/>
@@ -970,9 +1118,6 @@
               </a:spcBef>
               <a:buNone/>
             </a:pPr>
-            <a:r>
-              <a:t/>
-            </a:r>
             <a:endParaRPr/>
           </a:p>
         </p:txBody>
@@ -986,11 +1131,11 @@
 </file>
 
 <file path=ppt/notesSlides/notesSlide15.xml><?xml version="1.0" encoding="utf-8"?>
-<p:notes xmlns:a="http://schemas.openxmlformats.org/drawingml/2006/main" xmlns:r="http://schemas.openxmlformats.org/officeDocument/2006/relationships" xmlns:mc="http://schemas.openxmlformats.org/markup-compatibility/2006" xmlns:mv="urn:schemas-microsoft-com:mac:vml" xmlns:p="http://schemas.openxmlformats.org/presentationml/2006/main" xmlns:c="http://schemas.openxmlformats.org/drawingml/2006/chart" xmlns:dgm="http://schemas.openxmlformats.org/drawingml/2006/diagram" xmlns:o="urn:schemas-microsoft-com:office:office" xmlns:v="urn:schemas-microsoft-com:vml" xmlns:pvml="urn:schemas-microsoft-com:office:powerpoint" xmlns:com="http://schemas.openxmlformats.org/drawingml/2006/compatibility" xmlns:p14="http://schemas.microsoft.com/office/powerpoint/2010/main" showMasterPhAnim="0" showMasterSp="0">
+<p:notes xmlns:a="http://schemas.openxmlformats.org/drawingml/2006/main" xmlns:r="http://schemas.openxmlformats.org/officeDocument/2006/relationships" xmlns:p="http://schemas.openxmlformats.org/presentationml/2006/main" showMasterSp="0" showMasterPhAnim="0">
   <p:cSld>
     <p:spTree>
       <p:nvGrpSpPr>
-        <p:cNvPr id="137" name="Shape 137"/>
+        <p:cNvPr id="1" name="Shape 137"/>
         <p:cNvGrpSpPr/>
         <p:nvPr/>
       </p:nvGrpSpPr>
@@ -1005,9 +1150,11 @@
       <p:sp>
         <p:nvSpPr>
           <p:cNvPr id="138" name="Shape 138"/>
-          <p:cNvSpPr/>
-          <p:nvPr>
-            <p:ph idx="2" type="sldImg"/>
+          <p:cNvSpPr>
+            <a:spLocks noGrp="1" noRot="1" noChangeAspect="1"/>
+          </p:cNvSpPr>
+          <p:nvPr>
+            <p:ph type="sldImg" idx="2"/>
           </p:nvPr>
         </p:nvSpPr>
         <p:spPr>
@@ -1016,8 +1163,13 @@
             <a:ext cx="6096000" cy="3429000"/>
           </a:xfrm>
           <a:custGeom>
+            <a:avLst/>
+            <a:gdLst/>
+            <a:ahLst/>
+            <a:cxnLst/>
+            <a:rect l="0" t="0" r="0" b="0"/>
             <a:pathLst>
-              <a:path extrusionOk="0" h="120000" w="120000">
+              <a:path w="120000" h="120000" extrusionOk="0">
                 <a:moveTo>
                   <a:pt x="0" y="0"/>
                 </a:moveTo>
@@ -1039,9 +1191,11 @@
       <p:sp>
         <p:nvSpPr>
           <p:cNvPr id="139" name="Shape 139"/>
-          <p:cNvSpPr txBox="1"/>
-          <p:nvPr>
-            <p:ph idx="1" type="body"/>
+          <p:cNvSpPr txBox="1">
+            <a:spLocks noGrp="1"/>
+          </p:cNvSpPr>
+          <p:nvPr>
+            <p:ph type="body" idx="1"/>
           </p:nvPr>
         </p:nvSpPr>
         <p:spPr>
@@ -1054,7 +1208,7 @@
           </a:prstGeom>
         </p:spPr>
         <p:txBody>
-          <a:bodyPr anchorCtr="0" anchor="t" bIns="91425" lIns="91425" rIns="91425" tIns="91425">
+          <a:bodyPr lIns="91425" tIns="91425" rIns="91425" bIns="91425" anchor="t" anchorCtr="0">
             <a:noAutofit/>
           </a:bodyPr>
           <a:lstStyle/>
@@ -1065,9 +1219,6 @@
               </a:spcBef>
               <a:buNone/>
             </a:pPr>
-            <a:r>
-              <a:t/>
-            </a:r>
             <a:endParaRPr/>
           </a:p>
         </p:txBody>
@@ -1081,11 +1232,11 @@
 </file>
 
 <file path=ppt/notesSlides/notesSlide16.xml><?xml version="1.0" encoding="utf-8"?>
-<p:notes xmlns:a="http://schemas.openxmlformats.org/drawingml/2006/main" xmlns:r="http://schemas.openxmlformats.org/officeDocument/2006/relationships" xmlns:mc="http://schemas.openxmlformats.org/markup-compatibility/2006" xmlns:mv="urn:schemas-microsoft-com:mac:vml" xmlns:p="http://schemas.openxmlformats.org/presentationml/2006/main" xmlns:c="http://schemas.openxmlformats.org/drawingml/2006/chart" xmlns:dgm="http://schemas.openxmlformats.org/drawingml/2006/diagram" xmlns:o="urn:schemas-microsoft-com:office:office" xmlns:v="urn:schemas-microsoft-com:vml" xmlns:pvml="urn:schemas-microsoft-com:office:powerpoint" xmlns:com="http://schemas.openxmlformats.org/drawingml/2006/compatibility" xmlns:p14="http://schemas.microsoft.com/office/powerpoint/2010/main" showMasterPhAnim="0" showMasterSp="0">
+<p:notes xmlns:a="http://schemas.openxmlformats.org/drawingml/2006/main" xmlns:r="http://schemas.openxmlformats.org/officeDocument/2006/relationships" xmlns:p="http://schemas.openxmlformats.org/presentationml/2006/main" showMasterSp="0" showMasterPhAnim="0">
   <p:cSld>
     <p:spTree>
       <p:nvGrpSpPr>
-        <p:cNvPr id="143" name="Shape 143"/>
+        <p:cNvPr id="1" name="Shape 143"/>
         <p:cNvGrpSpPr/>
         <p:nvPr/>
       </p:nvGrpSpPr>
@@ -1100,9 +1251,11 @@
       <p:sp>
         <p:nvSpPr>
           <p:cNvPr id="144" name="Shape 144"/>
-          <p:cNvSpPr/>
-          <p:nvPr>
-            <p:ph idx="2" type="sldImg"/>
+          <p:cNvSpPr>
+            <a:spLocks noGrp="1" noRot="1" noChangeAspect="1"/>
+          </p:cNvSpPr>
+          <p:nvPr>
+            <p:ph type="sldImg" idx="2"/>
           </p:nvPr>
         </p:nvSpPr>
         <p:spPr>
@@ -1111,8 +1264,13 @@
             <a:ext cx="6096000" cy="3429000"/>
           </a:xfrm>
           <a:custGeom>
+            <a:avLst/>
+            <a:gdLst/>
+            <a:ahLst/>
+            <a:cxnLst/>
+            <a:rect l="0" t="0" r="0" b="0"/>
             <a:pathLst>
-              <a:path extrusionOk="0" h="120000" w="120000">
+              <a:path w="120000" h="120000" extrusionOk="0">
                 <a:moveTo>
                   <a:pt x="0" y="0"/>
                 </a:moveTo>
@@ -1134,9 +1292,11 @@
       <p:sp>
         <p:nvSpPr>
           <p:cNvPr id="145" name="Shape 145"/>
-          <p:cNvSpPr txBox="1"/>
-          <p:nvPr>
-            <p:ph idx="1" type="body"/>
+          <p:cNvSpPr txBox="1">
+            <a:spLocks noGrp="1"/>
+          </p:cNvSpPr>
+          <p:nvPr>
+            <p:ph type="body" idx="1"/>
           </p:nvPr>
         </p:nvSpPr>
         <p:spPr>
@@ -1149,7 +1309,7 @@
           </a:prstGeom>
         </p:spPr>
         <p:txBody>
-          <a:bodyPr anchorCtr="0" anchor="t" bIns="91425" lIns="91425" rIns="91425" tIns="91425">
+          <a:bodyPr lIns="91425" tIns="91425" rIns="91425" bIns="91425" anchor="t" anchorCtr="0">
             <a:noAutofit/>
           </a:bodyPr>
           <a:lstStyle/>
@@ -1160,9 +1320,6 @@
               </a:spcBef>
               <a:buNone/>
             </a:pPr>
-            <a:r>
-              <a:t/>
-            </a:r>
             <a:endParaRPr/>
           </a:p>
         </p:txBody>
@@ -1176,11 +1333,11 @@
 </file>
 
 <file path=ppt/notesSlides/notesSlide17.xml><?xml version="1.0" encoding="utf-8"?>
-<p:notes xmlns:a="http://schemas.openxmlformats.org/drawingml/2006/main" xmlns:r="http://schemas.openxmlformats.org/officeDocument/2006/relationships" xmlns:mc="http://schemas.openxmlformats.org/markup-compatibility/2006" xmlns:mv="urn:schemas-microsoft-com:mac:vml" xmlns:p="http://schemas.openxmlformats.org/presentationml/2006/main" xmlns:c="http://schemas.openxmlformats.org/drawingml/2006/chart" xmlns:dgm="http://schemas.openxmlformats.org/drawingml/2006/diagram" xmlns:o="urn:schemas-microsoft-com:office:office" xmlns:v="urn:schemas-microsoft-com:vml" xmlns:pvml="urn:schemas-microsoft-com:office:powerpoint" xmlns:com="http://schemas.openxmlformats.org/drawingml/2006/compatibility" xmlns:p14="http://schemas.microsoft.com/office/powerpoint/2010/main" showMasterPhAnim="0" showMasterSp="0">
+<p:notes xmlns:a="http://schemas.openxmlformats.org/drawingml/2006/main" xmlns:r="http://schemas.openxmlformats.org/officeDocument/2006/relationships" xmlns:p="http://schemas.openxmlformats.org/presentationml/2006/main" showMasterSp="0" showMasterPhAnim="0">
   <p:cSld>
     <p:spTree>
       <p:nvGrpSpPr>
-        <p:cNvPr id="149" name="Shape 149"/>
+        <p:cNvPr id="1" name="Shape 149"/>
         <p:cNvGrpSpPr/>
         <p:nvPr/>
       </p:nvGrpSpPr>
@@ -1195,9 +1352,11 @@
       <p:sp>
         <p:nvSpPr>
           <p:cNvPr id="150" name="Shape 150"/>
-          <p:cNvSpPr/>
-          <p:nvPr>
-            <p:ph idx="2" type="sldImg"/>
+          <p:cNvSpPr>
+            <a:spLocks noGrp="1" noRot="1" noChangeAspect="1"/>
+          </p:cNvSpPr>
+          <p:nvPr>
+            <p:ph type="sldImg" idx="2"/>
           </p:nvPr>
         </p:nvSpPr>
         <p:spPr>
@@ -1206,8 +1365,13 @@
             <a:ext cx="6096000" cy="3429000"/>
           </a:xfrm>
           <a:custGeom>
+            <a:avLst/>
+            <a:gdLst/>
+            <a:ahLst/>
+            <a:cxnLst/>
+            <a:rect l="0" t="0" r="0" b="0"/>
             <a:pathLst>
-              <a:path extrusionOk="0" h="120000" w="120000">
+              <a:path w="120000" h="120000" extrusionOk="0">
                 <a:moveTo>
                   <a:pt x="0" y="0"/>
                 </a:moveTo>
@@ -1229,9 +1393,11 @@
       <p:sp>
         <p:nvSpPr>
           <p:cNvPr id="151" name="Shape 151"/>
-          <p:cNvSpPr txBox="1"/>
-          <p:nvPr>
-            <p:ph idx="1" type="body"/>
+          <p:cNvSpPr txBox="1">
+            <a:spLocks noGrp="1"/>
+          </p:cNvSpPr>
+          <p:nvPr>
+            <p:ph type="body" idx="1"/>
           </p:nvPr>
         </p:nvSpPr>
         <p:spPr>
@@ -1244,7 +1410,7 @@
           </a:prstGeom>
         </p:spPr>
         <p:txBody>
-          <a:bodyPr anchorCtr="0" anchor="t" bIns="91425" lIns="91425" rIns="91425" tIns="91425">
+          <a:bodyPr lIns="91425" tIns="91425" rIns="91425" bIns="91425" anchor="t" anchorCtr="0">
             <a:noAutofit/>
           </a:bodyPr>
           <a:lstStyle/>
@@ -1255,9 +1421,6 @@
               </a:spcBef>
               <a:buNone/>
             </a:pPr>
-            <a:r>
-              <a:t/>
-            </a:r>
             <a:endParaRPr/>
           </a:p>
         </p:txBody>
@@ -1271,11 +1434,11 @@
 </file>
 
 <file path=ppt/notesSlides/notesSlide18.xml><?xml version="1.0" encoding="utf-8"?>
-<p:notes xmlns:a="http://schemas.openxmlformats.org/drawingml/2006/main" xmlns:r="http://schemas.openxmlformats.org/officeDocument/2006/relationships" xmlns:mc="http://schemas.openxmlformats.org/markup-compatibility/2006" xmlns:mv="urn:schemas-microsoft-com:mac:vml" xmlns:p="http://schemas.openxmlformats.org/presentationml/2006/main" xmlns:c="http://schemas.openxmlformats.org/drawingml/2006/chart" xmlns:dgm="http://schemas.openxmlformats.org/drawingml/2006/diagram" xmlns:o="urn:schemas-microsoft-com:office:office" xmlns:v="urn:schemas-microsoft-com:vml" xmlns:pvml="urn:schemas-microsoft-com:office:powerpoint" xmlns:com="http://schemas.openxmlformats.org/drawingml/2006/compatibility" xmlns:p14="http://schemas.microsoft.com/office/powerpoint/2010/main" showMasterPhAnim="0" showMasterSp="0">
+<p:notes xmlns:a="http://schemas.openxmlformats.org/drawingml/2006/main" xmlns:r="http://schemas.openxmlformats.org/officeDocument/2006/relationships" xmlns:p="http://schemas.openxmlformats.org/presentationml/2006/main" showMasterSp="0" showMasterPhAnim="0">
   <p:cSld>
     <p:spTree>
       <p:nvGrpSpPr>
-        <p:cNvPr id="155" name="Shape 155"/>
+        <p:cNvPr id="1" name="Shape 155"/>
         <p:cNvGrpSpPr/>
         <p:nvPr/>
       </p:nvGrpSpPr>
@@ -1290,9 +1453,11 @@
       <p:sp>
         <p:nvSpPr>
           <p:cNvPr id="156" name="Shape 156"/>
-          <p:cNvSpPr/>
-          <p:nvPr>
-            <p:ph idx="2" type="sldImg"/>
+          <p:cNvSpPr>
+            <a:spLocks noGrp="1" noRot="1" noChangeAspect="1"/>
+          </p:cNvSpPr>
+          <p:nvPr>
+            <p:ph type="sldImg" idx="2"/>
           </p:nvPr>
         </p:nvSpPr>
         <p:spPr>
@@ -1301,8 +1466,13 @@
             <a:ext cx="6096000" cy="3429000"/>
           </a:xfrm>
           <a:custGeom>
+            <a:avLst/>
+            <a:gdLst/>
+            <a:ahLst/>
+            <a:cxnLst/>
+            <a:rect l="0" t="0" r="0" b="0"/>
             <a:pathLst>
-              <a:path extrusionOk="0" h="120000" w="120000">
+              <a:path w="120000" h="120000" extrusionOk="0">
                 <a:moveTo>
                   <a:pt x="0" y="0"/>
                 </a:moveTo>
@@ -1324,9 +1494,11 @@
       <p:sp>
         <p:nvSpPr>
           <p:cNvPr id="157" name="Shape 157"/>
-          <p:cNvSpPr txBox="1"/>
-          <p:nvPr>
-            <p:ph idx="1" type="body"/>
+          <p:cNvSpPr txBox="1">
+            <a:spLocks noGrp="1"/>
+          </p:cNvSpPr>
+          <p:nvPr>
+            <p:ph type="body" idx="1"/>
           </p:nvPr>
         </p:nvSpPr>
         <p:spPr>
@@ -1339,7 +1511,7 @@
           </a:prstGeom>
         </p:spPr>
         <p:txBody>
-          <a:bodyPr anchorCtr="0" anchor="t" bIns="91425" lIns="91425" rIns="91425" tIns="91425">
+          <a:bodyPr lIns="91425" tIns="91425" rIns="91425" bIns="91425" anchor="t" anchorCtr="0">
             <a:noAutofit/>
           </a:bodyPr>
           <a:lstStyle/>
@@ -1350,9 +1522,6 @@
               </a:spcBef>
               <a:buNone/>
             </a:pPr>
-            <a:r>
-              <a:t/>
-            </a:r>
             <a:endParaRPr/>
           </a:p>
         </p:txBody>
@@ -1366,11 +1535,11 @@
 </file>
 
 <file path=ppt/notesSlides/notesSlide19.xml><?xml version="1.0" encoding="utf-8"?>
-<p:notes xmlns:a="http://schemas.openxmlformats.org/drawingml/2006/main" xmlns:r="http://schemas.openxmlformats.org/officeDocument/2006/relationships" xmlns:mc="http://schemas.openxmlformats.org/markup-compatibility/2006" xmlns:mv="urn:schemas-microsoft-com:mac:vml" xmlns:p="http://schemas.openxmlformats.org/presentationml/2006/main" xmlns:c="http://schemas.openxmlformats.org/drawingml/2006/chart" xmlns:dgm="http://schemas.openxmlformats.org/drawingml/2006/diagram" xmlns:o="urn:schemas-microsoft-com:office:office" xmlns:v="urn:schemas-microsoft-com:vml" xmlns:pvml="urn:schemas-microsoft-com:office:powerpoint" xmlns:com="http://schemas.openxmlformats.org/drawingml/2006/compatibility" xmlns:p14="http://schemas.microsoft.com/office/powerpoint/2010/main" showMasterPhAnim="0" showMasterSp="0">
+<p:notes xmlns:a="http://schemas.openxmlformats.org/drawingml/2006/main" xmlns:r="http://schemas.openxmlformats.org/officeDocument/2006/relationships" xmlns:p="http://schemas.openxmlformats.org/presentationml/2006/main" showMasterSp="0" showMasterPhAnim="0">
   <p:cSld>
     <p:spTree>
       <p:nvGrpSpPr>
-        <p:cNvPr id="161" name="Shape 161"/>
+        <p:cNvPr id="1" name="Shape 161"/>
         <p:cNvGrpSpPr/>
         <p:nvPr/>
       </p:nvGrpSpPr>
@@ -1385,9 +1554,11 @@
       <p:sp>
         <p:nvSpPr>
           <p:cNvPr id="162" name="Shape 162"/>
-          <p:cNvSpPr/>
-          <p:nvPr>
-            <p:ph idx="2" type="sldImg"/>
+          <p:cNvSpPr>
+            <a:spLocks noGrp="1" noRot="1" noChangeAspect="1"/>
+          </p:cNvSpPr>
+          <p:nvPr>
+            <p:ph type="sldImg" idx="2"/>
           </p:nvPr>
         </p:nvSpPr>
         <p:spPr>
@@ -1396,8 +1567,13 @@
             <a:ext cx="6096000" cy="3429000"/>
           </a:xfrm>
           <a:custGeom>
+            <a:avLst/>
+            <a:gdLst/>
+            <a:ahLst/>
+            <a:cxnLst/>
+            <a:rect l="0" t="0" r="0" b="0"/>
             <a:pathLst>
-              <a:path extrusionOk="0" h="120000" w="120000">
+              <a:path w="120000" h="120000" extrusionOk="0">
                 <a:moveTo>
                   <a:pt x="0" y="0"/>
                 </a:moveTo>
@@ -1419,9 +1595,11 @@
       <p:sp>
         <p:nvSpPr>
           <p:cNvPr id="163" name="Shape 163"/>
-          <p:cNvSpPr txBox="1"/>
-          <p:nvPr>
-            <p:ph idx="1" type="body"/>
+          <p:cNvSpPr txBox="1">
+            <a:spLocks noGrp="1"/>
+          </p:cNvSpPr>
+          <p:nvPr>
+            <p:ph type="body" idx="1"/>
           </p:nvPr>
         </p:nvSpPr>
         <p:spPr>
@@ -1434,7 +1612,7 @@
           </a:prstGeom>
         </p:spPr>
         <p:txBody>
-          <a:bodyPr anchorCtr="0" anchor="t" bIns="91425" lIns="91425" rIns="91425" tIns="91425">
+          <a:bodyPr lIns="91425" tIns="91425" rIns="91425" bIns="91425" anchor="t" anchorCtr="0">
             <a:noAutofit/>
           </a:bodyPr>
           <a:lstStyle/>
@@ -1445,9 +1623,6 @@
               </a:spcBef>
               <a:buNone/>
             </a:pPr>
-            <a:r>
-              <a:t/>
-            </a:r>
             <a:endParaRPr/>
           </a:p>
         </p:txBody>
@@ -1461,11 +1636,11 @@
 </file>
 
 <file path=ppt/notesSlides/notesSlide2.xml><?xml version="1.0" encoding="utf-8"?>
-<p:notes xmlns:a="http://schemas.openxmlformats.org/drawingml/2006/main" xmlns:r="http://schemas.openxmlformats.org/officeDocument/2006/relationships" xmlns:mc="http://schemas.openxmlformats.org/markup-compatibility/2006" xmlns:mv="urn:schemas-microsoft-com:mac:vml" xmlns:p="http://schemas.openxmlformats.org/presentationml/2006/main" xmlns:c="http://schemas.openxmlformats.org/drawingml/2006/chart" xmlns:dgm="http://schemas.openxmlformats.org/drawingml/2006/diagram" xmlns:o="urn:schemas-microsoft-com:office:office" xmlns:v="urn:schemas-microsoft-com:vml" xmlns:pvml="urn:schemas-microsoft-com:office:powerpoint" xmlns:com="http://schemas.openxmlformats.org/drawingml/2006/compatibility" xmlns:p14="http://schemas.microsoft.com/office/powerpoint/2010/main" showMasterPhAnim="0" showMasterSp="0">
+<p:notes xmlns:a="http://schemas.openxmlformats.org/drawingml/2006/main" xmlns:r="http://schemas.openxmlformats.org/officeDocument/2006/relationships" xmlns:p="http://schemas.openxmlformats.org/presentationml/2006/main" showMasterSp="0" showMasterPhAnim="0">
   <p:cSld>
     <p:spTree>
       <p:nvGrpSpPr>
-        <p:cNvPr id="59" name="Shape 59"/>
+        <p:cNvPr id="1" name="Shape 59"/>
         <p:cNvGrpSpPr/>
         <p:nvPr/>
       </p:nvGrpSpPr>
@@ -1480,9 +1655,11 @@
       <p:sp>
         <p:nvSpPr>
           <p:cNvPr id="60" name="Shape 60"/>
-          <p:cNvSpPr/>
-          <p:nvPr>
-            <p:ph idx="2" type="sldImg"/>
+          <p:cNvSpPr>
+            <a:spLocks noGrp="1" noRot="1" noChangeAspect="1"/>
+          </p:cNvSpPr>
+          <p:nvPr>
+            <p:ph type="sldImg" idx="2"/>
           </p:nvPr>
         </p:nvSpPr>
         <p:spPr>
@@ -1491,8 +1668,13 @@
             <a:ext cx="6096000" cy="3429000"/>
           </a:xfrm>
           <a:custGeom>
+            <a:avLst/>
+            <a:gdLst/>
+            <a:ahLst/>
+            <a:cxnLst/>
+            <a:rect l="0" t="0" r="0" b="0"/>
             <a:pathLst>
-              <a:path extrusionOk="0" h="120000" w="120000">
+              <a:path w="120000" h="120000" extrusionOk="0">
                 <a:moveTo>
                   <a:pt x="0" y="0"/>
                 </a:moveTo>
@@ -1514,9 +1696,11 @@
       <p:sp>
         <p:nvSpPr>
           <p:cNvPr id="61" name="Shape 61"/>
-          <p:cNvSpPr txBox="1"/>
-          <p:nvPr>
-            <p:ph idx="1" type="body"/>
+          <p:cNvSpPr txBox="1">
+            <a:spLocks noGrp="1"/>
+          </p:cNvSpPr>
+          <p:nvPr>
+            <p:ph type="body" idx="1"/>
           </p:nvPr>
         </p:nvSpPr>
         <p:spPr>
@@ -1529,7 +1713,7 @@
           </a:prstGeom>
         </p:spPr>
         <p:txBody>
-          <a:bodyPr anchorCtr="0" anchor="t" bIns="91425" lIns="91425" rIns="91425" tIns="91425">
+          <a:bodyPr lIns="91425" tIns="91425" rIns="91425" bIns="91425" anchor="t" anchorCtr="0">
             <a:noAutofit/>
           </a:bodyPr>
           <a:lstStyle/>
@@ -1540,9 +1724,6 @@
               </a:spcBef>
               <a:buNone/>
             </a:pPr>
-            <a:r>
-              <a:t/>
-            </a:r>
             <a:endParaRPr/>
           </a:p>
         </p:txBody>
@@ -1556,11 +1737,11 @@
 </file>
 
 <file path=ppt/notesSlides/notesSlide20.xml><?xml version="1.0" encoding="utf-8"?>
-<p:notes xmlns:a="http://schemas.openxmlformats.org/drawingml/2006/main" xmlns:r="http://schemas.openxmlformats.org/officeDocument/2006/relationships" xmlns:mc="http://schemas.openxmlformats.org/markup-compatibility/2006" xmlns:mv="urn:schemas-microsoft-com:mac:vml" xmlns:p="http://schemas.openxmlformats.org/presentationml/2006/main" xmlns:c="http://schemas.openxmlformats.org/drawingml/2006/chart" xmlns:dgm="http://schemas.openxmlformats.org/drawingml/2006/diagram" xmlns:o="urn:schemas-microsoft-com:office:office" xmlns:v="urn:schemas-microsoft-com:vml" xmlns:pvml="urn:schemas-microsoft-com:office:powerpoint" xmlns:com="http://schemas.openxmlformats.org/drawingml/2006/compatibility" xmlns:p14="http://schemas.microsoft.com/office/powerpoint/2010/main" showMasterPhAnim="0" showMasterSp="0">
+<p:notes xmlns:a="http://schemas.openxmlformats.org/drawingml/2006/main" xmlns:r="http://schemas.openxmlformats.org/officeDocument/2006/relationships" xmlns:p="http://schemas.openxmlformats.org/presentationml/2006/main" showMasterSp="0" showMasterPhAnim="0">
   <p:cSld>
     <p:spTree>
       <p:nvGrpSpPr>
-        <p:cNvPr id="167" name="Shape 167"/>
+        <p:cNvPr id="1" name="Shape 167"/>
         <p:cNvGrpSpPr/>
         <p:nvPr/>
       </p:nvGrpSpPr>
@@ -1575,9 +1756,11 @@
       <p:sp>
         <p:nvSpPr>
           <p:cNvPr id="168" name="Shape 168"/>
-          <p:cNvSpPr/>
-          <p:nvPr>
-            <p:ph idx="2" type="sldImg"/>
+          <p:cNvSpPr>
+            <a:spLocks noGrp="1" noRot="1" noChangeAspect="1"/>
+          </p:cNvSpPr>
+          <p:nvPr>
+            <p:ph type="sldImg" idx="2"/>
           </p:nvPr>
         </p:nvSpPr>
         <p:spPr>
@@ -1586,8 +1769,13 @@
             <a:ext cx="6096000" cy="3429000"/>
           </a:xfrm>
           <a:custGeom>
+            <a:avLst/>
+            <a:gdLst/>
+            <a:ahLst/>
+            <a:cxnLst/>
+            <a:rect l="0" t="0" r="0" b="0"/>
             <a:pathLst>
-              <a:path extrusionOk="0" h="120000" w="120000">
+              <a:path w="120000" h="120000" extrusionOk="0">
                 <a:moveTo>
                   <a:pt x="0" y="0"/>
                 </a:moveTo>
@@ -1609,9 +1797,11 @@
       <p:sp>
         <p:nvSpPr>
           <p:cNvPr id="169" name="Shape 169"/>
-          <p:cNvSpPr txBox="1"/>
-          <p:nvPr>
-            <p:ph idx="1" type="body"/>
+          <p:cNvSpPr txBox="1">
+            <a:spLocks noGrp="1"/>
+          </p:cNvSpPr>
+          <p:nvPr>
+            <p:ph type="body" idx="1"/>
           </p:nvPr>
         </p:nvSpPr>
         <p:spPr>
@@ -1624,7 +1814,7 @@
           </a:prstGeom>
         </p:spPr>
         <p:txBody>
-          <a:bodyPr anchorCtr="0" anchor="t" bIns="91425" lIns="91425" rIns="91425" tIns="91425">
+          <a:bodyPr lIns="91425" tIns="91425" rIns="91425" bIns="91425" anchor="t" anchorCtr="0">
             <a:noAutofit/>
           </a:bodyPr>
           <a:lstStyle/>
@@ -1635,9 +1825,6 @@
               </a:spcBef>
               <a:buNone/>
             </a:pPr>
-            <a:r>
-              <a:t/>
-            </a:r>
             <a:endParaRPr/>
           </a:p>
         </p:txBody>
@@ -1651,11 +1838,11 @@
 </file>
 
 <file path=ppt/notesSlides/notesSlide21.xml><?xml version="1.0" encoding="utf-8"?>
-<p:notes xmlns:a="http://schemas.openxmlformats.org/drawingml/2006/main" xmlns:r="http://schemas.openxmlformats.org/officeDocument/2006/relationships" xmlns:mc="http://schemas.openxmlformats.org/markup-compatibility/2006" xmlns:mv="urn:schemas-microsoft-com:mac:vml" xmlns:p="http://schemas.openxmlformats.org/presentationml/2006/main" xmlns:c="http://schemas.openxmlformats.org/drawingml/2006/chart" xmlns:dgm="http://schemas.openxmlformats.org/drawingml/2006/diagram" xmlns:o="urn:schemas-microsoft-com:office:office" xmlns:v="urn:schemas-microsoft-com:vml" xmlns:pvml="urn:schemas-microsoft-com:office:powerpoint" xmlns:com="http://schemas.openxmlformats.org/drawingml/2006/compatibility" xmlns:p14="http://schemas.microsoft.com/office/powerpoint/2010/main" showMasterPhAnim="0" showMasterSp="0">
+<p:notes xmlns:a="http://schemas.openxmlformats.org/drawingml/2006/main" xmlns:r="http://schemas.openxmlformats.org/officeDocument/2006/relationships" xmlns:p="http://schemas.openxmlformats.org/presentationml/2006/main" showMasterSp="0" showMasterPhAnim="0">
   <p:cSld>
     <p:spTree>
       <p:nvGrpSpPr>
-        <p:cNvPr id="174" name="Shape 174"/>
+        <p:cNvPr id="1" name="Shape 174"/>
         <p:cNvGrpSpPr/>
         <p:nvPr/>
       </p:nvGrpSpPr>
@@ -1670,9 +1857,11 @@
       <p:sp>
         <p:nvSpPr>
           <p:cNvPr id="175" name="Shape 175"/>
-          <p:cNvSpPr/>
-          <p:nvPr>
-            <p:ph idx="2" type="sldImg"/>
+          <p:cNvSpPr>
+            <a:spLocks noGrp="1" noRot="1" noChangeAspect="1"/>
+          </p:cNvSpPr>
+          <p:nvPr>
+            <p:ph type="sldImg" idx="2"/>
           </p:nvPr>
         </p:nvSpPr>
         <p:spPr>
@@ -1681,8 +1870,13 @@
             <a:ext cx="6096000" cy="3429000"/>
           </a:xfrm>
           <a:custGeom>
+            <a:avLst/>
+            <a:gdLst/>
+            <a:ahLst/>
+            <a:cxnLst/>
+            <a:rect l="0" t="0" r="0" b="0"/>
             <a:pathLst>
-              <a:path extrusionOk="0" h="120000" w="120000">
+              <a:path w="120000" h="120000" extrusionOk="0">
                 <a:moveTo>
                   <a:pt x="0" y="0"/>
                 </a:moveTo>
@@ -1704,9 +1898,11 @@
       <p:sp>
         <p:nvSpPr>
           <p:cNvPr id="176" name="Shape 176"/>
-          <p:cNvSpPr txBox="1"/>
-          <p:nvPr>
-            <p:ph idx="1" type="body"/>
+          <p:cNvSpPr txBox="1">
+            <a:spLocks noGrp="1"/>
+          </p:cNvSpPr>
+          <p:nvPr>
+            <p:ph type="body" idx="1"/>
           </p:nvPr>
         </p:nvSpPr>
         <p:spPr>
@@ -1719,7 +1915,7 @@
           </a:prstGeom>
         </p:spPr>
         <p:txBody>
-          <a:bodyPr anchorCtr="0" anchor="t" bIns="91425" lIns="91425" rIns="91425" tIns="91425">
+          <a:bodyPr lIns="91425" tIns="91425" rIns="91425" bIns="91425" anchor="t" anchorCtr="0">
             <a:noAutofit/>
           </a:bodyPr>
           <a:lstStyle/>
@@ -1730,9 +1926,6 @@
               </a:spcBef>
               <a:buNone/>
             </a:pPr>
-            <a:r>
-              <a:t/>
-            </a:r>
             <a:endParaRPr/>
           </a:p>
         </p:txBody>
@@ -1746,11 +1939,11 @@
 </file>
 
 <file path=ppt/notesSlides/notesSlide22.xml><?xml version="1.0" encoding="utf-8"?>
-<p:notes xmlns:a="http://schemas.openxmlformats.org/drawingml/2006/main" xmlns:r="http://schemas.openxmlformats.org/officeDocument/2006/relationships" xmlns:mc="http://schemas.openxmlformats.org/markup-compatibility/2006" xmlns:mv="urn:schemas-microsoft-com:mac:vml" xmlns:p="http://schemas.openxmlformats.org/presentationml/2006/main" xmlns:c="http://schemas.openxmlformats.org/drawingml/2006/chart" xmlns:dgm="http://schemas.openxmlformats.org/drawingml/2006/diagram" xmlns:o="urn:schemas-microsoft-com:office:office" xmlns:v="urn:schemas-microsoft-com:vml" xmlns:pvml="urn:schemas-microsoft-com:office:powerpoint" xmlns:com="http://schemas.openxmlformats.org/drawingml/2006/compatibility" xmlns:p14="http://schemas.microsoft.com/office/powerpoint/2010/main" showMasterPhAnim="0" showMasterSp="0">
+<p:notes xmlns:a="http://schemas.openxmlformats.org/drawingml/2006/main" xmlns:r="http://schemas.openxmlformats.org/officeDocument/2006/relationships" xmlns:p="http://schemas.openxmlformats.org/presentationml/2006/main" showMasterSp="0" showMasterPhAnim="0">
   <p:cSld>
     <p:spTree>
       <p:nvGrpSpPr>
-        <p:cNvPr id="181" name="Shape 181"/>
+        <p:cNvPr id="1" name="Shape 181"/>
         <p:cNvGrpSpPr/>
         <p:nvPr/>
       </p:nvGrpSpPr>
@@ -1765,9 +1958,11 @@
       <p:sp>
         <p:nvSpPr>
           <p:cNvPr id="182" name="Shape 182"/>
-          <p:cNvSpPr/>
-          <p:nvPr>
-            <p:ph idx="2" type="sldImg"/>
+          <p:cNvSpPr>
+            <a:spLocks noGrp="1" noRot="1" noChangeAspect="1"/>
+          </p:cNvSpPr>
+          <p:nvPr>
+            <p:ph type="sldImg" idx="2"/>
           </p:nvPr>
         </p:nvSpPr>
         <p:spPr>
@@ -1776,8 +1971,13 @@
             <a:ext cx="6096000" cy="3429000"/>
           </a:xfrm>
           <a:custGeom>
+            <a:avLst/>
+            <a:gdLst/>
+            <a:ahLst/>
+            <a:cxnLst/>
+            <a:rect l="0" t="0" r="0" b="0"/>
             <a:pathLst>
-              <a:path extrusionOk="0" h="120000" w="120000">
+              <a:path w="120000" h="120000" extrusionOk="0">
                 <a:moveTo>
                   <a:pt x="0" y="0"/>
                 </a:moveTo>
@@ -1799,9 +1999,11 @@
       <p:sp>
         <p:nvSpPr>
           <p:cNvPr id="183" name="Shape 183"/>
-          <p:cNvSpPr txBox="1"/>
-          <p:nvPr>
-            <p:ph idx="1" type="body"/>
+          <p:cNvSpPr txBox="1">
+            <a:spLocks noGrp="1"/>
+          </p:cNvSpPr>
+          <p:nvPr>
+            <p:ph type="body" idx="1"/>
           </p:nvPr>
         </p:nvSpPr>
         <p:spPr>
@@ -1814,7 +2016,7 @@
           </a:prstGeom>
         </p:spPr>
         <p:txBody>
-          <a:bodyPr anchorCtr="0" anchor="t" bIns="91425" lIns="91425" rIns="91425" tIns="91425">
+          <a:bodyPr lIns="91425" tIns="91425" rIns="91425" bIns="91425" anchor="t" anchorCtr="0">
             <a:noAutofit/>
           </a:bodyPr>
           <a:lstStyle/>
@@ -1825,9 +2027,6 @@
               </a:spcBef>
               <a:buNone/>
             </a:pPr>
-            <a:r>
-              <a:t/>
-            </a:r>
             <a:endParaRPr/>
           </a:p>
         </p:txBody>
@@ -1841,11 +2040,11 @@
 </file>
 
 <file path=ppt/notesSlides/notesSlide23.xml><?xml version="1.0" encoding="utf-8"?>
-<p:notes xmlns:a="http://schemas.openxmlformats.org/drawingml/2006/main" xmlns:r="http://schemas.openxmlformats.org/officeDocument/2006/relationships" xmlns:mc="http://schemas.openxmlformats.org/markup-compatibility/2006" xmlns:mv="urn:schemas-microsoft-com:mac:vml" xmlns:p="http://schemas.openxmlformats.org/presentationml/2006/main" xmlns:c="http://schemas.openxmlformats.org/drawingml/2006/chart" xmlns:dgm="http://schemas.openxmlformats.org/drawingml/2006/diagram" xmlns:o="urn:schemas-microsoft-com:office:office" xmlns:v="urn:schemas-microsoft-com:vml" xmlns:pvml="urn:schemas-microsoft-com:office:powerpoint" xmlns:com="http://schemas.openxmlformats.org/drawingml/2006/compatibility" xmlns:p14="http://schemas.microsoft.com/office/powerpoint/2010/main" showMasterPhAnim="0" showMasterSp="0">
+<p:notes xmlns:a="http://schemas.openxmlformats.org/drawingml/2006/main" xmlns:r="http://schemas.openxmlformats.org/officeDocument/2006/relationships" xmlns:p="http://schemas.openxmlformats.org/presentationml/2006/main" showMasterSp="0" showMasterPhAnim="0">
   <p:cSld>
     <p:spTree>
       <p:nvGrpSpPr>
-        <p:cNvPr id="188" name="Shape 188"/>
+        <p:cNvPr id="1" name="Shape 188"/>
         <p:cNvGrpSpPr/>
         <p:nvPr/>
       </p:nvGrpSpPr>
@@ -1860,9 +2059,11 @@
       <p:sp>
         <p:nvSpPr>
           <p:cNvPr id="189" name="Shape 189"/>
-          <p:cNvSpPr/>
-          <p:nvPr>
-            <p:ph idx="2" type="sldImg"/>
+          <p:cNvSpPr>
+            <a:spLocks noGrp="1" noRot="1" noChangeAspect="1"/>
+          </p:cNvSpPr>
+          <p:nvPr>
+            <p:ph type="sldImg" idx="2"/>
           </p:nvPr>
         </p:nvSpPr>
         <p:spPr>
@@ -1871,8 +2072,13 @@
             <a:ext cx="6096000" cy="3429000"/>
           </a:xfrm>
           <a:custGeom>
+            <a:avLst/>
+            <a:gdLst/>
+            <a:ahLst/>
+            <a:cxnLst/>
+            <a:rect l="0" t="0" r="0" b="0"/>
             <a:pathLst>
-              <a:path extrusionOk="0" h="120000" w="120000">
+              <a:path w="120000" h="120000" extrusionOk="0">
                 <a:moveTo>
                   <a:pt x="0" y="0"/>
                 </a:moveTo>
@@ -1894,9 +2100,11 @@
       <p:sp>
         <p:nvSpPr>
           <p:cNvPr id="190" name="Shape 190"/>
-          <p:cNvSpPr txBox="1"/>
-          <p:nvPr>
-            <p:ph idx="1" type="body"/>
+          <p:cNvSpPr txBox="1">
+            <a:spLocks noGrp="1"/>
+          </p:cNvSpPr>
+          <p:nvPr>
+            <p:ph type="body" idx="1"/>
           </p:nvPr>
         </p:nvSpPr>
         <p:spPr>
@@ -1909,7 +2117,7 @@
           </a:prstGeom>
         </p:spPr>
         <p:txBody>
-          <a:bodyPr anchorCtr="0" anchor="t" bIns="91425" lIns="91425" rIns="91425" tIns="91425">
+          <a:bodyPr lIns="91425" tIns="91425" rIns="91425" bIns="91425" anchor="t" anchorCtr="0">
             <a:noAutofit/>
           </a:bodyPr>
           <a:lstStyle/>
@@ -1920,9 +2128,6 @@
               </a:spcBef>
               <a:buNone/>
             </a:pPr>
-            <a:r>
-              <a:t/>
-            </a:r>
             <a:endParaRPr/>
           </a:p>
         </p:txBody>
@@ -1936,11 +2141,11 @@
 </file>
 
 <file path=ppt/notesSlides/notesSlide24.xml><?xml version="1.0" encoding="utf-8"?>
-<p:notes xmlns:a="http://schemas.openxmlformats.org/drawingml/2006/main" xmlns:r="http://schemas.openxmlformats.org/officeDocument/2006/relationships" xmlns:mc="http://schemas.openxmlformats.org/markup-compatibility/2006" xmlns:mv="urn:schemas-microsoft-com:mac:vml" xmlns:p="http://schemas.openxmlformats.org/presentationml/2006/main" xmlns:c="http://schemas.openxmlformats.org/drawingml/2006/chart" xmlns:dgm="http://schemas.openxmlformats.org/drawingml/2006/diagram" xmlns:o="urn:schemas-microsoft-com:office:office" xmlns:v="urn:schemas-microsoft-com:vml" xmlns:pvml="urn:schemas-microsoft-com:office:powerpoint" xmlns:com="http://schemas.openxmlformats.org/drawingml/2006/compatibility" xmlns:p14="http://schemas.microsoft.com/office/powerpoint/2010/main" showMasterPhAnim="0" showMasterSp="0">
+<p:notes xmlns:a="http://schemas.openxmlformats.org/drawingml/2006/main" xmlns:r="http://schemas.openxmlformats.org/officeDocument/2006/relationships" xmlns:p="http://schemas.openxmlformats.org/presentationml/2006/main" showMasterSp="0" showMasterPhAnim="0">
   <p:cSld>
     <p:spTree>
       <p:nvGrpSpPr>
-        <p:cNvPr id="195" name="Shape 195"/>
+        <p:cNvPr id="1" name="Shape 195"/>
         <p:cNvGrpSpPr/>
         <p:nvPr/>
       </p:nvGrpSpPr>
@@ -1955,9 +2160,11 @@
       <p:sp>
         <p:nvSpPr>
           <p:cNvPr id="196" name="Shape 196"/>
-          <p:cNvSpPr/>
-          <p:nvPr>
-            <p:ph idx="2" type="sldImg"/>
+          <p:cNvSpPr>
+            <a:spLocks noGrp="1" noRot="1" noChangeAspect="1"/>
+          </p:cNvSpPr>
+          <p:nvPr>
+            <p:ph type="sldImg" idx="2"/>
           </p:nvPr>
         </p:nvSpPr>
         <p:spPr>
@@ -1966,8 +2173,13 @@
             <a:ext cx="6096000" cy="3429000"/>
           </a:xfrm>
           <a:custGeom>
+            <a:avLst/>
+            <a:gdLst/>
+            <a:ahLst/>
+            <a:cxnLst/>
+            <a:rect l="0" t="0" r="0" b="0"/>
             <a:pathLst>
-              <a:path extrusionOk="0" h="120000" w="120000">
+              <a:path w="120000" h="120000" extrusionOk="0">
                 <a:moveTo>
                   <a:pt x="0" y="0"/>
                 </a:moveTo>
@@ -1989,9 +2201,11 @@
       <p:sp>
         <p:nvSpPr>
           <p:cNvPr id="197" name="Shape 197"/>
-          <p:cNvSpPr txBox="1"/>
-          <p:nvPr>
-            <p:ph idx="1" type="body"/>
+          <p:cNvSpPr txBox="1">
+            <a:spLocks noGrp="1"/>
+          </p:cNvSpPr>
+          <p:nvPr>
+            <p:ph type="body" idx="1"/>
           </p:nvPr>
         </p:nvSpPr>
         <p:spPr>
@@ -2004,7 +2218,7 @@
           </a:prstGeom>
         </p:spPr>
         <p:txBody>
-          <a:bodyPr anchorCtr="0" anchor="t" bIns="91425" lIns="91425" rIns="91425" tIns="91425">
+          <a:bodyPr lIns="91425" tIns="91425" rIns="91425" bIns="91425" anchor="t" anchorCtr="0">
             <a:noAutofit/>
           </a:bodyPr>
           <a:lstStyle/>
@@ -2015,9 +2229,6 @@
               </a:spcBef>
               <a:buNone/>
             </a:pPr>
-            <a:r>
-              <a:t/>
-            </a:r>
             <a:endParaRPr/>
           </a:p>
         </p:txBody>
@@ -2031,11 +2242,11 @@
 </file>
 
 <file path=ppt/notesSlides/notesSlide25.xml><?xml version="1.0" encoding="utf-8"?>
-<p:notes xmlns:a="http://schemas.openxmlformats.org/drawingml/2006/main" xmlns:r="http://schemas.openxmlformats.org/officeDocument/2006/relationships" xmlns:mc="http://schemas.openxmlformats.org/markup-compatibility/2006" xmlns:mv="urn:schemas-microsoft-com:mac:vml" xmlns:p="http://schemas.openxmlformats.org/presentationml/2006/main" xmlns:c="http://schemas.openxmlformats.org/drawingml/2006/chart" xmlns:dgm="http://schemas.openxmlformats.org/drawingml/2006/diagram" xmlns:o="urn:schemas-microsoft-com:office:office" xmlns:v="urn:schemas-microsoft-com:vml" xmlns:pvml="urn:schemas-microsoft-com:office:powerpoint" xmlns:com="http://schemas.openxmlformats.org/drawingml/2006/compatibility" xmlns:p14="http://schemas.microsoft.com/office/powerpoint/2010/main" showMasterPhAnim="0" showMasterSp="0">
+<p:notes xmlns:a="http://schemas.openxmlformats.org/drawingml/2006/main" xmlns:r="http://schemas.openxmlformats.org/officeDocument/2006/relationships" xmlns:p="http://schemas.openxmlformats.org/presentationml/2006/main" showMasterSp="0" showMasterPhAnim="0">
   <p:cSld>
     <p:spTree>
       <p:nvGrpSpPr>
-        <p:cNvPr id="202" name="Shape 202"/>
+        <p:cNvPr id="1" name="Shape 202"/>
         <p:cNvGrpSpPr/>
         <p:nvPr/>
       </p:nvGrpSpPr>
@@ -2050,9 +2261,11 @@
       <p:sp>
         <p:nvSpPr>
           <p:cNvPr id="203" name="Shape 203"/>
-          <p:cNvSpPr/>
-          <p:nvPr>
-            <p:ph idx="2" type="sldImg"/>
+          <p:cNvSpPr>
+            <a:spLocks noGrp="1" noRot="1" noChangeAspect="1"/>
+          </p:cNvSpPr>
+          <p:nvPr>
+            <p:ph type="sldImg" idx="2"/>
           </p:nvPr>
         </p:nvSpPr>
         <p:spPr>
@@ -2061,8 +2274,13 @@
             <a:ext cx="6096000" cy="3429000"/>
           </a:xfrm>
           <a:custGeom>
+            <a:avLst/>
+            <a:gdLst/>
+            <a:ahLst/>
+            <a:cxnLst/>
+            <a:rect l="0" t="0" r="0" b="0"/>
             <a:pathLst>
-              <a:path extrusionOk="0" h="120000" w="120000">
+              <a:path w="120000" h="120000" extrusionOk="0">
                 <a:moveTo>
                   <a:pt x="0" y="0"/>
                 </a:moveTo>
@@ -2084,9 +2302,11 @@
       <p:sp>
         <p:nvSpPr>
           <p:cNvPr id="204" name="Shape 204"/>
-          <p:cNvSpPr txBox="1"/>
-          <p:nvPr>
-            <p:ph idx="1" type="body"/>
+          <p:cNvSpPr txBox="1">
+            <a:spLocks noGrp="1"/>
+          </p:cNvSpPr>
+          <p:nvPr>
+            <p:ph type="body" idx="1"/>
           </p:nvPr>
         </p:nvSpPr>
         <p:spPr>
@@ -2099,7 +2319,7 @@
           </a:prstGeom>
         </p:spPr>
         <p:txBody>
-          <a:bodyPr anchorCtr="0" anchor="t" bIns="91425" lIns="91425" rIns="91425" tIns="91425">
+          <a:bodyPr lIns="91425" tIns="91425" rIns="91425" bIns="91425" anchor="t" anchorCtr="0">
             <a:noAutofit/>
           </a:bodyPr>
           <a:lstStyle/>
@@ -2110,9 +2330,6 @@
               </a:spcBef>
               <a:buNone/>
             </a:pPr>
-            <a:r>
-              <a:t/>
-            </a:r>
             <a:endParaRPr/>
           </a:p>
         </p:txBody>
@@ -2126,11 +2343,11 @@
 </file>
 
 <file path=ppt/notesSlides/notesSlide26.xml><?xml version="1.0" encoding="utf-8"?>
-<p:notes xmlns:a="http://schemas.openxmlformats.org/drawingml/2006/main" xmlns:r="http://schemas.openxmlformats.org/officeDocument/2006/relationships" xmlns:mc="http://schemas.openxmlformats.org/markup-compatibility/2006" xmlns:mv="urn:schemas-microsoft-com:mac:vml" xmlns:p="http://schemas.openxmlformats.org/presentationml/2006/main" xmlns:c="http://schemas.openxmlformats.org/drawingml/2006/chart" xmlns:dgm="http://schemas.openxmlformats.org/drawingml/2006/diagram" xmlns:o="urn:schemas-microsoft-com:office:office" xmlns:v="urn:schemas-microsoft-com:vml" xmlns:pvml="urn:schemas-microsoft-com:office:powerpoint" xmlns:com="http://schemas.openxmlformats.org/drawingml/2006/compatibility" xmlns:p14="http://schemas.microsoft.com/office/powerpoint/2010/main" showMasterPhAnim="0" showMasterSp="0">
+<p:notes xmlns:a="http://schemas.openxmlformats.org/drawingml/2006/main" xmlns:r="http://schemas.openxmlformats.org/officeDocument/2006/relationships" xmlns:p="http://schemas.openxmlformats.org/presentationml/2006/main" showMasterSp="0" showMasterPhAnim="0">
   <p:cSld>
     <p:spTree>
       <p:nvGrpSpPr>
-        <p:cNvPr id="208" name="Shape 208"/>
+        <p:cNvPr id="1" name="Shape 208"/>
         <p:cNvGrpSpPr/>
         <p:nvPr/>
       </p:nvGrpSpPr>
@@ -2145,19 +2362,26 @@
       <p:sp>
         <p:nvSpPr>
           <p:cNvPr id="209" name="Shape 209"/>
-          <p:cNvSpPr/>
-          <p:nvPr>
-            <p:ph idx="2" type="sldImg"/>
-          </p:nvPr>
-        </p:nvSpPr>
-        <p:spPr>
-          <a:xfrm>
-            <a:off x="381300" y="685800"/>
+          <p:cNvSpPr>
+            <a:spLocks noGrp="1" noRot="1" noChangeAspect="1"/>
+          </p:cNvSpPr>
+          <p:nvPr>
+            <p:ph type="sldImg" idx="2"/>
+          </p:nvPr>
+        </p:nvSpPr>
+        <p:spPr>
+          <a:xfrm>
+            <a:off x="381000" y="685800"/>
             <a:ext cx="6096000" cy="3429000"/>
           </a:xfrm>
           <a:custGeom>
+            <a:avLst/>
+            <a:gdLst/>
+            <a:ahLst/>
+            <a:cxnLst/>
+            <a:rect l="0" t="0" r="0" b="0"/>
             <a:pathLst>
-              <a:path extrusionOk="0" h="120000" w="120000">
+              <a:path w="120000" h="120000" extrusionOk="0">
                 <a:moveTo>
                   <a:pt x="0" y="0"/>
                 </a:moveTo>
@@ -2179,9 +2403,11 @@
       <p:sp>
         <p:nvSpPr>
           <p:cNvPr id="210" name="Shape 210"/>
-          <p:cNvSpPr txBox="1"/>
-          <p:nvPr>
-            <p:ph idx="1" type="body"/>
+          <p:cNvSpPr txBox="1">
+            <a:spLocks noGrp="1"/>
+          </p:cNvSpPr>
+          <p:nvPr>
+            <p:ph type="body" idx="1"/>
           </p:nvPr>
         </p:nvSpPr>
         <p:spPr>
@@ -2194,7 +2420,7 @@
           </a:prstGeom>
         </p:spPr>
         <p:txBody>
-          <a:bodyPr anchorCtr="0" anchor="t" bIns="91425" lIns="91425" rIns="91425" tIns="91425">
+          <a:bodyPr lIns="91425" tIns="91425" rIns="91425" bIns="91425" anchor="t" anchorCtr="0">
             <a:noAutofit/>
           </a:bodyPr>
           <a:lstStyle/>
@@ -2205,9 +2431,6 @@
               </a:spcBef>
               <a:buNone/>
             </a:pPr>
-            <a:r>
-              <a:t/>
-            </a:r>
             <a:endParaRPr/>
           </a:p>
         </p:txBody>
@@ -2221,11 +2444,11 @@
 </file>
 
 <file path=ppt/notesSlides/notesSlide3.xml><?xml version="1.0" encoding="utf-8"?>
-<p:notes xmlns:a="http://schemas.openxmlformats.org/drawingml/2006/main" xmlns:r="http://schemas.openxmlformats.org/officeDocument/2006/relationships" xmlns:mc="http://schemas.openxmlformats.org/markup-compatibility/2006" xmlns:mv="urn:schemas-microsoft-com:mac:vml" xmlns:p="http://schemas.openxmlformats.org/presentationml/2006/main" xmlns:c="http://schemas.openxmlformats.org/drawingml/2006/chart" xmlns:dgm="http://schemas.openxmlformats.org/drawingml/2006/diagram" xmlns:o="urn:schemas-microsoft-com:office:office" xmlns:v="urn:schemas-microsoft-com:vml" xmlns:pvml="urn:schemas-microsoft-com:office:powerpoint" xmlns:com="http://schemas.openxmlformats.org/drawingml/2006/compatibility" xmlns:p14="http://schemas.microsoft.com/office/powerpoint/2010/main" showMasterPhAnim="0" showMasterSp="0">
+<p:notes xmlns:a="http://schemas.openxmlformats.org/drawingml/2006/main" xmlns:r="http://schemas.openxmlformats.org/officeDocument/2006/relationships" xmlns:p="http://schemas.openxmlformats.org/presentationml/2006/main" showMasterSp="0" showMasterPhAnim="0">
   <p:cSld>
     <p:spTree>
       <p:nvGrpSpPr>
-        <p:cNvPr id="65" name="Shape 65"/>
+        <p:cNvPr id="1" name="Shape 65"/>
         <p:cNvGrpSpPr/>
         <p:nvPr/>
       </p:nvGrpSpPr>
@@ -2240,9 +2463,11 @@
       <p:sp>
         <p:nvSpPr>
           <p:cNvPr id="66" name="Shape 66"/>
-          <p:cNvSpPr/>
-          <p:nvPr>
-            <p:ph idx="2" type="sldImg"/>
+          <p:cNvSpPr>
+            <a:spLocks noGrp="1" noRot="1" noChangeAspect="1"/>
+          </p:cNvSpPr>
+          <p:nvPr>
+            <p:ph type="sldImg" idx="2"/>
           </p:nvPr>
         </p:nvSpPr>
         <p:spPr>
@@ -2251,8 +2476,13 @@
             <a:ext cx="6096000" cy="3429000"/>
           </a:xfrm>
           <a:custGeom>
+            <a:avLst/>
+            <a:gdLst/>
+            <a:ahLst/>
+            <a:cxnLst/>
+            <a:rect l="0" t="0" r="0" b="0"/>
             <a:pathLst>
-              <a:path extrusionOk="0" h="120000" w="120000">
+              <a:path w="120000" h="120000" extrusionOk="0">
                 <a:moveTo>
                   <a:pt x="0" y="0"/>
                 </a:moveTo>
@@ -2274,9 +2504,11 @@
       <p:sp>
         <p:nvSpPr>
           <p:cNvPr id="67" name="Shape 67"/>
-          <p:cNvSpPr txBox="1"/>
-          <p:nvPr>
-            <p:ph idx="1" type="body"/>
+          <p:cNvSpPr txBox="1">
+            <a:spLocks noGrp="1"/>
+          </p:cNvSpPr>
+          <p:nvPr>
+            <p:ph type="body" idx="1"/>
           </p:nvPr>
         </p:nvSpPr>
         <p:spPr>
@@ -2289,7 +2521,7 @@
           </a:prstGeom>
         </p:spPr>
         <p:txBody>
-          <a:bodyPr anchorCtr="0" anchor="t" bIns="91425" lIns="91425" rIns="91425" tIns="91425">
+          <a:bodyPr lIns="91425" tIns="91425" rIns="91425" bIns="91425" anchor="t" anchorCtr="0">
             <a:noAutofit/>
           </a:bodyPr>
           <a:lstStyle/>
@@ -2300,9 +2532,6 @@
               </a:spcBef>
               <a:buNone/>
             </a:pPr>
-            <a:r>
-              <a:t/>
-            </a:r>
             <a:endParaRPr/>
           </a:p>
         </p:txBody>
@@ -2316,11 +2545,11 @@
 </file>
 
 <file path=ppt/notesSlides/notesSlide4.xml><?xml version="1.0" encoding="utf-8"?>
-<p:notes xmlns:a="http://schemas.openxmlformats.org/drawingml/2006/main" xmlns:r="http://schemas.openxmlformats.org/officeDocument/2006/relationships" xmlns:mc="http://schemas.openxmlformats.org/markup-compatibility/2006" xmlns:mv="urn:schemas-microsoft-com:mac:vml" xmlns:p="http://schemas.openxmlformats.org/presentationml/2006/main" xmlns:c="http://schemas.openxmlformats.org/drawingml/2006/chart" xmlns:dgm="http://schemas.openxmlformats.org/drawingml/2006/diagram" xmlns:o="urn:schemas-microsoft-com:office:office" xmlns:v="urn:schemas-microsoft-com:vml" xmlns:pvml="urn:schemas-microsoft-com:office:powerpoint" xmlns:com="http://schemas.openxmlformats.org/drawingml/2006/compatibility" xmlns:p14="http://schemas.microsoft.com/office/powerpoint/2010/main" showMasterPhAnim="0" showMasterSp="0">
+<p:notes xmlns:a="http://schemas.openxmlformats.org/drawingml/2006/main" xmlns:r="http://schemas.openxmlformats.org/officeDocument/2006/relationships" xmlns:p="http://schemas.openxmlformats.org/presentationml/2006/main" showMasterSp="0" showMasterPhAnim="0">
   <p:cSld>
     <p:spTree>
       <p:nvGrpSpPr>
-        <p:cNvPr id="71" name="Shape 71"/>
+        <p:cNvPr id="1" name="Shape 71"/>
         <p:cNvGrpSpPr/>
         <p:nvPr/>
       </p:nvGrpSpPr>
@@ -2335,9 +2564,11 @@
       <p:sp>
         <p:nvSpPr>
           <p:cNvPr id="72" name="Shape 72"/>
-          <p:cNvSpPr/>
-          <p:nvPr>
-            <p:ph idx="2" type="sldImg"/>
+          <p:cNvSpPr>
+            <a:spLocks noGrp="1" noRot="1" noChangeAspect="1"/>
+          </p:cNvSpPr>
+          <p:nvPr>
+            <p:ph type="sldImg" idx="2"/>
           </p:nvPr>
         </p:nvSpPr>
         <p:spPr>
@@ -2346,8 +2577,13 @@
             <a:ext cx="6096000" cy="3429000"/>
           </a:xfrm>
           <a:custGeom>
+            <a:avLst/>
+            <a:gdLst/>
+            <a:ahLst/>
+            <a:cxnLst/>
+            <a:rect l="0" t="0" r="0" b="0"/>
             <a:pathLst>
-              <a:path extrusionOk="0" h="120000" w="120000">
+              <a:path w="120000" h="120000" extrusionOk="0">
                 <a:moveTo>
                   <a:pt x="0" y="0"/>
                 </a:moveTo>
@@ -2369,9 +2605,11 @@
       <p:sp>
         <p:nvSpPr>
           <p:cNvPr id="73" name="Shape 73"/>
-          <p:cNvSpPr txBox="1"/>
-          <p:nvPr>
-            <p:ph idx="1" type="body"/>
+          <p:cNvSpPr txBox="1">
+            <a:spLocks noGrp="1"/>
+          </p:cNvSpPr>
+          <p:nvPr>
+            <p:ph type="body" idx="1"/>
           </p:nvPr>
         </p:nvSpPr>
         <p:spPr>
@@ -2384,7 +2622,7 @@
           </a:prstGeom>
         </p:spPr>
         <p:txBody>
-          <a:bodyPr anchorCtr="0" anchor="t" bIns="91425" lIns="91425" rIns="91425" tIns="91425">
+          <a:bodyPr lIns="91425" tIns="91425" rIns="91425" bIns="91425" anchor="t" anchorCtr="0">
             <a:noAutofit/>
           </a:bodyPr>
           <a:lstStyle/>
@@ -2395,9 +2633,6 @@
               </a:spcBef>
               <a:buNone/>
             </a:pPr>
-            <a:r>
-              <a:t/>
-            </a:r>
             <a:endParaRPr/>
           </a:p>
         </p:txBody>
@@ -2411,11 +2646,11 @@
 </file>
 
 <file path=ppt/notesSlides/notesSlide5.xml><?xml version="1.0" encoding="utf-8"?>
-<p:notes xmlns:a="http://schemas.openxmlformats.org/drawingml/2006/main" xmlns:r="http://schemas.openxmlformats.org/officeDocument/2006/relationships" xmlns:mc="http://schemas.openxmlformats.org/markup-compatibility/2006" xmlns:mv="urn:schemas-microsoft-com:mac:vml" xmlns:p="http://schemas.openxmlformats.org/presentationml/2006/main" xmlns:c="http://schemas.openxmlformats.org/drawingml/2006/chart" xmlns:dgm="http://schemas.openxmlformats.org/drawingml/2006/diagram" xmlns:o="urn:schemas-microsoft-com:office:office" xmlns:v="urn:schemas-microsoft-com:vml" xmlns:pvml="urn:schemas-microsoft-com:office:powerpoint" xmlns:com="http://schemas.openxmlformats.org/drawingml/2006/compatibility" xmlns:p14="http://schemas.microsoft.com/office/powerpoint/2010/main" showMasterPhAnim="0" showMasterSp="0">
+<p:notes xmlns:a="http://schemas.openxmlformats.org/drawingml/2006/main" xmlns:r="http://schemas.openxmlformats.org/officeDocument/2006/relationships" xmlns:p="http://schemas.openxmlformats.org/presentationml/2006/main" showMasterSp="0" showMasterPhAnim="0">
   <p:cSld>
     <p:spTree>
       <p:nvGrpSpPr>
-        <p:cNvPr id="77" name="Shape 77"/>
+        <p:cNvPr id="1" name="Shape 77"/>
         <p:cNvGrpSpPr/>
         <p:nvPr/>
       </p:nvGrpSpPr>
@@ -2430,9 +2665,11 @@
       <p:sp>
         <p:nvSpPr>
           <p:cNvPr id="78" name="Shape 78"/>
-          <p:cNvSpPr/>
-          <p:nvPr>
-            <p:ph idx="2" type="sldImg"/>
+          <p:cNvSpPr>
+            <a:spLocks noGrp="1" noRot="1" noChangeAspect="1"/>
+          </p:cNvSpPr>
+          <p:nvPr>
+            <p:ph type="sldImg" idx="2"/>
           </p:nvPr>
         </p:nvSpPr>
         <p:spPr>
@@ -2441,8 +2678,13 @@
             <a:ext cx="6096000" cy="3429000"/>
           </a:xfrm>
           <a:custGeom>
+            <a:avLst/>
+            <a:gdLst/>
+            <a:ahLst/>
+            <a:cxnLst/>
+            <a:rect l="0" t="0" r="0" b="0"/>
             <a:pathLst>
-              <a:path extrusionOk="0" h="120000" w="120000">
+              <a:path w="120000" h="120000" extrusionOk="0">
                 <a:moveTo>
                   <a:pt x="0" y="0"/>
                 </a:moveTo>
@@ -2464,9 +2706,11 @@
       <p:sp>
         <p:nvSpPr>
           <p:cNvPr id="79" name="Shape 79"/>
-          <p:cNvSpPr txBox="1"/>
-          <p:nvPr>
-            <p:ph idx="1" type="body"/>
+          <p:cNvSpPr txBox="1">
+            <a:spLocks noGrp="1"/>
+          </p:cNvSpPr>
+          <p:nvPr>
+            <p:ph type="body" idx="1"/>
           </p:nvPr>
         </p:nvSpPr>
         <p:spPr>
@@ -2479,7 +2723,7 @@
           </a:prstGeom>
         </p:spPr>
         <p:txBody>
-          <a:bodyPr anchorCtr="0" anchor="t" bIns="91425" lIns="91425" rIns="91425" tIns="91425">
+          <a:bodyPr lIns="91425" tIns="91425" rIns="91425" bIns="91425" anchor="t" anchorCtr="0">
             <a:noAutofit/>
           </a:bodyPr>
           <a:lstStyle/>
@@ -2490,9 +2734,6 @@
               </a:spcBef>
               <a:buNone/>
             </a:pPr>
-            <a:r>
-              <a:t/>
-            </a:r>
             <a:endParaRPr/>
           </a:p>
         </p:txBody>
@@ -2506,11 +2747,11 @@
 </file>
 
 <file path=ppt/notesSlides/notesSlide6.xml><?xml version="1.0" encoding="utf-8"?>
-<p:notes xmlns:a="http://schemas.openxmlformats.org/drawingml/2006/main" xmlns:r="http://schemas.openxmlformats.org/officeDocument/2006/relationships" xmlns:mc="http://schemas.openxmlformats.org/markup-compatibility/2006" xmlns:mv="urn:schemas-microsoft-com:mac:vml" xmlns:p="http://schemas.openxmlformats.org/presentationml/2006/main" xmlns:c="http://schemas.openxmlformats.org/drawingml/2006/chart" xmlns:dgm="http://schemas.openxmlformats.org/drawingml/2006/diagram" xmlns:o="urn:schemas-microsoft-com:office:office" xmlns:v="urn:schemas-microsoft-com:vml" xmlns:pvml="urn:schemas-microsoft-com:office:powerpoint" xmlns:com="http://schemas.openxmlformats.org/drawingml/2006/compatibility" xmlns:p14="http://schemas.microsoft.com/office/powerpoint/2010/main" showMasterPhAnim="0" showMasterSp="0">
+<p:notes xmlns:a="http://schemas.openxmlformats.org/drawingml/2006/main" xmlns:r="http://schemas.openxmlformats.org/officeDocument/2006/relationships" xmlns:p="http://schemas.openxmlformats.org/presentationml/2006/main" showMasterSp="0" showMasterPhAnim="0">
   <p:cSld>
     <p:spTree>
       <p:nvGrpSpPr>
-        <p:cNvPr id="83" name="Shape 83"/>
+        <p:cNvPr id="1" name="Shape 83"/>
         <p:cNvGrpSpPr/>
         <p:nvPr/>
       </p:nvGrpSpPr>
@@ -2525,9 +2766,11 @@
       <p:sp>
         <p:nvSpPr>
           <p:cNvPr id="84" name="Shape 84"/>
-          <p:cNvSpPr/>
-          <p:nvPr>
-            <p:ph idx="2" type="sldImg"/>
+          <p:cNvSpPr>
+            <a:spLocks noGrp="1" noRot="1" noChangeAspect="1"/>
+          </p:cNvSpPr>
+          <p:nvPr>
+            <p:ph type="sldImg" idx="2"/>
           </p:nvPr>
         </p:nvSpPr>
         <p:spPr>
@@ -2536,8 +2779,13 @@
             <a:ext cx="6096000" cy="3429000"/>
           </a:xfrm>
           <a:custGeom>
+            <a:avLst/>
+            <a:gdLst/>
+            <a:ahLst/>
+            <a:cxnLst/>
+            <a:rect l="0" t="0" r="0" b="0"/>
             <a:pathLst>
-              <a:path extrusionOk="0" h="120000" w="120000">
+              <a:path w="120000" h="120000" extrusionOk="0">
                 <a:moveTo>
                   <a:pt x="0" y="0"/>
                 </a:moveTo>
@@ -2559,9 +2807,11 @@
       <p:sp>
         <p:nvSpPr>
           <p:cNvPr id="85" name="Shape 85"/>
-          <p:cNvSpPr txBox="1"/>
-          <p:nvPr>
-            <p:ph idx="1" type="body"/>
+          <p:cNvSpPr txBox="1">
+            <a:spLocks noGrp="1"/>
+          </p:cNvSpPr>
+          <p:nvPr>
+            <p:ph type="body" idx="1"/>
           </p:nvPr>
         </p:nvSpPr>
         <p:spPr>
@@ -2574,7 +2824,7 @@
           </a:prstGeom>
         </p:spPr>
         <p:txBody>
-          <a:bodyPr anchorCtr="0" anchor="t" bIns="91425" lIns="91425" rIns="91425" tIns="91425">
+          <a:bodyPr lIns="91425" tIns="91425" rIns="91425" bIns="91425" anchor="t" anchorCtr="0">
             <a:noAutofit/>
           </a:bodyPr>
           <a:lstStyle/>
@@ -2585,9 +2835,6 @@
               </a:spcBef>
               <a:buNone/>
             </a:pPr>
-            <a:r>
-              <a:t/>
-            </a:r>
             <a:endParaRPr/>
           </a:p>
         </p:txBody>
@@ -2601,11 +2848,11 @@
 </file>
 
 <file path=ppt/notesSlides/notesSlide7.xml><?xml version="1.0" encoding="utf-8"?>
-<p:notes xmlns:a="http://schemas.openxmlformats.org/drawingml/2006/main" xmlns:r="http://schemas.openxmlformats.org/officeDocument/2006/relationships" xmlns:mc="http://schemas.openxmlformats.org/markup-compatibility/2006" xmlns:mv="urn:schemas-microsoft-com:mac:vml" xmlns:p="http://schemas.openxmlformats.org/presentationml/2006/main" xmlns:c="http://schemas.openxmlformats.org/drawingml/2006/chart" xmlns:dgm="http://schemas.openxmlformats.org/drawingml/2006/diagram" xmlns:o="urn:schemas-microsoft-com:office:office" xmlns:v="urn:schemas-microsoft-com:vml" xmlns:pvml="urn:schemas-microsoft-com:office:powerpoint" xmlns:com="http://schemas.openxmlformats.org/drawingml/2006/compatibility" xmlns:p14="http://schemas.microsoft.com/office/powerpoint/2010/main" showMasterPhAnim="0" showMasterSp="0">
+<p:notes xmlns:a="http://schemas.openxmlformats.org/drawingml/2006/main" xmlns:r="http://schemas.openxmlformats.org/officeDocument/2006/relationships" xmlns:p="http://schemas.openxmlformats.org/presentationml/2006/main" showMasterSp="0" showMasterPhAnim="0">
   <p:cSld>
     <p:spTree>
       <p:nvGrpSpPr>
-        <p:cNvPr id="89" name="Shape 89"/>
+        <p:cNvPr id="1" name="Shape 89"/>
         <p:cNvGrpSpPr/>
         <p:nvPr/>
       </p:nvGrpSpPr>
@@ -2620,9 +2867,11 @@
       <p:sp>
         <p:nvSpPr>
           <p:cNvPr id="90" name="Shape 90"/>
-          <p:cNvSpPr/>
-          <p:nvPr>
-            <p:ph idx="2" type="sldImg"/>
+          <p:cNvSpPr>
+            <a:spLocks noGrp="1" noRot="1" noChangeAspect="1"/>
+          </p:cNvSpPr>
+          <p:nvPr>
+            <p:ph type="sldImg" idx="2"/>
           </p:nvPr>
         </p:nvSpPr>
         <p:spPr>
@@ -2631,8 +2880,13 @@
             <a:ext cx="6096000" cy="3429000"/>
           </a:xfrm>
           <a:custGeom>
+            <a:avLst/>
+            <a:gdLst/>
+            <a:ahLst/>
+            <a:cxnLst/>
+            <a:rect l="0" t="0" r="0" b="0"/>
             <a:pathLst>
-              <a:path extrusionOk="0" h="120000" w="120000">
+              <a:path w="120000" h="120000" extrusionOk="0">
                 <a:moveTo>
                   <a:pt x="0" y="0"/>
                 </a:moveTo>
@@ -2654,9 +2908,11 @@
       <p:sp>
         <p:nvSpPr>
           <p:cNvPr id="91" name="Shape 91"/>
-          <p:cNvSpPr txBox="1"/>
-          <p:nvPr>
-            <p:ph idx="1" type="body"/>
+          <p:cNvSpPr txBox="1">
+            <a:spLocks noGrp="1"/>
+          </p:cNvSpPr>
+          <p:nvPr>
+            <p:ph type="body" idx="1"/>
           </p:nvPr>
         </p:nvSpPr>
         <p:spPr>
@@ -2669,7 +2925,7 @@
           </a:prstGeom>
         </p:spPr>
         <p:txBody>
-          <a:bodyPr anchorCtr="0" anchor="t" bIns="91425" lIns="91425" rIns="91425" tIns="91425">
+          <a:bodyPr lIns="91425" tIns="91425" rIns="91425" bIns="91425" anchor="t" anchorCtr="0">
             <a:noAutofit/>
           </a:bodyPr>
           <a:lstStyle/>
@@ -2680,9 +2936,6 @@
               </a:spcBef>
               <a:buNone/>
             </a:pPr>
-            <a:r>
-              <a:t/>
-            </a:r>
             <a:endParaRPr/>
           </a:p>
         </p:txBody>
@@ -2696,11 +2949,11 @@
 </file>
 
 <file path=ppt/notesSlides/notesSlide8.xml><?xml version="1.0" encoding="utf-8"?>
-<p:notes xmlns:a="http://schemas.openxmlformats.org/drawingml/2006/main" xmlns:r="http://schemas.openxmlformats.org/officeDocument/2006/relationships" xmlns:mc="http://schemas.openxmlformats.org/markup-compatibility/2006" xmlns:mv="urn:schemas-microsoft-com:mac:vml" xmlns:p="http://schemas.openxmlformats.org/presentationml/2006/main" xmlns:c="http://schemas.openxmlformats.org/drawingml/2006/chart" xmlns:dgm="http://schemas.openxmlformats.org/drawingml/2006/diagram" xmlns:o="urn:schemas-microsoft-com:office:office" xmlns:v="urn:schemas-microsoft-com:vml" xmlns:pvml="urn:schemas-microsoft-com:office:powerpoint" xmlns:com="http://schemas.openxmlformats.org/drawingml/2006/compatibility" xmlns:p14="http://schemas.microsoft.com/office/powerpoint/2010/main" showMasterPhAnim="0" showMasterSp="0">
+<p:notes xmlns:a="http://schemas.openxmlformats.org/drawingml/2006/main" xmlns:r="http://schemas.openxmlformats.org/officeDocument/2006/relationships" xmlns:p="http://schemas.openxmlformats.org/presentationml/2006/main" showMasterSp="0" showMasterPhAnim="0">
   <p:cSld>
     <p:spTree>
       <p:nvGrpSpPr>
-        <p:cNvPr id="95" name="Shape 95"/>
+        <p:cNvPr id="1" name="Shape 95"/>
         <p:cNvGrpSpPr/>
         <p:nvPr/>
       </p:nvGrpSpPr>
@@ -2715,9 +2968,11 @@
       <p:sp>
         <p:nvSpPr>
           <p:cNvPr id="96" name="Shape 96"/>
-          <p:cNvSpPr/>
-          <p:nvPr>
-            <p:ph idx="2" type="sldImg"/>
+          <p:cNvSpPr>
+            <a:spLocks noGrp="1" noRot="1" noChangeAspect="1"/>
+          </p:cNvSpPr>
+          <p:nvPr>
+            <p:ph type="sldImg" idx="2"/>
           </p:nvPr>
         </p:nvSpPr>
         <p:spPr>
@@ -2726,8 +2981,13 @@
             <a:ext cx="6096000" cy="3429000"/>
           </a:xfrm>
           <a:custGeom>
+            <a:avLst/>
+            <a:gdLst/>
+            <a:ahLst/>
+            <a:cxnLst/>
+            <a:rect l="0" t="0" r="0" b="0"/>
             <a:pathLst>
-              <a:path extrusionOk="0" h="120000" w="120000">
+              <a:path w="120000" h="120000" extrusionOk="0">
                 <a:moveTo>
                   <a:pt x="0" y="0"/>
                 </a:moveTo>
@@ -2749,9 +3009,11 @@
       <p:sp>
         <p:nvSpPr>
           <p:cNvPr id="97" name="Shape 97"/>
-          <p:cNvSpPr txBox="1"/>
-          <p:nvPr>
-            <p:ph idx="1" type="body"/>
+          <p:cNvSpPr txBox="1">
+            <a:spLocks noGrp="1"/>
+          </p:cNvSpPr>
+          <p:nvPr>
+            <p:ph type="body" idx="1"/>
           </p:nvPr>
         </p:nvSpPr>
         <p:spPr>
@@ -2764,7 +3026,7 @@
           </a:prstGeom>
         </p:spPr>
         <p:txBody>
-          <a:bodyPr anchorCtr="0" anchor="t" bIns="91425" lIns="91425" rIns="91425" tIns="91425">
+          <a:bodyPr lIns="91425" tIns="91425" rIns="91425" bIns="91425" anchor="t" anchorCtr="0">
             <a:noAutofit/>
           </a:bodyPr>
           <a:lstStyle/>
@@ -2775,9 +3037,6 @@
               </a:spcBef>
               <a:buNone/>
             </a:pPr>
-            <a:r>
-              <a:t/>
-            </a:r>
             <a:endParaRPr/>
           </a:p>
         </p:txBody>
@@ -2791,11 +3050,11 @@
 </file>
 
 <file path=ppt/notesSlides/notesSlide9.xml><?xml version="1.0" encoding="utf-8"?>
-<p:notes xmlns:a="http://schemas.openxmlformats.org/drawingml/2006/main" xmlns:r="http://schemas.openxmlformats.org/officeDocument/2006/relationships" xmlns:mc="http://schemas.openxmlformats.org/markup-compatibility/2006" xmlns:mv="urn:schemas-microsoft-com:mac:vml" xmlns:p="http://schemas.openxmlformats.org/presentationml/2006/main" xmlns:c="http://schemas.openxmlformats.org/drawingml/2006/chart" xmlns:dgm="http://schemas.openxmlformats.org/drawingml/2006/diagram" xmlns:o="urn:schemas-microsoft-com:office:office" xmlns:v="urn:schemas-microsoft-com:vml" xmlns:pvml="urn:schemas-microsoft-com:office:powerpoint" xmlns:com="http://schemas.openxmlformats.org/drawingml/2006/compatibility" xmlns:p14="http://schemas.microsoft.com/office/powerpoint/2010/main" showMasterPhAnim="0" showMasterSp="0">
+<p:notes xmlns:a="http://schemas.openxmlformats.org/drawingml/2006/main" xmlns:r="http://schemas.openxmlformats.org/officeDocument/2006/relationships" xmlns:p="http://schemas.openxmlformats.org/presentationml/2006/main" showMasterSp="0" showMasterPhAnim="0">
   <p:cSld>
     <p:spTree>
       <p:nvGrpSpPr>
-        <p:cNvPr id="101" name="Shape 101"/>
+        <p:cNvPr id="1" name="Shape 101"/>
         <p:cNvGrpSpPr/>
         <p:nvPr/>
       </p:nvGrpSpPr>
@@ -2810,9 +3069,11 @@
       <p:sp>
         <p:nvSpPr>
           <p:cNvPr id="102" name="Shape 102"/>
-          <p:cNvSpPr/>
-          <p:nvPr>
-            <p:ph idx="2" type="sldImg"/>
+          <p:cNvSpPr>
+            <a:spLocks noGrp="1" noRot="1" noChangeAspect="1"/>
+          </p:cNvSpPr>
+          <p:nvPr>
+            <p:ph type="sldImg" idx="2"/>
           </p:nvPr>
         </p:nvSpPr>
         <p:spPr>
@@ -2821,8 +3082,13 @@
             <a:ext cx="6096000" cy="3429000"/>
           </a:xfrm>
           <a:custGeom>
+            <a:avLst/>
+            <a:gdLst/>
+            <a:ahLst/>
+            <a:cxnLst/>
+            <a:rect l="0" t="0" r="0" b="0"/>
             <a:pathLst>
-              <a:path extrusionOk="0" h="120000" w="120000">
+              <a:path w="120000" h="120000" extrusionOk="0">
                 <a:moveTo>
                   <a:pt x="0" y="0"/>
                 </a:moveTo>
@@ -2844,9 +3110,11 @@
       <p:sp>
         <p:nvSpPr>
           <p:cNvPr id="103" name="Shape 103"/>
-          <p:cNvSpPr txBox="1"/>
-          <p:nvPr>
-            <p:ph idx="1" type="body"/>
+          <p:cNvSpPr txBox="1">
+            <a:spLocks noGrp="1"/>
+          </p:cNvSpPr>
+          <p:nvPr>
+            <p:ph type="body" idx="1"/>
           </p:nvPr>
         </p:nvSpPr>
         <p:spPr>
@@ -2859,7 +3127,7 @@
           </a:prstGeom>
         </p:spPr>
         <p:txBody>
-          <a:bodyPr anchorCtr="0" anchor="t" bIns="91425" lIns="91425" rIns="91425" tIns="91425">
+          <a:bodyPr lIns="91425" tIns="91425" rIns="91425" bIns="91425" anchor="t" anchorCtr="0">
             <a:noAutofit/>
           </a:bodyPr>
           <a:lstStyle/>
@@ -2870,9 +3138,6 @@
               </a:spcBef>
               <a:buNone/>
             </a:pPr>
-            <a:r>
-              <a:t/>
-            </a:r>
             <a:endParaRPr/>
           </a:p>
         </p:txBody>
@@ -2886,11 +3151,11 @@
 </file>
 
 <file path=ppt/slideLayouts/slideLayout1.xml><?xml version="1.0" encoding="utf-8"?>
-<p:sldLayout xmlns:a="http://schemas.openxmlformats.org/drawingml/2006/main" xmlns:r="http://schemas.openxmlformats.org/officeDocument/2006/relationships" xmlns:mc="http://schemas.openxmlformats.org/markup-compatibility/2006" xmlns:mv="urn:schemas-microsoft-com:mac:vml" xmlns:p="http://schemas.openxmlformats.org/presentationml/2006/main" xmlns:c="http://schemas.openxmlformats.org/drawingml/2006/chart" xmlns:dgm="http://schemas.openxmlformats.org/drawingml/2006/diagram" xmlns:o="urn:schemas-microsoft-com:office:office" xmlns:v="urn:schemas-microsoft-com:vml" xmlns:pvml="urn:schemas-microsoft-com:office:powerpoint" xmlns:com="http://schemas.openxmlformats.org/drawingml/2006/compatibility" xmlns:p14="http://schemas.microsoft.com/office/powerpoint/2010/main" type="title">
+<p:sldLayout xmlns:a="http://schemas.openxmlformats.org/drawingml/2006/main" xmlns:r="http://schemas.openxmlformats.org/officeDocument/2006/relationships" xmlns:p="http://schemas.openxmlformats.org/presentationml/2006/main" type="title">
   <p:cSld name="Title slide">
     <p:spTree>
       <p:nvGrpSpPr>
-        <p:cNvPr id="9" name="Shape 9"/>
+        <p:cNvPr id="1" name="Shape 9"/>
         <p:cNvGrpSpPr/>
         <p:nvPr/>
       </p:nvGrpSpPr>
@@ -2905,7 +3170,9 @@
       <p:sp>
         <p:nvSpPr>
           <p:cNvPr id="10" name="Shape 10"/>
-          <p:cNvSpPr txBox="1"/>
+          <p:cNvSpPr txBox="1">
+            <a:spLocks noGrp="1"/>
+          </p:cNvSpPr>
           <p:nvPr>
             <p:ph type="ctrTitle"/>
           </p:nvPr>
@@ -2920,7 +3187,7 @@
           </a:prstGeom>
         </p:spPr>
         <p:txBody>
-          <a:bodyPr anchorCtr="0" anchor="b" bIns="91425" lIns="91425" rIns="91425" tIns="91425"/>
+          <a:bodyPr lIns="91425" tIns="91425" rIns="91425" bIns="91425" anchor="b" anchorCtr="0"/>
           <a:lstStyle>
             <a:lvl1pPr lvl="0" algn="ctr">
               <a:spcBef>
@@ -2986,15 +3253,19 @@
               <a:defRPr sz="5200"/>
             </a:lvl9pPr>
           </a:lstStyle>
-          <a:p/>
+          <a:p>
+            <a:endParaRPr/>
+          </a:p>
         </p:txBody>
       </p:sp>
       <p:sp>
         <p:nvSpPr>
           <p:cNvPr id="11" name="Shape 11"/>
-          <p:cNvSpPr txBox="1"/>
-          <p:nvPr>
-            <p:ph idx="1" type="subTitle"/>
+          <p:cNvSpPr txBox="1">
+            <a:spLocks noGrp="1"/>
+          </p:cNvSpPr>
+          <p:nvPr>
+            <p:ph type="subTitle" idx="1"/>
           </p:nvPr>
         </p:nvSpPr>
         <p:spPr>
@@ -3007,7 +3278,7 @@
           </a:prstGeom>
         </p:spPr>
         <p:txBody>
-          <a:bodyPr anchorCtr="0" anchor="t" bIns="91425" lIns="91425" rIns="91425" tIns="91425"/>
+          <a:bodyPr lIns="91425" tIns="91425" rIns="91425" bIns="91425" anchor="t" anchorCtr="0"/>
           <a:lstStyle>
             <a:lvl1pPr lvl="0" algn="ctr">
               <a:lnSpc>
@@ -3136,15 +3407,19 @@
               <a:defRPr sz="2800"/>
             </a:lvl9pPr>
           </a:lstStyle>
-          <a:p/>
+          <a:p>
+            <a:endParaRPr/>
+          </a:p>
         </p:txBody>
       </p:sp>
       <p:sp>
         <p:nvSpPr>
           <p:cNvPr id="12" name="Shape 12"/>
-          <p:cNvSpPr txBox="1"/>
-          <p:nvPr>
-            <p:ph idx="12" type="sldNum"/>
+          <p:cNvSpPr txBox="1">
+            <a:spLocks noGrp="1"/>
+          </p:cNvSpPr>
+          <p:nvPr>
+            <p:ph type="sldNum" idx="12"/>
           </p:nvPr>
         </p:nvSpPr>
         <p:spPr>
@@ -3157,7 +3432,7 @@
           </a:prstGeom>
         </p:spPr>
         <p:txBody>
-          <a:bodyPr anchorCtr="0" anchor="ctr" bIns="91425" lIns="91425" rIns="91425" tIns="91425">
+          <a:bodyPr lIns="91425" tIns="91425" rIns="91425" bIns="91425" anchor="ctr" anchorCtr="0">
             <a:noAutofit/>
           </a:bodyPr>
           <a:lstStyle/>
@@ -3172,6 +3447,7 @@
               <a:rPr lang="en"/>
               <a:t>‹#›</a:t>
             </a:fld>
+            <a:endParaRPr lang="en"/>
           </a:p>
         </p:txBody>
       </p:sp>
@@ -3184,11 +3460,11 @@
 </file>
 
 <file path=ppt/slideLayouts/slideLayout10.xml><?xml version="1.0" encoding="utf-8"?>
-<p:sldLayout xmlns:a="http://schemas.openxmlformats.org/drawingml/2006/main" xmlns:r="http://schemas.openxmlformats.org/officeDocument/2006/relationships" xmlns:mc="http://schemas.openxmlformats.org/markup-compatibility/2006" xmlns:mv="urn:schemas-microsoft-com:mac:vml" xmlns:p="http://schemas.openxmlformats.org/presentationml/2006/main" xmlns:c="http://schemas.openxmlformats.org/drawingml/2006/chart" xmlns:dgm="http://schemas.openxmlformats.org/drawingml/2006/diagram" xmlns:o="urn:schemas-microsoft-com:office:office" xmlns:v="urn:schemas-microsoft-com:vml" xmlns:pvml="urn:schemas-microsoft-com:office:powerpoint" xmlns:com="http://schemas.openxmlformats.org/drawingml/2006/compatibility" xmlns:p14="http://schemas.microsoft.com/office/powerpoint/2010/main">
+<p:sldLayout xmlns:a="http://schemas.openxmlformats.org/drawingml/2006/main" xmlns:r="http://schemas.openxmlformats.org/officeDocument/2006/relationships" xmlns:p="http://schemas.openxmlformats.org/presentationml/2006/main">
   <p:cSld name="Big number">
     <p:spTree>
       <p:nvGrpSpPr>
-        <p:cNvPr id="44" name="Shape 44"/>
+        <p:cNvPr id="1" name="Shape 44"/>
         <p:cNvGrpSpPr/>
         <p:nvPr/>
       </p:nvGrpSpPr>
@@ -3203,7 +3479,9 @@
       <p:sp>
         <p:nvSpPr>
           <p:cNvPr id="45" name="Shape 45"/>
-          <p:cNvSpPr txBox="1"/>
+          <p:cNvSpPr txBox="1">
+            <a:spLocks noGrp="1"/>
+          </p:cNvSpPr>
           <p:nvPr>
             <p:ph type="title"/>
           </p:nvPr>
@@ -3218,7 +3496,7 @@
           </a:prstGeom>
         </p:spPr>
         <p:txBody>
-          <a:bodyPr anchorCtr="0" anchor="b" bIns="91425" lIns="91425" rIns="91425" tIns="91425"/>
+          <a:bodyPr lIns="91425" tIns="91425" rIns="91425" bIns="91425" anchor="b" anchorCtr="0"/>
           <a:lstStyle>
             <a:lvl1pPr lvl="0" algn="ctr">
               <a:spcBef>
@@ -3284,15 +3562,19 @@
               <a:defRPr sz="12000"/>
             </a:lvl9pPr>
           </a:lstStyle>
-          <a:p/>
+          <a:p>
+            <a:endParaRPr/>
+          </a:p>
         </p:txBody>
       </p:sp>
       <p:sp>
         <p:nvSpPr>
           <p:cNvPr id="46" name="Shape 46"/>
-          <p:cNvSpPr txBox="1"/>
-          <p:nvPr>
-            <p:ph idx="1" type="body"/>
+          <p:cNvSpPr txBox="1">
+            <a:spLocks noGrp="1"/>
+          </p:cNvSpPr>
+          <p:nvPr>
+            <p:ph type="body" idx="1"/>
           </p:nvPr>
         </p:nvSpPr>
         <p:spPr>
@@ -3305,7 +3587,7 @@
           </a:prstGeom>
         </p:spPr>
         <p:txBody>
-          <a:bodyPr anchorCtr="0" anchor="t" bIns="91425" lIns="91425" rIns="91425" tIns="91425"/>
+          <a:bodyPr lIns="91425" tIns="91425" rIns="91425" bIns="91425" anchor="t" anchorCtr="0"/>
           <a:lstStyle>
             <a:lvl1pPr lvl="0" algn="ctr">
               <a:spcBef>
@@ -3362,15 +3644,19 @@
               <a:defRPr/>
             </a:lvl9pPr>
           </a:lstStyle>
-          <a:p/>
+          <a:p>
+            <a:endParaRPr/>
+          </a:p>
         </p:txBody>
       </p:sp>
       <p:sp>
         <p:nvSpPr>
           <p:cNvPr id="47" name="Shape 47"/>
-          <p:cNvSpPr txBox="1"/>
-          <p:nvPr>
-            <p:ph idx="12" type="sldNum"/>
+          <p:cNvSpPr txBox="1">
+            <a:spLocks noGrp="1"/>
+          </p:cNvSpPr>
+          <p:nvPr>
+            <p:ph type="sldNum" idx="12"/>
           </p:nvPr>
         </p:nvSpPr>
         <p:spPr>
@@ -3383,7 +3669,7 @@
           </a:prstGeom>
         </p:spPr>
         <p:txBody>
-          <a:bodyPr anchorCtr="0" anchor="ctr" bIns="91425" lIns="91425" rIns="91425" tIns="91425">
+          <a:bodyPr lIns="91425" tIns="91425" rIns="91425" bIns="91425" anchor="ctr" anchorCtr="0">
             <a:noAutofit/>
           </a:bodyPr>
           <a:lstStyle/>
@@ -3398,6 +3684,7 @@
               <a:rPr lang="en"/>
               <a:t>‹#›</a:t>
             </a:fld>
+            <a:endParaRPr lang="en"/>
           </a:p>
         </p:txBody>
       </p:sp>
@@ -3410,11 +3697,11 @@
 </file>
 
 <file path=ppt/slideLayouts/slideLayout11.xml><?xml version="1.0" encoding="utf-8"?>
-<p:sldLayout xmlns:a="http://schemas.openxmlformats.org/drawingml/2006/main" xmlns:r="http://schemas.openxmlformats.org/officeDocument/2006/relationships" xmlns:mc="http://schemas.openxmlformats.org/markup-compatibility/2006" xmlns:mv="urn:schemas-microsoft-com:mac:vml" xmlns:p="http://schemas.openxmlformats.org/presentationml/2006/main" xmlns:c="http://schemas.openxmlformats.org/drawingml/2006/chart" xmlns:dgm="http://schemas.openxmlformats.org/drawingml/2006/diagram" xmlns:o="urn:schemas-microsoft-com:office:office" xmlns:v="urn:schemas-microsoft-com:vml" xmlns:pvml="urn:schemas-microsoft-com:office:powerpoint" xmlns:com="http://schemas.openxmlformats.org/drawingml/2006/compatibility" xmlns:p14="http://schemas.microsoft.com/office/powerpoint/2010/main" type="blank">
+<p:sldLayout xmlns:a="http://schemas.openxmlformats.org/drawingml/2006/main" xmlns:r="http://schemas.openxmlformats.org/officeDocument/2006/relationships" xmlns:p="http://schemas.openxmlformats.org/presentationml/2006/main" type="blank">
   <p:cSld name="Blank">
     <p:spTree>
       <p:nvGrpSpPr>
-        <p:cNvPr id="48" name="Shape 48"/>
+        <p:cNvPr id="1" name="Shape 48"/>
         <p:cNvGrpSpPr/>
         <p:nvPr/>
       </p:nvGrpSpPr>
@@ -3429,9 +3716,11 @@
       <p:sp>
         <p:nvSpPr>
           <p:cNvPr id="49" name="Shape 49"/>
-          <p:cNvSpPr txBox="1"/>
-          <p:nvPr>
-            <p:ph idx="12" type="sldNum"/>
+          <p:cNvSpPr txBox="1">
+            <a:spLocks noGrp="1"/>
+          </p:cNvSpPr>
+          <p:nvPr>
+            <p:ph type="sldNum" idx="12"/>
           </p:nvPr>
         </p:nvSpPr>
         <p:spPr>
@@ -3444,7 +3733,7 @@
           </a:prstGeom>
         </p:spPr>
         <p:txBody>
-          <a:bodyPr anchorCtr="0" anchor="ctr" bIns="91425" lIns="91425" rIns="91425" tIns="91425">
+          <a:bodyPr lIns="91425" tIns="91425" rIns="91425" bIns="91425" anchor="ctr" anchorCtr="0">
             <a:noAutofit/>
           </a:bodyPr>
           <a:lstStyle/>
@@ -3459,6 +3748,7 @@
               <a:rPr lang="en"/>
               <a:t>‹#›</a:t>
             </a:fld>
+            <a:endParaRPr lang="en"/>
           </a:p>
         </p:txBody>
       </p:sp>
@@ -3471,11 +3761,11 @@
 </file>
 
 <file path=ppt/slideLayouts/slideLayout2.xml><?xml version="1.0" encoding="utf-8"?>
-<p:sldLayout xmlns:a="http://schemas.openxmlformats.org/drawingml/2006/main" xmlns:r="http://schemas.openxmlformats.org/officeDocument/2006/relationships" xmlns:mc="http://schemas.openxmlformats.org/markup-compatibility/2006" xmlns:mv="urn:schemas-microsoft-com:mac:vml" xmlns:p="http://schemas.openxmlformats.org/presentationml/2006/main" xmlns:c="http://schemas.openxmlformats.org/drawingml/2006/chart" xmlns:dgm="http://schemas.openxmlformats.org/drawingml/2006/diagram" xmlns:o="urn:schemas-microsoft-com:office:office" xmlns:v="urn:schemas-microsoft-com:vml" xmlns:pvml="urn:schemas-microsoft-com:office:powerpoint" xmlns:com="http://schemas.openxmlformats.org/drawingml/2006/compatibility" xmlns:p14="http://schemas.microsoft.com/office/powerpoint/2010/main" type="secHead">
+<p:sldLayout xmlns:a="http://schemas.openxmlformats.org/drawingml/2006/main" xmlns:r="http://schemas.openxmlformats.org/officeDocument/2006/relationships" xmlns:p="http://schemas.openxmlformats.org/presentationml/2006/main" type="secHead">
   <p:cSld name="Section header">
     <p:spTree>
       <p:nvGrpSpPr>
-        <p:cNvPr id="13" name="Shape 13"/>
+        <p:cNvPr id="1" name="Shape 13"/>
         <p:cNvGrpSpPr/>
         <p:nvPr/>
       </p:nvGrpSpPr>
@@ -3490,7 +3780,9 @@
       <p:sp>
         <p:nvSpPr>
           <p:cNvPr id="14" name="Shape 14"/>
-          <p:cNvSpPr txBox="1"/>
+          <p:cNvSpPr txBox="1">
+            <a:spLocks noGrp="1"/>
+          </p:cNvSpPr>
           <p:nvPr>
             <p:ph type="title"/>
           </p:nvPr>
@@ -3505,7 +3797,7 @@
           </a:prstGeom>
         </p:spPr>
         <p:txBody>
-          <a:bodyPr anchorCtr="0" anchor="ctr" bIns="91425" lIns="91425" rIns="91425" tIns="91425"/>
+          <a:bodyPr lIns="91425" tIns="91425" rIns="91425" bIns="91425" anchor="ctr" anchorCtr="0"/>
           <a:lstStyle>
             <a:lvl1pPr lvl="0" algn="ctr">
               <a:spcBef>
@@ -3571,15 +3863,19 @@
               <a:defRPr sz="3600"/>
             </a:lvl9pPr>
           </a:lstStyle>
-          <a:p/>
+          <a:p>
+            <a:endParaRPr/>
+          </a:p>
         </p:txBody>
       </p:sp>
       <p:sp>
         <p:nvSpPr>
           <p:cNvPr id="15" name="Shape 15"/>
-          <p:cNvSpPr txBox="1"/>
-          <p:nvPr>
-            <p:ph idx="12" type="sldNum"/>
+          <p:cNvSpPr txBox="1">
+            <a:spLocks noGrp="1"/>
+          </p:cNvSpPr>
+          <p:nvPr>
+            <p:ph type="sldNum" idx="12"/>
           </p:nvPr>
         </p:nvSpPr>
         <p:spPr>
@@ -3592,7 +3888,7 @@
           </a:prstGeom>
         </p:spPr>
         <p:txBody>
-          <a:bodyPr anchorCtr="0" anchor="ctr" bIns="91425" lIns="91425" rIns="91425" tIns="91425">
+          <a:bodyPr lIns="91425" tIns="91425" rIns="91425" bIns="91425" anchor="ctr" anchorCtr="0">
             <a:noAutofit/>
           </a:bodyPr>
           <a:lstStyle/>
@@ -3607,6 +3903,7 @@
               <a:rPr lang="en"/>
               <a:t>‹#›</a:t>
             </a:fld>
+            <a:endParaRPr lang="en"/>
           </a:p>
         </p:txBody>
       </p:sp>
@@ -3619,11 +3916,11 @@
 </file>
 
 <file path=ppt/slideLayouts/slideLayout3.xml><?xml version="1.0" encoding="utf-8"?>
-<p:sldLayout xmlns:a="http://schemas.openxmlformats.org/drawingml/2006/main" xmlns:r="http://schemas.openxmlformats.org/officeDocument/2006/relationships" xmlns:mc="http://schemas.openxmlformats.org/markup-compatibility/2006" xmlns:mv="urn:schemas-microsoft-com:mac:vml" xmlns:p="http://schemas.openxmlformats.org/presentationml/2006/main" xmlns:c="http://schemas.openxmlformats.org/drawingml/2006/chart" xmlns:dgm="http://schemas.openxmlformats.org/drawingml/2006/diagram" xmlns:o="urn:schemas-microsoft-com:office:office" xmlns:v="urn:schemas-microsoft-com:vml" xmlns:pvml="urn:schemas-microsoft-com:office:powerpoint" xmlns:com="http://schemas.openxmlformats.org/drawingml/2006/compatibility" xmlns:p14="http://schemas.microsoft.com/office/powerpoint/2010/main" type="tx">
+<p:sldLayout xmlns:a="http://schemas.openxmlformats.org/drawingml/2006/main" xmlns:r="http://schemas.openxmlformats.org/officeDocument/2006/relationships" xmlns:p="http://schemas.openxmlformats.org/presentationml/2006/main" type="tx">
   <p:cSld name="Title and body">
     <p:spTree>
       <p:nvGrpSpPr>
-        <p:cNvPr id="16" name="Shape 16"/>
+        <p:cNvPr id="1" name="Shape 16"/>
         <p:cNvGrpSpPr/>
         <p:nvPr/>
       </p:nvGrpSpPr>
@@ -3638,7 +3935,9 @@
       <p:sp>
         <p:nvSpPr>
           <p:cNvPr id="17" name="Shape 17"/>
-          <p:cNvSpPr txBox="1"/>
+          <p:cNvSpPr txBox="1">
+            <a:spLocks noGrp="1"/>
+          </p:cNvSpPr>
           <p:nvPr>
             <p:ph type="title"/>
           </p:nvPr>
@@ -3653,7 +3952,7 @@
           </a:prstGeom>
         </p:spPr>
         <p:txBody>
-          <a:bodyPr anchorCtr="0" anchor="t" bIns="91425" lIns="91425" rIns="91425" tIns="91425"/>
+          <a:bodyPr lIns="91425" tIns="91425" rIns="91425" bIns="91425" anchor="t" anchorCtr="0"/>
           <a:lstStyle>
             <a:lvl1pPr lvl="0">
               <a:spcBef>
@@ -3710,15 +4009,19 @@
               <a:defRPr/>
             </a:lvl9pPr>
           </a:lstStyle>
-          <a:p/>
+          <a:p>
+            <a:endParaRPr/>
+          </a:p>
         </p:txBody>
       </p:sp>
       <p:sp>
         <p:nvSpPr>
           <p:cNvPr id="18" name="Shape 18"/>
-          <p:cNvSpPr txBox="1"/>
-          <p:nvPr>
-            <p:ph idx="1" type="body"/>
+          <p:cNvSpPr txBox="1">
+            <a:spLocks noGrp="1"/>
+          </p:cNvSpPr>
+          <p:nvPr>
+            <p:ph type="body" idx="1"/>
           </p:nvPr>
         </p:nvSpPr>
         <p:spPr>
@@ -3731,7 +4034,7 @@
           </a:prstGeom>
         </p:spPr>
         <p:txBody>
-          <a:bodyPr anchorCtr="0" anchor="t" bIns="91425" lIns="91425" rIns="91425" tIns="91425"/>
+          <a:bodyPr lIns="91425" tIns="91425" rIns="91425" bIns="91425" anchor="t" anchorCtr="0"/>
           <a:lstStyle>
             <a:lvl1pPr lvl="0">
               <a:spcBef>
@@ -3788,15 +4091,19 @@
               <a:defRPr/>
             </a:lvl9pPr>
           </a:lstStyle>
-          <a:p/>
+          <a:p>
+            <a:endParaRPr/>
+          </a:p>
         </p:txBody>
       </p:sp>
       <p:sp>
         <p:nvSpPr>
           <p:cNvPr id="19" name="Shape 19"/>
-          <p:cNvSpPr txBox="1"/>
-          <p:nvPr>
-            <p:ph idx="12" type="sldNum"/>
+          <p:cNvSpPr txBox="1">
+            <a:spLocks noGrp="1"/>
+          </p:cNvSpPr>
+          <p:nvPr>
+            <p:ph type="sldNum" idx="12"/>
           </p:nvPr>
         </p:nvSpPr>
         <p:spPr>
@@ -3809,7 +4116,7 @@
           </a:prstGeom>
         </p:spPr>
         <p:txBody>
-          <a:bodyPr anchorCtr="0" anchor="ctr" bIns="91425" lIns="91425" rIns="91425" tIns="91425">
+          <a:bodyPr lIns="91425" tIns="91425" rIns="91425" bIns="91425" anchor="ctr" anchorCtr="0">
             <a:noAutofit/>
           </a:bodyPr>
           <a:lstStyle/>
@@ -3824,6 +4131,7 @@
               <a:rPr lang="en"/>
               <a:t>‹#›</a:t>
             </a:fld>
+            <a:endParaRPr lang="en"/>
           </a:p>
         </p:txBody>
       </p:sp>
@@ -3836,11 +4144,11 @@
 </file>
 
 <file path=ppt/slideLayouts/slideLayout4.xml><?xml version="1.0" encoding="utf-8"?>
-<p:sldLayout xmlns:a="http://schemas.openxmlformats.org/drawingml/2006/main" xmlns:r="http://schemas.openxmlformats.org/officeDocument/2006/relationships" xmlns:mc="http://schemas.openxmlformats.org/markup-compatibility/2006" xmlns:mv="urn:schemas-microsoft-com:mac:vml" xmlns:p="http://schemas.openxmlformats.org/presentationml/2006/main" xmlns:c="http://schemas.openxmlformats.org/drawingml/2006/chart" xmlns:dgm="http://schemas.openxmlformats.org/drawingml/2006/diagram" xmlns:o="urn:schemas-microsoft-com:office:office" xmlns:v="urn:schemas-microsoft-com:vml" xmlns:pvml="urn:schemas-microsoft-com:office:powerpoint" xmlns:com="http://schemas.openxmlformats.org/drawingml/2006/compatibility" xmlns:p14="http://schemas.microsoft.com/office/powerpoint/2010/main" type="twoColTx">
+<p:sldLayout xmlns:a="http://schemas.openxmlformats.org/drawingml/2006/main" xmlns:r="http://schemas.openxmlformats.org/officeDocument/2006/relationships" xmlns:p="http://schemas.openxmlformats.org/presentationml/2006/main" type="twoColTx">
   <p:cSld name="Title and two columns">
     <p:spTree>
       <p:nvGrpSpPr>
-        <p:cNvPr id="20" name="Shape 20"/>
+        <p:cNvPr id="1" name="Shape 20"/>
         <p:cNvGrpSpPr/>
         <p:nvPr/>
       </p:nvGrpSpPr>
@@ -3855,7 +4163,9 @@
       <p:sp>
         <p:nvSpPr>
           <p:cNvPr id="21" name="Shape 21"/>
-          <p:cNvSpPr txBox="1"/>
+          <p:cNvSpPr txBox="1">
+            <a:spLocks noGrp="1"/>
+          </p:cNvSpPr>
           <p:nvPr>
             <p:ph type="title"/>
           </p:nvPr>
@@ -3870,7 +4180,7 @@
           </a:prstGeom>
         </p:spPr>
         <p:txBody>
-          <a:bodyPr anchorCtr="0" anchor="t" bIns="91425" lIns="91425" rIns="91425" tIns="91425"/>
+          <a:bodyPr lIns="91425" tIns="91425" rIns="91425" bIns="91425" anchor="t" anchorCtr="0"/>
           <a:lstStyle>
             <a:lvl1pPr lvl="0">
               <a:spcBef>
@@ -3927,15 +4237,19 @@
               <a:defRPr/>
             </a:lvl9pPr>
           </a:lstStyle>
-          <a:p/>
+          <a:p>
+            <a:endParaRPr/>
+          </a:p>
         </p:txBody>
       </p:sp>
       <p:sp>
         <p:nvSpPr>
           <p:cNvPr id="22" name="Shape 22"/>
-          <p:cNvSpPr txBox="1"/>
-          <p:nvPr>
-            <p:ph idx="1" type="body"/>
+          <p:cNvSpPr txBox="1">
+            <a:spLocks noGrp="1"/>
+          </p:cNvSpPr>
+          <p:nvPr>
+            <p:ph type="body" idx="1"/>
           </p:nvPr>
         </p:nvSpPr>
         <p:spPr>
@@ -3948,7 +4262,7 @@
           </a:prstGeom>
         </p:spPr>
         <p:txBody>
-          <a:bodyPr anchorCtr="0" anchor="t" bIns="91425" lIns="91425" rIns="91425" tIns="91425"/>
+          <a:bodyPr lIns="91425" tIns="91425" rIns="91425" bIns="91425" anchor="t" anchorCtr="0"/>
           <a:lstStyle>
             <a:lvl1pPr lvl="0">
               <a:spcBef>
@@ -4014,15 +4328,19 @@
               <a:defRPr sz="1200"/>
             </a:lvl9pPr>
           </a:lstStyle>
-          <a:p/>
+          <a:p>
+            <a:endParaRPr/>
+          </a:p>
         </p:txBody>
       </p:sp>
       <p:sp>
         <p:nvSpPr>
           <p:cNvPr id="23" name="Shape 23"/>
-          <p:cNvSpPr txBox="1"/>
-          <p:nvPr>
-            <p:ph idx="2" type="body"/>
+          <p:cNvSpPr txBox="1">
+            <a:spLocks noGrp="1"/>
+          </p:cNvSpPr>
+          <p:nvPr>
+            <p:ph type="body" idx="2"/>
           </p:nvPr>
         </p:nvSpPr>
         <p:spPr>
@@ -4035,7 +4353,7 @@
           </a:prstGeom>
         </p:spPr>
         <p:txBody>
-          <a:bodyPr anchorCtr="0" anchor="t" bIns="91425" lIns="91425" rIns="91425" tIns="91425"/>
+          <a:bodyPr lIns="91425" tIns="91425" rIns="91425" bIns="91425" anchor="t" anchorCtr="0"/>
           <a:lstStyle>
             <a:lvl1pPr lvl="0">
               <a:spcBef>
@@ -4101,15 +4419,19 @@
               <a:defRPr sz="1200"/>
             </a:lvl9pPr>
           </a:lstStyle>
-          <a:p/>
+          <a:p>
+            <a:endParaRPr/>
+          </a:p>
         </p:txBody>
       </p:sp>
       <p:sp>
         <p:nvSpPr>
           <p:cNvPr id="24" name="Shape 24"/>
-          <p:cNvSpPr txBox="1"/>
-          <p:nvPr>
-            <p:ph idx="12" type="sldNum"/>
+          <p:cNvSpPr txBox="1">
+            <a:spLocks noGrp="1"/>
+          </p:cNvSpPr>
+          <p:nvPr>
+            <p:ph type="sldNum" idx="12"/>
           </p:nvPr>
         </p:nvSpPr>
         <p:spPr>
@@ -4122,7 +4444,7 @@
           </a:prstGeom>
         </p:spPr>
         <p:txBody>
-          <a:bodyPr anchorCtr="0" anchor="ctr" bIns="91425" lIns="91425" rIns="91425" tIns="91425">
+          <a:bodyPr lIns="91425" tIns="91425" rIns="91425" bIns="91425" anchor="ctr" anchorCtr="0">
             <a:noAutofit/>
           </a:bodyPr>
           <a:lstStyle/>
@@ -4137,6 +4459,7 @@
               <a:rPr lang="en"/>
               <a:t>‹#›</a:t>
             </a:fld>
+            <a:endParaRPr lang="en"/>
           </a:p>
         </p:txBody>
       </p:sp>
@@ -4149,11 +4472,11 @@
 </file>
 
 <file path=ppt/slideLayouts/slideLayout5.xml><?xml version="1.0" encoding="utf-8"?>
-<p:sldLayout xmlns:a="http://schemas.openxmlformats.org/drawingml/2006/main" xmlns:r="http://schemas.openxmlformats.org/officeDocument/2006/relationships" xmlns:mc="http://schemas.openxmlformats.org/markup-compatibility/2006" xmlns:mv="urn:schemas-microsoft-com:mac:vml" xmlns:p="http://schemas.openxmlformats.org/presentationml/2006/main" xmlns:c="http://schemas.openxmlformats.org/drawingml/2006/chart" xmlns:dgm="http://schemas.openxmlformats.org/drawingml/2006/diagram" xmlns:o="urn:schemas-microsoft-com:office:office" xmlns:v="urn:schemas-microsoft-com:vml" xmlns:pvml="urn:schemas-microsoft-com:office:powerpoint" xmlns:com="http://schemas.openxmlformats.org/drawingml/2006/compatibility" xmlns:p14="http://schemas.microsoft.com/office/powerpoint/2010/main" type="titleOnly">
+<p:sldLayout xmlns:a="http://schemas.openxmlformats.org/drawingml/2006/main" xmlns:r="http://schemas.openxmlformats.org/officeDocument/2006/relationships" xmlns:p="http://schemas.openxmlformats.org/presentationml/2006/main" type="titleOnly">
   <p:cSld name="Title only">
     <p:spTree>
       <p:nvGrpSpPr>
-        <p:cNvPr id="25" name="Shape 25"/>
+        <p:cNvPr id="1" name="Shape 25"/>
         <p:cNvGrpSpPr/>
         <p:nvPr/>
       </p:nvGrpSpPr>
@@ -4168,7 +4491,9 @@
       <p:sp>
         <p:nvSpPr>
           <p:cNvPr id="26" name="Shape 26"/>
-          <p:cNvSpPr txBox="1"/>
+          <p:cNvSpPr txBox="1">
+            <a:spLocks noGrp="1"/>
+          </p:cNvSpPr>
           <p:nvPr>
             <p:ph type="title"/>
           </p:nvPr>
@@ -4183,7 +4508,7 @@
           </a:prstGeom>
         </p:spPr>
         <p:txBody>
-          <a:bodyPr anchorCtr="0" anchor="t" bIns="91425" lIns="91425" rIns="91425" tIns="91425"/>
+          <a:bodyPr lIns="91425" tIns="91425" rIns="91425" bIns="91425" anchor="t" anchorCtr="0"/>
           <a:lstStyle>
             <a:lvl1pPr lvl="0">
               <a:spcBef>
@@ -4240,15 +4565,19 @@
               <a:defRPr/>
             </a:lvl9pPr>
           </a:lstStyle>
-          <a:p/>
+          <a:p>
+            <a:endParaRPr/>
+          </a:p>
         </p:txBody>
       </p:sp>
       <p:sp>
         <p:nvSpPr>
           <p:cNvPr id="27" name="Shape 27"/>
-          <p:cNvSpPr txBox="1"/>
-          <p:nvPr>
-            <p:ph idx="12" type="sldNum"/>
+          <p:cNvSpPr txBox="1">
+            <a:spLocks noGrp="1"/>
+          </p:cNvSpPr>
+          <p:nvPr>
+            <p:ph type="sldNum" idx="12"/>
           </p:nvPr>
         </p:nvSpPr>
         <p:spPr>
@@ -4261,7 +4590,7 @@
           </a:prstGeom>
         </p:spPr>
         <p:txBody>
-          <a:bodyPr anchorCtr="0" anchor="ctr" bIns="91425" lIns="91425" rIns="91425" tIns="91425">
+          <a:bodyPr lIns="91425" tIns="91425" rIns="91425" bIns="91425" anchor="ctr" anchorCtr="0">
             <a:noAutofit/>
           </a:bodyPr>
           <a:lstStyle/>
@@ -4276,6 +4605,7 @@
               <a:rPr lang="en"/>
               <a:t>‹#›</a:t>
             </a:fld>
+            <a:endParaRPr lang="en"/>
           </a:p>
         </p:txBody>
       </p:sp>
@@ -4288,11 +4618,11 @@
 </file>
 
 <file path=ppt/slideLayouts/slideLayout6.xml><?xml version="1.0" encoding="utf-8"?>
-<p:sldLayout xmlns:a="http://schemas.openxmlformats.org/drawingml/2006/main" xmlns:r="http://schemas.openxmlformats.org/officeDocument/2006/relationships" xmlns:mc="http://schemas.openxmlformats.org/markup-compatibility/2006" xmlns:mv="urn:schemas-microsoft-com:mac:vml" xmlns:p="http://schemas.openxmlformats.org/presentationml/2006/main" xmlns:c="http://schemas.openxmlformats.org/drawingml/2006/chart" xmlns:dgm="http://schemas.openxmlformats.org/drawingml/2006/diagram" xmlns:o="urn:schemas-microsoft-com:office:office" xmlns:v="urn:schemas-microsoft-com:vml" xmlns:pvml="urn:schemas-microsoft-com:office:powerpoint" xmlns:com="http://schemas.openxmlformats.org/drawingml/2006/compatibility" xmlns:p14="http://schemas.microsoft.com/office/powerpoint/2010/main">
+<p:sldLayout xmlns:a="http://schemas.openxmlformats.org/drawingml/2006/main" xmlns:r="http://schemas.openxmlformats.org/officeDocument/2006/relationships" xmlns:p="http://schemas.openxmlformats.org/presentationml/2006/main">
   <p:cSld name="One column text">
     <p:spTree>
       <p:nvGrpSpPr>
-        <p:cNvPr id="28" name="Shape 28"/>
+        <p:cNvPr id="1" name="Shape 28"/>
         <p:cNvGrpSpPr/>
         <p:nvPr/>
       </p:nvGrpSpPr>
@@ -4307,7 +4637,9 @@
       <p:sp>
         <p:nvSpPr>
           <p:cNvPr id="29" name="Shape 29"/>
-          <p:cNvSpPr txBox="1"/>
+          <p:cNvSpPr txBox="1">
+            <a:spLocks noGrp="1"/>
+          </p:cNvSpPr>
           <p:nvPr>
             <p:ph type="title"/>
           </p:nvPr>
@@ -4322,7 +4654,7 @@
           </a:prstGeom>
         </p:spPr>
         <p:txBody>
-          <a:bodyPr anchorCtr="0" anchor="b" bIns="91425" lIns="91425" rIns="91425" tIns="91425"/>
+          <a:bodyPr lIns="91425" tIns="91425" rIns="91425" bIns="91425" anchor="b" anchorCtr="0"/>
           <a:lstStyle>
             <a:lvl1pPr lvl="0">
               <a:spcBef>
@@ -4388,15 +4720,19 @@
               <a:defRPr sz="2400"/>
             </a:lvl9pPr>
           </a:lstStyle>
-          <a:p/>
+          <a:p>
+            <a:endParaRPr/>
+          </a:p>
         </p:txBody>
       </p:sp>
       <p:sp>
         <p:nvSpPr>
           <p:cNvPr id="30" name="Shape 30"/>
-          <p:cNvSpPr txBox="1"/>
-          <p:nvPr>
-            <p:ph idx="1" type="body"/>
+          <p:cNvSpPr txBox="1">
+            <a:spLocks noGrp="1"/>
+          </p:cNvSpPr>
+          <p:nvPr>
+            <p:ph type="body" idx="1"/>
           </p:nvPr>
         </p:nvSpPr>
         <p:spPr>
@@ -4409,7 +4745,7 @@
           </a:prstGeom>
         </p:spPr>
         <p:txBody>
-          <a:bodyPr anchorCtr="0" anchor="t" bIns="91425" lIns="91425" rIns="91425" tIns="91425"/>
+          <a:bodyPr lIns="91425" tIns="91425" rIns="91425" bIns="91425" anchor="t" anchorCtr="0"/>
           <a:lstStyle>
             <a:lvl1pPr lvl="0">
               <a:spcBef>
@@ -4475,15 +4811,19 @@
               <a:defRPr sz="1200"/>
             </a:lvl9pPr>
           </a:lstStyle>
-          <a:p/>
+          <a:p>
+            <a:endParaRPr/>
+          </a:p>
         </p:txBody>
       </p:sp>
       <p:sp>
         <p:nvSpPr>
           <p:cNvPr id="31" name="Shape 31"/>
-          <p:cNvSpPr txBox="1"/>
-          <p:nvPr>
-            <p:ph idx="12" type="sldNum"/>
+          <p:cNvSpPr txBox="1">
+            <a:spLocks noGrp="1"/>
+          </p:cNvSpPr>
+          <p:nvPr>
+            <p:ph type="sldNum" idx="12"/>
           </p:nvPr>
         </p:nvSpPr>
         <p:spPr>
@@ -4496,7 +4836,7 @@
           </a:prstGeom>
         </p:spPr>
         <p:txBody>
-          <a:bodyPr anchorCtr="0" anchor="ctr" bIns="91425" lIns="91425" rIns="91425" tIns="91425">
+          <a:bodyPr lIns="91425" tIns="91425" rIns="91425" bIns="91425" anchor="ctr" anchorCtr="0">
             <a:noAutofit/>
           </a:bodyPr>
           <a:lstStyle/>
@@ -4511,6 +4851,7 @@
               <a:rPr lang="en"/>
               <a:t>‹#›</a:t>
             </a:fld>
+            <a:endParaRPr lang="en"/>
           </a:p>
         </p:txBody>
       </p:sp>
@@ -4523,11 +4864,11 @@
 </file>
 
 <file path=ppt/slideLayouts/slideLayout7.xml><?xml version="1.0" encoding="utf-8"?>
-<p:sldLayout xmlns:a="http://schemas.openxmlformats.org/drawingml/2006/main" xmlns:r="http://schemas.openxmlformats.org/officeDocument/2006/relationships" xmlns:mc="http://schemas.openxmlformats.org/markup-compatibility/2006" xmlns:mv="urn:schemas-microsoft-com:mac:vml" xmlns:p="http://schemas.openxmlformats.org/presentationml/2006/main" xmlns:c="http://schemas.openxmlformats.org/drawingml/2006/chart" xmlns:dgm="http://schemas.openxmlformats.org/drawingml/2006/diagram" xmlns:o="urn:schemas-microsoft-com:office:office" xmlns:v="urn:schemas-microsoft-com:vml" xmlns:pvml="urn:schemas-microsoft-com:office:powerpoint" xmlns:com="http://schemas.openxmlformats.org/drawingml/2006/compatibility" xmlns:p14="http://schemas.microsoft.com/office/powerpoint/2010/main">
+<p:sldLayout xmlns:a="http://schemas.openxmlformats.org/drawingml/2006/main" xmlns:r="http://schemas.openxmlformats.org/officeDocument/2006/relationships" xmlns:p="http://schemas.openxmlformats.org/presentationml/2006/main">
   <p:cSld name="Main point">
     <p:spTree>
       <p:nvGrpSpPr>
-        <p:cNvPr id="32" name="Shape 32"/>
+        <p:cNvPr id="1" name="Shape 32"/>
         <p:cNvGrpSpPr/>
         <p:nvPr/>
       </p:nvGrpSpPr>
@@ -4542,7 +4883,9 @@
       <p:sp>
         <p:nvSpPr>
           <p:cNvPr id="33" name="Shape 33"/>
-          <p:cNvSpPr txBox="1"/>
+          <p:cNvSpPr txBox="1">
+            <a:spLocks noGrp="1"/>
+          </p:cNvSpPr>
           <p:nvPr>
             <p:ph type="title"/>
           </p:nvPr>
@@ -4557,7 +4900,7 @@
           </a:prstGeom>
         </p:spPr>
         <p:txBody>
-          <a:bodyPr anchorCtr="0" anchor="ctr" bIns="91425" lIns="91425" rIns="91425" tIns="91425"/>
+          <a:bodyPr lIns="91425" tIns="91425" rIns="91425" bIns="91425" anchor="ctr" anchorCtr="0"/>
           <a:lstStyle>
             <a:lvl1pPr lvl="0">
               <a:spcBef>
@@ -4623,15 +4966,19 @@
               <a:defRPr sz="4800"/>
             </a:lvl9pPr>
           </a:lstStyle>
-          <a:p/>
+          <a:p>
+            <a:endParaRPr/>
+          </a:p>
         </p:txBody>
       </p:sp>
       <p:sp>
         <p:nvSpPr>
           <p:cNvPr id="34" name="Shape 34"/>
-          <p:cNvSpPr txBox="1"/>
-          <p:nvPr>
-            <p:ph idx="12" type="sldNum"/>
+          <p:cNvSpPr txBox="1">
+            <a:spLocks noGrp="1"/>
+          </p:cNvSpPr>
+          <p:nvPr>
+            <p:ph type="sldNum" idx="12"/>
           </p:nvPr>
         </p:nvSpPr>
         <p:spPr>
@@ -4644,7 +4991,7 @@
           </a:prstGeom>
         </p:spPr>
         <p:txBody>
-          <a:bodyPr anchorCtr="0" anchor="ctr" bIns="91425" lIns="91425" rIns="91425" tIns="91425">
+          <a:bodyPr lIns="91425" tIns="91425" rIns="91425" bIns="91425" anchor="ctr" anchorCtr="0">
             <a:noAutofit/>
           </a:bodyPr>
           <a:lstStyle/>
@@ -4659,6 +5006,7 @@
               <a:rPr lang="en"/>
               <a:t>‹#›</a:t>
             </a:fld>
+            <a:endParaRPr lang="en"/>
           </a:p>
         </p:txBody>
       </p:sp>
@@ -4671,11 +5019,11 @@
 </file>
 
 <file path=ppt/slideLayouts/slideLayout8.xml><?xml version="1.0" encoding="utf-8"?>
-<p:sldLayout xmlns:a="http://schemas.openxmlformats.org/drawingml/2006/main" xmlns:r="http://schemas.openxmlformats.org/officeDocument/2006/relationships" xmlns:mc="http://schemas.openxmlformats.org/markup-compatibility/2006" xmlns:mv="urn:schemas-microsoft-com:mac:vml" xmlns:p="http://schemas.openxmlformats.org/presentationml/2006/main" xmlns:c="http://schemas.openxmlformats.org/drawingml/2006/chart" xmlns:dgm="http://schemas.openxmlformats.org/drawingml/2006/diagram" xmlns:o="urn:schemas-microsoft-com:office:office" xmlns:v="urn:schemas-microsoft-com:vml" xmlns:pvml="urn:schemas-microsoft-com:office:powerpoint" xmlns:com="http://schemas.openxmlformats.org/drawingml/2006/compatibility" xmlns:p14="http://schemas.microsoft.com/office/powerpoint/2010/main">
+<p:sldLayout xmlns:a="http://schemas.openxmlformats.org/drawingml/2006/main" xmlns:r="http://schemas.openxmlformats.org/officeDocument/2006/relationships" xmlns:p="http://schemas.openxmlformats.org/presentationml/2006/main">
   <p:cSld name="Section title and description">
     <p:spTree>
       <p:nvGrpSpPr>
-        <p:cNvPr id="35" name="Shape 35"/>
+        <p:cNvPr id="1" name="Shape 35"/>
         <p:cNvGrpSpPr/>
         <p:nvPr/>
       </p:nvGrpSpPr>
@@ -4709,7 +5057,7 @@
           </a:ln>
         </p:spPr>
         <p:txBody>
-          <a:bodyPr anchorCtr="0" anchor="ctr" bIns="91425" lIns="91425" rIns="91425" tIns="91425">
+          <a:bodyPr lIns="91425" tIns="91425" rIns="91425" bIns="91425" anchor="ctr" anchorCtr="0">
             <a:noAutofit/>
           </a:bodyPr>
           <a:lstStyle/>
@@ -4720,9 +5068,6 @@
               </a:spcBef>
               <a:buNone/>
             </a:pPr>
-            <a:r>
-              <a:t/>
-            </a:r>
             <a:endParaRPr/>
           </a:p>
         </p:txBody>
@@ -4730,7 +5075,9 @@
       <p:sp>
         <p:nvSpPr>
           <p:cNvPr id="37" name="Shape 37"/>
-          <p:cNvSpPr txBox="1"/>
+          <p:cNvSpPr txBox="1">
+            <a:spLocks noGrp="1"/>
+          </p:cNvSpPr>
           <p:nvPr>
             <p:ph type="title"/>
           </p:nvPr>
@@ -4745,7 +5092,7 @@
           </a:prstGeom>
         </p:spPr>
         <p:txBody>
-          <a:bodyPr anchorCtr="0" anchor="b" bIns="91425" lIns="91425" rIns="91425" tIns="91425"/>
+          <a:bodyPr lIns="91425" tIns="91425" rIns="91425" bIns="91425" anchor="b" anchorCtr="0"/>
           <a:lstStyle>
             <a:lvl1pPr lvl="0" algn="ctr">
               <a:spcBef>
@@ -4811,15 +5158,19 @@
               <a:defRPr sz="4200"/>
             </a:lvl9pPr>
           </a:lstStyle>
-          <a:p/>
+          <a:p>
+            <a:endParaRPr/>
+          </a:p>
         </p:txBody>
       </p:sp>
       <p:sp>
         <p:nvSpPr>
           <p:cNvPr id="38" name="Shape 38"/>
-          <p:cNvSpPr txBox="1"/>
-          <p:nvPr>
-            <p:ph idx="1" type="subTitle"/>
+          <p:cNvSpPr txBox="1">
+            <a:spLocks noGrp="1"/>
+          </p:cNvSpPr>
+          <p:nvPr>
+            <p:ph type="subTitle" idx="1"/>
           </p:nvPr>
         </p:nvSpPr>
         <p:spPr>
@@ -4832,7 +5183,7 @@
           </a:prstGeom>
         </p:spPr>
         <p:txBody>
-          <a:bodyPr anchorCtr="0" anchor="t" bIns="91425" lIns="91425" rIns="91425" tIns="91425"/>
+          <a:bodyPr lIns="91425" tIns="91425" rIns="91425" bIns="91425" anchor="t" anchorCtr="0"/>
           <a:lstStyle>
             <a:lvl1pPr lvl="0" algn="ctr">
               <a:lnSpc>
@@ -4961,15 +5312,19 @@
               <a:defRPr sz="2100"/>
             </a:lvl9pPr>
           </a:lstStyle>
-          <a:p/>
+          <a:p>
+            <a:endParaRPr/>
+          </a:p>
         </p:txBody>
       </p:sp>
       <p:sp>
         <p:nvSpPr>
           <p:cNvPr id="39" name="Shape 39"/>
-          <p:cNvSpPr txBox="1"/>
-          <p:nvPr>
-            <p:ph idx="2" type="body"/>
+          <p:cNvSpPr txBox="1">
+            <a:spLocks noGrp="1"/>
+          </p:cNvSpPr>
+          <p:nvPr>
+            <p:ph type="body" idx="2"/>
           </p:nvPr>
         </p:nvSpPr>
         <p:spPr>
@@ -4982,7 +5337,7 @@
           </a:prstGeom>
         </p:spPr>
         <p:txBody>
-          <a:bodyPr anchorCtr="0" anchor="ctr" bIns="91425" lIns="91425" rIns="91425" tIns="91425"/>
+          <a:bodyPr lIns="91425" tIns="91425" rIns="91425" bIns="91425" anchor="ctr" anchorCtr="0"/>
           <a:lstStyle>
             <a:lvl1pPr lvl="0">
               <a:spcBef>
@@ -5102,15 +5457,19 @@
               </a:defRPr>
             </a:lvl9pPr>
           </a:lstStyle>
-          <a:p/>
+          <a:p>
+            <a:endParaRPr/>
+          </a:p>
         </p:txBody>
       </p:sp>
       <p:sp>
         <p:nvSpPr>
           <p:cNvPr id="40" name="Shape 40"/>
-          <p:cNvSpPr txBox="1"/>
-          <p:nvPr>
-            <p:ph idx="12" type="sldNum"/>
+          <p:cNvSpPr txBox="1">
+            <a:spLocks noGrp="1"/>
+          </p:cNvSpPr>
+          <p:nvPr>
+            <p:ph type="sldNum" idx="12"/>
           </p:nvPr>
         </p:nvSpPr>
         <p:spPr>
@@ -5123,7 +5482,7 @@
           </a:prstGeom>
         </p:spPr>
         <p:txBody>
-          <a:bodyPr anchorCtr="0" anchor="ctr" bIns="91425" lIns="91425" rIns="91425" tIns="91425">
+          <a:bodyPr lIns="91425" tIns="91425" rIns="91425" bIns="91425" anchor="ctr" anchorCtr="0">
             <a:noAutofit/>
           </a:bodyPr>
           <a:lstStyle/>
@@ -5138,6 +5497,7 @@
               <a:rPr lang="en"/>
               <a:t>‹#›</a:t>
             </a:fld>
+            <a:endParaRPr lang="en"/>
           </a:p>
         </p:txBody>
       </p:sp>
@@ -5150,11 +5510,11 @@
 </file>
 
 <file path=ppt/slideLayouts/slideLayout9.xml><?xml version="1.0" encoding="utf-8"?>
-<p:sldLayout xmlns:a="http://schemas.openxmlformats.org/drawingml/2006/main" xmlns:r="http://schemas.openxmlformats.org/officeDocument/2006/relationships" xmlns:mc="http://schemas.openxmlformats.org/markup-compatibility/2006" xmlns:mv="urn:schemas-microsoft-com:mac:vml" xmlns:p="http://schemas.openxmlformats.org/presentationml/2006/main" xmlns:c="http://schemas.openxmlformats.org/drawingml/2006/chart" xmlns:dgm="http://schemas.openxmlformats.org/drawingml/2006/diagram" xmlns:o="urn:schemas-microsoft-com:office:office" xmlns:v="urn:schemas-microsoft-com:vml" xmlns:pvml="urn:schemas-microsoft-com:office:powerpoint" xmlns:com="http://schemas.openxmlformats.org/drawingml/2006/compatibility" xmlns:p14="http://schemas.microsoft.com/office/powerpoint/2010/main">
+<p:sldLayout xmlns:a="http://schemas.openxmlformats.org/drawingml/2006/main" xmlns:r="http://schemas.openxmlformats.org/officeDocument/2006/relationships" xmlns:p="http://schemas.openxmlformats.org/presentationml/2006/main">
   <p:cSld name="Caption">
     <p:spTree>
       <p:nvGrpSpPr>
-        <p:cNvPr id="41" name="Shape 41"/>
+        <p:cNvPr id="1" name="Shape 41"/>
         <p:cNvGrpSpPr/>
         <p:nvPr/>
       </p:nvGrpSpPr>
@@ -5169,9 +5529,11 @@
       <p:sp>
         <p:nvSpPr>
           <p:cNvPr id="42" name="Shape 42"/>
-          <p:cNvSpPr txBox="1"/>
-          <p:nvPr>
-            <p:ph idx="1" type="body"/>
+          <p:cNvSpPr txBox="1">
+            <a:spLocks noGrp="1"/>
+          </p:cNvSpPr>
+          <p:nvPr>
+            <p:ph type="body" idx="1"/>
           </p:nvPr>
         </p:nvSpPr>
         <p:spPr>
@@ -5184,7 +5546,7 @@
           </a:prstGeom>
         </p:spPr>
         <p:txBody>
-          <a:bodyPr anchorCtr="0" anchor="ctr" bIns="91425" lIns="91425" rIns="91425" tIns="91425"/>
+          <a:bodyPr lIns="91425" tIns="91425" rIns="91425" bIns="91425" anchor="ctr" anchorCtr="0"/>
           <a:lstStyle>
             <a:lvl1pPr lvl="0">
               <a:lnSpc>
@@ -5200,15 +5562,19 @@
               <a:defRPr/>
             </a:lvl1pPr>
           </a:lstStyle>
-          <a:p/>
+          <a:p>
+            <a:endParaRPr/>
+          </a:p>
         </p:txBody>
       </p:sp>
       <p:sp>
         <p:nvSpPr>
           <p:cNvPr id="43" name="Shape 43"/>
-          <p:cNvSpPr txBox="1"/>
-          <p:nvPr>
-            <p:ph idx="12" type="sldNum"/>
+          <p:cNvSpPr txBox="1">
+            <a:spLocks noGrp="1"/>
+          </p:cNvSpPr>
+          <p:nvPr>
+            <p:ph type="sldNum" idx="12"/>
           </p:nvPr>
         </p:nvSpPr>
         <p:spPr>
@@ -5221,7 +5587,7 @@
           </a:prstGeom>
         </p:spPr>
         <p:txBody>
-          <a:bodyPr anchorCtr="0" anchor="ctr" bIns="91425" lIns="91425" rIns="91425" tIns="91425">
+          <a:bodyPr lIns="91425" tIns="91425" rIns="91425" bIns="91425" anchor="ctr" anchorCtr="0">
             <a:noAutofit/>
           </a:bodyPr>
           <a:lstStyle/>
@@ -5236,6 +5602,7 @@
               <a:rPr lang="en"/>
               <a:t>‹#›</a:t>
             </a:fld>
+            <a:endParaRPr lang="en"/>
           </a:p>
         </p:txBody>
       </p:sp>
@@ -5248,23 +5615,24 @@
 </file>
 
 <file path=ppt/slideMasters/slideMaster1.xml><?xml version="1.0" encoding="utf-8"?>
-<p:sldMaster xmlns:a="http://schemas.openxmlformats.org/drawingml/2006/main" xmlns:r="http://schemas.openxmlformats.org/officeDocument/2006/relationships" xmlns:mc="http://schemas.openxmlformats.org/markup-compatibility/2006" xmlns:mv="urn:schemas-microsoft-com:mac:vml" xmlns:p="http://schemas.openxmlformats.org/presentationml/2006/main" xmlns:c="http://schemas.openxmlformats.org/drawingml/2006/chart" xmlns:dgm="http://schemas.openxmlformats.org/drawingml/2006/diagram" xmlns:o="urn:schemas-microsoft-com:office:office" xmlns:v="urn:schemas-microsoft-com:vml" xmlns:pvml="urn:schemas-microsoft-com:office:powerpoint" xmlns:com="http://schemas.openxmlformats.org/drawingml/2006/compatibility" xmlns:p14="http://schemas.microsoft.com/office/powerpoint/2010/main">
+<p:sldMaster xmlns:a="http://schemas.openxmlformats.org/drawingml/2006/main" xmlns:r="http://schemas.openxmlformats.org/officeDocument/2006/relationships" xmlns:p="http://schemas.openxmlformats.org/presentationml/2006/main">
   <p:cSld>
     <p:bg>
       <p:bgPr>
         <a:blipFill>
-          <a:blip r:embed="rId1">
+          <a:blip r:embed="rId13">
             <a:alphaModFix/>
           </a:blip>
           <a:stretch>
             <a:fillRect/>
           </a:stretch>
         </a:blipFill>
+        <a:effectLst/>
       </p:bgPr>
     </p:bg>
     <p:spTree>
       <p:nvGrpSpPr>
-        <p:cNvPr id="5" name="Shape 5"/>
+        <p:cNvPr id="1" name="Shape 5"/>
         <p:cNvGrpSpPr/>
         <p:nvPr/>
       </p:nvGrpSpPr>
@@ -5279,7 +5647,9 @@
       <p:sp>
         <p:nvSpPr>
           <p:cNvPr id="6" name="Shape 6"/>
-          <p:cNvSpPr txBox="1"/>
+          <p:cNvSpPr txBox="1">
+            <a:spLocks noGrp="1"/>
+          </p:cNvSpPr>
           <p:nvPr>
             <p:ph type="title"/>
           </p:nvPr>
@@ -5298,7 +5668,7 @@
           </a:ln>
         </p:spPr>
         <p:txBody>
-          <a:bodyPr anchorCtr="0" anchor="t" bIns="91425" lIns="91425" rIns="91425" tIns="91425"/>
+          <a:bodyPr lIns="91425" tIns="91425" rIns="91425" bIns="91425" anchor="t" anchorCtr="0"/>
           <a:lstStyle>
             <a:lvl1pPr lvl="0">
               <a:spcBef>
@@ -5436,15 +5806,19 @@
               </a:defRPr>
             </a:lvl9pPr>
           </a:lstStyle>
-          <a:p/>
+          <a:p>
+            <a:endParaRPr/>
+          </a:p>
         </p:txBody>
       </p:sp>
       <p:sp>
         <p:nvSpPr>
           <p:cNvPr id="7" name="Shape 7"/>
-          <p:cNvSpPr txBox="1"/>
-          <p:nvPr>
-            <p:ph idx="1" type="body"/>
+          <p:cNvSpPr txBox="1">
+            <a:spLocks noGrp="1"/>
+          </p:cNvSpPr>
+          <p:nvPr>
+            <p:ph type="body" idx="1"/>
           </p:nvPr>
         </p:nvSpPr>
         <p:spPr>
@@ -5461,7 +5835,7 @@
           </a:ln>
         </p:spPr>
         <p:txBody>
-          <a:bodyPr anchorCtr="0" anchor="t" bIns="91425" lIns="91425" rIns="91425" tIns="91425"/>
+          <a:bodyPr lIns="91425" tIns="91425" rIns="91425" bIns="91425" anchor="t" anchorCtr="0"/>
           <a:lstStyle>
             <a:lvl1pPr lvl="0">
               <a:lnSpc>
@@ -5636,15 +6010,19 @@
               </a:defRPr>
             </a:lvl9pPr>
           </a:lstStyle>
-          <a:p/>
+          <a:p>
+            <a:endParaRPr/>
+          </a:p>
         </p:txBody>
       </p:sp>
       <p:sp>
         <p:nvSpPr>
           <p:cNvPr id="8" name="Shape 8"/>
-          <p:cNvSpPr txBox="1"/>
-          <p:nvPr>
-            <p:ph idx="12" type="sldNum"/>
+          <p:cNvSpPr txBox="1">
+            <a:spLocks noGrp="1"/>
+          </p:cNvSpPr>
+          <p:nvPr>
+            <p:ph type="sldNum" idx="12"/>
           </p:nvPr>
         </p:nvSpPr>
         <p:spPr>
@@ -5661,7 +6039,7 @@
           </a:ln>
         </p:spPr>
         <p:txBody>
-          <a:bodyPr anchorCtr="0" anchor="ctr" bIns="91425" lIns="91425" rIns="91425" tIns="91425">
+          <a:bodyPr lIns="91425" tIns="91425" rIns="91425" bIns="91425" anchor="ctr" anchorCtr="0">
             <a:noAutofit/>
           </a:bodyPr>
           <a:lstStyle/>
@@ -5680,29 +6058,34 @@
               </a:rPr>
               <a:t>‹#›</a:t>
             </a:fld>
+            <a:endParaRPr lang="en" sz="1000">
+              <a:solidFill>
+                <a:schemeClr val="lt2"/>
+              </a:solidFill>
+            </a:endParaRPr>
           </a:p>
         </p:txBody>
       </p:sp>
     </p:spTree>
   </p:cSld>
-  <p:clrMap accent1="accent1" accent2="accent2" accent3="accent3" accent4="accent4" accent5="accent5" accent6="accent6" bg1="lt1" bg2="dk2" tx1="dk1" tx2="lt2" folHlink="folHlink" hlink="hlink"/>
+  <p:clrMap bg1="lt1" tx1="dk1" bg2="dk2" tx2="lt2" accent1="accent1" accent2="accent2" accent3="accent3" accent4="accent4" accent5="accent5" accent6="accent6" hlink="hlink" folHlink="folHlink"/>
   <p:sldLayoutIdLst>
-    <p:sldLayoutId id="2147483648" r:id="rId2"/>
-    <p:sldLayoutId id="2147483649" r:id="rId3"/>
-    <p:sldLayoutId id="2147483650" r:id="rId4"/>
-    <p:sldLayoutId id="2147483651" r:id="rId5"/>
-    <p:sldLayoutId id="2147483652" r:id="rId6"/>
-    <p:sldLayoutId id="2147483653" r:id="rId7"/>
-    <p:sldLayoutId id="2147483654" r:id="rId8"/>
-    <p:sldLayoutId id="2147483655" r:id="rId9"/>
-    <p:sldLayoutId id="2147483656" r:id="rId10"/>
-    <p:sldLayoutId id="2147483657" r:id="rId11"/>
-    <p:sldLayoutId id="2147483658" r:id="rId12"/>
+    <p:sldLayoutId id="2147483648" r:id="rId1"/>
+    <p:sldLayoutId id="2147483649" r:id="rId2"/>
+    <p:sldLayoutId id="2147483650" r:id="rId3"/>
+    <p:sldLayoutId id="2147483651" r:id="rId4"/>
+    <p:sldLayoutId id="2147483652" r:id="rId5"/>
+    <p:sldLayoutId id="2147483653" r:id="rId6"/>
+    <p:sldLayoutId id="2147483654" r:id="rId7"/>
+    <p:sldLayoutId id="2147483655" r:id="rId8"/>
+    <p:sldLayoutId id="2147483656" r:id="rId9"/>
+    <p:sldLayoutId id="2147483657" r:id="rId10"/>
+    <p:sldLayoutId id="2147483658" r:id="rId11"/>
   </p:sldLayoutIdLst>
-  <p:hf dt="0" ftr="0" hdr="0" sldNum="0"/>
+  <p:hf sldNum="0" hdr="0" ftr="0" dt="0"/>
   <p:txStyles>
     <p:titleStyle>
-      <a:defPPr lvl="0" marR="0" rtl="0" algn="l">
+      <a:defPPr marR="0" lvl="0" algn="l" rtl="0">
         <a:lnSpc>
           <a:spcPct val="100000"/>
         </a:lnSpc>
@@ -5713,7 +6096,7 @@
           <a:spcPts val="0"/>
         </a:spcAft>
       </a:defPPr>
-      <a:lvl1pPr lvl="0" marR="0" rtl="0" algn="l">
+      <a:lvl1pPr marR="0" lvl="0" algn="l" rtl="0">
         <a:lnSpc>
           <a:spcPct val="100000"/>
         </a:lnSpc>
@@ -5724,7 +6107,7 @@
           <a:spcPts val="0"/>
         </a:spcAft>
         <a:buNone/>
-        <a:defRPr b="0" i="0" sz="1400" u="none" cap="none" strike="noStrike">
+        <a:defRPr sz="1400" b="0" i="0" u="none" strike="noStrike" cap="none">
           <a:solidFill>
             <a:srgbClr val="000000"/>
           </a:solidFill>
@@ -5736,7 +6119,7 @@
       </a:lvl1pPr>
     </p:titleStyle>
     <p:bodyStyle>
-      <a:defPPr lvl="0" marR="0" rtl="0" algn="l">
+      <a:defPPr marR="0" lvl="0" algn="l" rtl="0">
         <a:lnSpc>
           <a:spcPct val="100000"/>
         </a:lnSpc>
@@ -5747,7 +6130,7 @@
           <a:spcPts val="0"/>
         </a:spcAft>
       </a:defPPr>
-      <a:lvl1pPr lvl="0" marR="0" rtl="0" algn="l">
+      <a:lvl1pPr marR="0" lvl="0" algn="l" rtl="0">
         <a:lnSpc>
           <a:spcPct val="100000"/>
         </a:lnSpc>
@@ -5758,7 +6141,7 @@
           <a:spcPts val="0"/>
         </a:spcAft>
         <a:buNone/>
-        <a:defRPr b="0" i="0" sz="1400" u="none" cap="none" strike="noStrike">
+        <a:defRPr sz="1400" b="0" i="0" u="none" strike="noStrike" cap="none">
           <a:solidFill>
             <a:srgbClr val="000000"/>
           </a:solidFill>
@@ -5768,7 +6151,7 @@
           <a:sym typeface="Arial"/>
         </a:defRPr>
       </a:lvl1pPr>
-      <a:lvl2pPr lvl="1" marR="0" rtl="0" algn="l">
+      <a:lvl2pPr marR="0" lvl="1" algn="l" rtl="0">
         <a:lnSpc>
           <a:spcPct val="100000"/>
         </a:lnSpc>
@@ -5779,7 +6162,7 @@
           <a:spcPts val="0"/>
         </a:spcAft>
         <a:buNone/>
-        <a:defRPr b="0" i="0" sz="1400" u="none" cap="none" strike="noStrike">
+        <a:defRPr sz="1400" b="0" i="0" u="none" strike="noStrike" cap="none">
           <a:solidFill>
             <a:srgbClr val="000000"/>
           </a:solidFill>
@@ -5789,7 +6172,7 @@
           <a:sym typeface="Arial"/>
         </a:defRPr>
       </a:lvl2pPr>
-      <a:lvl3pPr lvl="2" marR="0" rtl="0" algn="l">
+      <a:lvl3pPr marR="0" lvl="2" algn="l" rtl="0">
         <a:lnSpc>
           <a:spcPct val="100000"/>
         </a:lnSpc>
@@ -5800,7 +6183,7 @@
           <a:spcPts val="0"/>
         </a:spcAft>
         <a:buNone/>
-        <a:defRPr b="0" i="0" sz="1400" u="none" cap="none" strike="noStrike">
+        <a:defRPr sz="1400" b="0" i="0" u="none" strike="noStrike" cap="none">
           <a:solidFill>
             <a:srgbClr val="000000"/>
           </a:solidFill>
@@ -5810,7 +6193,7 @@
           <a:sym typeface="Arial"/>
         </a:defRPr>
       </a:lvl3pPr>
-      <a:lvl4pPr lvl="3" marR="0" rtl="0" algn="l">
+      <a:lvl4pPr marR="0" lvl="3" algn="l" rtl="0">
         <a:lnSpc>
           <a:spcPct val="100000"/>
         </a:lnSpc>
@@ -5821,7 +6204,7 @@
           <a:spcPts val="0"/>
         </a:spcAft>
         <a:buNone/>
-        <a:defRPr b="0" i="0" sz="1400" u="none" cap="none" strike="noStrike">
+        <a:defRPr sz="1400" b="0" i="0" u="none" strike="noStrike" cap="none">
           <a:solidFill>
             <a:srgbClr val="000000"/>
           </a:solidFill>
@@ -5831,7 +6214,7 @@
           <a:sym typeface="Arial"/>
         </a:defRPr>
       </a:lvl4pPr>
-      <a:lvl5pPr lvl="4" marR="0" rtl="0" algn="l">
+      <a:lvl5pPr marR="0" lvl="4" algn="l" rtl="0">
         <a:lnSpc>
           <a:spcPct val="100000"/>
         </a:lnSpc>
@@ -5842,7 +6225,7 @@
           <a:spcPts val="0"/>
         </a:spcAft>
         <a:buNone/>
-        <a:defRPr b="0" i="0" sz="1400" u="none" cap="none" strike="noStrike">
+        <a:defRPr sz="1400" b="0" i="0" u="none" strike="noStrike" cap="none">
           <a:solidFill>
             <a:srgbClr val="000000"/>
           </a:solidFill>
@@ -5852,7 +6235,7 @@
           <a:sym typeface="Arial"/>
         </a:defRPr>
       </a:lvl5pPr>
-      <a:lvl6pPr lvl="5" marR="0" rtl="0" algn="l">
+      <a:lvl6pPr marR="0" lvl="5" algn="l" rtl="0">
         <a:lnSpc>
           <a:spcPct val="100000"/>
         </a:lnSpc>
@@ -5863,7 +6246,7 @@
           <a:spcPts val="0"/>
         </a:spcAft>
         <a:buNone/>
-        <a:defRPr b="0" i="0" sz="1400" u="none" cap="none" strike="noStrike">
+        <a:defRPr sz="1400" b="0" i="0" u="none" strike="noStrike" cap="none">
           <a:solidFill>
             <a:srgbClr val="000000"/>
           </a:solidFill>
@@ -5873,7 +6256,7 @@
           <a:sym typeface="Arial"/>
         </a:defRPr>
       </a:lvl6pPr>
-      <a:lvl7pPr lvl="6" marR="0" rtl="0" algn="l">
+      <a:lvl7pPr marR="0" lvl="6" algn="l" rtl="0">
         <a:lnSpc>
           <a:spcPct val="100000"/>
         </a:lnSpc>
@@ -5884,7 +6267,7 @@
           <a:spcPts val="0"/>
         </a:spcAft>
         <a:buNone/>
-        <a:defRPr b="0" i="0" sz="1400" u="none" cap="none" strike="noStrike">
+        <a:defRPr sz="1400" b="0" i="0" u="none" strike="noStrike" cap="none">
           <a:solidFill>
             <a:srgbClr val="000000"/>
           </a:solidFill>
@@ -5894,7 +6277,7 @@
           <a:sym typeface="Arial"/>
         </a:defRPr>
       </a:lvl7pPr>
-      <a:lvl8pPr lvl="7" marR="0" rtl="0" algn="l">
+      <a:lvl8pPr marR="0" lvl="7" algn="l" rtl="0">
         <a:lnSpc>
           <a:spcPct val="100000"/>
         </a:lnSpc>
@@ -5905,7 +6288,7 @@
           <a:spcPts val="0"/>
         </a:spcAft>
         <a:buNone/>
-        <a:defRPr b="0" i="0" sz="1400" u="none" cap="none" strike="noStrike">
+        <a:defRPr sz="1400" b="0" i="0" u="none" strike="noStrike" cap="none">
           <a:solidFill>
             <a:srgbClr val="000000"/>
           </a:solidFill>
@@ -5915,7 +6298,7 @@
           <a:sym typeface="Arial"/>
         </a:defRPr>
       </a:lvl8pPr>
-      <a:lvl9pPr lvl="8" marR="0" rtl="0" algn="l">
+      <a:lvl9pPr marR="0" lvl="8" algn="l" rtl="0">
         <a:lnSpc>
           <a:spcPct val="100000"/>
         </a:lnSpc>
@@ -5926,7 +6309,7 @@
           <a:spcPts val="0"/>
         </a:spcAft>
         <a:buNone/>
-        <a:defRPr b="0" i="0" sz="1400" u="none" cap="none" strike="noStrike">
+        <a:defRPr sz="1400" b="0" i="0" u="none" strike="noStrike" cap="none">
           <a:solidFill>
             <a:srgbClr val="000000"/>
           </a:solidFill>
@@ -5938,7 +6321,7 @@
       </a:lvl9pPr>
     </p:bodyStyle>
     <p:otherStyle>
-      <a:defPPr lvl="0" marR="0" rtl="0" algn="l">
+      <a:defPPr marR="0" lvl="0" algn="l" rtl="0">
         <a:lnSpc>
           <a:spcPct val="100000"/>
         </a:lnSpc>
@@ -5949,7 +6332,7 @@
           <a:spcPts val="0"/>
         </a:spcAft>
       </a:defPPr>
-      <a:lvl1pPr lvl="0" marR="0" rtl="0" algn="l">
+      <a:lvl1pPr marR="0" lvl="0" algn="l" rtl="0">
         <a:lnSpc>
           <a:spcPct val="100000"/>
         </a:lnSpc>
@@ -5960,7 +6343,7 @@
           <a:spcPts val="0"/>
         </a:spcAft>
         <a:buNone/>
-        <a:defRPr b="0" i="0" sz="1400" u="none" cap="none" strike="noStrike">
+        <a:defRPr sz="1400" b="0" i="0" u="none" strike="noStrike" cap="none">
           <a:solidFill>
             <a:srgbClr val="000000"/>
           </a:solidFill>
@@ -5970,7 +6353,7 @@
           <a:sym typeface="Arial"/>
         </a:defRPr>
       </a:lvl1pPr>
-      <a:lvl2pPr lvl="1" marR="0" rtl="0" algn="l">
+      <a:lvl2pPr marR="0" lvl="1" algn="l" rtl="0">
         <a:lnSpc>
           <a:spcPct val="100000"/>
         </a:lnSpc>
@@ -5981,7 +6364,7 @@
           <a:spcPts val="0"/>
         </a:spcAft>
         <a:buNone/>
-        <a:defRPr b="0" i="0" sz="1400" u="none" cap="none" strike="noStrike">
+        <a:defRPr sz="1400" b="0" i="0" u="none" strike="noStrike" cap="none">
           <a:solidFill>
             <a:srgbClr val="000000"/>
           </a:solidFill>
@@ -5991,7 +6374,7 @@
           <a:sym typeface="Arial"/>
         </a:defRPr>
       </a:lvl2pPr>
-      <a:lvl3pPr lvl="2" marR="0" rtl="0" algn="l">
+      <a:lvl3pPr marR="0" lvl="2" algn="l" rtl="0">
         <a:lnSpc>
           <a:spcPct val="100000"/>
         </a:lnSpc>
@@ -6002,7 +6385,7 @@
           <a:spcPts val="0"/>
         </a:spcAft>
         <a:buNone/>
-        <a:defRPr b="0" i="0" sz="1400" u="none" cap="none" strike="noStrike">
+        <a:defRPr sz="1400" b="0" i="0" u="none" strike="noStrike" cap="none">
           <a:solidFill>
             <a:srgbClr val="000000"/>
           </a:solidFill>
@@ -6012,7 +6395,7 @@
           <a:sym typeface="Arial"/>
         </a:defRPr>
       </a:lvl3pPr>
-      <a:lvl4pPr lvl="3" marR="0" rtl="0" algn="l">
+      <a:lvl4pPr marR="0" lvl="3" algn="l" rtl="0">
         <a:lnSpc>
           <a:spcPct val="100000"/>
         </a:lnSpc>
@@ -6023,7 +6406,7 @@
           <a:spcPts val="0"/>
         </a:spcAft>
         <a:buNone/>
-        <a:defRPr b="0" i="0" sz="1400" u="none" cap="none" strike="noStrike">
+        <a:defRPr sz="1400" b="0" i="0" u="none" strike="noStrike" cap="none">
           <a:solidFill>
             <a:srgbClr val="000000"/>
           </a:solidFill>
@@ -6033,7 +6416,7 @@
           <a:sym typeface="Arial"/>
         </a:defRPr>
       </a:lvl4pPr>
-      <a:lvl5pPr lvl="4" marR="0" rtl="0" algn="l">
+      <a:lvl5pPr marR="0" lvl="4" algn="l" rtl="0">
         <a:lnSpc>
           <a:spcPct val="100000"/>
         </a:lnSpc>
@@ -6044,7 +6427,7 @@
           <a:spcPts val="0"/>
         </a:spcAft>
         <a:buNone/>
-        <a:defRPr b="0" i="0" sz="1400" u="none" cap="none" strike="noStrike">
+        <a:defRPr sz="1400" b="0" i="0" u="none" strike="noStrike" cap="none">
           <a:solidFill>
             <a:srgbClr val="000000"/>
           </a:solidFill>
@@ -6054,7 +6437,7 @@
           <a:sym typeface="Arial"/>
         </a:defRPr>
       </a:lvl5pPr>
-      <a:lvl6pPr lvl="5" marR="0" rtl="0" algn="l">
+      <a:lvl6pPr marR="0" lvl="5" algn="l" rtl="0">
         <a:lnSpc>
           <a:spcPct val="100000"/>
         </a:lnSpc>
@@ -6065,7 +6448,7 @@
           <a:spcPts val="0"/>
         </a:spcAft>
         <a:buNone/>
-        <a:defRPr b="0" i="0" sz="1400" u="none" cap="none" strike="noStrike">
+        <a:defRPr sz="1400" b="0" i="0" u="none" strike="noStrike" cap="none">
           <a:solidFill>
             <a:srgbClr val="000000"/>
           </a:solidFill>
@@ -6075,7 +6458,7 @@
           <a:sym typeface="Arial"/>
         </a:defRPr>
       </a:lvl6pPr>
-      <a:lvl7pPr lvl="6" marR="0" rtl="0" algn="l">
+      <a:lvl7pPr marR="0" lvl="6" algn="l" rtl="0">
         <a:lnSpc>
           <a:spcPct val="100000"/>
         </a:lnSpc>
@@ -6086,7 +6469,7 @@
           <a:spcPts val="0"/>
         </a:spcAft>
         <a:buNone/>
-        <a:defRPr b="0" i="0" sz="1400" u="none" cap="none" strike="noStrike">
+        <a:defRPr sz="1400" b="0" i="0" u="none" strike="noStrike" cap="none">
           <a:solidFill>
             <a:srgbClr val="000000"/>
           </a:solidFill>
@@ -6096,7 +6479,7 @@
           <a:sym typeface="Arial"/>
         </a:defRPr>
       </a:lvl7pPr>
-      <a:lvl8pPr lvl="7" marR="0" rtl="0" algn="l">
+      <a:lvl8pPr marR="0" lvl="7" algn="l" rtl="0">
         <a:lnSpc>
           <a:spcPct val="100000"/>
         </a:lnSpc>
@@ -6107,7 +6490,7 @@
           <a:spcPts val="0"/>
         </a:spcAft>
         <a:buNone/>
-        <a:defRPr b="0" i="0" sz="1400" u="none" cap="none" strike="noStrike">
+        <a:defRPr sz="1400" b="0" i="0" u="none" strike="noStrike" cap="none">
           <a:solidFill>
             <a:srgbClr val="000000"/>
           </a:solidFill>
@@ -6117,7 +6500,7 @@
           <a:sym typeface="Arial"/>
         </a:defRPr>
       </a:lvl8pPr>
-      <a:lvl9pPr lvl="8" marR="0" rtl="0" algn="l">
+      <a:lvl9pPr marR="0" lvl="8" algn="l" rtl="0">
         <a:lnSpc>
           <a:spcPct val="100000"/>
         </a:lnSpc>
@@ -6128,7 +6511,7 @@
           <a:spcPts val="0"/>
         </a:spcAft>
         <a:buNone/>
-        <a:defRPr b="0" i="0" sz="1400" u="none" cap="none" strike="noStrike">
+        <a:defRPr sz="1400" b="0" i="0" u="none" strike="noStrike" cap="none">
           <a:solidFill>
             <a:srgbClr val="000000"/>
           </a:solidFill>
@@ -6144,18 +6527,19 @@
 </file>
 
 <file path=ppt/slides/slide1.xml><?xml version="1.0" encoding="utf-8"?>
-<p:sld xmlns:a="http://schemas.openxmlformats.org/drawingml/2006/main" xmlns:r="http://schemas.openxmlformats.org/officeDocument/2006/relationships" xmlns:mc="http://schemas.openxmlformats.org/markup-compatibility/2006" xmlns:mv="urn:schemas-microsoft-com:mac:vml" xmlns:p="http://schemas.openxmlformats.org/presentationml/2006/main" xmlns:c="http://schemas.openxmlformats.org/drawingml/2006/chart" xmlns:dgm="http://schemas.openxmlformats.org/drawingml/2006/diagram" xmlns:o="urn:schemas-microsoft-com:office:office" xmlns:v="urn:schemas-microsoft-com:vml" xmlns:pvml="urn:schemas-microsoft-com:office:powerpoint" xmlns:com="http://schemas.openxmlformats.org/drawingml/2006/compatibility" xmlns:p14="http://schemas.microsoft.com/office/powerpoint/2010/main">
+<p:sld xmlns:a="http://schemas.openxmlformats.org/drawingml/2006/main" xmlns:r="http://schemas.openxmlformats.org/officeDocument/2006/relationships" xmlns:p="http://schemas.openxmlformats.org/presentationml/2006/main">
   <p:cSld>
     <p:bg>
       <p:bgPr>
         <a:solidFill>
           <a:srgbClr val="000000"/>
         </a:solidFill>
+        <a:effectLst/>
       </p:bgPr>
     </p:bg>
     <p:spTree>
       <p:nvGrpSpPr>
-        <p:cNvPr id="53" name="Shape 53"/>
+        <p:cNvPr id="1" name="Shape 53"/>
         <p:cNvGrpSpPr/>
         <p:nvPr/>
       </p:nvGrpSpPr>
@@ -6170,7 +6554,9 @@
       <p:sp>
         <p:nvSpPr>
           <p:cNvPr id="54" name="Shape 54"/>
-          <p:cNvSpPr txBox="1"/>
+          <p:cNvSpPr txBox="1">
+            <a:spLocks noGrp="1"/>
+          </p:cNvSpPr>
           <p:nvPr>
             <p:ph type="ctrTitle"/>
           </p:nvPr>
@@ -6185,7 +6571,7 @@
           </a:prstGeom>
         </p:spPr>
         <p:txBody>
-          <a:bodyPr anchorCtr="0" anchor="b" bIns="91425" lIns="91425" rIns="91425" tIns="91425">
+          <a:bodyPr lIns="91425" tIns="91425" rIns="91425" bIns="91425" anchor="b" anchorCtr="0">
             <a:noAutofit/>
           </a:bodyPr>
           <a:lstStyle/>
@@ -6206,9 +6592,11 @@
       <p:sp>
         <p:nvSpPr>
           <p:cNvPr id="55" name="Shape 55"/>
-          <p:cNvSpPr txBox="1"/>
-          <p:nvPr>
-            <p:ph idx="1" type="subTitle"/>
+          <p:cNvSpPr txBox="1">
+            <a:spLocks noGrp="1"/>
+          </p:cNvSpPr>
+          <p:nvPr>
+            <p:ph type="subTitle" idx="1"/>
           </p:nvPr>
         </p:nvSpPr>
         <p:spPr>
@@ -6221,7 +6609,7 @@
           </a:prstGeom>
         </p:spPr>
         <p:txBody>
-          <a:bodyPr anchorCtr="0" anchor="t" bIns="91425" lIns="91425" rIns="91425" tIns="91425">
+          <a:bodyPr lIns="91425" tIns="91425" rIns="91425" bIns="91425" anchor="t" anchorCtr="0">
             <a:noAutofit/>
           </a:bodyPr>
           <a:lstStyle/>
@@ -6242,7 +6630,7 @@
             </a:r>
           </a:p>
           <a:p>
-            <a:pPr lvl="0" rtl="0" algn="ctr">
+            <a:pPr lvl="0" algn="ctr" rtl="0">
               <a:spcBef>
                 <a:spcPts val="0"/>
               </a:spcBef>
@@ -6295,7 +6683,7 @@
           </a:ln>
         </p:spPr>
         <p:txBody>
-          <a:bodyPr anchorCtr="0" anchor="t" bIns="91425" lIns="91425" rIns="91425" tIns="91425">
+          <a:bodyPr lIns="91425" tIns="91425" rIns="91425" bIns="91425" anchor="t" anchorCtr="0">
             <a:noAutofit/>
           </a:bodyPr>
           <a:lstStyle/>
@@ -6307,7 +6695,7 @@
               <a:buNone/>
             </a:pPr>
             <a:r>
-              <a:rPr b="1" lang="en" sz="2000">
+              <a:rPr lang="en" sz="2000" b="1">
                 <a:solidFill>
                   <a:srgbClr val="FFFFFF"/>
                 </a:solidFill>
@@ -6319,7 +6707,7 @@
       </p:sp>
       <p:pic>
         <p:nvPicPr>
-          <p:cNvPr descr="Nostradomicile_logo_invert.png" id="57" name="Shape 57"/>
+          <p:cNvPr id="57" name="Shape 57" descr="Nostradomicile_logo_invert.png"/>
           <p:cNvPicPr preferRelativeResize="0"/>
           <p:nvPr/>
         </p:nvPicPr>
@@ -6382,11 +6770,11 @@
 </file>
 
 <file path=ppt/slides/slide10.xml><?xml version="1.0" encoding="utf-8"?>
-<p:sld xmlns:a="http://schemas.openxmlformats.org/drawingml/2006/main" xmlns:r="http://schemas.openxmlformats.org/officeDocument/2006/relationships" xmlns:mc="http://schemas.openxmlformats.org/markup-compatibility/2006" xmlns:mv="urn:schemas-microsoft-com:mac:vml" xmlns:p="http://schemas.openxmlformats.org/presentationml/2006/main" xmlns:c="http://schemas.openxmlformats.org/drawingml/2006/chart" xmlns:dgm="http://schemas.openxmlformats.org/drawingml/2006/diagram" xmlns:o="urn:schemas-microsoft-com:office:office" xmlns:v="urn:schemas-microsoft-com:vml" xmlns:pvml="urn:schemas-microsoft-com:office:powerpoint" xmlns:com="http://schemas.openxmlformats.org/drawingml/2006/compatibility" xmlns:p14="http://schemas.microsoft.com/office/powerpoint/2010/main">
+<p:sld xmlns:a="http://schemas.openxmlformats.org/drawingml/2006/main" xmlns:r="http://schemas.openxmlformats.org/officeDocument/2006/relationships" xmlns:p="http://schemas.openxmlformats.org/presentationml/2006/main">
   <p:cSld>
     <p:spTree>
       <p:nvGrpSpPr>
-        <p:cNvPr id="110" name="Shape 110"/>
+        <p:cNvPr id="1" name="Shape 110"/>
         <p:cNvGrpSpPr/>
         <p:nvPr/>
       </p:nvGrpSpPr>
@@ -6401,7 +6789,9 @@
       <p:sp>
         <p:nvSpPr>
           <p:cNvPr id="111" name="Shape 111"/>
-          <p:cNvSpPr txBox="1"/>
+          <p:cNvSpPr txBox="1">
+            <a:spLocks noGrp="1"/>
+          </p:cNvSpPr>
           <p:nvPr>
             <p:ph type="title"/>
           </p:nvPr>
@@ -6416,7 +6806,7 @@
           </a:prstGeom>
         </p:spPr>
         <p:txBody>
-          <a:bodyPr anchorCtr="0" anchor="t" bIns="91425" lIns="91425" rIns="91425" tIns="91425">
+          <a:bodyPr lIns="91425" tIns="91425" rIns="91425" bIns="91425" anchor="t" anchorCtr="0">
             <a:noAutofit/>
           </a:bodyPr>
           <a:lstStyle/>
@@ -6437,9 +6827,11 @@
       <p:sp>
         <p:nvSpPr>
           <p:cNvPr id="112" name="Shape 112"/>
-          <p:cNvSpPr txBox="1"/>
-          <p:nvPr>
-            <p:ph idx="1" type="body"/>
+          <p:cNvSpPr txBox="1">
+            <a:spLocks noGrp="1"/>
+          </p:cNvSpPr>
+          <p:nvPr>
+            <p:ph type="body" idx="1"/>
           </p:nvPr>
         </p:nvSpPr>
         <p:spPr>
@@ -6452,12 +6844,12 @@
           </a:prstGeom>
         </p:spPr>
         <p:txBody>
-          <a:bodyPr anchorCtr="0" anchor="t" bIns="91425" lIns="91425" rIns="91425" tIns="91425">
+          <a:bodyPr lIns="91425" tIns="91425" rIns="91425" bIns="91425" anchor="t" anchorCtr="0">
             <a:noAutofit/>
           </a:bodyPr>
           <a:lstStyle/>
           <a:p>
-            <a:pPr indent="-228600" lvl="0" marL="457200" rtl="0">
+            <a:pPr marL="457200" lvl="0" indent="-228600" rtl="0">
               <a:spcBef>
                 <a:spcPts val="0"/>
               </a:spcBef>
@@ -6475,7 +6867,7 @@
             </a:r>
           </a:p>
           <a:p>
-            <a:pPr indent="-228600" lvl="0" marL="457200" rtl="0">
+            <a:pPr marL="457200" lvl="0" indent="-228600" rtl="0">
               <a:spcBef>
                 <a:spcPts val="0"/>
               </a:spcBef>
@@ -6493,7 +6885,7 @@
             </a:r>
           </a:p>
           <a:p>
-            <a:pPr indent="-228600" lvl="0" marL="457200" rtl="0">
+            <a:pPr marL="457200" lvl="0" indent="-228600" rtl="0">
               <a:spcBef>
                 <a:spcPts val="0"/>
               </a:spcBef>
@@ -6511,7 +6903,7 @@
             </a:r>
           </a:p>
           <a:p>
-            <a:pPr indent="-228600" lvl="0" marL="457200" rtl="0">
+            <a:pPr marL="457200" lvl="0" indent="-228600" rtl="0">
               <a:spcBef>
                 <a:spcPts val="0"/>
               </a:spcBef>
@@ -6539,11 +6931,11 @@
 </file>
 
 <file path=ppt/slides/slide11.xml><?xml version="1.0" encoding="utf-8"?>
-<p:sld xmlns:a="http://schemas.openxmlformats.org/drawingml/2006/main" xmlns:r="http://schemas.openxmlformats.org/officeDocument/2006/relationships" xmlns:mc="http://schemas.openxmlformats.org/markup-compatibility/2006" xmlns:mv="urn:schemas-microsoft-com:mac:vml" xmlns:p="http://schemas.openxmlformats.org/presentationml/2006/main" xmlns:c="http://schemas.openxmlformats.org/drawingml/2006/chart" xmlns:dgm="http://schemas.openxmlformats.org/drawingml/2006/diagram" xmlns:o="urn:schemas-microsoft-com:office:office" xmlns:v="urn:schemas-microsoft-com:vml" xmlns:pvml="urn:schemas-microsoft-com:office:powerpoint" xmlns:com="http://schemas.openxmlformats.org/drawingml/2006/compatibility" xmlns:p14="http://schemas.microsoft.com/office/powerpoint/2010/main">
+<p:sld xmlns:a="http://schemas.openxmlformats.org/drawingml/2006/main" xmlns:r="http://schemas.openxmlformats.org/officeDocument/2006/relationships" xmlns:p="http://schemas.openxmlformats.org/presentationml/2006/main">
   <p:cSld>
     <p:spTree>
       <p:nvGrpSpPr>
-        <p:cNvPr id="116" name="Shape 116"/>
+        <p:cNvPr id="1" name="Shape 116"/>
         <p:cNvGrpSpPr/>
         <p:nvPr/>
       </p:nvGrpSpPr>
@@ -6558,7 +6950,9 @@
       <p:sp>
         <p:nvSpPr>
           <p:cNvPr id="117" name="Shape 117"/>
-          <p:cNvSpPr txBox="1"/>
+          <p:cNvSpPr txBox="1">
+            <a:spLocks noGrp="1"/>
+          </p:cNvSpPr>
           <p:nvPr>
             <p:ph type="title"/>
           </p:nvPr>
@@ -6573,7 +6967,7 @@
           </a:prstGeom>
         </p:spPr>
         <p:txBody>
-          <a:bodyPr anchorCtr="0" anchor="t" bIns="91425" lIns="91425" rIns="91425" tIns="91425">
+          <a:bodyPr lIns="91425" tIns="91425" rIns="91425" bIns="91425" anchor="t" anchorCtr="0">
             <a:noAutofit/>
           </a:bodyPr>
           <a:lstStyle/>
@@ -6628,11 +7022,11 @@
 </file>
 
 <file path=ppt/slides/slide12.xml><?xml version="1.0" encoding="utf-8"?>
-<p:sld xmlns:a="http://schemas.openxmlformats.org/drawingml/2006/main" xmlns:r="http://schemas.openxmlformats.org/officeDocument/2006/relationships" xmlns:mc="http://schemas.openxmlformats.org/markup-compatibility/2006" xmlns:mv="urn:schemas-microsoft-com:mac:vml" xmlns:p="http://schemas.openxmlformats.org/presentationml/2006/main" xmlns:c="http://schemas.openxmlformats.org/drawingml/2006/chart" xmlns:dgm="http://schemas.openxmlformats.org/drawingml/2006/diagram" xmlns:o="urn:schemas-microsoft-com:office:office" xmlns:v="urn:schemas-microsoft-com:vml" xmlns:pvml="urn:schemas-microsoft-com:office:powerpoint" xmlns:com="http://schemas.openxmlformats.org/drawingml/2006/compatibility" xmlns:p14="http://schemas.microsoft.com/office/powerpoint/2010/main">
+<p:sld xmlns:a="http://schemas.openxmlformats.org/drawingml/2006/main" xmlns:r="http://schemas.openxmlformats.org/officeDocument/2006/relationships" xmlns:p="http://schemas.openxmlformats.org/presentationml/2006/main">
   <p:cSld>
     <p:spTree>
       <p:nvGrpSpPr>
-        <p:cNvPr id="122" name="Shape 122"/>
+        <p:cNvPr id="1" name="Shape 122"/>
         <p:cNvGrpSpPr/>
         <p:nvPr/>
       </p:nvGrpSpPr>
@@ -6647,7 +7041,9 @@
       <p:sp>
         <p:nvSpPr>
           <p:cNvPr id="123" name="Shape 123"/>
-          <p:cNvSpPr txBox="1"/>
+          <p:cNvSpPr txBox="1">
+            <a:spLocks noGrp="1"/>
+          </p:cNvSpPr>
           <p:nvPr>
             <p:ph type="title"/>
           </p:nvPr>
@@ -6662,7 +7058,7 @@
           </a:prstGeom>
         </p:spPr>
         <p:txBody>
-          <a:bodyPr anchorCtr="0" anchor="t" bIns="91425" lIns="91425" rIns="91425" tIns="91425">
+          <a:bodyPr lIns="91425" tIns="91425" rIns="91425" bIns="91425" anchor="t" anchorCtr="0">
             <a:noAutofit/>
           </a:bodyPr>
           <a:lstStyle/>
@@ -6683,9 +7079,11 @@
       <p:sp>
         <p:nvSpPr>
           <p:cNvPr id="124" name="Shape 124"/>
-          <p:cNvSpPr txBox="1"/>
-          <p:nvPr>
-            <p:ph idx="1" type="body"/>
+          <p:cNvSpPr txBox="1">
+            <a:spLocks noGrp="1"/>
+          </p:cNvSpPr>
+          <p:nvPr>
+            <p:ph type="body" idx="1"/>
           </p:nvPr>
         </p:nvSpPr>
         <p:spPr>
@@ -6698,12 +7096,12 @@
           </a:prstGeom>
         </p:spPr>
         <p:txBody>
-          <a:bodyPr anchorCtr="0" anchor="t" bIns="91425" lIns="91425" rIns="91425" tIns="91425">
+          <a:bodyPr lIns="91425" tIns="91425" rIns="91425" bIns="91425" anchor="t" anchorCtr="0">
             <a:noAutofit/>
           </a:bodyPr>
           <a:lstStyle/>
           <a:p>
-            <a:pPr indent="-228600" lvl="0" marL="457200" rtl="0">
+            <a:pPr marL="457200" lvl="0" indent="-228600" rtl="0">
               <a:spcBef>
                 <a:spcPts val="0"/>
               </a:spcBef>
@@ -6722,7 +7120,7 @@
             </a:r>
           </a:p>
           <a:p>
-            <a:pPr indent="-228600" lvl="0" marL="457200" rtl="0">
+            <a:pPr marL="457200" lvl="0" indent="-228600" rtl="0">
               <a:spcBef>
                 <a:spcPts val="0"/>
               </a:spcBef>
@@ -6741,7 +7139,7 @@
             </a:r>
           </a:p>
           <a:p>
-            <a:pPr indent="-228600" lvl="0" marL="457200">
+            <a:pPr marL="457200" lvl="0" indent="-228600">
               <a:spcBef>
                 <a:spcPts val="0"/>
               </a:spcBef>
@@ -6770,11 +7168,11 @@
 </file>
 
 <file path=ppt/slides/slide13.xml><?xml version="1.0" encoding="utf-8"?>
-<p:sld xmlns:a="http://schemas.openxmlformats.org/drawingml/2006/main" xmlns:r="http://schemas.openxmlformats.org/officeDocument/2006/relationships" xmlns:mc="http://schemas.openxmlformats.org/markup-compatibility/2006" xmlns:mv="urn:schemas-microsoft-com:mac:vml" xmlns:p="http://schemas.openxmlformats.org/presentationml/2006/main" xmlns:c="http://schemas.openxmlformats.org/drawingml/2006/chart" xmlns:dgm="http://schemas.openxmlformats.org/drawingml/2006/diagram" xmlns:o="urn:schemas-microsoft-com:office:office" xmlns:v="urn:schemas-microsoft-com:vml" xmlns:pvml="urn:schemas-microsoft-com:office:powerpoint" xmlns:com="http://schemas.openxmlformats.org/drawingml/2006/compatibility" xmlns:p14="http://schemas.microsoft.com/office/powerpoint/2010/main">
+<p:sld xmlns:a="http://schemas.openxmlformats.org/drawingml/2006/main" xmlns:r="http://schemas.openxmlformats.org/officeDocument/2006/relationships" xmlns:p="http://schemas.openxmlformats.org/presentationml/2006/main">
   <p:cSld>
     <p:spTree>
       <p:nvGrpSpPr>
-        <p:cNvPr id="128" name="Shape 128"/>
+        <p:cNvPr id="1" name="Shape 128"/>
         <p:cNvGrpSpPr/>
         <p:nvPr/>
       </p:nvGrpSpPr>
@@ -6789,7 +7187,9 @@
       <p:sp>
         <p:nvSpPr>
           <p:cNvPr id="129" name="Shape 129"/>
-          <p:cNvSpPr txBox="1"/>
+          <p:cNvSpPr txBox="1">
+            <a:spLocks noGrp="1"/>
+          </p:cNvSpPr>
           <p:nvPr>
             <p:ph type="title"/>
           </p:nvPr>
@@ -6804,12 +7204,12 @@
           </a:prstGeom>
         </p:spPr>
         <p:txBody>
-          <a:bodyPr anchorCtr="0" anchor="t" bIns="91425" lIns="91425" rIns="91425" tIns="91425">
+          <a:bodyPr lIns="91425" tIns="91425" rIns="91425" bIns="91425" anchor="t" anchorCtr="0">
             <a:noAutofit/>
           </a:bodyPr>
           <a:lstStyle/>
           <a:p>
-            <a:pPr lvl="0" rtl="0" algn="ctr">
+            <a:pPr lvl="0" algn="ctr" rtl="0">
               <a:spcBef>
                 <a:spcPts val="0"/>
               </a:spcBef>
@@ -6827,9 +7227,6 @@
               </a:spcBef>
               <a:buNone/>
             </a:pPr>
-            <a:r>
-              <a:t/>
-            </a:r>
             <a:endParaRPr/>
           </a:p>
         </p:txBody>
@@ -6871,11 +7268,11 @@
 </file>
 
 <file path=ppt/slides/slide14.xml><?xml version="1.0" encoding="utf-8"?>
-<p:sld xmlns:a="http://schemas.openxmlformats.org/drawingml/2006/main" xmlns:r="http://schemas.openxmlformats.org/officeDocument/2006/relationships" xmlns:mc="http://schemas.openxmlformats.org/markup-compatibility/2006" xmlns:mv="urn:schemas-microsoft-com:mac:vml" xmlns:p="http://schemas.openxmlformats.org/presentationml/2006/main" xmlns:c="http://schemas.openxmlformats.org/drawingml/2006/chart" xmlns:dgm="http://schemas.openxmlformats.org/drawingml/2006/diagram" xmlns:o="urn:schemas-microsoft-com:office:office" xmlns:v="urn:schemas-microsoft-com:vml" xmlns:pvml="urn:schemas-microsoft-com:office:powerpoint" xmlns:com="http://schemas.openxmlformats.org/drawingml/2006/compatibility" xmlns:p14="http://schemas.microsoft.com/office/powerpoint/2010/main">
+<p:sld xmlns:a="http://schemas.openxmlformats.org/drawingml/2006/main" xmlns:r="http://schemas.openxmlformats.org/officeDocument/2006/relationships" xmlns:p="http://schemas.openxmlformats.org/presentationml/2006/main">
   <p:cSld>
     <p:spTree>
       <p:nvGrpSpPr>
-        <p:cNvPr id="134" name="Shape 134"/>
+        <p:cNvPr id="1" name="Shape 134"/>
         <p:cNvGrpSpPr/>
         <p:nvPr/>
       </p:nvGrpSpPr>
@@ -6890,7 +7287,9 @@
       <p:sp>
         <p:nvSpPr>
           <p:cNvPr id="135" name="Shape 135"/>
-          <p:cNvSpPr txBox="1"/>
+          <p:cNvSpPr txBox="1">
+            <a:spLocks noGrp="1"/>
+          </p:cNvSpPr>
           <p:nvPr>
             <p:ph type="title"/>
           </p:nvPr>
@@ -6905,7 +7304,7 @@
           </a:prstGeom>
         </p:spPr>
         <p:txBody>
-          <a:bodyPr anchorCtr="0" anchor="t" bIns="91425" lIns="91425" rIns="91425" tIns="91425">
+          <a:bodyPr lIns="91425" tIns="91425" rIns="91425" bIns="91425" anchor="t" anchorCtr="0">
             <a:noAutofit/>
           </a:bodyPr>
           <a:lstStyle/>
@@ -6926,9 +7325,11 @@
       <p:sp>
         <p:nvSpPr>
           <p:cNvPr id="136" name="Shape 136"/>
-          <p:cNvSpPr txBox="1"/>
-          <p:nvPr>
-            <p:ph idx="1" type="body"/>
+          <p:cNvSpPr txBox="1">
+            <a:spLocks noGrp="1"/>
+          </p:cNvSpPr>
+          <p:nvPr>
+            <p:ph type="body" idx="1"/>
           </p:nvPr>
         </p:nvSpPr>
         <p:spPr>
@@ -6941,12 +7342,12 @@
           </a:prstGeom>
         </p:spPr>
         <p:txBody>
-          <a:bodyPr anchorCtr="0" anchor="t" bIns="91425" lIns="91425" rIns="91425" tIns="91425">
+          <a:bodyPr lIns="91425" tIns="91425" rIns="91425" bIns="91425" anchor="t" anchorCtr="0">
             <a:noAutofit/>
           </a:bodyPr>
           <a:lstStyle/>
           <a:p>
-            <a:pPr indent="-228600" lvl="0" marL="457200" rtl="0">
+            <a:pPr marL="457200" lvl="0" indent="-228600" rtl="0">
               <a:spcBef>
                 <a:spcPts val="0"/>
               </a:spcBef>
@@ -6964,7 +7365,7 @@
             </a:r>
           </a:p>
           <a:p>
-            <a:pPr indent="-228600" lvl="0" marL="457200">
+            <a:pPr marL="457200" lvl="0" indent="-228600">
               <a:spcBef>
                 <a:spcPts val="0"/>
               </a:spcBef>
@@ -6992,11 +7393,11 @@
 </file>
 
 <file path=ppt/slides/slide15.xml><?xml version="1.0" encoding="utf-8"?>
-<p:sld xmlns:a="http://schemas.openxmlformats.org/drawingml/2006/main" xmlns:r="http://schemas.openxmlformats.org/officeDocument/2006/relationships" xmlns:mc="http://schemas.openxmlformats.org/markup-compatibility/2006" xmlns:mv="urn:schemas-microsoft-com:mac:vml" xmlns:p="http://schemas.openxmlformats.org/presentationml/2006/main" xmlns:c="http://schemas.openxmlformats.org/drawingml/2006/chart" xmlns:dgm="http://schemas.openxmlformats.org/drawingml/2006/diagram" xmlns:o="urn:schemas-microsoft-com:office:office" xmlns:v="urn:schemas-microsoft-com:vml" xmlns:pvml="urn:schemas-microsoft-com:office:powerpoint" xmlns:com="http://schemas.openxmlformats.org/drawingml/2006/compatibility" xmlns:p14="http://schemas.microsoft.com/office/powerpoint/2010/main">
+<p:sld xmlns:a="http://schemas.openxmlformats.org/drawingml/2006/main" xmlns:r="http://schemas.openxmlformats.org/officeDocument/2006/relationships" xmlns:p="http://schemas.openxmlformats.org/presentationml/2006/main">
   <p:cSld>
     <p:spTree>
       <p:nvGrpSpPr>
-        <p:cNvPr id="140" name="Shape 140"/>
+        <p:cNvPr id="1" name="Shape 140"/>
         <p:cNvGrpSpPr/>
         <p:nvPr/>
       </p:nvGrpSpPr>
@@ -7011,7 +7412,9 @@
       <p:sp>
         <p:nvSpPr>
           <p:cNvPr id="141" name="Shape 141"/>
-          <p:cNvSpPr txBox="1"/>
+          <p:cNvSpPr txBox="1">
+            <a:spLocks noGrp="1"/>
+          </p:cNvSpPr>
           <p:nvPr>
             <p:ph type="title"/>
           </p:nvPr>
@@ -7026,7 +7429,7 @@
           </a:prstGeom>
         </p:spPr>
         <p:txBody>
-          <a:bodyPr anchorCtr="0" anchor="t" bIns="91425" lIns="91425" rIns="91425" tIns="91425">
+          <a:bodyPr lIns="91425" tIns="91425" rIns="91425" bIns="91425" anchor="t" anchorCtr="0">
             <a:noAutofit/>
           </a:bodyPr>
           <a:lstStyle/>
@@ -7081,11 +7484,11 @@
 </file>
 
 <file path=ppt/slides/slide16.xml><?xml version="1.0" encoding="utf-8"?>
-<p:sld xmlns:a="http://schemas.openxmlformats.org/drawingml/2006/main" xmlns:r="http://schemas.openxmlformats.org/officeDocument/2006/relationships" xmlns:mc="http://schemas.openxmlformats.org/markup-compatibility/2006" xmlns:mv="urn:schemas-microsoft-com:mac:vml" xmlns:p="http://schemas.openxmlformats.org/presentationml/2006/main" xmlns:c="http://schemas.openxmlformats.org/drawingml/2006/chart" xmlns:dgm="http://schemas.openxmlformats.org/drawingml/2006/diagram" xmlns:o="urn:schemas-microsoft-com:office:office" xmlns:v="urn:schemas-microsoft-com:vml" xmlns:pvml="urn:schemas-microsoft-com:office:powerpoint" xmlns:com="http://schemas.openxmlformats.org/drawingml/2006/compatibility" xmlns:p14="http://schemas.microsoft.com/office/powerpoint/2010/main">
+<p:sld xmlns:a="http://schemas.openxmlformats.org/drawingml/2006/main" xmlns:r="http://schemas.openxmlformats.org/officeDocument/2006/relationships" xmlns:p="http://schemas.openxmlformats.org/presentationml/2006/main">
   <p:cSld>
     <p:spTree>
       <p:nvGrpSpPr>
-        <p:cNvPr id="146" name="Shape 146"/>
+        <p:cNvPr id="1" name="Shape 146"/>
         <p:cNvGrpSpPr/>
         <p:nvPr/>
       </p:nvGrpSpPr>
@@ -7100,7 +7503,9 @@
       <p:sp>
         <p:nvSpPr>
           <p:cNvPr id="147" name="Shape 147"/>
-          <p:cNvSpPr txBox="1"/>
+          <p:cNvSpPr txBox="1">
+            <a:spLocks noGrp="1"/>
+          </p:cNvSpPr>
           <p:nvPr>
             <p:ph type="title"/>
           </p:nvPr>
@@ -7115,12 +7520,12 @@
           </a:prstGeom>
         </p:spPr>
         <p:txBody>
-          <a:bodyPr anchorCtr="0" anchor="t" bIns="91425" lIns="91425" rIns="91425" tIns="91425">
+          <a:bodyPr lIns="91425" tIns="91425" rIns="91425" bIns="91425" anchor="t" anchorCtr="0">
             <a:noAutofit/>
           </a:bodyPr>
           <a:lstStyle/>
           <a:p>
-            <a:pPr lvl="0" rtl="0" algn="ctr">
+            <a:pPr lvl="0" algn="ctr" rtl="0">
               <a:spcBef>
                 <a:spcPts val="0"/>
               </a:spcBef>
@@ -7136,9 +7541,11 @@
       <p:sp>
         <p:nvSpPr>
           <p:cNvPr id="148" name="Shape 148"/>
-          <p:cNvSpPr txBox="1"/>
-          <p:nvPr>
-            <p:ph idx="1" type="body"/>
+          <p:cNvSpPr txBox="1">
+            <a:spLocks noGrp="1"/>
+          </p:cNvSpPr>
+          <p:nvPr>
+            <p:ph type="body" idx="1"/>
           </p:nvPr>
         </p:nvSpPr>
         <p:spPr>
@@ -7151,12 +7558,12 @@
           </a:prstGeom>
         </p:spPr>
         <p:txBody>
-          <a:bodyPr anchorCtr="0" anchor="t" bIns="91425" lIns="91425" rIns="91425" tIns="91425">
+          <a:bodyPr lIns="91425" tIns="91425" rIns="91425" bIns="91425" anchor="t" anchorCtr="0">
             <a:noAutofit/>
           </a:bodyPr>
           <a:lstStyle/>
           <a:p>
-            <a:pPr indent="-228600" lvl="0" marL="457200" rtl="0">
+            <a:pPr marL="457200" lvl="0" indent="-228600" rtl="0">
               <a:spcBef>
                 <a:spcPts val="0"/>
               </a:spcBef>
@@ -7174,7 +7581,7 @@
             </a:r>
           </a:p>
           <a:p>
-            <a:pPr indent="-228600" lvl="1" marL="914400" rtl="0">
+            <a:pPr marL="914400" lvl="1" indent="-228600" rtl="0">
               <a:spcBef>
                 <a:spcPts val="0"/>
               </a:spcBef>
@@ -7192,7 +7599,7 @@
             </a:r>
           </a:p>
           <a:p>
-            <a:pPr indent="-228600" lvl="1" marL="914400" rtl="0">
+            <a:pPr marL="914400" lvl="1" indent="-228600" rtl="0">
               <a:spcBef>
                 <a:spcPts val="0"/>
               </a:spcBef>
@@ -7210,7 +7617,7 @@
             </a:r>
           </a:p>
           <a:p>
-            <a:pPr indent="-228600" lvl="1" marL="914400" rtl="0">
+            <a:pPr marL="914400" lvl="1" indent="-228600" rtl="0">
               <a:spcBef>
                 <a:spcPts val="0"/>
               </a:spcBef>
@@ -7228,7 +7635,7 @@
             </a:r>
           </a:p>
           <a:p>
-            <a:pPr indent="-228600" lvl="0" marL="457200" rtl="0">
+            <a:pPr marL="457200" lvl="0" indent="-228600" rtl="0">
               <a:spcBef>
                 <a:spcPts val="0"/>
               </a:spcBef>
@@ -7246,7 +7653,7 @@
             </a:r>
           </a:p>
           <a:p>
-            <a:pPr indent="-228600" lvl="1" marL="914400" rtl="0">
+            <a:pPr marL="914400" lvl="1" indent="-228600" rtl="0">
               <a:spcBef>
                 <a:spcPts val="0"/>
               </a:spcBef>
@@ -7264,7 +7671,7 @@
             </a:r>
           </a:p>
           <a:p>
-            <a:pPr indent="-228600" lvl="1" marL="914400" rtl="0">
+            <a:pPr marL="914400" lvl="1" indent="-228600" rtl="0">
               <a:spcBef>
                 <a:spcPts val="0"/>
               </a:spcBef>
@@ -7282,7 +7689,7 @@
             </a:r>
           </a:p>
           <a:p>
-            <a:pPr indent="-228600" lvl="1" marL="914400" rtl="0">
+            <a:pPr marL="914400" lvl="1" indent="-228600" rtl="0">
               <a:spcBef>
                 <a:spcPts val="0"/>
               </a:spcBef>
@@ -7300,7 +7707,7 @@
             </a:r>
           </a:p>
           <a:p>
-            <a:pPr indent="-228600" lvl="0" marL="457200" rtl="0">
+            <a:pPr marL="457200" lvl="0" indent="-228600" rtl="0">
               <a:spcBef>
                 <a:spcPts val="0"/>
               </a:spcBef>
@@ -7318,7 +7725,7 @@
             </a:r>
           </a:p>
           <a:p>
-            <a:pPr indent="-228600" lvl="1" marL="914400" rtl="0">
+            <a:pPr marL="914400" lvl="1" indent="-228600" rtl="0">
               <a:spcBef>
                 <a:spcPts val="0"/>
               </a:spcBef>
@@ -7346,11 +7753,11 @@
 </file>
 
 <file path=ppt/slides/slide17.xml><?xml version="1.0" encoding="utf-8"?>
-<p:sld xmlns:a="http://schemas.openxmlformats.org/drawingml/2006/main" xmlns:r="http://schemas.openxmlformats.org/officeDocument/2006/relationships" xmlns:mc="http://schemas.openxmlformats.org/markup-compatibility/2006" xmlns:mv="urn:schemas-microsoft-com:mac:vml" xmlns:p="http://schemas.openxmlformats.org/presentationml/2006/main" xmlns:c="http://schemas.openxmlformats.org/drawingml/2006/chart" xmlns:dgm="http://schemas.openxmlformats.org/drawingml/2006/diagram" xmlns:o="urn:schemas-microsoft-com:office:office" xmlns:v="urn:schemas-microsoft-com:vml" xmlns:pvml="urn:schemas-microsoft-com:office:powerpoint" xmlns:com="http://schemas.openxmlformats.org/drawingml/2006/compatibility" xmlns:p14="http://schemas.microsoft.com/office/powerpoint/2010/main">
+<p:sld xmlns:a="http://schemas.openxmlformats.org/drawingml/2006/main" xmlns:r="http://schemas.openxmlformats.org/officeDocument/2006/relationships" xmlns:p="http://schemas.openxmlformats.org/presentationml/2006/main">
   <p:cSld>
     <p:spTree>
       <p:nvGrpSpPr>
-        <p:cNvPr id="152" name="Shape 152"/>
+        <p:cNvPr id="1" name="Shape 152"/>
         <p:cNvGrpSpPr/>
         <p:nvPr/>
       </p:nvGrpSpPr>
@@ -7365,7 +7772,9 @@
       <p:sp>
         <p:nvSpPr>
           <p:cNvPr id="153" name="Shape 153"/>
-          <p:cNvSpPr txBox="1"/>
+          <p:cNvSpPr txBox="1">
+            <a:spLocks noGrp="1"/>
+          </p:cNvSpPr>
           <p:nvPr>
             <p:ph type="title"/>
           </p:nvPr>
@@ -7380,7 +7789,7 @@
           </a:prstGeom>
         </p:spPr>
         <p:txBody>
-          <a:bodyPr anchorCtr="0" anchor="t" bIns="91425" lIns="91425" rIns="91425" tIns="91425">
+          <a:bodyPr lIns="91425" tIns="91425" rIns="91425" bIns="91425" anchor="t" anchorCtr="0">
             <a:noAutofit/>
           </a:bodyPr>
           <a:lstStyle/>
@@ -7405,7 +7814,7 @@
           <p:nvPr/>
         </p:nvPicPr>
         <p:blipFill>
-          <a:blip r:embed="rId4">
+          <a:blip r:embed="rId3">
             <a:alphaModFix/>
           </a:blip>
           <a:stretch>
@@ -7435,11 +7844,11 @@
 </file>
 
 <file path=ppt/slides/slide18.xml><?xml version="1.0" encoding="utf-8"?>
-<p:sld xmlns:a="http://schemas.openxmlformats.org/drawingml/2006/main" xmlns:r="http://schemas.openxmlformats.org/officeDocument/2006/relationships" xmlns:mc="http://schemas.openxmlformats.org/markup-compatibility/2006" xmlns:mv="urn:schemas-microsoft-com:mac:vml" xmlns:p="http://schemas.openxmlformats.org/presentationml/2006/main" xmlns:c="http://schemas.openxmlformats.org/drawingml/2006/chart" xmlns:dgm="http://schemas.openxmlformats.org/drawingml/2006/diagram" xmlns:o="urn:schemas-microsoft-com:office:office" xmlns:v="urn:schemas-microsoft-com:vml" xmlns:pvml="urn:schemas-microsoft-com:office:powerpoint" xmlns:com="http://schemas.openxmlformats.org/drawingml/2006/compatibility" xmlns:p14="http://schemas.microsoft.com/office/powerpoint/2010/main">
+<p:sld xmlns:a="http://schemas.openxmlformats.org/drawingml/2006/main" xmlns:r="http://schemas.openxmlformats.org/officeDocument/2006/relationships" xmlns:p="http://schemas.openxmlformats.org/presentationml/2006/main">
   <p:cSld>
     <p:spTree>
       <p:nvGrpSpPr>
-        <p:cNvPr id="158" name="Shape 158"/>
+        <p:cNvPr id="1" name="Shape 158"/>
         <p:cNvGrpSpPr/>
         <p:nvPr/>
       </p:nvGrpSpPr>
@@ -7454,7 +7863,9 @@
       <p:sp>
         <p:nvSpPr>
           <p:cNvPr id="159" name="Shape 159"/>
-          <p:cNvSpPr txBox="1"/>
+          <p:cNvSpPr txBox="1">
+            <a:spLocks noGrp="1"/>
+          </p:cNvSpPr>
           <p:nvPr>
             <p:ph type="title"/>
           </p:nvPr>
@@ -7469,12 +7880,12 @@
           </a:prstGeom>
         </p:spPr>
         <p:txBody>
-          <a:bodyPr anchorCtr="0" anchor="t" bIns="91425" lIns="91425" rIns="91425" tIns="91425">
+          <a:bodyPr lIns="91425" tIns="91425" rIns="91425" bIns="91425" anchor="t" anchorCtr="0">
             <a:noAutofit/>
           </a:bodyPr>
           <a:lstStyle/>
           <a:p>
-            <a:pPr lvl="0" rtl="0" algn="ctr">
+            <a:pPr lvl="0" algn="ctr" rtl="0">
               <a:spcBef>
                 <a:spcPts val="0"/>
               </a:spcBef>
@@ -7497,9 +7908,6 @@
               </a:spcBef>
               <a:buNone/>
             </a:pPr>
-            <a:r>
-              <a:t/>
-            </a:r>
             <a:endParaRPr/>
           </a:p>
         </p:txBody>
@@ -7524,12 +7932,12 @@
           </a:ln>
         </p:spPr>
         <p:txBody>
-          <a:bodyPr anchorCtr="0" anchor="t" bIns="91425" lIns="91425" rIns="91425" tIns="91425">
+          <a:bodyPr lIns="91425" tIns="91425" rIns="91425" bIns="91425" anchor="t" anchorCtr="0">
             <a:noAutofit/>
           </a:bodyPr>
           <a:lstStyle/>
           <a:p>
-            <a:pPr indent="-228600" lvl="0" marL="457200" rtl="0">
+            <a:pPr marL="457200" lvl="0" indent="-228600" rtl="0">
               <a:lnSpc>
                 <a:spcPct val="115000"/>
               </a:lnSpc>
@@ -7551,7 +7959,7 @@
             </a:r>
           </a:p>
           <a:p>
-            <a:pPr indent="-228600" lvl="0" marL="457200" rtl="0">
+            <a:pPr marL="457200" lvl="0" indent="-228600" rtl="0">
               <a:lnSpc>
                 <a:spcPct val="115000"/>
               </a:lnSpc>
@@ -7573,7 +7981,7 @@
             </a:r>
           </a:p>
           <a:p>
-            <a:pPr indent="-228600" lvl="0" marL="457200" rtl="0">
+            <a:pPr marL="457200" lvl="0" indent="-228600" rtl="0">
               <a:lnSpc>
                 <a:spcPct val="115000"/>
               </a:lnSpc>
@@ -7595,7 +8003,7 @@
             </a:r>
           </a:p>
           <a:p>
-            <a:pPr indent="-228600" lvl="0" marL="457200" rtl="0">
+            <a:pPr marL="457200" lvl="0" indent="-228600" rtl="0">
               <a:lnSpc>
                 <a:spcPct val="115000"/>
               </a:lnSpc>
@@ -7627,11 +8035,11 @@
 </file>
 
 <file path=ppt/slides/slide19.xml><?xml version="1.0" encoding="utf-8"?>
-<p:sld xmlns:a="http://schemas.openxmlformats.org/drawingml/2006/main" xmlns:r="http://schemas.openxmlformats.org/officeDocument/2006/relationships" xmlns:mc="http://schemas.openxmlformats.org/markup-compatibility/2006" xmlns:mv="urn:schemas-microsoft-com:mac:vml" xmlns:p="http://schemas.openxmlformats.org/presentationml/2006/main" xmlns:c="http://schemas.openxmlformats.org/drawingml/2006/chart" xmlns:dgm="http://schemas.openxmlformats.org/drawingml/2006/diagram" xmlns:o="urn:schemas-microsoft-com:office:office" xmlns:v="urn:schemas-microsoft-com:vml" xmlns:pvml="urn:schemas-microsoft-com:office:powerpoint" xmlns:com="http://schemas.openxmlformats.org/drawingml/2006/compatibility" xmlns:p14="http://schemas.microsoft.com/office/powerpoint/2010/main">
+<p:sld xmlns:a="http://schemas.openxmlformats.org/drawingml/2006/main" xmlns:r="http://schemas.openxmlformats.org/officeDocument/2006/relationships" xmlns:p="http://schemas.openxmlformats.org/presentationml/2006/main">
   <p:cSld>
     <p:spTree>
       <p:nvGrpSpPr>
-        <p:cNvPr id="164" name="Shape 164"/>
+        <p:cNvPr id="1" name="Shape 164"/>
         <p:cNvGrpSpPr/>
         <p:nvPr/>
       </p:nvGrpSpPr>
@@ -7646,7 +8054,9 @@
       <p:sp>
         <p:nvSpPr>
           <p:cNvPr id="165" name="Shape 165"/>
-          <p:cNvSpPr txBox="1"/>
+          <p:cNvSpPr txBox="1">
+            <a:spLocks noGrp="1"/>
+          </p:cNvSpPr>
           <p:nvPr>
             <p:ph type="title"/>
           </p:nvPr>
@@ -7661,7 +8071,7 @@
           </a:prstGeom>
         </p:spPr>
         <p:txBody>
-          <a:bodyPr anchorCtr="0" anchor="t" bIns="91425" lIns="91425" rIns="91425" tIns="91425">
+          <a:bodyPr lIns="91425" tIns="91425" rIns="91425" bIns="91425" anchor="t" anchorCtr="0">
             <a:noAutofit/>
           </a:bodyPr>
           <a:lstStyle/>
@@ -7674,15 +8084,7 @@
             </a:pPr>
             <a:r>
               <a:rPr lang="en"/>
-              <a:t>Alternative</a:t>
-            </a:r>
-            <a:r>
-              <a:rPr lang="en"/>
-              <a:t> model</a:t>
-            </a:r>
-            <a:r>
-              <a:rPr lang="en"/>
-              <a:t>s</a:t>
+              <a:t>Alternative models</a:t>
             </a:r>
           </a:p>
         </p:txBody>
@@ -7690,9 +8092,11 @@
       <p:sp>
         <p:nvSpPr>
           <p:cNvPr id="166" name="Shape 166"/>
-          <p:cNvSpPr txBox="1"/>
-          <p:nvPr>
-            <p:ph idx="1" type="body"/>
+          <p:cNvSpPr txBox="1">
+            <a:spLocks noGrp="1"/>
+          </p:cNvSpPr>
+          <p:nvPr>
+            <p:ph type="body" idx="1"/>
           </p:nvPr>
         </p:nvSpPr>
         <p:spPr>
@@ -7705,7 +8109,7 @@
           </a:prstGeom>
         </p:spPr>
         <p:txBody>
-          <a:bodyPr anchorCtr="0" anchor="t" bIns="91425" lIns="91425" rIns="91425" tIns="91425">
+          <a:bodyPr lIns="91425" tIns="91425" rIns="91425" bIns="91425" anchor="t" anchorCtr="0">
             <a:noAutofit/>
           </a:bodyPr>
           <a:lstStyle/>
@@ -7722,23 +8126,7 @@
                   <a:srgbClr val="FFFFFF"/>
                 </a:solidFill>
               </a:rPr>
-              <a:t>The model we chose to use is the following setup: AngularJS and </a:t>
-            </a:r>
-            <a:r>
-              <a:rPr lang="en">
-                <a:solidFill>
-                  <a:srgbClr val="FFFFFF"/>
-                </a:solidFill>
-              </a:rPr>
-              <a:t>Bootstrap for the frontend, </a:t>
-            </a:r>
-            <a:r>
-              <a:rPr lang="en">
-                <a:solidFill>
-                  <a:srgbClr val="FFFFFF"/>
-                </a:solidFill>
-              </a:rPr>
-              <a:t>Django for backend programming, Python for machine learning, MySQL for database, and AWS for cloud hosting. The following slides will show the pros and cons of our choice vs. an alternative model that we were considering.</a:t>
+              <a:t>The model we chose to use is the following setup: AngularJS and Bootstrap for the frontend, Django for backend programming, Python for machine learning, MySQL for database, and AWS for cloud hosting. The following slides will show the pros and cons of our choice vs. an alternative model that we were considering.</a:t>
             </a:r>
           </a:p>
         </p:txBody>
@@ -7752,11 +8140,11 @@
 </file>
 
 <file path=ppt/slides/slide2.xml><?xml version="1.0" encoding="utf-8"?>
-<p:sld xmlns:a="http://schemas.openxmlformats.org/drawingml/2006/main" xmlns:r="http://schemas.openxmlformats.org/officeDocument/2006/relationships" xmlns:mc="http://schemas.openxmlformats.org/markup-compatibility/2006" xmlns:mv="urn:schemas-microsoft-com:mac:vml" xmlns:p="http://schemas.openxmlformats.org/presentationml/2006/main" xmlns:c="http://schemas.openxmlformats.org/drawingml/2006/chart" xmlns:dgm="http://schemas.openxmlformats.org/drawingml/2006/diagram" xmlns:o="urn:schemas-microsoft-com:office:office" xmlns:v="urn:schemas-microsoft-com:vml" xmlns:pvml="urn:schemas-microsoft-com:office:powerpoint" xmlns:com="http://schemas.openxmlformats.org/drawingml/2006/compatibility" xmlns:p14="http://schemas.microsoft.com/office/powerpoint/2010/main">
+<p:sld xmlns:a="http://schemas.openxmlformats.org/drawingml/2006/main" xmlns:r="http://schemas.openxmlformats.org/officeDocument/2006/relationships" xmlns:p="http://schemas.openxmlformats.org/presentationml/2006/main">
   <p:cSld>
     <p:spTree>
       <p:nvGrpSpPr>
-        <p:cNvPr id="62" name="Shape 62"/>
+        <p:cNvPr id="1" name="Shape 62"/>
         <p:cNvGrpSpPr/>
         <p:nvPr/>
       </p:nvGrpSpPr>
@@ -7771,7 +8159,9 @@
       <p:sp>
         <p:nvSpPr>
           <p:cNvPr id="63" name="Shape 63"/>
-          <p:cNvSpPr txBox="1"/>
+          <p:cNvSpPr txBox="1">
+            <a:spLocks noGrp="1"/>
+          </p:cNvSpPr>
           <p:nvPr>
             <p:ph type="title"/>
           </p:nvPr>
@@ -7786,7 +8176,7 @@
           </a:prstGeom>
         </p:spPr>
         <p:txBody>
-          <a:bodyPr anchorCtr="0" anchor="t" bIns="91425" lIns="91425" rIns="91425" tIns="91425">
+          <a:bodyPr lIns="91425" tIns="91425" rIns="91425" bIns="91425" anchor="t" anchorCtr="0">
             <a:noAutofit/>
           </a:bodyPr>
           <a:lstStyle/>
@@ -7807,9 +8197,11 @@
       <p:sp>
         <p:nvSpPr>
           <p:cNvPr id="64" name="Shape 64"/>
-          <p:cNvSpPr txBox="1"/>
-          <p:nvPr>
-            <p:ph idx="1" type="body"/>
+          <p:cNvSpPr txBox="1">
+            <a:spLocks noGrp="1"/>
+          </p:cNvSpPr>
+          <p:nvPr>
+            <p:ph type="body" idx="1"/>
           </p:nvPr>
         </p:nvSpPr>
         <p:spPr>
@@ -7822,12 +8214,12 @@
           </a:prstGeom>
         </p:spPr>
         <p:txBody>
-          <a:bodyPr anchorCtr="0" anchor="t" bIns="91425" lIns="91425" rIns="91425" tIns="91425">
+          <a:bodyPr lIns="91425" tIns="91425" rIns="91425" bIns="91425" anchor="t" anchorCtr="0">
             <a:noAutofit/>
           </a:bodyPr>
           <a:lstStyle/>
           <a:p>
-            <a:pPr indent="-228600" lvl="0" marL="457200" rtl="0">
+            <a:pPr marL="457200" lvl="0" indent="-228600" rtl="0">
               <a:spcBef>
                 <a:spcPts val="0"/>
               </a:spcBef>
@@ -7836,7 +8228,7 @@
               </a:buClr>
             </a:pPr>
             <a:r>
-              <a:rPr b="1" lang="en" u="sng">
+              <a:rPr lang="en" b="1" u="sng">
                 <a:solidFill>
                   <a:srgbClr val="FFFFFF"/>
                 </a:solidFill>
@@ -7853,7 +8245,7 @@
             </a:r>
           </a:p>
           <a:p>
-            <a:pPr indent="-228600" lvl="1" marL="914400" rtl="0">
+            <a:pPr marL="914400" lvl="1" indent="-228600" rtl="0">
               <a:lnSpc>
                 <a:spcPct val="100000"/>
               </a:lnSpc>
@@ -7874,7 +8266,7 @@
             </a:r>
           </a:p>
           <a:p>
-            <a:pPr indent="-228600" lvl="0" marL="457200" rtl="0">
+            <a:pPr marL="457200" lvl="0" indent="-228600" rtl="0">
               <a:spcBef>
                 <a:spcPts val="0"/>
               </a:spcBef>
@@ -7883,7 +8275,7 @@
               </a:buClr>
             </a:pPr>
             <a:r>
-              <a:rPr b="1" lang="en" u="sng">
+              <a:rPr lang="en" b="1" u="sng">
                 <a:solidFill>
                   <a:srgbClr val="FFFFFF"/>
                 </a:solidFill>
@@ -7900,7 +8292,7 @@
             </a:r>
           </a:p>
           <a:p>
-            <a:pPr indent="-228600" lvl="1" marL="914400" rtl="0">
+            <a:pPr marL="914400" lvl="1" indent="-228600" rtl="0">
               <a:lnSpc>
                 <a:spcPct val="100000"/>
               </a:lnSpc>
@@ -7929,7 +8321,7 @@
             </a:r>
           </a:p>
           <a:p>
-            <a:pPr indent="-228600" lvl="1" marL="914400" rtl="0">
+            <a:pPr marL="914400" lvl="1" indent="-228600" rtl="0">
               <a:lnSpc>
                 <a:spcPct val="100000"/>
               </a:lnSpc>
@@ -7958,7 +8350,7 @@
             </a:r>
           </a:p>
           <a:p>
-            <a:pPr indent="-228600" lvl="2" marL="1371600" rtl="0">
+            <a:pPr marL="1371600" lvl="2" indent="-228600" rtl="0">
               <a:lnSpc>
                 <a:spcPct val="100000"/>
               </a:lnSpc>
@@ -7979,7 +8371,7 @@
             </a:r>
           </a:p>
           <a:p>
-            <a:pPr indent="-228600" lvl="2" marL="1371600" rtl="0">
+            <a:pPr marL="1371600" lvl="2" indent="-228600" rtl="0">
               <a:lnSpc>
                 <a:spcPct val="100000"/>
               </a:lnSpc>
@@ -8000,7 +8392,7 @@
             </a:r>
           </a:p>
           <a:p>
-            <a:pPr indent="-228600" lvl="2" marL="1371600" rtl="0">
+            <a:pPr marL="1371600" lvl="2" indent="-228600" rtl="0">
               <a:lnSpc>
                 <a:spcPct val="100000"/>
               </a:lnSpc>
@@ -8031,11 +8423,11 @@
 </file>
 
 <file path=ppt/slides/slide20.xml><?xml version="1.0" encoding="utf-8"?>
-<p:sld xmlns:a="http://schemas.openxmlformats.org/drawingml/2006/main" xmlns:r="http://schemas.openxmlformats.org/officeDocument/2006/relationships" xmlns:mc="http://schemas.openxmlformats.org/markup-compatibility/2006" xmlns:mv="urn:schemas-microsoft-com:mac:vml" xmlns:p="http://schemas.openxmlformats.org/presentationml/2006/main" xmlns:c="http://schemas.openxmlformats.org/drawingml/2006/chart" xmlns:dgm="http://schemas.openxmlformats.org/drawingml/2006/diagram" xmlns:o="urn:schemas-microsoft-com:office:office" xmlns:v="urn:schemas-microsoft-com:vml" xmlns:pvml="urn:schemas-microsoft-com:office:powerpoint" xmlns:com="http://schemas.openxmlformats.org/drawingml/2006/compatibility" xmlns:p14="http://schemas.microsoft.com/office/powerpoint/2010/main">
+<p:sld xmlns:a="http://schemas.openxmlformats.org/drawingml/2006/main" xmlns:r="http://schemas.openxmlformats.org/officeDocument/2006/relationships" xmlns:p="http://schemas.openxmlformats.org/presentationml/2006/main">
   <p:cSld>
     <p:spTree>
       <p:nvGrpSpPr>
-        <p:cNvPr id="170" name="Shape 170"/>
+        <p:cNvPr id="1" name="Shape 170"/>
         <p:cNvGrpSpPr/>
         <p:nvPr/>
       </p:nvGrpSpPr>
@@ -8050,7 +8442,9 @@
       <p:sp>
         <p:nvSpPr>
           <p:cNvPr id="171" name="Shape 171"/>
-          <p:cNvSpPr txBox="1"/>
+          <p:cNvSpPr txBox="1">
+            <a:spLocks noGrp="1"/>
+          </p:cNvSpPr>
           <p:nvPr>
             <p:ph type="title"/>
           </p:nvPr>
@@ -8065,7 +8459,7 @@
           </a:prstGeom>
         </p:spPr>
         <p:txBody>
-          <a:bodyPr anchorCtr="0" anchor="t" bIns="91425" lIns="91425" rIns="91425" tIns="91425">
+          <a:bodyPr lIns="91425" tIns="91425" rIns="91425" bIns="91425" anchor="t" anchorCtr="0">
             <a:noAutofit/>
           </a:bodyPr>
           <a:lstStyle/>
@@ -8078,15 +8472,7 @@
             </a:pPr>
             <a:r>
               <a:rPr lang="en" sz="2400"/>
-              <a:t>Architecture </a:t>
-            </a:r>
-            <a:r>
-              <a:rPr lang="en" sz="2400"/>
-              <a:t>Decisions</a:t>
-            </a:r>
-            <a:r>
-              <a:rPr lang="en" sz="2400"/>
-              <a:t>: ML Model v.s. Statistical Model</a:t>
+              <a:t>Architecture Decisions: ML Model v.s. Statistical Model</a:t>
             </a:r>
           </a:p>
         </p:txBody>
@@ -8094,9 +8480,11 @@
       <p:sp>
         <p:nvSpPr>
           <p:cNvPr id="172" name="Shape 172"/>
-          <p:cNvSpPr txBox="1"/>
-          <p:nvPr>
-            <p:ph idx="1" type="body"/>
+          <p:cNvSpPr txBox="1">
+            <a:spLocks noGrp="1"/>
+          </p:cNvSpPr>
+          <p:nvPr>
+            <p:ph type="body" idx="1"/>
           </p:nvPr>
         </p:nvSpPr>
         <p:spPr>
@@ -8109,12 +8497,12 @@
           </a:prstGeom>
         </p:spPr>
         <p:txBody>
-          <a:bodyPr anchorCtr="0" anchor="t" bIns="91425" lIns="91425" rIns="91425" tIns="91425">
+          <a:bodyPr lIns="91425" tIns="91425" rIns="91425" bIns="91425" anchor="t" anchorCtr="0">
             <a:noAutofit/>
           </a:bodyPr>
           <a:lstStyle/>
           <a:p>
-            <a:pPr lvl="0" rtl="0" algn="ctr">
+            <a:pPr lvl="0" algn="ctr" rtl="0">
               <a:spcBef>
                 <a:spcPts val="0"/>
               </a:spcBef>
@@ -8130,7 +8518,7 @@
             </a:r>
           </a:p>
           <a:p>
-            <a:pPr indent="-317500" lvl="0" marL="457200" marR="0" rtl="0" algn="l">
+            <a:pPr marL="457200" marR="0" lvl="0" indent="-317500" algn="l" rtl="0">
               <a:lnSpc>
                 <a:spcPct val="115000"/>
               </a:lnSpc>
@@ -8162,7 +8550,7 @@
             </a:r>
           </a:p>
           <a:p>
-            <a:pPr indent="-228600" lvl="0" marL="457200" marR="0" rtl="0" algn="l">
+            <a:pPr marL="457200" marR="0" lvl="0" indent="-228600" algn="l" rtl="0">
               <a:lnSpc>
                 <a:spcPct val="115000"/>
               </a:lnSpc>
@@ -8203,7 +8591,7 @@
             </a:r>
           </a:p>
           <a:p>
-            <a:pPr indent="-228600" lvl="1" marL="914400" marR="0" rtl="0" algn="l">
+            <a:pPr marL="914400" marR="0" lvl="1" indent="-228600" algn="l" rtl="0">
               <a:lnSpc>
                 <a:spcPct val="115000"/>
               </a:lnSpc>
@@ -8228,7 +8616,7 @@
             </a:r>
           </a:p>
           <a:p>
-            <a:pPr indent="-228600" lvl="0" marL="457200" marR="0" rtl="0" algn="l">
+            <a:pPr marL="457200" marR="0" lvl="0" indent="-228600" algn="l" rtl="0">
               <a:lnSpc>
                 <a:spcPct val="115000"/>
               </a:lnSpc>
@@ -8269,7 +8657,7 @@
             </a:r>
           </a:p>
           <a:p>
-            <a:pPr indent="-228600" lvl="0" marL="457200" marR="0" rtl="0" algn="l">
+            <a:pPr marL="457200" marR="0" lvl="0" indent="-228600" algn="l" rtl="0">
               <a:lnSpc>
                 <a:spcPct val="115000"/>
               </a:lnSpc>
@@ -8302,7 +8690,7 @@
             </a:r>
           </a:p>
           <a:p>
-            <a:pPr lvl="0" marR="0" rtl="0" algn="l">
+            <a:pPr marR="0" lvl="0" algn="l" rtl="0">
               <a:lnSpc>
                 <a:spcPct val="115000"/>
               </a:lnSpc>
@@ -8314,9 +8702,6 @@
               </a:spcAft>
               <a:buNone/>
             </a:pPr>
-            <a:r>
-              <a:t/>
-            </a:r>
             <a:endParaRPr>
               <a:solidFill>
                 <a:srgbClr val="B7B7B7"/>
@@ -8328,9 +8713,11 @@
       <p:sp>
         <p:nvSpPr>
           <p:cNvPr id="173" name="Shape 173"/>
-          <p:cNvSpPr txBox="1"/>
-          <p:nvPr>
-            <p:ph idx="2" type="body"/>
+          <p:cNvSpPr txBox="1">
+            <a:spLocks noGrp="1"/>
+          </p:cNvSpPr>
+          <p:nvPr>
+            <p:ph type="body" idx="2"/>
           </p:nvPr>
         </p:nvSpPr>
         <p:spPr>
@@ -8343,12 +8730,12 @@
           </a:prstGeom>
         </p:spPr>
         <p:txBody>
-          <a:bodyPr anchorCtr="0" anchor="t" bIns="91425" lIns="91425" rIns="91425" tIns="91425">
+          <a:bodyPr lIns="91425" tIns="91425" rIns="91425" bIns="91425" anchor="t" anchorCtr="0">
             <a:noAutofit/>
           </a:bodyPr>
           <a:lstStyle/>
           <a:p>
-            <a:pPr lvl="0" rtl="0" algn="ctr">
+            <a:pPr lvl="0" algn="ctr" rtl="0">
               <a:spcBef>
                 <a:spcPts val="0"/>
               </a:spcBef>
@@ -8364,7 +8751,7 @@
             </a:r>
           </a:p>
           <a:p>
-            <a:pPr indent="-228600" lvl="0" marL="457200" rtl="0" algn="l">
+            <a:pPr marL="457200" lvl="0" indent="-228600" algn="l" rtl="0">
               <a:spcBef>
                 <a:spcPts val="0"/>
               </a:spcBef>
@@ -8387,7 +8774,7 @@
             </a:r>
           </a:p>
           <a:p>
-            <a:pPr indent="-228600" lvl="0" marL="457200" rtl="0" algn="l">
+            <a:pPr marL="457200" lvl="0" indent="-228600" algn="l" rtl="0">
               <a:spcBef>
                 <a:spcPts val="0"/>
               </a:spcBef>
@@ -8410,7 +8797,7 @@
             </a:r>
           </a:p>
           <a:p>
-            <a:pPr indent="-228600" lvl="0" marL="457200" rtl="0" algn="l">
+            <a:pPr marL="457200" lvl="0" indent="-228600" algn="l" rtl="0">
               <a:spcBef>
                 <a:spcPts val="0"/>
               </a:spcBef>
@@ -8433,7 +8820,7 @@
             </a:r>
           </a:p>
           <a:p>
-            <a:pPr indent="-228600" lvl="0" marL="457200" rtl="0" algn="l">
+            <a:pPr marL="457200" lvl="0" indent="-228600" algn="l" rtl="0">
               <a:spcBef>
                 <a:spcPts val="0"/>
               </a:spcBef>
@@ -8456,7 +8843,7 @@
             </a:r>
           </a:p>
           <a:p>
-            <a:pPr indent="-228600" lvl="0" marL="457200" algn="l">
+            <a:pPr marL="457200" lvl="0" indent="-228600" algn="l">
               <a:spcBef>
                 <a:spcPts val="0"/>
               </a:spcBef>
@@ -8493,11 +8880,11 @@
 </file>
 
 <file path=ppt/slides/slide21.xml><?xml version="1.0" encoding="utf-8"?>
-<p:sld xmlns:a="http://schemas.openxmlformats.org/drawingml/2006/main" xmlns:r="http://schemas.openxmlformats.org/officeDocument/2006/relationships" xmlns:mc="http://schemas.openxmlformats.org/markup-compatibility/2006" xmlns:mv="urn:schemas-microsoft-com:mac:vml" xmlns:p="http://schemas.openxmlformats.org/presentationml/2006/main" xmlns:c="http://schemas.openxmlformats.org/drawingml/2006/chart" xmlns:dgm="http://schemas.openxmlformats.org/drawingml/2006/diagram" xmlns:o="urn:schemas-microsoft-com:office:office" xmlns:v="urn:schemas-microsoft-com:vml" xmlns:pvml="urn:schemas-microsoft-com:office:powerpoint" xmlns:com="http://schemas.openxmlformats.org/drawingml/2006/compatibility" xmlns:p14="http://schemas.microsoft.com/office/powerpoint/2010/main">
+<p:sld xmlns:a="http://schemas.openxmlformats.org/drawingml/2006/main" xmlns:r="http://schemas.openxmlformats.org/officeDocument/2006/relationships" xmlns:p="http://schemas.openxmlformats.org/presentationml/2006/main">
   <p:cSld>
     <p:spTree>
       <p:nvGrpSpPr>
-        <p:cNvPr id="177" name="Shape 177"/>
+        <p:cNvPr id="1" name="Shape 177"/>
         <p:cNvGrpSpPr/>
         <p:nvPr/>
       </p:nvGrpSpPr>
@@ -8512,7 +8899,9 @@
       <p:sp>
         <p:nvSpPr>
           <p:cNvPr id="178" name="Shape 178"/>
-          <p:cNvSpPr txBox="1"/>
+          <p:cNvSpPr txBox="1">
+            <a:spLocks noGrp="1"/>
+          </p:cNvSpPr>
           <p:nvPr>
             <p:ph type="title"/>
           </p:nvPr>
@@ -8527,12 +8916,12 @@
           </a:prstGeom>
         </p:spPr>
         <p:txBody>
-          <a:bodyPr anchorCtr="0" anchor="t" bIns="91425" lIns="91425" rIns="91425" tIns="91425">
+          <a:bodyPr lIns="91425" tIns="91425" rIns="91425" bIns="91425" anchor="t" anchorCtr="0">
             <a:noAutofit/>
           </a:bodyPr>
           <a:lstStyle/>
           <a:p>
-            <a:pPr lvl="0" rtl="0" algn="ctr">
+            <a:pPr lvl="0" algn="ctr" rtl="0">
               <a:spcBef>
                 <a:spcPts val="0"/>
               </a:spcBef>
@@ -8548,9 +8937,11 @@
       <p:sp>
         <p:nvSpPr>
           <p:cNvPr id="179" name="Shape 179"/>
-          <p:cNvSpPr txBox="1"/>
-          <p:nvPr>
-            <p:ph idx="1" type="body"/>
+          <p:cNvSpPr txBox="1">
+            <a:spLocks noGrp="1"/>
+          </p:cNvSpPr>
+          <p:nvPr>
+            <p:ph type="body" idx="1"/>
           </p:nvPr>
         </p:nvSpPr>
         <p:spPr>
@@ -8563,19 +8954,19 @@
           </a:prstGeom>
         </p:spPr>
         <p:txBody>
-          <a:bodyPr anchorCtr="0" anchor="t" bIns="91425" lIns="91425" rIns="91425" tIns="91425">
+          <a:bodyPr lIns="91425" tIns="91425" rIns="91425" bIns="91425" anchor="t" anchorCtr="0">
             <a:noAutofit/>
           </a:bodyPr>
           <a:lstStyle/>
           <a:p>
-            <a:pPr lvl="0" rtl="0" algn="ctr">
+            <a:pPr lvl="0" algn="ctr" rtl="0">
               <a:spcBef>
                 <a:spcPts val="0"/>
               </a:spcBef>
               <a:buNone/>
             </a:pPr>
             <a:r>
-              <a:rPr b="1" lang="en" u="sng">
+              <a:rPr lang="en" b="1" u="sng">
                 <a:solidFill>
                   <a:srgbClr val="FFFFFF"/>
                 </a:solidFill>
@@ -8584,7 +8975,7 @@
             </a:r>
           </a:p>
           <a:p>
-            <a:pPr indent="-228600" lvl="0" marL="457200" rtl="0">
+            <a:pPr marL="457200" lvl="0" indent="-228600" rtl="0">
               <a:spcBef>
                 <a:spcPts val="0"/>
               </a:spcBef>
@@ -8615,7 +9006,7 @@
             </a:r>
           </a:p>
           <a:p>
-            <a:pPr indent="-228600" lvl="0" marL="457200" rtl="0">
+            <a:pPr marL="457200" lvl="0" indent="-228600" rtl="0">
               <a:spcBef>
                 <a:spcPts val="0"/>
               </a:spcBef>
@@ -8646,7 +9037,7 @@
             </a:r>
           </a:p>
           <a:p>
-            <a:pPr indent="-228600" lvl="0" marL="457200" rtl="0">
+            <a:pPr marL="457200" lvl="0" indent="-228600" rtl="0">
               <a:spcBef>
                 <a:spcPts val="0"/>
               </a:spcBef>
@@ -8677,7 +9068,7 @@
             </a:r>
           </a:p>
           <a:p>
-            <a:pPr indent="-228600" lvl="0" marL="457200" rtl="0">
+            <a:pPr marL="457200" lvl="0" indent="-228600" rtl="0">
               <a:spcBef>
                 <a:spcPts val="0"/>
               </a:spcBef>
@@ -8708,7 +9099,7 @@
             </a:r>
           </a:p>
           <a:p>
-            <a:pPr indent="-228600" lvl="0" marL="457200" rtl="0">
+            <a:pPr marL="457200" lvl="0" indent="-228600" rtl="0">
               <a:spcBef>
                 <a:spcPts val="0"/>
               </a:spcBef>
@@ -8739,7 +9130,7 @@
             </a:r>
           </a:p>
           <a:p>
-            <a:pPr indent="-228600" lvl="0" marL="457200" rtl="0">
+            <a:pPr marL="457200" lvl="0" indent="-228600" rtl="0">
               <a:spcBef>
                 <a:spcPts val="0"/>
               </a:spcBef>
@@ -8774,9 +9165,11 @@
       <p:sp>
         <p:nvSpPr>
           <p:cNvPr id="180" name="Shape 180"/>
-          <p:cNvSpPr txBox="1"/>
-          <p:nvPr>
-            <p:ph idx="2" type="body"/>
+          <p:cNvSpPr txBox="1">
+            <a:spLocks noGrp="1"/>
+          </p:cNvSpPr>
+          <p:nvPr>
+            <p:ph type="body" idx="2"/>
           </p:nvPr>
         </p:nvSpPr>
         <p:spPr>
@@ -8789,19 +9182,19 @@
           </a:prstGeom>
         </p:spPr>
         <p:txBody>
-          <a:bodyPr anchorCtr="0" anchor="t" bIns="91425" lIns="91425" rIns="91425" tIns="91425">
+          <a:bodyPr lIns="91425" tIns="91425" rIns="91425" bIns="91425" anchor="t" anchorCtr="0">
             <a:noAutofit/>
           </a:bodyPr>
           <a:lstStyle/>
           <a:p>
-            <a:pPr lvl="0" rtl="0" algn="ctr">
+            <a:pPr lvl="0" algn="ctr" rtl="0">
               <a:spcBef>
                 <a:spcPts val="0"/>
               </a:spcBef>
               <a:buNone/>
             </a:pPr>
             <a:r>
-              <a:rPr b="1" lang="en" u="sng">
+              <a:rPr lang="en" b="1" u="sng">
                 <a:solidFill>
                   <a:srgbClr val="FFFFFF"/>
                 </a:solidFill>
@@ -8810,7 +9203,7 @@
             </a:r>
           </a:p>
           <a:p>
-            <a:pPr indent="-228600" lvl="0" marL="457200" rtl="0">
+            <a:pPr marL="457200" lvl="0" indent="-228600" rtl="0">
               <a:spcBef>
                 <a:spcPts val="0"/>
               </a:spcBef>
@@ -8837,7 +9230,7 @@
             </a:r>
           </a:p>
           <a:p>
-            <a:pPr indent="-228600" lvl="0" marL="457200" rtl="0">
+            <a:pPr marL="457200" lvl="0" indent="-228600" rtl="0">
               <a:spcBef>
                 <a:spcPts val="0"/>
               </a:spcBef>
@@ -8868,7 +9261,7 @@
             </a:r>
           </a:p>
           <a:p>
-            <a:pPr indent="-228600" lvl="0" marL="457200" rtl="0">
+            <a:pPr marL="457200" lvl="0" indent="-228600" rtl="0">
               <a:spcBef>
                 <a:spcPts val="0"/>
               </a:spcBef>
@@ -8891,27 +9284,11 @@
                   <a:srgbClr val="FFFFFF"/>
                 </a:solidFill>
               </a:rPr>
-              <a:t>Not as </a:t>
-            </a:r>
-            <a:r>
-              <a:rPr lang="en">
-                <a:solidFill>
-                  <a:srgbClr val="FFFFFF"/>
-                </a:solidFill>
-              </a:rPr>
-              <a:t>consistent</a:t>
-            </a:r>
-            <a:r>
-              <a:rPr lang="en">
-                <a:solidFill>
-                  <a:srgbClr val="FFFFFF"/>
-                </a:solidFill>
-              </a:rPr>
-              <a:t> or responsive.</a:t>
-            </a:r>
-          </a:p>
-          <a:p>
-            <a:pPr indent="-228600" lvl="0" marL="457200" rtl="0">
+              <a:t>Not as consistent or responsive.</a:t>
+            </a:r>
+          </a:p>
+          <a:p>
+            <a:pPr marL="457200" lvl="0" indent="-228600" rtl="0">
               <a:spcBef>
                 <a:spcPts val="0"/>
               </a:spcBef>
@@ -8948,11 +9325,11 @@
 </file>
 
 <file path=ppt/slides/slide22.xml><?xml version="1.0" encoding="utf-8"?>
-<p:sld xmlns:a="http://schemas.openxmlformats.org/drawingml/2006/main" xmlns:r="http://schemas.openxmlformats.org/officeDocument/2006/relationships" xmlns:mc="http://schemas.openxmlformats.org/markup-compatibility/2006" xmlns:mv="urn:schemas-microsoft-com:mac:vml" xmlns:p="http://schemas.openxmlformats.org/presentationml/2006/main" xmlns:c="http://schemas.openxmlformats.org/drawingml/2006/chart" xmlns:dgm="http://schemas.openxmlformats.org/drawingml/2006/diagram" xmlns:o="urn:schemas-microsoft-com:office:office" xmlns:v="urn:schemas-microsoft-com:vml" xmlns:pvml="urn:schemas-microsoft-com:office:powerpoint" xmlns:com="http://schemas.openxmlformats.org/drawingml/2006/compatibility" xmlns:p14="http://schemas.microsoft.com/office/powerpoint/2010/main">
+<p:sld xmlns:a="http://schemas.openxmlformats.org/drawingml/2006/main" xmlns:r="http://schemas.openxmlformats.org/officeDocument/2006/relationships" xmlns:p="http://schemas.openxmlformats.org/presentationml/2006/main">
   <p:cSld>
     <p:spTree>
       <p:nvGrpSpPr>
-        <p:cNvPr id="184" name="Shape 184"/>
+        <p:cNvPr id="1" name="Shape 184"/>
         <p:cNvGrpSpPr/>
         <p:nvPr/>
       </p:nvGrpSpPr>
@@ -8967,7 +9344,9 @@
       <p:sp>
         <p:nvSpPr>
           <p:cNvPr id="185" name="Shape 185"/>
-          <p:cNvSpPr txBox="1"/>
+          <p:cNvSpPr txBox="1">
+            <a:spLocks noGrp="1"/>
+          </p:cNvSpPr>
           <p:nvPr>
             <p:ph type="title"/>
           </p:nvPr>
@@ -8982,7 +9361,7 @@
           </a:prstGeom>
         </p:spPr>
         <p:txBody>
-          <a:bodyPr anchorCtr="0" anchor="t" bIns="91425" lIns="91425" rIns="91425" tIns="91425">
+          <a:bodyPr lIns="91425" tIns="91425" rIns="91425" bIns="91425" anchor="t" anchorCtr="0">
             <a:noAutofit/>
           </a:bodyPr>
           <a:lstStyle/>
@@ -8995,11 +9374,7 @@
             </a:pPr>
             <a:r>
               <a:rPr lang="en"/>
-              <a:t>Architecture </a:t>
-            </a:r>
-            <a:r>
-              <a:rPr lang="en"/>
-              <a:t>decisions: Ruby on Rails VS Django</a:t>
+              <a:t>Architecture decisions: Ruby on Rails VS Django</a:t>
             </a:r>
           </a:p>
         </p:txBody>
@@ -9007,9 +9382,11 @@
       <p:sp>
         <p:nvSpPr>
           <p:cNvPr id="186" name="Shape 186"/>
-          <p:cNvSpPr txBox="1"/>
-          <p:nvPr>
-            <p:ph idx="1" type="body"/>
+          <p:cNvSpPr txBox="1">
+            <a:spLocks noGrp="1"/>
+          </p:cNvSpPr>
+          <p:nvPr>
+            <p:ph type="body" idx="1"/>
           </p:nvPr>
         </p:nvSpPr>
         <p:spPr>
@@ -9022,19 +9399,19 @@
           </a:prstGeom>
         </p:spPr>
         <p:txBody>
-          <a:bodyPr anchorCtr="0" anchor="t" bIns="91425" lIns="91425" rIns="91425" tIns="91425">
+          <a:bodyPr lIns="91425" tIns="91425" rIns="91425" bIns="91425" anchor="t" anchorCtr="0">
             <a:noAutofit/>
           </a:bodyPr>
           <a:lstStyle/>
           <a:p>
-            <a:pPr lvl="0" rtl="0" algn="ctr">
+            <a:pPr lvl="0" algn="ctr" rtl="0">
               <a:spcBef>
                 <a:spcPts val="0"/>
               </a:spcBef>
               <a:buNone/>
             </a:pPr>
             <a:r>
-              <a:rPr b="1" lang="en" u="sng">
+              <a:rPr lang="en" b="1" u="sng">
                 <a:solidFill>
                   <a:srgbClr val="FFFFFF"/>
                 </a:solidFill>
@@ -9043,7 +9420,7 @@
             </a:r>
           </a:p>
           <a:p>
-            <a:pPr indent="-228600" lvl="0" marL="457200" rtl="0">
+            <a:pPr marL="457200" lvl="0" indent="-228600" rtl="0">
               <a:spcBef>
                 <a:spcPts val="0"/>
               </a:spcBef>
@@ -9074,7 +9451,7 @@
             </a:r>
           </a:p>
           <a:p>
-            <a:pPr indent="-228600" lvl="0" marL="457200" rtl="0">
+            <a:pPr marL="457200" lvl="0" indent="-228600" rtl="0">
               <a:spcBef>
                 <a:spcPts val="0"/>
               </a:spcBef>
@@ -9105,7 +9482,7 @@
             </a:r>
           </a:p>
           <a:p>
-            <a:pPr indent="-228600" lvl="0" marL="457200">
+            <a:pPr marL="457200" lvl="0" indent="-228600">
               <a:spcBef>
                 <a:spcPts val="0"/>
               </a:spcBef>
@@ -9140,9 +9517,11 @@
       <p:sp>
         <p:nvSpPr>
           <p:cNvPr id="187" name="Shape 187"/>
-          <p:cNvSpPr txBox="1"/>
-          <p:nvPr>
-            <p:ph idx="2" type="body"/>
+          <p:cNvSpPr txBox="1">
+            <a:spLocks noGrp="1"/>
+          </p:cNvSpPr>
+          <p:nvPr>
+            <p:ph type="body" idx="2"/>
           </p:nvPr>
         </p:nvSpPr>
         <p:spPr>
@@ -9155,19 +9534,19 @@
           </a:prstGeom>
         </p:spPr>
         <p:txBody>
-          <a:bodyPr anchorCtr="0" anchor="t" bIns="91425" lIns="91425" rIns="91425" tIns="91425">
+          <a:bodyPr lIns="91425" tIns="91425" rIns="91425" bIns="91425" anchor="t" anchorCtr="0">
             <a:noAutofit/>
           </a:bodyPr>
           <a:lstStyle/>
           <a:p>
-            <a:pPr lvl="0" rtl="0" algn="ctr">
+            <a:pPr lvl="0" algn="ctr" rtl="0">
               <a:spcBef>
                 <a:spcPts val="0"/>
               </a:spcBef>
               <a:buNone/>
             </a:pPr>
             <a:r>
-              <a:rPr b="1" lang="en" u="sng">
+              <a:rPr lang="en" b="1" u="sng">
                 <a:solidFill>
                   <a:srgbClr val="FFFFFF"/>
                 </a:solidFill>
@@ -9176,7 +9555,7 @@
             </a:r>
           </a:p>
           <a:p>
-            <a:pPr indent="-228600" lvl="0" marL="457200" rtl="0">
+            <a:pPr marL="457200" lvl="0" indent="-228600" rtl="0">
               <a:spcBef>
                 <a:spcPts val="0"/>
               </a:spcBef>
@@ -9203,7 +9582,7 @@
             </a:r>
           </a:p>
           <a:p>
-            <a:pPr indent="-228600" lvl="0" marL="457200" rtl="0">
+            <a:pPr marL="457200" lvl="0" indent="-228600" rtl="0">
               <a:spcBef>
                 <a:spcPts val="0"/>
               </a:spcBef>
@@ -9222,7 +9601,7 @@
             </a:r>
           </a:p>
           <a:p>
-            <a:pPr indent="-228600" lvl="0" marL="457200" rtl="0">
+            <a:pPr marL="457200" lvl="0" indent="-228600" rtl="0">
               <a:spcBef>
                 <a:spcPts val="0"/>
               </a:spcBef>
@@ -9249,7 +9628,7 @@
             </a:r>
           </a:p>
           <a:p>
-            <a:pPr indent="-228600" lvl="0" marL="457200" rtl="0">
+            <a:pPr marL="457200" lvl="0" indent="-228600" rtl="0">
               <a:spcBef>
                 <a:spcPts val="0"/>
               </a:spcBef>
@@ -9285,11 +9664,11 @@
 </file>
 
 <file path=ppt/slides/slide23.xml><?xml version="1.0" encoding="utf-8"?>
-<p:sld xmlns:a="http://schemas.openxmlformats.org/drawingml/2006/main" xmlns:r="http://schemas.openxmlformats.org/officeDocument/2006/relationships" xmlns:mc="http://schemas.openxmlformats.org/markup-compatibility/2006" xmlns:mv="urn:schemas-microsoft-com:mac:vml" xmlns:p="http://schemas.openxmlformats.org/presentationml/2006/main" xmlns:c="http://schemas.openxmlformats.org/drawingml/2006/chart" xmlns:dgm="http://schemas.openxmlformats.org/drawingml/2006/diagram" xmlns:o="urn:schemas-microsoft-com:office:office" xmlns:v="urn:schemas-microsoft-com:vml" xmlns:pvml="urn:schemas-microsoft-com:office:powerpoint" xmlns:com="http://schemas.openxmlformats.org/drawingml/2006/compatibility" xmlns:p14="http://schemas.microsoft.com/office/powerpoint/2010/main">
+<p:sld xmlns:a="http://schemas.openxmlformats.org/drawingml/2006/main" xmlns:r="http://schemas.openxmlformats.org/officeDocument/2006/relationships" xmlns:p="http://schemas.openxmlformats.org/presentationml/2006/main">
   <p:cSld>
     <p:spTree>
       <p:nvGrpSpPr>
-        <p:cNvPr id="191" name="Shape 191"/>
+        <p:cNvPr id="1" name="Shape 191"/>
         <p:cNvGrpSpPr/>
         <p:nvPr/>
       </p:nvGrpSpPr>
@@ -9304,7 +9683,9 @@
       <p:sp>
         <p:nvSpPr>
           <p:cNvPr id="192" name="Shape 192"/>
-          <p:cNvSpPr txBox="1"/>
+          <p:cNvSpPr txBox="1">
+            <a:spLocks noGrp="1"/>
+          </p:cNvSpPr>
           <p:nvPr>
             <p:ph type="title"/>
           </p:nvPr>
@@ -9319,7 +9700,7 @@
           </a:prstGeom>
         </p:spPr>
         <p:txBody>
-          <a:bodyPr anchorCtr="0" anchor="t" bIns="91425" lIns="91425" rIns="91425" tIns="91425">
+          <a:bodyPr lIns="91425" tIns="91425" rIns="91425" bIns="91425" anchor="t" anchorCtr="0">
             <a:noAutofit/>
           </a:bodyPr>
           <a:lstStyle/>
@@ -9332,11 +9713,7 @@
             </a:pPr>
             <a:r>
               <a:rPr lang="en"/>
-              <a:t>Hosting decision: Cloud Hosting vs Local Ho</a:t>
-            </a:r>
-            <a:r>
-              <a:rPr lang="en"/>
-              <a:t>sting </a:t>
+              <a:t>Hosting decision: Cloud Hosting vs Local Hosting </a:t>
             </a:r>
           </a:p>
         </p:txBody>
@@ -9344,9 +9721,11 @@
       <p:sp>
         <p:nvSpPr>
           <p:cNvPr id="193" name="Shape 193"/>
-          <p:cNvSpPr txBox="1"/>
-          <p:nvPr>
-            <p:ph idx="1" type="body"/>
+          <p:cNvSpPr txBox="1">
+            <a:spLocks noGrp="1"/>
+          </p:cNvSpPr>
+          <p:nvPr>
+            <p:ph type="body" idx="1"/>
           </p:nvPr>
         </p:nvSpPr>
         <p:spPr>
@@ -9359,7 +9738,7 @@
           </a:prstGeom>
         </p:spPr>
         <p:txBody>
-          <a:bodyPr anchorCtr="0" anchor="t" bIns="91425" lIns="91425" rIns="91425" tIns="91425">
+          <a:bodyPr lIns="91425" tIns="91425" rIns="91425" bIns="91425" anchor="t" anchorCtr="0">
             <a:noAutofit/>
           </a:bodyPr>
           <a:lstStyle/>
@@ -9371,7 +9750,7 @@
               <a:buNone/>
             </a:pPr>
             <a:r>
-              <a:rPr b="1" lang="en" u="sng">
+              <a:rPr lang="en" b="1" u="sng">
                 <a:solidFill>
                   <a:srgbClr val="FFFFFF"/>
                 </a:solidFill>
@@ -9380,7 +9759,7 @@
             </a:r>
           </a:p>
           <a:p>
-            <a:pPr indent="-228600" lvl="0" marL="457200" rtl="0">
+            <a:pPr marL="457200" lvl="0" indent="-228600" rtl="0">
               <a:spcBef>
                 <a:spcPts val="0"/>
               </a:spcBef>
@@ -9410,19 +9789,11 @@
                   <a:srgbClr val="FFFFFF"/>
                 </a:solidFill>
               </a:rPr>
-              <a:t> </a:t>
-            </a:r>
-            <a:r>
-              <a:rPr lang="en">
-                <a:solidFill>
-                  <a:srgbClr val="FFFFFF"/>
-                </a:solidFill>
-              </a:rPr>
-              <a:t>24/7 access.</a:t>
-            </a:r>
-          </a:p>
-          <a:p>
-            <a:pPr indent="-228600" lvl="0" marL="457200" rtl="0">
+              <a:t> 24/7 access.</a:t>
+            </a:r>
+          </a:p>
+          <a:p>
+            <a:pPr marL="457200" lvl="0" indent="-228600" rtl="0">
               <a:spcBef>
                 <a:spcPts val="0"/>
               </a:spcBef>
@@ -9448,7 +9819,7 @@
             </a:r>
           </a:p>
           <a:p>
-            <a:pPr indent="-228600" lvl="0" marL="457200" rtl="0">
+            <a:pPr marL="457200" lvl="0" indent="-228600" rtl="0">
               <a:spcBef>
                 <a:spcPts val="0"/>
               </a:spcBef>
@@ -9482,7 +9853,7 @@
             </a:r>
           </a:p>
           <a:p>
-            <a:pPr indent="-228600" lvl="0" marL="457200" rtl="0">
+            <a:pPr marL="457200" lvl="0" indent="-228600" rtl="0">
               <a:spcBef>
                 <a:spcPts val="0"/>
               </a:spcBef>
@@ -9516,7 +9887,7 @@
             </a:r>
           </a:p>
           <a:p>
-            <a:pPr indent="-228600" lvl="0" marL="457200" rtl="0">
+            <a:pPr marL="457200" lvl="0" indent="-228600" rtl="0">
               <a:spcBef>
                 <a:spcPts val="0"/>
               </a:spcBef>
@@ -9550,7 +9921,7 @@
             </a:r>
           </a:p>
           <a:p>
-            <a:pPr indent="-228600" lvl="0" marL="457200" rtl="0">
+            <a:pPr marL="457200" lvl="0" indent="-228600" rtl="0">
               <a:spcBef>
                 <a:spcPts val="0"/>
               </a:spcBef>
@@ -9588,9 +9959,11 @@
       <p:sp>
         <p:nvSpPr>
           <p:cNvPr id="194" name="Shape 194"/>
-          <p:cNvSpPr txBox="1"/>
-          <p:nvPr>
-            <p:ph idx="2" type="body"/>
+          <p:cNvSpPr txBox="1">
+            <a:spLocks noGrp="1"/>
+          </p:cNvSpPr>
+          <p:nvPr>
+            <p:ph type="body" idx="2"/>
           </p:nvPr>
         </p:nvSpPr>
         <p:spPr>
@@ -9603,7 +9976,7 @@
           </a:prstGeom>
         </p:spPr>
         <p:txBody>
-          <a:bodyPr anchorCtr="0" anchor="t" bIns="91425" lIns="91425" rIns="91425" tIns="91425">
+          <a:bodyPr lIns="91425" tIns="91425" rIns="91425" bIns="91425" anchor="t" anchorCtr="0">
             <a:noAutofit/>
           </a:bodyPr>
           <a:lstStyle/>
@@ -9615,7 +9988,7 @@
               <a:buNone/>
             </a:pPr>
             <a:r>
-              <a:rPr b="1" lang="en" u="sng">
+              <a:rPr lang="en" b="1" u="sng">
                 <a:solidFill>
                   <a:srgbClr val="FFFFFF"/>
                 </a:solidFill>
@@ -9624,7 +9997,7 @@
             </a:r>
           </a:p>
           <a:p>
-            <a:pPr indent="-228600" lvl="0" marL="457200" rtl="0">
+            <a:pPr marL="457200" lvl="0" indent="-228600" rtl="0">
               <a:spcBef>
                 <a:spcPts val="0"/>
               </a:spcBef>
@@ -9658,7 +10031,7 @@
             </a:r>
           </a:p>
           <a:p>
-            <a:pPr indent="-228600" lvl="0" marL="457200" rtl="0">
+            <a:pPr marL="457200" lvl="0" indent="-228600" rtl="0">
               <a:spcBef>
                 <a:spcPts val="0"/>
               </a:spcBef>
@@ -9692,7 +10065,7 @@
             </a:r>
           </a:p>
           <a:p>
-            <a:pPr indent="-228600" lvl="0" marL="457200" rtl="0">
+            <a:pPr marL="457200" lvl="0" indent="-228600" rtl="0">
               <a:spcBef>
                 <a:spcPts val="0"/>
               </a:spcBef>
@@ -9726,7 +10099,7 @@
             </a:r>
           </a:p>
           <a:p>
-            <a:pPr indent="-228600" lvl="0" marL="457200" rtl="0">
+            <a:pPr marL="457200" lvl="0" indent="-228600" rtl="0">
               <a:spcBef>
                 <a:spcPts val="0"/>
               </a:spcBef>
@@ -9760,7 +10133,7 @@
             </a:r>
           </a:p>
           <a:p>
-            <a:pPr indent="-228600" lvl="0" marL="457200" rtl="0">
+            <a:pPr marL="457200" lvl="0" indent="-228600" rtl="0">
               <a:spcBef>
                 <a:spcPts val="0"/>
               </a:spcBef>
@@ -9796,11 +10169,11 @@
 </file>
 
 <file path=ppt/slides/slide24.xml><?xml version="1.0" encoding="utf-8"?>
-<p:sld xmlns:a="http://schemas.openxmlformats.org/drawingml/2006/main" xmlns:r="http://schemas.openxmlformats.org/officeDocument/2006/relationships" xmlns:mc="http://schemas.openxmlformats.org/markup-compatibility/2006" xmlns:mv="urn:schemas-microsoft-com:mac:vml" xmlns:p="http://schemas.openxmlformats.org/presentationml/2006/main" xmlns:c="http://schemas.openxmlformats.org/drawingml/2006/chart" xmlns:dgm="http://schemas.openxmlformats.org/drawingml/2006/diagram" xmlns:o="urn:schemas-microsoft-com:office:office" xmlns:v="urn:schemas-microsoft-com:vml" xmlns:pvml="urn:schemas-microsoft-com:office:powerpoint" xmlns:com="http://schemas.openxmlformats.org/drawingml/2006/compatibility" xmlns:p14="http://schemas.microsoft.com/office/powerpoint/2010/main">
+<p:sld xmlns:a="http://schemas.openxmlformats.org/drawingml/2006/main" xmlns:r="http://schemas.openxmlformats.org/officeDocument/2006/relationships" xmlns:p="http://schemas.openxmlformats.org/presentationml/2006/main">
   <p:cSld>
     <p:spTree>
       <p:nvGrpSpPr>
-        <p:cNvPr id="198" name="Shape 198"/>
+        <p:cNvPr id="1" name="Shape 198"/>
         <p:cNvGrpSpPr/>
         <p:nvPr/>
       </p:nvGrpSpPr>
@@ -9815,7 +10188,9 @@
       <p:sp>
         <p:nvSpPr>
           <p:cNvPr id="199" name="Shape 199"/>
-          <p:cNvSpPr txBox="1"/>
+          <p:cNvSpPr txBox="1">
+            <a:spLocks noGrp="1"/>
+          </p:cNvSpPr>
           <p:nvPr>
             <p:ph type="title"/>
           </p:nvPr>
@@ -9830,7 +10205,7 @@
           </a:prstGeom>
         </p:spPr>
         <p:txBody>
-          <a:bodyPr anchorCtr="0" anchor="t" bIns="91425" lIns="91425" rIns="91425" tIns="91425">
+          <a:bodyPr lIns="91425" tIns="91425" rIns="91425" bIns="91425" anchor="t" anchorCtr="0">
             <a:noAutofit/>
           </a:bodyPr>
           <a:lstStyle/>
@@ -9851,9 +10226,11 @@
       <p:sp>
         <p:nvSpPr>
           <p:cNvPr id="200" name="Shape 200"/>
-          <p:cNvSpPr txBox="1"/>
-          <p:nvPr>
-            <p:ph idx="1" type="body"/>
+          <p:cNvSpPr txBox="1">
+            <a:spLocks noGrp="1"/>
+          </p:cNvSpPr>
+          <p:nvPr>
+            <p:ph type="body" idx="1"/>
           </p:nvPr>
         </p:nvSpPr>
         <p:spPr>
@@ -9866,19 +10243,19 @@
           </a:prstGeom>
         </p:spPr>
         <p:txBody>
-          <a:bodyPr anchorCtr="0" anchor="t" bIns="91425" lIns="91425" rIns="91425" tIns="91425">
+          <a:bodyPr lIns="91425" tIns="91425" rIns="91425" bIns="91425" anchor="t" anchorCtr="0">
             <a:noAutofit/>
           </a:bodyPr>
           <a:lstStyle/>
           <a:p>
-            <a:pPr lvl="0" rtl="0" algn="ctr">
+            <a:pPr lvl="0" algn="ctr" rtl="0">
               <a:spcBef>
                 <a:spcPts val="0"/>
               </a:spcBef>
               <a:buNone/>
             </a:pPr>
             <a:r>
-              <a:rPr b="1" lang="en" u="sng">
+              <a:rPr lang="en" b="1" u="sng">
                 <a:solidFill>
                   <a:srgbClr val="F3F3F3"/>
                 </a:solidFill>
@@ -9887,7 +10264,7 @@
             </a:r>
           </a:p>
           <a:p>
-            <a:pPr indent="-228600" lvl="0" marL="457200" rtl="0">
+            <a:pPr marL="457200" lvl="0" indent="-228600" rtl="0">
               <a:spcBef>
                 <a:spcPts val="0"/>
               </a:spcBef>
@@ -9914,7 +10291,7 @@
             </a:r>
           </a:p>
           <a:p>
-            <a:pPr indent="-228600" lvl="0" marL="457200" rtl="0">
+            <a:pPr marL="457200" lvl="0" indent="-228600" rtl="0">
               <a:spcBef>
                 <a:spcPts val="0"/>
               </a:spcBef>
@@ -9941,7 +10318,7 @@
             </a:r>
           </a:p>
           <a:p>
-            <a:pPr indent="-228600" lvl="0" marL="457200" rtl="0">
+            <a:pPr marL="457200" lvl="0" indent="-228600" rtl="0">
               <a:spcBef>
                 <a:spcPts val="0"/>
               </a:spcBef>
@@ -9968,7 +10345,7 @@
             </a:r>
           </a:p>
           <a:p>
-            <a:pPr indent="-228600" lvl="0" marL="457200" rtl="0">
+            <a:pPr marL="457200" lvl="0" indent="-228600" rtl="0">
               <a:spcBef>
                 <a:spcPts val="0"/>
               </a:spcBef>
@@ -9999,7 +10376,7 @@
             </a:r>
           </a:p>
           <a:p>
-            <a:pPr indent="-228600" lvl="0" marL="457200" rtl="0">
+            <a:pPr marL="457200" lvl="0" indent="-228600" rtl="0">
               <a:spcBef>
                 <a:spcPts val="0"/>
               </a:spcBef>
@@ -10026,7 +10403,7 @@
             </a:r>
           </a:p>
           <a:p>
-            <a:pPr indent="-228600" lvl="0" marL="457200" rtl="0">
+            <a:pPr marL="457200" lvl="0" indent="-228600" rtl="0">
               <a:spcBef>
                 <a:spcPts val="0"/>
               </a:spcBef>
@@ -10057,9 +10434,11 @@
       <p:sp>
         <p:nvSpPr>
           <p:cNvPr id="201" name="Shape 201"/>
-          <p:cNvSpPr txBox="1"/>
-          <p:nvPr>
-            <p:ph idx="2" type="body"/>
+          <p:cNvSpPr txBox="1">
+            <a:spLocks noGrp="1"/>
+          </p:cNvSpPr>
+          <p:nvPr>
+            <p:ph type="body" idx="2"/>
           </p:nvPr>
         </p:nvSpPr>
         <p:spPr>
@@ -10072,19 +10451,19 @@
           </a:prstGeom>
         </p:spPr>
         <p:txBody>
-          <a:bodyPr anchorCtr="0" anchor="t" bIns="91425" lIns="91425" rIns="91425" tIns="91425">
+          <a:bodyPr lIns="91425" tIns="91425" rIns="91425" bIns="91425" anchor="t" anchorCtr="0">
             <a:noAutofit/>
           </a:bodyPr>
           <a:lstStyle/>
           <a:p>
-            <a:pPr lvl="0" rtl="0" algn="ctr">
+            <a:pPr lvl="0" algn="ctr" rtl="0">
               <a:spcBef>
                 <a:spcPts val="0"/>
               </a:spcBef>
               <a:buNone/>
             </a:pPr>
             <a:r>
-              <a:rPr b="1" lang="en" u="sng">
+              <a:rPr lang="en" b="1" u="sng">
                 <a:solidFill>
                   <a:srgbClr val="F3F3F3"/>
                 </a:solidFill>
@@ -10093,7 +10472,7 @@
             </a:r>
           </a:p>
           <a:p>
-            <a:pPr indent="-228600" lvl="0" marL="457200" rtl="0">
+            <a:pPr marL="457200" lvl="0" indent="-228600" rtl="0">
               <a:spcBef>
                 <a:spcPts val="0"/>
               </a:spcBef>
@@ -10119,7 +10498,7 @@
             </a:r>
           </a:p>
           <a:p>
-            <a:pPr indent="-228600" lvl="0" marL="457200" rtl="0">
+            <a:pPr marL="457200" lvl="0" indent="-228600" rtl="0">
               <a:spcBef>
                 <a:spcPts val="0"/>
               </a:spcBef>
@@ -10145,7 +10524,7 @@
             </a:r>
           </a:p>
           <a:p>
-            <a:pPr indent="-228600" lvl="0" marL="457200" rtl="0">
+            <a:pPr marL="457200" lvl="0" indent="-228600" rtl="0">
               <a:spcBef>
                 <a:spcPts val="0"/>
               </a:spcBef>
@@ -10171,7 +10550,7 @@
             </a:r>
           </a:p>
           <a:p>
-            <a:pPr indent="-228600" lvl="0" marL="457200" rtl="0">
+            <a:pPr marL="457200" lvl="0" indent="-228600" rtl="0">
               <a:spcBef>
                 <a:spcPts val="0"/>
               </a:spcBef>
@@ -10197,7 +10576,7 @@
             </a:r>
           </a:p>
           <a:p>
-            <a:pPr indent="-228600" lvl="0" marL="457200" rtl="0">
+            <a:pPr marL="457200" lvl="0" indent="-228600" rtl="0">
               <a:spcBef>
                 <a:spcPts val="0"/>
               </a:spcBef>
@@ -10223,7 +10602,7 @@
             </a:r>
           </a:p>
           <a:p>
-            <a:pPr indent="-228600" lvl="0" marL="457200" rtl="0">
+            <a:pPr marL="457200" lvl="0" indent="-228600" rtl="0">
               <a:spcBef>
                 <a:spcPts val="0"/>
               </a:spcBef>
@@ -10267,11 +10646,11 @@
 </file>
 
 <file path=ppt/slides/slide25.xml><?xml version="1.0" encoding="utf-8"?>
-<p:sld xmlns:a="http://schemas.openxmlformats.org/drawingml/2006/main" xmlns:r="http://schemas.openxmlformats.org/officeDocument/2006/relationships" xmlns:mc="http://schemas.openxmlformats.org/markup-compatibility/2006" xmlns:mv="urn:schemas-microsoft-com:mac:vml" xmlns:p="http://schemas.openxmlformats.org/presentationml/2006/main" xmlns:c="http://schemas.openxmlformats.org/drawingml/2006/chart" xmlns:dgm="http://schemas.openxmlformats.org/drawingml/2006/diagram" xmlns:o="urn:schemas-microsoft-com:office:office" xmlns:v="urn:schemas-microsoft-com:vml" xmlns:pvml="urn:schemas-microsoft-com:office:powerpoint" xmlns:com="http://schemas.openxmlformats.org/drawingml/2006/compatibility" xmlns:p14="http://schemas.microsoft.com/office/powerpoint/2010/main">
+<p:sld xmlns:a="http://schemas.openxmlformats.org/drawingml/2006/main" xmlns:r="http://schemas.openxmlformats.org/officeDocument/2006/relationships" xmlns:p="http://schemas.openxmlformats.org/presentationml/2006/main">
   <p:cSld>
     <p:spTree>
       <p:nvGrpSpPr>
-        <p:cNvPr id="205" name="Shape 205"/>
+        <p:cNvPr id="1" name="Shape 205"/>
         <p:cNvGrpSpPr/>
         <p:nvPr/>
       </p:nvGrpSpPr>
@@ -10286,7 +10665,9 @@
       <p:sp>
         <p:nvSpPr>
           <p:cNvPr id="206" name="Shape 206"/>
-          <p:cNvSpPr txBox="1"/>
+          <p:cNvSpPr txBox="1">
+            <a:spLocks noGrp="1"/>
+          </p:cNvSpPr>
           <p:nvPr>
             <p:ph type="title"/>
           </p:nvPr>
@@ -10301,7 +10682,7 @@
           </a:prstGeom>
         </p:spPr>
         <p:txBody>
-          <a:bodyPr anchorCtr="0" anchor="t" bIns="91425" lIns="91425" rIns="91425" tIns="91425">
+          <a:bodyPr lIns="91425" tIns="91425" rIns="91425" bIns="91425" anchor="t" anchorCtr="0">
             <a:noAutofit/>
           </a:bodyPr>
           <a:lstStyle/>
@@ -10314,11 +10695,7 @@
             </a:pPr>
             <a:r>
               <a:rPr lang="en"/>
-              <a:t>R</a:t>
-            </a:r>
-            <a:r>
-              <a:rPr lang="en"/>
-              <a:t>oles and Responsibilities</a:t>
+              <a:t>Roles and Responsibilities</a:t>
             </a:r>
           </a:p>
         </p:txBody>
@@ -10326,9 +10703,11 @@
       <p:sp>
         <p:nvSpPr>
           <p:cNvPr id="207" name="Shape 207"/>
-          <p:cNvSpPr txBox="1"/>
-          <p:nvPr>
-            <p:ph idx="2" type="body"/>
+          <p:cNvSpPr txBox="1">
+            <a:spLocks noGrp="1"/>
+          </p:cNvSpPr>
+          <p:nvPr>
+            <p:ph type="body" idx="2"/>
           </p:nvPr>
         </p:nvSpPr>
         <p:spPr>
@@ -10341,12 +10720,12 @@
           </a:prstGeom>
         </p:spPr>
         <p:txBody>
-          <a:bodyPr anchorCtr="0" anchor="t" bIns="91425" lIns="91425" rIns="91425" tIns="91425">
+          <a:bodyPr lIns="91425" tIns="91425" rIns="91425" bIns="91425" anchor="t" anchorCtr="0">
             <a:noAutofit/>
           </a:bodyPr>
           <a:lstStyle/>
           <a:p>
-            <a:pPr indent="-228600" lvl="0" marL="457200" rtl="0">
+            <a:pPr marL="457200" lvl="0" indent="-228600" rtl="0">
               <a:spcBef>
                 <a:spcPts val="0"/>
               </a:spcBef>
@@ -10355,7 +10734,7 @@
               </a:buClr>
             </a:pPr>
             <a:r>
-              <a:rPr b="1" lang="en" u="sng">
+              <a:rPr lang="en" b="1" u="sng">
                 <a:solidFill>
                   <a:srgbClr val="FFFFFF"/>
                 </a:solidFill>
@@ -10372,7 +10751,7 @@
             </a:r>
           </a:p>
           <a:p>
-            <a:pPr indent="-228600" lvl="0" marL="457200" rtl="0">
+            <a:pPr marL="457200" lvl="0" indent="-228600" rtl="0">
               <a:spcBef>
                 <a:spcPts val="0"/>
               </a:spcBef>
@@ -10381,7 +10760,7 @@
               </a:buClr>
             </a:pPr>
             <a:r>
-              <a:rPr b="1" lang="en" u="sng">
+              <a:rPr lang="en" b="1" u="sng">
                 <a:solidFill>
                   <a:srgbClr val="FFFFFF"/>
                 </a:solidFill>
@@ -10398,7 +10777,7 @@
             </a:r>
           </a:p>
           <a:p>
-            <a:pPr indent="-228600" lvl="0" marL="457200" rtl="0">
+            <a:pPr marL="457200" lvl="0" indent="-228600" rtl="0">
               <a:spcBef>
                 <a:spcPts val="0"/>
               </a:spcBef>
@@ -10407,7 +10786,7 @@
               </a:buClr>
             </a:pPr>
             <a:r>
-              <a:rPr b="1" lang="en" u="sng">
+              <a:rPr lang="en" b="1" u="sng">
                 <a:solidFill>
                   <a:srgbClr val="FFFFFF"/>
                 </a:solidFill>
@@ -10424,7 +10803,7 @@
             </a:r>
           </a:p>
           <a:p>
-            <a:pPr indent="-228600" lvl="0" marL="457200" rtl="0">
+            <a:pPr marL="457200" lvl="0" indent="-228600" rtl="0">
               <a:spcBef>
                 <a:spcPts val="0"/>
               </a:spcBef>
@@ -10433,7 +10812,7 @@
               </a:buClr>
             </a:pPr>
             <a:r>
-              <a:rPr b="1" lang="en" u="sng">
+              <a:rPr lang="en" b="1" u="sng">
                 <a:solidFill>
                   <a:srgbClr val="FFFFFF"/>
                 </a:solidFill>
@@ -10456,9 +10835,6 @@
               </a:spcBef>
               <a:buNone/>
             </a:pPr>
-            <a:r>
-              <a:t/>
-            </a:r>
             <a:endParaRPr/>
           </a:p>
           <a:p>
@@ -10496,11 +10872,11 @@
 </file>
 
 <file path=ppt/slides/slide26.xml><?xml version="1.0" encoding="utf-8"?>
-<p:sld xmlns:a="http://schemas.openxmlformats.org/drawingml/2006/main" xmlns:r="http://schemas.openxmlformats.org/officeDocument/2006/relationships" xmlns:mc="http://schemas.openxmlformats.org/markup-compatibility/2006" xmlns:mv="urn:schemas-microsoft-com:mac:vml" xmlns:p="http://schemas.openxmlformats.org/presentationml/2006/main" xmlns:c="http://schemas.openxmlformats.org/drawingml/2006/chart" xmlns:dgm="http://schemas.openxmlformats.org/drawingml/2006/diagram" xmlns:o="urn:schemas-microsoft-com:office:office" xmlns:v="urn:schemas-microsoft-com:vml" xmlns:pvml="urn:schemas-microsoft-com:office:powerpoint" xmlns:com="http://schemas.openxmlformats.org/drawingml/2006/compatibility" xmlns:p14="http://schemas.microsoft.com/office/powerpoint/2010/main">
+<p:sld xmlns:a="http://schemas.openxmlformats.org/drawingml/2006/main" xmlns:r="http://schemas.openxmlformats.org/officeDocument/2006/relationships" xmlns:p="http://schemas.openxmlformats.org/presentationml/2006/main">
   <p:cSld>
     <p:spTree>
       <p:nvGrpSpPr>
-        <p:cNvPr id="211" name="Shape 211"/>
+        <p:cNvPr id="1" name="Shape 211"/>
         <p:cNvGrpSpPr/>
         <p:nvPr/>
       </p:nvGrpSpPr>
@@ -10515,7 +10891,9 @@
       <p:sp>
         <p:nvSpPr>
           <p:cNvPr id="212" name="Shape 212"/>
-          <p:cNvSpPr txBox="1"/>
+          <p:cNvSpPr txBox="1">
+            <a:spLocks noGrp="1"/>
+          </p:cNvSpPr>
           <p:nvPr>
             <p:ph type="title"/>
           </p:nvPr>
@@ -10530,7 +10908,7 @@
           </a:prstGeom>
         </p:spPr>
         <p:txBody>
-          <a:bodyPr anchorCtr="0" anchor="t" bIns="91425" lIns="91425" rIns="91425" tIns="91425">
+          <a:bodyPr lIns="91425" tIns="91425" rIns="91425" bIns="91425" anchor="t" anchorCtr="0">
             <a:noAutofit/>
           </a:bodyPr>
           <a:lstStyle/>
@@ -10551,122 +10929,147 @@
       <p:sp>
         <p:nvSpPr>
           <p:cNvPr id="213" name="Shape 213"/>
-          <p:cNvSpPr txBox="1"/>
-          <p:nvPr>
-            <p:ph idx="1" type="body"/>
-          </p:nvPr>
-        </p:nvSpPr>
-        <p:spPr>
-          <a:xfrm>
-            <a:off x="311700" y="1152475"/>
-            <a:ext cx="8520600" cy="3416400"/>
+          <p:cNvSpPr txBox="1">
+            <a:spLocks noGrp="1"/>
+          </p:cNvSpPr>
+          <p:nvPr>
+            <p:ph type="body" idx="1"/>
+          </p:nvPr>
+        </p:nvSpPr>
+        <p:spPr>
+          <a:xfrm>
+            <a:off x="691116" y="1017725"/>
+            <a:ext cx="8141309" cy="3551100"/>
           </a:xfrm>
           <a:prstGeom prst="rect">
             <a:avLst/>
           </a:prstGeom>
         </p:spPr>
         <p:txBody>
-          <a:bodyPr anchorCtr="0" anchor="t" bIns="91425" lIns="91425" rIns="91425" tIns="91425">
+          <a:bodyPr lIns="91425" tIns="91425" rIns="91425" bIns="91425" anchor="t" anchorCtr="0">
             <a:noAutofit/>
           </a:bodyPr>
           <a:lstStyle/>
           <a:p>
-            <a:pPr indent="-228600" lvl="0" marL="457200" rtl="0">
-              <a:spcBef>
-                <a:spcPts val="0"/>
-              </a:spcBef>
-            </a:pPr>
-            <a:r>
-              <a:rPr lang="en"/>
+            <a:pPr marL="514350" lvl="0" indent="-285750" rtl="0">
+              <a:spcBef>
+                <a:spcPts val="0"/>
+              </a:spcBef>
+              <a:buClr>
+                <a:srgbClr val="FFFFFF"/>
+              </a:buClr>
+              <a:buFont typeface="Arial" panose="020B0604020202020204" pitchFamily="34" charset="0"/>
+              <a:buChar char="•"/>
+            </a:pPr>
+            <a:r>
+              <a:rPr lang="en" dirty="0">
+                <a:solidFill>
+                  <a:srgbClr val="FFFFFF"/>
+                </a:solidFill>
+              </a:rPr>
               <a:t>Developed Data Acquisition Program</a:t>
             </a:r>
           </a:p>
           <a:p>
-            <a:pPr indent="-228600" lvl="1" marL="914400" rtl="0">
-              <a:spcBef>
-                <a:spcPts val="0"/>
-              </a:spcBef>
-            </a:pPr>
-            <a:r>
-              <a:rPr lang="en"/>
+            <a:pPr marL="914400" lvl="1" indent="-342900" rtl="0">
+              <a:spcBef>
+                <a:spcPts val="0"/>
+              </a:spcBef>
+              <a:buClr>
+                <a:srgbClr val="FFFFFF"/>
+              </a:buClr>
+              <a:buSzPct val="100000"/>
+              <a:buFont typeface="Arial" panose="020B0604020202020204" pitchFamily="34" charset="0"/>
+              <a:buChar char="•"/>
+            </a:pPr>
+            <a:r>
+              <a:rPr lang="en" sz="1800" dirty="0">
+                <a:solidFill>
+                  <a:srgbClr val="FFFFFF"/>
+                </a:solidFill>
+              </a:rPr>
               <a:t>Using Python with PyZillow</a:t>
             </a:r>
           </a:p>
           <a:p>
-            <a:pPr indent="-228600" lvl="0" marL="457200" rtl="0">
-              <a:spcBef>
-                <a:spcPts val="0"/>
-              </a:spcBef>
-            </a:pPr>
-            <a:r>
-              <a:rPr lang="en"/>
+            <a:pPr marL="514350" lvl="0" indent="-285750" rtl="0">
+              <a:spcBef>
+                <a:spcPts val="0"/>
+              </a:spcBef>
+              <a:buClr>
+                <a:srgbClr val="FFFFFF"/>
+              </a:buClr>
+              <a:buFont typeface="Arial" panose="020B0604020202020204" pitchFamily="34" charset="0"/>
+              <a:buChar char="•"/>
+            </a:pPr>
+            <a:r>
+              <a:rPr lang="en" dirty="0">
+                <a:solidFill>
+                  <a:srgbClr val="FFFFFF"/>
+                </a:solidFill>
+              </a:rPr>
               <a:t>Set Up AWS Services</a:t>
             </a:r>
           </a:p>
           <a:p>
-            <a:pPr indent="-228600" lvl="1" marL="914400" rtl="0">
-              <a:spcBef>
-                <a:spcPts val="0"/>
-              </a:spcBef>
-            </a:pPr>
-            <a:r>
-              <a:rPr lang="en"/>
+            <a:pPr marL="914400" lvl="1" indent="-342900" rtl="0">
+              <a:spcBef>
+                <a:spcPts val="0"/>
+              </a:spcBef>
+              <a:buClr>
+                <a:srgbClr val="FFFFFF"/>
+              </a:buClr>
+              <a:buSzPct val="100000"/>
+              <a:buFont typeface="Arial" panose="020B0604020202020204" pitchFamily="34" charset="0"/>
+              <a:buChar char="•"/>
+            </a:pPr>
+            <a:r>
+              <a:rPr lang="en" sz="1800" dirty="0">
+                <a:solidFill>
+                  <a:srgbClr val="FFFFFF"/>
+                </a:solidFill>
+              </a:rPr>
               <a:t>Elastic Beanstalk, Relational Database, Server Instance</a:t>
             </a:r>
           </a:p>
           <a:p>
-            <a:pPr indent="-228600" lvl="0" marL="457200" rtl="0">
-              <a:spcBef>
-                <a:spcPts val="0"/>
-              </a:spcBef>
-            </a:pPr>
-            <a:r>
-              <a:rPr lang="en"/>
+            <a:pPr marL="514350" lvl="0" indent="-285750" rtl="0">
+              <a:spcBef>
+                <a:spcPts val="0"/>
+              </a:spcBef>
+              <a:buClr>
+                <a:srgbClr val="FFFFFF"/>
+              </a:buClr>
+              <a:buFont typeface="Arial" panose="020B0604020202020204" pitchFamily="34" charset="0"/>
+              <a:buChar char="•"/>
+            </a:pPr>
+            <a:r>
+              <a:rPr lang="en" dirty="0">
+                <a:solidFill>
+                  <a:srgbClr val="FFFFFF"/>
+                </a:solidFill>
+              </a:rPr>
               <a:t>Developed MySQL and Python Function For Database Creation</a:t>
             </a:r>
           </a:p>
           <a:p>
-            <a:pPr indent="-228600" lvl="0" marL="457200" rtl="0">
-              <a:spcBef>
-                <a:spcPts val="0"/>
-              </a:spcBef>
-            </a:pPr>
-            <a:r>
-              <a:rPr lang="en"/>
+            <a:pPr marL="514350" lvl="0" indent="-285750" rtl="0">
+              <a:spcBef>
+                <a:spcPts val="0"/>
+              </a:spcBef>
+              <a:buClr>
+                <a:srgbClr val="FFFFFF"/>
+              </a:buClr>
+              <a:buFont typeface="Arial" panose="020B0604020202020204" pitchFamily="34" charset="0"/>
+              <a:buChar char="•"/>
+            </a:pPr>
+            <a:r>
+              <a:rPr lang="en" dirty="0">
+                <a:solidFill>
+                  <a:srgbClr val="FFFFFF"/>
+                </a:solidFill>
+              </a:rPr>
               <a:t>Created MySQL RD Instance on AWS Server</a:t>
-            </a:r>
-          </a:p>
-          <a:p>
-            <a:pPr indent="-228600" lvl="0" marL="457200" rtl="0">
-              <a:spcBef>
-                <a:spcPts val="0"/>
-              </a:spcBef>
-            </a:pPr>
-            <a:r>
-              <a:rPr lang="en"/>
-              <a:t>Started Parameterizing Random Forest Based on Attributes From PyZillow</a:t>
-            </a:r>
-          </a:p>
-          <a:p>
-            <a:pPr indent="-228600" lvl="0" marL="457200" rtl="0">
-              <a:spcBef>
-                <a:spcPts val="0"/>
-              </a:spcBef>
-            </a:pPr>
-            <a:r>
-              <a:rPr lang="en"/>
-              <a:t>Developed Front End Design</a:t>
-            </a:r>
-          </a:p>
-          <a:p>
-            <a:pPr indent="-228600" lvl="0" marL="457200" rtl="0">
-              <a:spcBef>
-                <a:spcPts val="0"/>
-              </a:spcBef>
-            </a:pPr>
-            <a:r>
-              <a:rPr lang="en"/>
-              <a:t>Began Developing Front End</a:t>
             </a:r>
           </a:p>
         </p:txBody>
@@ -10679,12 +11082,12 @@
 </p:sld>
 </file>
 
-<file path=ppt/slides/slide3.xml><?xml version="1.0" encoding="utf-8"?>
-<p:sld xmlns:a="http://schemas.openxmlformats.org/drawingml/2006/main" xmlns:r="http://schemas.openxmlformats.org/officeDocument/2006/relationships" xmlns:mc="http://schemas.openxmlformats.org/markup-compatibility/2006" xmlns:mv="urn:schemas-microsoft-com:mac:vml" xmlns:p="http://schemas.openxmlformats.org/presentationml/2006/main" xmlns:c="http://schemas.openxmlformats.org/drawingml/2006/chart" xmlns:dgm="http://schemas.openxmlformats.org/drawingml/2006/diagram" xmlns:o="urn:schemas-microsoft-com:office:office" xmlns:v="urn:schemas-microsoft-com:vml" xmlns:pvml="urn:schemas-microsoft-com:office:powerpoint" xmlns:com="http://schemas.openxmlformats.org/drawingml/2006/compatibility" xmlns:p14="http://schemas.microsoft.com/office/powerpoint/2010/main">
+<file path=ppt/slides/slide27.xml><?xml version="1.0" encoding="utf-8"?>
+<p:sld xmlns:a="http://schemas.openxmlformats.org/drawingml/2006/main" xmlns:r="http://schemas.openxmlformats.org/officeDocument/2006/relationships" xmlns:p="http://schemas.openxmlformats.org/presentationml/2006/main">
   <p:cSld>
     <p:spTree>
       <p:nvGrpSpPr>
-        <p:cNvPr id="68" name="Shape 68"/>
+        <p:cNvPr id="1" name=""/>
         <p:cNvGrpSpPr/>
         <p:nvPr/>
       </p:nvGrpSpPr>
@@ -10698,182 +11101,108 @@
       </p:grpSpPr>
       <p:sp>
         <p:nvSpPr>
-          <p:cNvPr id="69" name="Shape 69"/>
-          <p:cNvSpPr txBox="1"/>
+          <p:cNvPr id="2" name="Title 1"/>
+          <p:cNvSpPr>
+            <a:spLocks noGrp="1"/>
+          </p:cNvSpPr>
           <p:nvPr>
             <p:ph type="title"/>
           </p:nvPr>
         </p:nvSpPr>
-        <p:spPr>
-          <a:xfrm>
-            <a:off x="311700" y="445025"/>
-            <a:ext cx="8520600" cy="572700"/>
-          </a:xfrm>
-          <a:prstGeom prst="rect">
-            <a:avLst/>
-          </a:prstGeom>
-        </p:spPr>
+        <p:spPr/>
         <p:txBody>
-          <a:bodyPr anchorCtr="0" anchor="t" bIns="91425" lIns="91425" rIns="91425" tIns="91425">
-            <a:noAutofit/>
-          </a:bodyPr>
+          <a:bodyPr/>
           <a:lstStyle/>
           <a:p>
-            <a:pPr lvl="0" algn="ctr">
-              <a:spcBef>
-                <a:spcPts val="0"/>
-              </a:spcBef>
-              <a:buNone/>
-            </a:pPr>
-            <a:r>
-              <a:rPr lang="en"/>
-              <a:t>Functional Requirements - </a:t>
-            </a:r>
-            <a:r>
-              <a:rPr lang="en"/>
-              <a:t>Features Priority</a:t>
+            <a:pPr algn="ctr"/>
+            <a:r>
+              <a:rPr lang="en-US" dirty="0"/>
+              <a:t>Progress Report(cont.)</a:t>
             </a:r>
           </a:p>
         </p:txBody>
       </p:sp>
       <p:sp>
         <p:nvSpPr>
-          <p:cNvPr id="70" name="Shape 70"/>
-          <p:cNvSpPr txBox="1"/>
-          <p:nvPr>
-            <p:ph idx="1" type="body"/>
-          </p:nvPr>
-        </p:nvSpPr>
-        <p:spPr>
-          <a:xfrm>
-            <a:off x="311700" y="1152475"/>
-            <a:ext cx="8328600" cy="3416400"/>
-          </a:xfrm>
-          <a:prstGeom prst="rect">
-            <a:avLst/>
-          </a:prstGeom>
+          <p:cNvPr id="3" name="Text Placeholder 2"/>
+          <p:cNvSpPr>
+            <a:spLocks noGrp="1"/>
+          </p:cNvSpPr>
+          <p:nvPr>
+            <p:ph type="body" idx="1"/>
+          </p:nvPr>
+        </p:nvSpPr>
+        <p:spPr>
+          <a:xfrm>
+            <a:off x="542260" y="1017725"/>
+            <a:ext cx="8290040" cy="3551150"/>
+          </a:xfrm>
         </p:spPr>
         <p:txBody>
-          <a:bodyPr anchorCtr="0" anchor="t" bIns="91425" lIns="91425" rIns="91425" tIns="91425">
-            <a:noAutofit/>
-          </a:bodyPr>
+          <a:bodyPr/>
           <a:lstStyle/>
           <a:p>
-            <a:pPr indent="-228600" lvl="0" marL="457200" rtl="0">
-              <a:spcBef>
-                <a:spcPts val="0"/>
-              </a:spcBef>
+            <a:pPr marL="514350" lvl="0" indent="-285750">
               <a:buClr>
                 <a:srgbClr val="FFFFFF"/>
               </a:buClr>
-              <a:buChar char="●"/>
-            </a:pPr>
-            <a:r>
-              <a:rPr lang="en">
-                <a:solidFill>
-                  <a:srgbClr val="FFFFFF"/>
-                </a:solidFill>
-              </a:rPr>
-              <a:t>1st-tier -</a:t>
-            </a:r>
-            <a:r>
-              <a:rPr lang="en">
-                <a:solidFill>
-                  <a:srgbClr val="FFFFFF"/>
-                </a:solidFill>
-              </a:rPr>
-              <a:t> Features essential to</a:t>
-            </a:r>
-            <a:r>
-              <a:rPr lang="en">
-                <a:solidFill>
-                  <a:srgbClr val="FFFFFF"/>
-                </a:solidFill>
-              </a:rPr>
-              <a:t> core functionality - highest priority</a:t>
-            </a:r>
-          </a:p>
-          <a:p>
-            <a:pPr lvl="0" rtl="0">
-              <a:spcBef>
-                <a:spcPts val="0"/>
-              </a:spcBef>
-              <a:buNone/>
-            </a:pPr>
-            <a:r>
-              <a:t/>
-            </a:r>
-            <a:endParaRPr>
-              <a:solidFill>
-                <a:srgbClr val="FFFFFF"/>
-              </a:solidFill>
-            </a:endParaRPr>
-          </a:p>
-          <a:p>
-            <a:pPr indent="-228600" lvl="0" marL="457200" rtl="0">
-              <a:spcBef>
-                <a:spcPts val="0"/>
-              </a:spcBef>
+              <a:buFont typeface="Arial" panose="020B0604020202020204" pitchFamily="34" charset="0"/>
+              <a:buChar char="•"/>
+            </a:pPr>
+            <a:r>
+              <a:rPr lang="en" dirty="0">
+                <a:solidFill>
+                  <a:srgbClr val="FFFFFF"/>
+                </a:solidFill>
+              </a:rPr>
+              <a:t>Started Parameterizing Random Forest Based on Attributes From PyZillow</a:t>
+            </a:r>
+          </a:p>
+          <a:p>
+            <a:pPr marL="514350" lvl="0" indent="-285750">
               <a:buClr>
                 <a:srgbClr val="FFFFFF"/>
               </a:buClr>
-              <a:buChar char="●"/>
-            </a:pPr>
-            <a:r>
-              <a:rPr lang="en">
-                <a:solidFill>
-                  <a:srgbClr val="FFFFFF"/>
-                </a:solidFill>
-              </a:rPr>
-              <a:t>2nd-tier - Features adding desirable, </a:t>
-            </a:r>
-            <a:r>
-              <a:rPr lang="en">
-                <a:solidFill>
-                  <a:srgbClr val="FFFFFF"/>
-                </a:solidFill>
-              </a:rPr>
-              <a:t>non-core functionality</a:t>
-            </a:r>
-          </a:p>
-          <a:p>
-            <a:pPr indent="0" lvl="0" marL="457200" rtl="0">
-              <a:spcBef>
-                <a:spcPts val="0"/>
-              </a:spcBef>
-              <a:buNone/>
-            </a:pPr>
-            <a:r>
-              <a:t/>
-            </a:r>
-            <a:endParaRPr>
-              <a:solidFill>
-                <a:srgbClr val="FFFFFF"/>
-              </a:solidFill>
-            </a:endParaRPr>
-          </a:p>
-          <a:p>
-            <a:pPr indent="-228600" lvl="0" marL="457200" rtl="0">
-              <a:spcBef>
-                <a:spcPts val="0"/>
-              </a:spcBef>
+              <a:buFont typeface="Arial" panose="020B0604020202020204" pitchFamily="34" charset="0"/>
+              <a:buChar char="•"/>
+            </a:pPr>
+            <a:r>
+              <a:rPr lang="en" dirty="0">
+                <a:solidFill>
+                  <a:srgbClr val="FFFFFF"/>
+                </a:solidFill>
+              </a:rPr>
+              <a:t>Developed Front End Design</a:t>
+            </a:r>
+          </a:p>
+          <a:p>
+            <a:pPr marL="514350" lvl="0" indent="-285750">
               <a:buClr>
                 <a:srgbClr val="FFFFFF"/>
               </a:buClr>
-              <a:buChar char="●"/>
-            </a:pPr>
-            <a:r>
-              <a:rPr lang="en">
-                <a:solidFill>
-                  <a:srgbClr val="FFFFFF"/>
-                </a:solidFill>
-              </a:rPr>
-              <a:t>3rd-tier - Possible additional features - lowest priority</a:t>
-            </a:r>
+              <a:buFont typeface="Arial" panose="020B0604020202020204" pitchFamily="34" charset="0"/>
+              <a:buChar char="•"/>
+            </a:pPr>
+            <a:r>
+              <a:rPr lang="en" dirty="0">
+                <a:solidFill>
+                  <a:srgbClr val="FFFFFF"/>
+                </a:solidFill>
+              </a:rPr>
+              <a:t>Began Developing Front End</a:t>
+            </a:r>
+          </a:p>
+          <a:p>
+            <a:endParaRPr lang="en-US" dirty="0"/>
           </a:p>
         </p:txBody>
       </p:sp>
     </p:spTree>
+    <p:extLst>
+      <p:ext uri="{BB962C8B-B14F-4D97-AF65-F5344CB8AC3E}">
+        <p14:creationId xmlns:p14="http://schemas.microsoft.com/office/powerpoint/2010/main" val="2647138133"/>
+      </p:ext>
+    </p:extLst>
   </p:cSld>
   <p:clrMapOvr>
     <a:masterClrMapping/>
@@ -10881,12 +11210,12 @@
 </p:sld>
 </file>
 
-<file path=ppt/slides/slide4.xml><?xml version="1.0" encoding="utf-8"?>
-<p:sld xmlns:a="http://schemas.openxmlformats.org/drawingml/2006/main" xmlns:r="http://schemas.openxmlformats.org/officeDocument/2006/relationships" xmlns:mc="http://schemas.openxmlformats.org/markup-compatibility/2006" xmlns:mv="urn:schemas-microsoft-com:mac:vml" xmlns:p="http://schemas.openxmlformats.org/presentationml/2006/main" xmlns:c="http://schemas.openxmlformats.org/drawingml/2006/chart" xmlns:dgm="http://schemas.openxmlformats.org/drawingml/2006/diagram" xmlns:o="urn:schemas-microsoft-com:office:office" xmlns:v="urn:schemas-microsoft-com:vml" xmlns:pvml="urn:schemas-microsoft-com:office:powerpoint" xmlns:com="http://schemas.openxmlformats.org/drawingml/2006/compatibility" xmlns:p14="http://schemas.microsoft.com/office/powerpoint/2010/main">
+<file path=ppt/slides/slide3.xml><?xml version="1.0" encoding="utf-8"?>
+<p:sld xmlns:a="http://schemas.openxmlformats.org/drawingml/2006/main" xmlns:r="http://schemas.openxmlformats.org/officeDocument/2006/relationships" xmlns:p="http://schemas.openxmlformats.org/presentationml/2006/main">
   <p:cSld>
     <p:spTree>
       <p:nvGrpSpPr>
-        <p:cNvPr id="74" name="Shape 74"/>
+        <p:cNvPr id="1" name="Shape 68"/>
         <p:cNvGrpSpPr/>
         <p:nvPr/>
       </p:nvGrpSpPr>
@@ -10900,8 +11229,10 @@
       </p:grpSpPr>
       <p:sp>
         <p:nvSpPr>
-          <p:cNvPr id="75" name="Shape 75"/>
-          <p:cNvSpPr txBox="1"/>
+          <p:cNvPr id="69" name="Shape 69"/>
+          <p:cNvSpPr txBox="1">
+            <a:spLocks noGrp="1"/>
+          </p:cNvSpPr>
           <p:nvPr>
             <p:ph type="title"/>
           </p:nvPr>
@@ -10916,12 +11247,12 @@
           </a:prstGeom>
         </p:spPr>
         <p:txBody>
-          <a:bodyPr anchorCtr="0" anchor="t" bIns="91425" lIns="91425" rIns="91425" tIns="91425">
+          <a:bodyPr lIns="91425" tIns="91425" rIns="91425" bIns="91425" anchor="t" anchorCtr="0">
             <a:noAutofit/>
           </a:bodyPr>
           <a:lstStyle/>
           <a:p>
-            <a:pPr lvl="0" rtl="0" algn="ctr">
+            <a:pPr lvl="0" algn="ctr">
               <a:spcBef>
                 <a:spcPts val="0"/>
               </a:spcBef>
@@ -10929,183 +11260,116 @@
             </a:pPr>
             <a:r>
               <a:rPr lang="en"/>
-              <a:t>Functional Requirements</a:t>
-            </a:r>
-          </a:p>
-          <a:p>
-            <a:pPr lvl="0" algn="l">
-              <a:spcBef>
-                <a:spcPts val="0"/>
-              </a:spcBef>
-              <a:buNone/>
-            </a:pPr>
-            <a:r>
-              <a:t/>
-            </a:r>
-            <a:endParaRPr/>
+              <a:t>Functional Requirements - Features Priority</a:t>
+            </a:r>
           </a:p>
         </p:txBody>
       </p:sp>
       <p:sp>
         <p:nvSpPr>
-          <p:cNvPr id="76" name="Shape 76"/>
-          <p:cNvSpPr txBox="1"/>
-          <p:nvPr>
-            <p:ph idx="1" type="body"/>
-          </p:nvPr>
-        </p:nvSpPr>
-        <p:spPr>
-          <a:xfrm>
-            <a:off x="618250" y="1152475"/>
-            <a:ext cx="7875600" cy="3416400"/>
+          <p:cNvPr id="70" name="Shape 70"/>
+          <p:cNvSpPr txBox="1">
+            <a:spLocks noGrp="1"/>
+          </p:cNvSpPr>
+          <p:nvPr>
+            <p:ph type="body" idx="1"/>
+          </p:nvPr>
+        </p:nvSpPr>
+        <p:spPr>
+          <a:xfrm>
+            <a:off x="311700" y="1152475"/>
+            <a:ext cx="8328600" cy="3416400"/>
           </a:xfrm>
           <a:prstGeom prst="rect">
             <a:avLst/>
           </a:prstGeom>
         </p:spPr>
         <p:txBody>
-          <a:bodyPr anchorCtr="0" anchor="t" bIns="91425" lIns="91425" rIns="91425" tIns="91425">
+          <a:bodyPr lIns="91425" tIns="91425" rIns="91425" bIns="91425" anchor="t" anchorCtr="0">
             <a:noAutofit/>
           </a:bodyPr>
           <a:lstStyle/>
           <a:p>
-            <a:pPr indent="-330200" lvl="0" marL="457200" rtl="0">
+            <a:pPr marL="457200" lvl="0" indent="-228600" rtl="0">
               <a:spcBef>
                 <a:spcPts val="0"/>
               </a:spcBef>
               <a:buClr>
                 <a:srgbClr val="FFFFFF"/>
               </a:buClr>
-              <a:buSzPct val="100000"/>
               <a:buChar char="●"/>
             </a:pPr>
             <a:r>
-              <a:rPr lang="en" sz="1600">
-                <a:solidFill>
-                  <a:srgbClr val="FFFFFF"/>
-                </a:solidFill>
-              </a:rPr>
-              <a:t>Users able to input attributes and location for predictive home sale analysis (1st-tier)</a:t>
-            </a:r>
-          </a:p>
-          <a:p>
-            <a:pPr indent="-330200" lvl="0" marL="457200" rtl="0">
+              <a:rPr lang="en">
+                <a:solidFill>
+                  <a:srgbClr val="FFFFFF"/>
+                </a:solidFill>
+              </a:rPr>
+              <a:t>1st-tier - Features essential to core functionality - highest priority</a:t>
+            </a:r>
+          </a:p>
+          <a:p>
+            <a:pPr lvl="0" rtl="0">
+              <a:spcBef>
+                <a:spcPts val="0"/>
+              </a:spcBef>
+              <a:buNone/>
+            </a:pPr>
+            <a:endParaRPr>
+              <a:solidFill>
+                <a:srgbClr val="FFFFFF"/>
+              </a:solidFill>
+            </a:endParaRPr>
+          </a:p>
+          <a:p>
+            <a:pPr marL="457200" lvl="0" indent="-228600" rtl="0">
               <a:spcBef>
                 <a:spcPts val="0"/>
               </a:spcBef>
               <a:buClr>
                 <a:srgbClr val="FFFFFF"/>
               </a:buClr>
-              <a:buSzPct val="100000"/>
               <a:buChar char="●"/>
             </a:pPr>
             <a:r>
-              <a:rPr lang="en" sz="1600">
-                <a:solidFill>
-                  <a:srgbClr val="FFFFFF"/>
-                </a:solidFill>
-              </a:rPr>
-              <a:t>Users able to filter homes listed by attributes and location(1st-tier)</a:t>
-            </a:r>
-          </a:p>
-          <a:p>
-            <a:pPr indent="-330200" lvl="0" marL="457200" rtl="0">
+              <a:rPr lang="en">
+                <a:solidFill>
+                  <a:srgbClr val="FFFFFF"/>
+                </a:solidFill>
+              </a:rPr>
+              <a:t>2nd-tier - Features adding desirable, non-core functionality</a:t>
+            </a:r>
+          </a:p>
+          <a:p>
+            <a:pPr marL="457200" lvl="0" indent="0" rtl="0">
+              <a:spcBef>
+                <a:spcPts val="0"/>
+              </a:spcBef>
+              <a:buNone/>
+            </a:pPr>
+            <a:endParaRPr>
+              <a:solidFill>
+                <a:srgbClr val="FFFFFF"/>
+              </a:solidFill>
+            </a:endParaRPr>
+          </a:p>
+          <a:p>
+            <a:pPr marL="457200" lvl="0" indent="-228600" rtl="0">
               <a:spcBef>
                 <a:spcPts val="0"/>
               </a:spcBef>
               <a:buClr>
                 <a:srgbClr val="FFFFFF"/>
               </a:buClr>
-              <a:buSzPct val="100000"/>
               <a:buChar char="●"/>
             </a:pPr>
             <a:r>
-              <a:rPr lang="en" sz="1600">
-                <a:solidFill>
-                  <a:srgbClr val="FFFFFF"/>
-                </a:solidFill>
-              </a:rPr>
-              <a:t>Users able to create visualizations for housing data based on filters (1st-tier)</a:t>
-            </a:r>
-          </a:p>
-          <a:p>
-            <a:pPr indent="-330200" lvl="0" marL="457200" rtl="0">
-              <a:spcBef>
-                <a:spcPts val="0"/>
-              </a:spcBef>
-              <a:buClr>
-                <a:srgbClr val="FFFFFF"/>
-              </a:buClr>
-              <a:buSzPct val="100000"/>
-              <a:buChar char="●"/>
-            </a:pPr>
-            <a:r>
-              <a:rPr lang="en" sz="1600">
-                <a:solidFill>
-                  <a:srgbClr val="FFFFFF"/>
-                </a:solidFill>
-              </a:rPr>
-              <a:t>Users able to view most influential factors in home sales for a given area (1st-tier)</a:t>
-            </a:r>
-          </a:p>
-          <a:p>
-            <a:pPr indent="-330200" lvl="0" marL="457200" rtl="0">
-              <a:spcBef>
-                <a:spcPts val="0"/>
-              </a:spcBef>
-              <a:buClr>
-                <a:srgbClr val="FFFFFF"/>
-              </a:buClr>
-              <a:buSzPct val="100000"/>
-              <a:buChar char="●"/>
-            </a:pPr>
-            <a:r>
-              <a:rPr lang="en" sz="1600">
-                <a:solidFill>
-                  <a:srgbClr val="FFFFFF"/>
-                </a:solidFill>
-              </a:rPr>
-              <a:t>Predictive home sale analysis based on price-point (2nd-tier)</a:t>
-            </a:r>
-          </a:p>
-          <a:p>
-            <a:pPr indent="-330200" lvl="0" marL="457200" rtl="0">
-              <a:spcBef>
-                <a:spcPts val="0"/>
-              </a:spcBef>
-              <a:buClr>
-                <a:srgbClr val="FFFFFF"/>
-              </a:buClr>
-              <a:buSzPct val="100000"/>
-              <a:buChar char="●"/>
-            </a:pPr>
-            <a:r>
-              <a:rPr lang="en" sz="1600">
-                <a:solidFill>
-                  <a:srgbClr val="FFFFFF"/>
-                </a:solidFill>
-              </a:rPr>
-              <a:t>Predictive home purchase analysis based on attributes and location (2nd-tier)</a:t>
-            </a:r>
-          </a:p>
-          <a:p>
-            <a:pPr indent="-330200" lvl="0" marL="457200">
-              <a:spcBef>
-                <a:spcPts val="0"/>
-              </a:spcBef>
-              <a:buClr>
-                <a:srgbClr val="FFFFFF"/>
-              </a:buClr>
-              <a:buSzPct val="100000"/>
-              <a:buChar char="●"/>
-            </a:pPr>
-            <a:r>
-              <a:rPr lang="en" sz="1600">
-                <a:solidFill>
-                  <a:srgbClr val="FFFFFF"/>
-                </a:solidFill>
-              </a:rPr>
-              <a:t>Suggest home alterations to potentially enhance sale value (3rd-tier)</a:t>
+              <a:rPr lang="en">
+                <a:solidFill>
+                  <a:srgbClr val="FFFFFF"/>
+                </a:solidFill>
+              </a:rPr>
+              <a:t>3rd-tier - Possible additional features - lowest priority</a:t>
             </a:r>
           </a:p>
         </p:txBody>
@@ -11118,12 +11382,12 @@
 </p:sld>
 </file>
 
-<file path=ppt/slides/slide5.xml><?xml version="1.0" encoding="utf-8"?>
-<p:sld xmlns:a="http://schemas.openxmlformats.org/drawingml/2006/main" xmlns:r="http://schemas.openxmlformats.org/officeDocument/2006/relationships" xmlns:mc="http://schemas.openxmlformats.org/markup-compatibility/2006" xmlns:mv="urn:schemas-microsoft-com:mac:vml" xmlns:p="http://schemas.openxmlformats.org/presentationml/2006/main" xmlns:c="http://schemas.openxmlformats.org/drawingml/2006/chart" xmlns:dgm="http://schemas.openxmlformats.org/drawingml/2006/diagram" xmlns:o="urn:schemas-microsoft-com:office:office" xmlns:v="urn:schemas-microsoft-com:vml" xmlns:pvml="urn:schemas-microsoft-com:office:powerpoint" xmlns:com="http://schemas.openxmlformats.org/drawingml/2006/compatibility" xmlns:p14="http://schemas.microsoft.com/office/powerpoint/2010/main">
+<file path=ppt/slides/slide4.xml><?xml version="1.0" encoding="utf-8"?>
+<p:sld xmlns:a="http://schemas.openxmlformats.org/drawingml/2006/main" xmlns:r="http://schemas.openxmlformats.org/officeDocument/2006/relationships" xmlns:p="http://schemas.openxmlformats.org/presentationml/2006/main">
   <p:cSld>
     <p:spTree>
       <p:nvGrpSpPr>
-        <p:cNvPr id="80" name="Shape 80"/>
+        <p:cNvPr id="1" name="Shape 74"/>
         <p:cNvGrpSpPr/>
         <p:nvPr/>
       </p:nvGrpSpPr>
@@ -11137,8 +11401,10 @@
       </p:grpSpPr>
       <p:sp>
         <p:nvSpPr>
-          <p:cNvPr id="81" name="Shape 81"/>
-          <p:cNvSpPr txBox="1"/>
+          <p:cNvPr id="75" name="Shape 75"/>
+          <p:cNvSpPr txBox="1">
+            <a:spLocks noGrp="1"/>
+          </p:cNvSpPr>
           <p:nvPr>
             <p:ph type="title"/>
           </p:nvPr>
@@ -11153,12 +11419,12 @@
           </a:prstGeom>
         </p:spPr>
         <p:txBody>
-          <a:bodyPr anchorCtr="0" anchor="t" bIns="91425" lIns="91425" rIns="91425" tIns="91425">
+          <a:bodyPr lIns="91425" tIns="91425" rIns="91425" bIns="91425" anchor="t" anchorCtr="0">
             <a:noAutofit/>
           </a:bodyPr>
           <a:lstStyle/>
           <a:p>
-            <a:pPr lvl="0" algn="ctr">
+            <a:pPr lvl="0" algn="ctr" rtl="0">
               <a:spcBef>
                 <a:spcPts val="0"/>
               </a:spcBef>
@@ -11166,53 +11432,49 @@
             </a:pPr>
             <a:r>
               <a:rPr lang="en"/>
-              <a:t>User Interface Requirements</a:t>
-            </a:r>
+              <a:t>Functional Requirements</a:t>
+            </a:r>
+          </a:p>
+          <a:p>
+            <a:pPr lvl="0" algn="l">
+              <a:spcBef>
+                <a:spcPts val="0"/>
+              </a:spcBef>
+              <a:buNone/>
+            </a:pPr>
+            <a:endParaRPr/>
           </a:p>
         </p:txBody>
       </p:sp>
       <p:sp>
         <p:nvSpPr>
-          <p:cNvPr id="82" name="Shape 82"/>
-          <p:cNvSpPr txBox="1"/>
-          <p:nvPr>
-            <p:ph idx="1" type="body"/>
-          </p:nvPr>
-        </p:nvSpPr>
-        <p:spPr>
-          <a:xfrm>
-            <a:off x="463475" y="1152475"/>
-            <a:ext cx="8229600" cy="3648900"/>
+          <p:cNvPr id="76" name="Shape 76"/>
+          <p:cNvSpPr txBox="1">
+            <a:spLocks noGrp="1"/>
+          </p:cNvSpPr>
+          <p:nvPr>
+            <p:ph type="body" idx="1"/>
+          </p:nvPr>
+        </p:nvSpPr>
+        <p:spPr>
+          <a:xfrm>
+            <a:off x="618250" y="1152475"/>
+            <a:ext cx="7875600" cy="3416400"/>
           </a:xfrm>
           <a:prstGeom prst="rect">
             <a:avLst/>
           </a:prstGeom>
-          <a:ln cap="flat" cmpd="sng" w="9525">
-            <a:solidFill>
-              <a:srgbClr val="FFFFFF"/>
-            </a:solidFill>
-            <a:prstDash val="solid"/>
-            <a:round/>
-            <a:headEnd len="med" w="med" type="none"/>
-            <a:tailEnd len="med" w="med" type="none"/>
-          </a:ln>
         </p:spPr>
         <p:txBody>
-          <a:bodyPr anchorCtr="0" anchor="t" bIns="91425" lIns="91425" rIns="91425" tIns="91425">
+          <a:bodyPr lIns="91425" tIns="91425" rIns="91425" bIns="91425" anchor="t" anchorCtr="0">
             <a:noAutofit/>
           </a:bodyPr>
           <a:lstStyle/>
           <a:p>
-            <a:pPr indent="-317500" lvl="0" marL="457200" rtl="0">
-              <a:lnSpc>
-                <a:spcPct val="107916"/>
-              </a:lnSpc>
-              <a:spcBef>
-                <a:spcPts val="0"/>
-              </a:spcBef>
-              <a:spcAft>
-                <a:spcPts val="0"/>
-              </a:spcAft>
+            <a:pPr marL="457200" lvl="0" indent="-330200" rtl="0">
+              <a:spcBef>
+                <a:spcPts val="0"/>
+              </a:spcBef>
               <a:buClr>
                 <a:srgbClr val="FFFFFF"/>
               </a:buClr>
@@ -11220,25 +11482,19 @@
               <a:buChar char="●"/>
             </a:pPr>
             <a:r>
-              <a:rPr lang="en" sz="1400">
-                <a:solidFill>
-                  <a:srgbClr val="FFFFFF"/>
-                </a:solidFill>
-              </a:rPr>
-              <a:t>Users can enter “About” page with detailed explanation of web application functions and its goal.</a:t>
-            </a:r>
-          </a:p>
-          <a:p>
-            <a:pPr indent="-317500" lvl="0" marL="457200" rtl="0">
-              <a:lnSpc>
-                <a:spcPct val="107916"/>
-              </a:lnSpc>
-              <a:spcBef>
-                <a:spcPts val="0"/>
-              </a:spcBef>
-              <a:spcAft>
-                <a:spcPts val="0"/>
-              </a:spcAft>
+              <a:rPr lang="en" sz="1600">
+                <a:solidFill>
+                  <a:srgbClr val="FFFFFF"/>
+                </a:solidFill>
+              </a:rPr>
+              <a:t>Users able to input attributes and location for predictive home sale analysis (1st-tier)</a:t>
+            </a:r>
+          </a:p>
+          <a:p>
+            <a:pPr marL="457200" lvl="0" indent="-330200" rtl="0">
+              <a:spcBef>
+                <a:spcPts val="0"/>
+              </a:spcBef>
               <a:buClr>
                 <a:srgbClr val="FFFFFF"/>
               </a:buClr>
@@ -11246,25 +11502,19 @@
               <a:buChar char="●"/>
             </a:pPr>
             <a:r>
-              <a:rPr lang="en" sz="1400">
-                <a:solidFill>
-                  <a:srgbClr val="FFFFFF"/>
-                </a:solidFill>
-              </a:rPr>
-              <a:t>Users can enter “Blog” page with articles by experts in real estate.</a:t>
-            </a:r>
-          </a:p>
-          <a:p>
-            <a:pPr indent="-317500" lvl="0" marL="457200" rtl="0">
-              <a:lnSpc>
-                <a:spcPct val="107916"/>
-              </a:lnSpc>
-              <a:spcBef>
-                <a:spcPts val="0"/>
-              </a:spcBef>
-              <a:spcAft>
-                <a:spcPts val="0"/>
-              </a:spcAft>
+              <a:rPr lang="en" sz="1600">
+                <a:solidFill>
+                  <a:srgbClr val="FFFFFF"/>
+                </a:solidFill>
+              </a:rPr>
+              <a:t>Users able to filter homes listed by attributes and location(1st-tier)</a:t>
+            </a:r>
+          </a:p>
+          <a:p>
+            <a:pPr marL="457200" lvl="0" indent="-330200" rtl="0">
+              <a:spcBef>
+                <a:spcPts val="0"/>
+              </a:spcBef>
               <a:buClr>
                 <a:srgbClr val="FFFFFF"/>
               </a:buClr>
@@ -11272,25 +11522,19 @@
               <a:buChar char="●"/>
             </a:pPr>
             <a:r>
-              <a:rPr lang="en" sz="1400">
-                <a:solidFill>
-                  <a:srgbClr val="FFFFFF"/>
-                </a:solidFill>
-              </a:rPr>
-              <a:t>Geographic area (zipcode) text entry bar for predictions and data visualizations.</a:t>
-            </a:r>
-          </a:p>
-          <a:p>
-            <a:pPr indent="-317500" lvl="0" marL="457200" rtl="0">
-              <a:lnSpc>
-                <a:spcPct val="107916"/>
-              </a:lnSpc>
-              <a:spcBef>
-                <a:spcPts val="0"/>
-              </a:spcBef>
-              <a:spcAft>
-                <a:spcPts val="0"/>
-              </a:spcAft>
+              <a:rPr lang="en" sz="1600">
+                <a:solidFill>
+                  <a:srgbClr val="FFFFFF"/>
+                </a:solidFill>
+              </a:rPr>
+              <a:t>Users able to create visualizations for housing data based on filters (1st-tier)</a:t>
+            </a:r>
+          </a:p>
+          <a:p>
+            <a:pPr marL="457200" lvl="0" indent="-330200" rtl="0">
+              <a:spcBef>
+                <a:spcPts val="0"/>
+              </a:spcBef>
               <a:buClr>
                 <a:srgbClr val="FFFFFF"/>
               </a:buClr>
@@ -11298,25 +11542,19 @@
               <a:buChar char="●"/>
             </a:pPr>
             <a:r>
-              <a:rPr lang="en" sz="1400">
-                <a:solidFill>
-                  <a:srgbClr val="FFFFFF"/>
-                </a:solidFill>
-              </a:rPr>
-              <a:t>Drop down boxes for users to enter their home’s attributes for sale prediction.</a:t>
-            </a:r>
-          </a:p>
-          <a:p>
-            <a:pPr indent="-317500" lvl="0" marL="457200" rtl="0">
-              <a:lnSpc>
-                <a:spcPct val="107916"/>
-              </a:lnSpc>
-              <a:spcBef>
-                <a:spcPts val="0"/>
-              </a:spcBef>
-              <a:spcAft>
-                <a:spcPts val="0"/>
-              </a:spcAft>
+              <a:rPr lang="en" sz="1600">
+                <a:solidFill>
+                  <a:srgbClr val="FFFFFF"/>
+                </a:solidFill>
+              </a:rPr>
+              <a:t>Users able to view most influential factors in home sales for a given area (1st-tier)</a:t>
+            </a:r>
+          </a:p>
+          <a:p>
+            <a:pPr marL="457200" lvl="0" indent="-330200" rtl="0">
+              <a:spcBef>
+                <a:spcPts val="0"/>
+              </a:spcBef>
               <a:buClr>
                 <a:srgbClr val="FFFFFF"/>
               </a:buClr>
@@ -11324,25 +11562,19 @@
               <a:buChar char="●"/>
             </a:pPr>
             <a:r>
-              <a:rPr lang="en" sz="1400">
-                <a:solidFill>
-                  <a:srgbClr val="FFFFFF"/>
-                </a:solidFill>
-              </a:rPr>
-              <a:t>Button to return the most important factors for home sales in an area.</a:t>
-            </a:r>
-          </a:p>
-          <a:p>
-            <a:pPr indent="-317500" lvl="0" marL="457200" rtl="0">
-              <a:lnSpc>
-                <a:spcPct val="107916"/>
-              </a:lnSpc>
-              <a:spcBef>
-                <a:spcPts val="0"/>
-              </a:spcBef>
-              <a:spcAft>
-                <a:spcPts val="0"/>
-              </a:spcAft>
+              <a:rPr lang="en" sz="1600">
+                <a:solidFill>
+                  <a:srgbClr val="FFFFFF"/>
+                </a:solidFill>
+              </a:rPr>
+              <a:t>Predictive home sale analysis based on price-point (2nd-tier)</a:t>
+            </a:r>
+          </a:p>
+          <a:p>
+            <a:pPr marL="457200" lvl="0" indent="-330200" rtl="0">
+              <a:spcBef>
+                <a:spcPts val="0"/>
+              </a:spcBef>
               <a:buClr>
                 <a:srgbClr val="FFFFFF"/>
               </a:buClr>
@@ -11350,25 +11582,19 @@
               <a:buChar char="●"/>
             </a:pPr>
             <a:r>
-              <a:rPr lang="en" sz="1400">
-                <a:solidFill>
-                  <a:srgbClr val="FFFFFF"/>
-                </a:solidFill>
-              </a:rPr>
-              <a:t>Checkboxes and submit button to request data visualizations.</a:t>
-            </a:r>
-          </a:p>
-          <a:p>
-            <a:pPr indent="-317500" lvl="0" marL="457200" rtl="0">
-              <a:lnSpc>
-                <a:spcPct val="107916"/>
-              </a:lnSpc>
-              <a:spcBef>
-                <a:spcPts val="0"/>
-              </a:spcBef>
-              <a:spcAft>
-                <a:spcPts val="0"/>
-              </a:spcAft>
+              <a:rPr lang="en" sz="1600">
+                <a:solidFill>
+                  <a:srgbClr val="FFFFFF"/>
+                </a:solidFill>
+              </a:rPr>
+              <a:t>Predictive home purchase analysis based on attributes and location (2nd-tier)</a:t>
+            </a:r>
+          </a:p>
+          <a:p>
+            <a:pPr marL="457200" lvl="0" indent="-330200">
+              <a:spcBef>
+                <a:spcPts val="0"/>
+              </a:spcBef>
               <a:buClr>
                 <a:srgbClr val="FFFFFF"/>
               </a:buClr>
@@ -11376,87 +11602,13 @@
               <a:buChar char="●"/>
             </a:pPr>
             <a:r>
-              <a:rPr lang="en" sz="1400">
-                <a:solidFill>
-                  <a:srgbClr val="FFFFFF"/>
-                </a:solidFill>
-              </a:rPr>
-              <a:t>Text entry and submit button for price prediction based on home attributes</a:t>
-            </a:r>
-          </a:p>
-          <a:p>
-            <a:pPr indent="-317500" lvl="0" marL="457200" rtl="0">
-              <a:lnSpc>
-                <a:spcPct val="107916"/>
-              </a:lnSpc>
-              <a:spcBef>
-                <a:spcPts val="0"/>
-              </a:spcBef>
-              <a:spcAft>
-                <a:spcPts val="0"/>
-              </a:spcAft>
-              <a:buClr>
-                <a:srgbClr val="FFFFFF"/>
-              </a:buClr>
-              <a:buSzPct val="100000"/>
-              <a:buChar char="●"/>
-            </a:pPr>
-            <a:r>
-              <a:rPr lang="en" sz="1400">
-                <a:solidFill>
-                  <a:srgbClr val="FFFFFF"/>
-                </a:solidFill>
-              </a:rPr>
-              <a:t>“Get Price Estimate” button which returns a prediction on a price for which a house might sell.</a:t>
-            </a:r>
-          </a:p>
-          <a:p>
-            <a:pPr indent="-317500" lvl="0" marL="457200" rtl="0">
-              <a:lnSpc>
-                <a:spcPct val="107916"/>
-              </a:lnSpc>
-              <a:spcBef>
-                <a:spcPts val="0"/>
-              </a:spcBef>
-              <a:spcAft>
-                <a:spcPts val="0"/>
-              </a:spcAft>
-              <a:buClr>
-                <a:srgbClr val="FFFFFF"/>
-              </a:buClr>
-              <a:buSzPct val="100000"/>
-              <a:buChar char="●"/>
-            </a:pPr>
-            <a:r>
-              <a:rPr lang="en" sz="1400">
-                <a:solidFill>
-                  <a:srgbClr val="FFFFFF"/>
-                </a:solidFill>
-              </a:rPr>
-              <a:t>“Get Suggested Home Improvement” button for improvement suggestions to enhance value.</a:t>
-            </a:r>
-          </a:p>
-          <a:p>
-            <a:pPr lvl="0" rtl="0">
-              <a:lnSpc>
-                <a:spcPct val="107916"/>
-              </a:lnSpc>
-              <a:spcBef>
-                <a:spcPts val="0"/>
-              </a:spcBef>
-              <a:spcAft>
-                <a:spcPts val="0"/>
-              </a:spcAft>
-              <a:buNone/>
-            </a:pPr>
-            <a:r>
-              <a:t/>
-            </a:r>
-            <a:endParaRPr sz="1400">
-              <a:solidFill>
-                <a:srgbClr val="FFFFFF"/>
-              </a:solidFill>
-            </a:endParaRPr>
+              <a:rPr lang="en" sz="1600">
+                <a:solidFill>
+                  <a:srgbClr val="FFFFFF"/>
+                </a:solidFill>
+              </a:rPr>
+              <a:t>Suggest home alterations to potentially enhance sale value (3rd-tier)</a:t>
+            </a:r>
           </a:p>
         </p:txBody>
       </p:sp>
@@ -11468,12 +11620,12 @@
 </p:sld>
 </file>
 
-<file path=ppt/slides/slide6.xml><?xml version="1.0" encoding="utf-8"?>
-<p:sld xmlns:a="http://schemas.openxmlformats.org/drawingml/2006/main" xmlns:r="http://schemas.openxmlformats.org/officeDocument/2006/relationships" xmlns:mc="http://schemas.openxmlformats.org/markup-compatibility/2006" xmlns:mv="urn:schemas-microsoft-com:mac:vml" xmlns:p="http://schemas.openxmlformats.org/presentationml/2006/main" xmlns:c="http://schemas.openxmlformats.org/drawingml/2006/chart" xmlns:dgm="http://schemas.openxmlformats.org/drawingml/2006/diagram" xmlns:o="urn:schemas-microsoft-com:office:office" xmlns:v="urn:schemas-microsoft-com:vml" xmlns:pvml="urn:schemas-microsoft-com:office:powerpoint" xmlns:com="http://schemas.openxmlformats.org/drawingml/2006/compatibility" xmlns:p14="http://schemas.microsoft.com/office/powerpoint/2010/main">
+<file path=ppt/slides/slide5.xml><?xml version="1.0" encoding="utf-8"?>
+<p:sld xmlns:a="http://schemas.openxmlformats.org/drawingml/2006/main" xmlns:r="http://schemas.openxmlformats.org/officeDocument/2006/relationships" xmlns:p="http://schemas.openxmlformats.org/presentationml/2006/main">
   <p:cSld>
     <p:spTree>
       <p:nvGrpSpPr>
-        <p:cNvPr id="86" name="Shape 86"/>
+        <p:cNvPr id="1" name="Shape 80"/>
         <p:cNvGrpSpPr/>
         <p:nvPr/>
       </p:nvGrpSpPr>
@@ -11487,85 +11639,86 @@
       </p:grpSpPr>
       <p:sp>
         <p:nvSpPr>
-          <p:cNvPr id="87" name="Shape 87"/>
-          <p:cNvSpPr txBox="1"/>
-          <p:nvPr>
-            <p:ph type="ctrTitle"/>
-          </p:nvPr>
-        </p:nvSpPr>
-        <p:spPr>
-          <a:xfrm>
-            <a:off x="311700" y="744575"/>
-            <a:ext cx="8520600" cy="550500"/>
+          <p:cNvPr id="81" name="Shape 81"/>
+          <p:cNvSpPr txBox="1">
+            <a:spLocks noGrp="1"/>
+          </p:cNvSpPr>
+          <p:nvPr>
+            <p:ph type="title"/>
+          </p:nvPr>
+        </p:nvSpPr>
+        <p:spPr>
+          <a:xfrm>
+            <a:off x="311700" y="445025"/>
+            <a:ext cx="8520600" cy="572700"/>
           </a:xfrm>
           <a:prstGeom prst="rect">
             <a:avLst/>
           </a:prstGeom>
         </p:spPr>
         <p:txBody>
-          <a:bodyPr anchorCtr="0" anchor="b" bIns="91425" lIns="91425" rIns="91425" tIns="91425">
+          <a:bodyPr lIns="91425" tIns="91425" rIns="91425" bIns="91425" anchor="t" anchorCtr="0">
             <a:noAutofit/>
           </a:bodyPr>
           <a:lstStyle/>
           <a:p>
-            <a:pPr lvl="0">
+            <a:pPr lvl="0" algn="ctr">
               <a:spcBef>
                 <a:spcPts val="0"/>
               </a:spcBef>
               <a:buNone/>
             </a:pPr>
             <a:r>
-              <a:rPr lang="en" sz="2400"/>
-              <a:t>Usability Requirements</a:t>
+              <a:rPr lang="en"/>
+              <a:t>User Interface Requirements</a:t>
             </a:r>
           </a:p>
         </p:txBody>
       </p:sp>
       <p:sp>
         <p:nvSpPr>
-          <p:cNvPr id="88" name="Shape 88"/>
-          <p:cNvSpPr txBox="1"/>
-          <p:nvPr/>
-        </p:nvSpPr>
-        <p:spPr>
-          <a:xfrm>
-            <a:off x="586425" y="1514950"/>
-            <a:ext cx="8026800" cy="2113500"/>
+          <p:cNvPr id="82" name="Shape 82"/>
+          <p:cNvSpPr txBox="1">
+            <a:spLocks noGrp="1"/>
+          </p:cNvSpPr>
+          <p:nvPr>
+            <p:ph type="body" idx="1"/>
+          </p:nvPr>
+        </p:nvSpPr>
+        <p:spPr>
+          <a:xfrm>
+            <a:off x="463475" y="1152475"/>
+            <a:ext cx="8229600" cy="3648900"/>
           </a:xfrm>
           <a:prstGeom prst="rect">
             <a:avLst/>
           </a:prstGeom>
-          <a:noFill/>
-          <a:ln>
-            <a:noFill/>
+          <a:ln w="9525" cap="flat" cmpd="sng">
+            <a:solidFill>
+              <a:srgbClr val="FFFFFF"/>
+            </a:solidFill>
+            <a:prstDash val="solid"/>
+            <a:round/>
+            <a:headEnd type="none" w="med" len="med"/>
+            <a:tailEnd type="none" w="med" len="med"/>
           </a:ln>
         </p:spPr>
         <p:txBody>
-          <a:bodyPr anchorCtr="0" anchor="t" bIns="91425" lIns="91425" rIns="91425" tIns="91425">
+          <a:bodyPr lIns="91425" tIns="91425" rIns="91425" bIns="91425" anchor="t" anchorCtr="0">
             <a:noAutofit/>
           </a:bodyPr>
           <a:lstStyle/>
           <a:p>
-            <a:pPr lvl="0">
-              <a:spcBef>
-                <a:spcPts val="0"/>
-              </a:spcBef>
-              <a:buNone/>
-            </a:pPr>
-            <a:r>
-              <a:t/>
-            </a:r>
-            <a:endParaRPr>
-              <a:solidFill>
-                <a:srgbClr val="FFFFFF"/>
-              </a:solidFill>
-            </a:endParaRPr>
-          </a:p>
-          <a:p>
-            <a:pPr indent="-342900" lvl="0" marL="457200">
-              <a:spcBef>
-                <a:spcPts val="0"/>
-              </a:spcBef>
+            <a:pPr marL="457200" lvl="0" indent="-317500" rtl="0">
+              <a:lnSpc>
+                <a:spcPct val="107916"/>
+              </a:lnSpc>
+              <a:spcBef>
+                <a:spcPts val="0"/>
+              </a:spcBef>
+              <a:spcAft>
+                <a:spcPts val="0"/>
+              </a:spcAft>
               <a:buClr>
                 <a:srgbClr val="FFFFFF"/>
               </a:buClr>
@@ -11573,19 +11726,25 @@
               <a:buChar char="●"/>
             </a:pPr>
             <a:r>
-              <a:rPr lang="en" sz="1800">
-                <a:solidFill>
-                  <a:srgbClr val="FFFFFF"/>
-                </a:solidFill>
-              </a:rPr>
-              <a:t>The application will load within 1-2 second interval.</a:t>
-            </a:r>
-          </a:p>
-          <a:p>
-            <a:pPr indent="-342900" lvl="0" marL="457200">
-              <a:spcBef>
-                <a:spcPts val="0"/>
-              </a:spcBef>
+              <a:rPr lang="en" sz="1400">
+                <a:solidFill>
+                  <a:srgbClr val="FFFFFF"/>
+                </a:solidFill>
+              </a:rPr>
+              <a:t>Users can enter “About” page with detailed explanation of web application functions and its goal.</a:t>
+            </a:r>
+          </a:p>
+          <a:p>
+            <a:pPr marL="457200" lvl="0" indent="-317500" rtl="0">
+              <a:lnSpc>
+                <a:spcPct val="107916"/>
+              </a:lnSpc>
+              <a:spcBef>
+                <a:spcPts val="0"/>
+              </a:spcBef>
+              <a:spcAft>
+                <a:spcPts val="0"/>
+              </a:spcAft>
               <a:buClr>
                 <a:srgbClr val="FFFFFF"/>
               </a:buClr>
@@ -11593,19 +11752,25 @@
               <a:buChar char="●"/>
             </a:pPr>
             <a:r>
-              <a:rPr lang="en" sz="1800">
-                <a:solidFill>
-                  <a:srgbClr val="FFFFFF"/>
-                </a:solidFill>
-              </a:rPr>
-              <a:t>All buttons will conform to the same style.</a:t>
-            </a:r>
-          </a:p>
-          <a:p>
-            <a:pPr indent="-342900" lvl="0" marL="457200">
-              <a:spcBef>
-                <a:spcPts val="0"/>
-              </a:spcBef>
+              <a:rPr lang="en" sz="1400">
+                <a:solidFill>
+                  <a:srgbClr val="FFFFFF"/>
+                </a:solidFill>
+              </a:rPr>
+              <a:t>Users can enter “Blog” page with articles by experts in real estate.</a:t>
+            </a:r>
+          </a:p>
+          <a:p>
+            <a:pPr marL="457200" lvl="0" indent="-317500" rtl="0">
+              <a:lnSpc>
+                <a:spcPct val="107916"/>
+              </a:lnSpc>
+              <a:spcBef>
+                <a:spcPts val="0"/>
+              </a:spcBef>
+              <a:spcAft>
+                <a:spcPts val="0"/>
+              </a:spcAft>
               <a:buClr>
                 <a:srgbClr val="FFFFFF"/>
               </a:buClr>
@@ -11613,19 +11778,25 @@
               <a:buChar char="●"/>
             </a:pPr>
             <a:r>
-              <a:rPr lang="en" sz="1800">
-                <a:solidFill>
-                  <a:srgbClr val="FFFFFF"/>
-                </a:solidFill>
-              </a:rPr>
-              <a:t>Any text area, checkbox, or dropdown box will have helpful instructions.</a:t>
-            </a:r>
-          </a:p>
-          <a:p>
-            <a:pPr indent="-342900" lvl="0" marL="457200">
-              <a:spcBef>
-                <a:spcPts val="0"/>
-              </a:spcBef>
+              <a:rPr lang="en" sz="1400">
+                <a:solidFill>
+                  <a:srgbClr val="FFFFFF"/>
+                </a:solidFill>
+              </a:rPr>
+              <a:t>Geographic area (zipcode) text entry bar for predictions and data visualizations.</a:t>
+            </a:r>
+          </a:p>
+          <a:p>
+            <a:pPr marL="457200" lvl="0" indent="-317500" rtl="0">
+              <a:lnSpc>
+                <a:spcPct val="107916"/>
+              </a:lnSpc>
+              <a:spcBef>
+                <a:spcPts val="0"/>
+              </a:spcBef>
+              <a:spcAft>
+                <a:spcPts val="0"/>
+              </a:spcAft>
               <a:buClr>
                 <a:srgbClr val="FFFFFF"/>
               </a:buClr>
@@ -11633,19 +11804,25 @@
               <a:buChar char="●"/>
             </a:pPr>
             <a:r>
-              <a:rPr lang="en" sz="1800">
-                <a:solidFill>
-                  <a:srgbClr val="FFFFFF"/>
-                </a:solidFill>
-              </a:rPr>
-              <a:t>Any function of the web application may be reached within 2-3 clicks.</a:t>
-            </a:r>
-          </a:p>
-          <a:p>
-            <a:pPr indent="-342900" lvl="0" marL="457200">
-              <a:spcBef>
-                <a:spcPts val="0"/>
-              </a:spcBef>
+              <a:rPr lang="en" sz="1400">
+                <a:solidFill>
+                  <a:srgbClr val="FFFFFF"/>
+                </a:solidFill>
+              </a:rPr>
+              <a:t>Drop down boxes for users to enter their home’s attributes for sale prediction.</a:t>
+            </a:r>
+          </a:p>
+          <a:p>
+            <a:pPr marL="457200" lvl="0" indent="-317500" rtl="0">
+              <a:lnSpc>
+                <a:spcPct val="107916"/>
+              </a:lnSpc>
+              <a:spcBef>
+                <a:spcPts val="0"/>
+              </a:spcBef>
+              <a:spcAft>
+                <a:spcPts val="0"/>
+              </a:spcAft>
               <a:buClr>
                 <a:srgbClr val="FFFFFF"/>
               </a:buClr>
@@ -11653,25 +11830,132 @@
               <a:buChar char="●"/>
             </a:pPr>
             <a:r>
-              <a:rPr lang="en" sz="1800">
-                <a:solidFill>
-                  <a:srgbClr val="FFFFFF"/>
-                </a:solidFill>
-              </a:rPr>
-              <a:t>Any subsequent page within the application will adhere to the same style</a:t>
-            </a:r>
-          </a:p>
-          <a:p>
-            <a:pPr lvl="0">
-              <a:spcBef>
-                <a:spcPts val="0"/>
-              </a:spcBef>
+              <a:rPr lang="en" sz="1400">
+                <a:solidFill>
+                  <a:srgbClr val="FFFFFF"/>
+                </a:solidFill>
+              </a:rPr>
+              <a:t>Button to return the most important factors for home sales in an area.</a:t>
+            </a:r>
+          </a:p>
+          <a:p>
+            <a:pPr marL="457200" lvl="0" indent="-317500" rtl="0">
+              <a:lnSpc>
+                <a:spcPct val="107916"/>
+              </a:lnSpc>
+              <a:spcBef>
+                <a:spcPts val="0"/>
+              </a:spcBef>
+              <a:spcAft>
+                <a:spcPts val="0"/>
+              </a:spcAft>
+              <a:buClr>
+                <a:srgbClr val="FFFFFF"/>
+              </a:buClr>
+              <a:buSzPct val="100000"/>
+              <a:buChar char="●"/>
+            </a:pPr>
+            <a:r>
+              <a:rPr lang="en" sz="1400">
+                <a:solidFill>
+                  <a:srgbClr val="FFFFFF"/>
+                </a:solidFill>
+              </a:rPr>
+              <a:t>Checkboxes and submit button to request data visualizations.</a:t>
+            </a:r>
+          </a:p>
+          <a:p>
+            <a:pPr marL="457200" lvl="0" indent="-317500" rtl="0">
+              <a:lnSpc>
+                <a:spcPct val="107916"/>
+              </a:lnSpc>
+              <a:spcBef>
+                <a:spcPts val="0"/>
+              </a:spcBef>
+              <a:spcAft>
+                <a:spcPts val="0"/>
+              </a:spcAft>
+              <a:buClr>
+                <a:srgbClr val="FFFFFF"/>
+              </a:buClr>
+              <a:buSzPct val="100000"/>
+              <a:buChar char="●"/>
+            </a:pPr>
+            <a:r>
+              <a:rPr lang="en" sz="1400">
+                <a:solidFill>
+                  <a:srgbClr val="FFFFFF"/>
+                </a:solidFill>
+              </a:rPr>
+              <a:t>Text entry and submit button for price prediction based on home attributes</a:t>
+            </a:r>
+          </a:p>
+          <a:p>
+            <a:pPr marL="457200" lvl="0" indent="-317500" rtl="0">
+              <a:lnSpc>
+                <a:spcPct val="107916"/>
+              </a:lnSpc>
+              <a:spcBef>
+                <a:spcPts val="0"/>
+              </a:spcBef>
+              <a:spcAft>
+                <a:spcPts val="0"/>
+              </a:spcAft>
+              <a:buClr>
+                <a:srgbClr val="FFFFFF"/>
+              </a:buClr>
+              <a:buSzPct val="100000"/>
+              <a:buChar char="●"/>
+            </a:pPr>
+            <a:r>
+              <a:rPr lang="en" sz="1400">
+                <a:solidFill>
+                  <a:srgbClr val="FFFFFF"/>
+                </a:solidFill>
+              </a:rPr>
+              <a:t>“Get Price Estimate” button which returns a prediction on a price for which a house might sell.</a:t>
+            </a:r>
+          </a:p>
+          <a:p>
+            <a:pPr marL="457200" lvl="0" indent="-317500" rtl="0">
+              <a:lnSpc>
+                <a:spcPct val="107916"/>
+              </a:lnSpc>
+              <a:spcBef>
+                <a:spcPts val="0"/>
+              </a:spcBef>
+              <a:spcAft>
+                <a:spcPts val="0"/>
+              </a:spcAft>
+              <a:buClr>
+                <a:srgbClr val="FFFFFF"/>
+              </a:buClr>
+              <a:buSzPct val="100000"/>
+              <a:buChar char="●"/>
+            </a:pPr>
+            <a:r>
+              <a:rPr lang="en" sz="1400">
+                <a:solidFill>
+                  <a:srgbClr val="FFFFFF"/>
+                </a:solidFill>
+              </a:rPr>
+              <a:t>“Get Suggested Home Improvement” button for improvement suggestions to enhance value.</a:t>
+            </a:r>
+          </a:p>
+          <a:p>
+            <a:pPr lvl="0" rtl="0">
+              <a:lnSpc>
+                <a:spcPct val="107916"/>
+              </a:lnSpc>
+              <a:spcBef>
+                <a:spcPts val="0"/>
+              </a:spcBef>
+              <a:spcAft>
+                <a:spcPts val="0"/>
+              </a:spcAft>
               <a:buNone/>
             </a:pPr>
-            <a:r>
-              <a:t/>
-            </a:r>
-            <a:endParaRPr sz="1800">
+            <a:endParaRPr sz="1400">
               <a:solidFill>
                 <a:srgbClr val="FFFFFF"/>
               </a:solidFill>
@@ -11687,12 +11971,12 @@
 </p:sld>
 </file>
 
-<file path=ppt/slides/slide7.xml><?xml version="1.0" encoding="utf-8"?>
-<p:sld xmlns:a="http://schemas.openxmlformats.org/drawingml/2006/main" xmlns:r="http://schemas.openxmlformats.org/officeDocument/2006/relationships" xmlns:mc="http://schemas.openxmlformats.org/markup-compatibility/2006" xmlns:mv="urn:schemas-microsoft-com:mac:vml" xmlns:p="http://schemas.openxmlformats.org/presentationml/2006/main" xmlns:c="http://schemas.openxmlformats.org/drawingml/2006/chart" xmlns:dgm="http://schemas.openxmlformats.org/drawingml/2006/diagram" xmlns:o="urn:schemas-microsoft-com:office:office" xmlns:v="urn:schemas-microsoft-com:vml" xmlns:pvml="urn:schemas-microsoft-com:office:powerpoint" xmlns:com="http://schemas.openxmlformats.org/drawingml/2006/compatibility" xmlns:p14="http://schemas.microsoft.com/office/powerpoint/2010/main">
+<file path=ppt/slides/slide6.xml><?xml version="1.0" encoding="utf-8"?>
+<p:sld xmlns:a="http://schemas.openxmlformats.org/drawingml/2006/main" xmlns:r="http://schemas.openxmlformats.org/officeDocument/2006/relationships" xmlns:p="http://schemas.openxmlformats.org/presentationml/2006/main">
   <p:cSld>
     <p:spTree>
       <p:nvGrpSpPr>
-        <p:cNvPr id="92" name="Shape 92"/>
+        <p:cNvPr id="1" name="Shape 86"/>
         <p:cNvGrpSpPr/>
         <p:nvPr/>
       </p:nvGrpSpPr>
@@ -11706,279 +11990,187 @@
       </p:grpSpPr>
       <p:sp>
         <p:nvSpPr>
-          <p:cNvPr id="93" name="Shape 93"/>
-          <p:cNvSpPr txBox="1"/>
-          <p:nvPr>
-            <p:ph type="title"/>
-          </p:nvPr>
-        </p:nvSpPr>
-        <p:spPr>
-          <a:xfrm>
-            <a:off x="311700" y="445025"/>
-            <a:ext cx="8520600" cy="572700"/>
+          <p:cNvPr id="87" name="Shape 87"/>
+          <p:cNvSpPr txBox="1">
+            <a:spLocks noGrp="1"/>
+          </p:cNvSpPr>
+          <p:nvPr>
+            <p:ph type="ctrTitle"/>
+          </p:nvPr>
+        </p:nvSpPr>
+        <p:spPr>
+          <a:xfrm>
+            <a:off x="311700" y="744575"/>
+            <a:ext cx="8520600" cy="550500"/>
           </a:xfrm>
           <a:prstGeom prst="rect">
             <a:avLst/>
           </a:prstGeom>
         </p:spPr>
         <p:txBody>
-          <a:bodyPr anchorCtr="0" anchor="t" bIns="91425" lIns="91425" rIns="91425" tIns="91425">
+          <a:bodyPr lIns="91425" tIns="91425" rIns="91425" bIns="91425" anchor="b" anchorCtr="0">
             <a:noAutofit/>
           </a:bodyPr>
           <a:lstStyle/>
           <a:p>
-            <a:pPr lvl="0" algn="ctr">
+            <a:pPr lvl="0">
               <a:spcBef>
                 <a:spcPts val="0"/>
               </a:spcBef>
               <a:buNone/>
             </a:pPr>
             <a:r>
-              <a:rPr lang="en"/>
-              <a:t>Performance Requirements</a:t>
+              <a:rPr lang="en" sz="2400"/>
+              <a:t>Usability Requirements</a:t>
             </a:r>
           </a:p>
         </p:txBody>
       </p:sp>
       <p:sp>
         <p:nvSpPr>
-          <p:cNvPr id="94" name="Shape 94"/>
+          <p:cNvPr id="88" name="Shape 88"/>
           <p:cNvSpPr txBox="1"/>
-          <p:nvPr>
-            <p:ph idx="1" type="body"/>
-          </p:nvPr>
-        </p:nvSpPr>
-        <p:spPr>
-          <a:xfrm>
-            <a:off x="311700" y="1152475"/>
-            <a:ext cx="8520600" cy="3416400"/>
+          <p:nvPr/>
+        </p:nvSpPr>
+        <p:spPr>
+          <a:xfrm>
+            <a:off x="586425" y="1514950"/>
+            <a:ext cx="8026800" cy="2113500"/>
           </a:xfrm>
           <a:prstGeom prst="rect">
             <a:avLst/>
           </a:prstGeom>
+          <a:noFill/>
+          <a:ln>
+            <a:noFill/>
+          </a:ln>
         </p:spPr>
         <p:txBody>
-          <a:bodyPr anchorCtr="0" anchor="t" bIns="91425" lIns="91425" rIns="91425" tIns="91425">
+          <a:bodyPr lIns="91425" tIns="91425" rIns="91425" bIns="91425" anchor="t" anchorCtr="0">
             <a:noAutofit/>
           </a:bodyPr>
           <a:lstStyle/>
           <a:p>
-            <a:pPr indent="-228600" lvl="0" marL="457200" rtl="0">
-              <a:lnSpc>
-                <a:spcPct val="107916"/>
-              </a:lnSpc>
-              <a:spcBef>
-                <a:spcPts val="0"/>
-              </a:spcBef>
-              <a:spcAft>
-                <a:spcPts val="0"/>
-              </a:spcAft>
+            <a:pPr lvl="0">
+              <a:spcBef>
+                <a:spcPts val="0"/>
+              </a:spcBef>
+              <a:buNone/>
+            </a:pPr>
+            <a:endParaRPr>
+              <a:solidFill>
+                <a:srgbClr val="FFFFFF"/>
+              </a:solidFill>
+            </a:endParaRPr>
+          </a:p>
+          <a:p>
+            <a:pPr marL="457200" lvl="0" indent="-342900">
+              <a:spcBef>
+                <a:spcPts val="0"/>
+              </a:spcBef>
               <a:buClr>
                 <a:srgbClr val="FFFFFF"/>
               </a:buClr>
-              <a:buFont typeface="Calibri"/>
+              <a:buSzPct val="100000"/>
               <a:buChar char="●"/>
             </a:pPr>
             <a:r>
-              <a:rPr lang="en">
-                <a:solidFill>
-                  <a:srgbClr val="FFFFFF"/>
-                </a:solidFill>
-                <a:latin typeface="Calibri"/>
-                <a:ea typeface="Calibri"/>
-                <a:cs typeface="Calibri"/>
-                <a:sym typeface="Calibri"/>
-              </a:rPr>
-              <a:t>Any system process taking longer than 1 second will display a “processing” dialog box.</a:t>
-            </a:r>
-          </a:p>
-          <a:p>
-            <a:pPr indent="-228600" lvl="0" marL="457200" rtl="0">
-              <a:lnSpc>
-                <a:spcPct val="107916"/>
-              </a:lnSpc>
-              <a:spcBef>
-                <a:spcPts val="0"/>
-              </a:spcBef>
-              <a:spcAft>
-                <a:spcPts val="0"/>
-              </a:spcAft>
+              <a:rPr lang="en" sz="1800">
+                <a:solidFill>
+                  <a:srgbClr val="FFFFFF"/>
+                </a:solidFill>
+              </a:rPr>
+              <a:t>The application will load within 1-2 second interval.</a:t>
+            </a:r>
+          </a:p>
+          <a:p>
+            <a:pPr marL="457200" lvl="0" indent="-342900">
+              <a:spcBef>
+                <a:spcPts val="0"/>
+              </a:spcBef>
               <a:buClr>
                 <a:srgbClr val="FFFFFF"/>
               </a:buClr>
-              <a:buFont typeface="Calibri"/>
+              <a:buSzPct val="100000"/>
               <a:buChar char="●"/>
             </a:pPr>
             <a:r>
-              <a:rPr lang="en">
-                <a:solidFill>
-                  <a:srgbClr val="FFFFFF"/>
-                </a:solidFill>
-                <a:latin typeface="Calibri"/>
-                <a:ea typeface="Calibri"/>
-                <a:cs typeface="Calibri"/>
-                <a:sym typeface="Calibri"/>
-              </a:rPr>
-              <a:t>Any system process taking longer than 8 seconds will display an estimate of the time remaining on the task.</a:t>
-            </a:r>
-          </a:p>
-          <a:p>
-            <a:pPr indent="-228600" lvl="0" marL="457200" rtl="0">
-              <a:lnSpc>
-                <a:spcPct val="107916"/>
-              </a:lnSpc>
-              <a:spcBef>
-                <a:spcPts val="0"/>
-              </a:spcBef>
-              <a:spcAft>
-                <a:spcPts val="0"/>
-              </a:spcAft>
+              <a:rPr lang="en" sz="1800">
+                <a:solidFill>
+                  <a:srgbClr val="FFFFFF"/>
+                </a:solidFill>
+              </a:rPr>
+              <a:t>All buttons will conform to the same style.</a:t>
+            </a:r>
+          </a:p>
+          <a:p>
+            <a:pPr marL="457200" lvl="0" indent="-342900">
+              <a:spcBef>
+                <a:spcPts val="0"/>
+              </a:spcBef>
               <a:buClr>
                 <a:srgbClr val="FFFFFF"/>
               </a:buClr>
-              <a:buFont typeface="Calibri"/>
+              <a:buSzPct val="100000"/>
               <a:buChar char="●"/>
             </a:pPr>
             <a:r>
-              <a:rPr lang="en">
-                <a:solidFill>
-                  <a:srgbClr val="FFFFFF"/>
-                </a:solidFill>
-                <a:latin typeface="Calibri"/>
-                <a:ea typeface="Calibri"/>
-                <a:cs typeface="Calibri"/>
-                <a:sym typeface="Calibri"/>
-              </a:rPr>
-              <a:t>95% of response time should be less than 5 seconds for processes involving queries from the database.</a:t>
-            </a:r>
-          </a:p>
-          <a:p>
-            <a:pPr indent="-228600" lvl="0" marL="457200" rtl="0">
-              <a:lnSpc>
-                <a:spcPct val="107916"/>
-              </a:lnSpc>
-              <a:spcBef>
-                <a:spcPts val="0"/>
-              </a:spcBef>
-              <a:spcAft>
-                <a:spcPts val="0"/>
-              </a:spcAft>
+              <a:rPr lang="en" sz="1800">
+                <a:solidFill>
+                  <a:srgbClr val="FFFFFF"/>
+                </a:solidFill>
+              </a:rPr>
+              <a:t>Any text area, checkbox, or dropdown box will have helpful instructions.</a:t>
+            </a:r>
+          </a:p>
+          <a:p>
+            <a:pPr marL="457200" lvl="0" indent="-342900">
+              <a:spcBef>
+                <a:spcPts val="0"/>
+              </a:spcBef>
               <a:buClr>
                 <a:srgbClr val="FFFFFF"/>
               </a:buClr>
-              <a:buFont typeface="Calibri"/>
+              <a:buSzPct val="100000"/>
               <a:buChar char="●"/>
             </a:pPr>
             <a:r>
-              <a:rPr lang="en">
-                <a:solidFill>
-                  <a:srgbClr val="FFFFFF"/>
-                </a:solidFill>
-                <a:latin typeface="Calibri"/>
-                <a:ea typeface="Calibri"/>
-                <a:cs typeface="Calibri"/>
-                <a:sym typeface="Calibri"/>
-              </a:rPr>
-              <a:t>Database will respond to 1,000 reads per hour.</a:t>
-            </a:r>
-          </a:p>
-          <a:p>
-            <a:pPr indent="-228600" lvl="0" marL="457200" rtl="0">
-              <a:lnSpc>
-                <a:spcPct val="107916"/>
-              </a:lnSpc>
-              <a:spcBef>
-                <a:spcPts val="0"/>
-              </a:spcBef>
-              <a:spcAft>
-                <a:spcPts val="0"/>
-              </a:spcAft>
+              <a:rPr lang="en" sz="1800">
+                <a:solidFill>
+                  <a:srgbClr val="FFFFFF"/>
+                </a:solidFill>
+              </a:rPr>
+              <a:t>Any function of the web application may be reached within 2-3 clicks.</a:t>
+            </a:r>
+          </a:p>
+          <a:p>
+            <a:pPr marL="457200" lvl="0" indent="-342900">
+              <a:spcBef>
+                <a:spcPts val="0"/>
+              </a:spcBef>
               <a:buClr>
                 <a:srgbClr val="FFFFFF"/>
               </a:buClr>
-              <a:buFont typeface="Calibri"/>
+              <a:buSzPct val="100000"/>
               <a:buChar char="●"/>
             </a:pPr>
             <a:r>
-              <a:rPr lang="en">
-                <a:solidFill>
-                  <a:srgbClr val="FFFFFF"/>
-                </a:solidFill>
-                <a:latin typeface="Calibri"/>
-                <a:ea typeface="Calibri"/>
-                <a:cs typeface="Calibri"/>
-                <a:sym typeface="Calibri"/>
-              </a:rPr>
-              <a:t>Data Visualizations will appear after user request within 2 seconds.</a:t>
-            </a:r>
-          </a:p>
-          <a:p>
-            <a:pPr indent="-228600" lvl="0" marL="457200" rtl="0">
-              <a:lnSpc>
-                <a:spcPct val="107916"/>
-              </a:lnSpc>
-              <a:spcBef>
-                <a:spcPts val="0"/>
-              </a:spcBef>
-              <a:spcAft>
-                <a:spcPts val="0"/>
-              </a:spcAft>
-              <a:buClr>
-                <a:srgbClr val="FFFFFF"/>
-              </a:buClr>
-              <a:buFont typeface="Calibri"/>
-              <a:buChar char="●"/>
-            </a:pPr>
-            <a:r>
-              <a:rPr lang="en">
-                <a:solidFill>
-                  <a:srgbClr val="FFFFFF"/>
-                </a:solidFill>
-                <a:latin typeface="Calibri"/>
-                <a:ea typeface="Calibri"/>
-                <a:cs typeface="Calibri"/>
-                <a:sym typeface="Calibri"/>
-              </a:rPr>
-              <a:t>Must support concurrent users.</a:t>
-            </a:r>
-          </a:p>
-          <a:p>
-            <a:pPr lvl="0" rtl="0">
-              <a:lnSpc>
-                <a:spcPct val="107916"/>
-              </a:lnSpc>
-              <a:spcBef>
-                <a:spcPts val="0"/>
-              </a:spcBef>
-              <a:spcAft>
-                <a:spcPts val="0"/>
-              </a:spcAft>
+              <a:rPr lang="en" sz="1800">
+                <a:solidFill>
+                  <a:srgbClr val="FFFFFF"/>
+                </a:solidFill>
+              </a:rPr>
+              <a:t>Any subsequent page within the application will adhere to the same style</a:t>
+            </a:r>
+          </a:p>
+          <a:p>
+            <a:pPr lvl="0">
+              <a:spcBef>
+                <a:spcPts val="0"/>
+              </a:spcBef>
               <a:buNone/>
             </a:pPr>
-            <a:r>
-              <a:t/>
-            </a:r>
-            <a:endParaRPr b="1">
-              <a:solidFill>
-                <a:srgbClr val="FFFFFF"/>
-              </a:solidFill>
-              <a:latin typeface="Calibri"/>
-              <a:ea typeface="Calibri"/>
-              <a:cs typeface="Calibri"/>
-              <a:sym typeface="Calibri"/>
-            </a:endParaRPr>
-          </a:p>
-          <a:p>
-            <a:pPr lvl="0">
-              <a:spcBef>
-                <a:spcPts val="0"/>
-              </a:spcBef>
-              <a:buNone/>
-            </a:pPr>
-            <a:r>
-              <a:t/>
-            </a:r>
-            <a:endParaRPr>
+            <a:endParaRPr sz="1800">
               <a:solidFill>
                 <a:srgbClr val="FFFFFF"/>
               </a:solidFill>
@@ -11994,12 +12186,12 @@
 </p:sld>
 </file>
 
-<file path=ppt/slides/slide8.xml><?xml version="1.0" encoding="utf-8"?>
-<p:sld xmlns:a="http://schemas.openxmlformats.org/drawingml/2006/main" xmlns:r="http://schemas.openxmlformats.org/officeDocument/2006/relationships" xmlns:mc="http://schemas.openxmlformats.org/markup-compatibility/2006" xmlns:mv="urn:schemas-microsoft-com:mac:vml" xmlns:p="http://schemas.openxmlformats.org/presentationml/2006/main" xmlns:c="http://schemas.openxmlformats.org/drawingml/2006/chart" xmlns:dgm="http://schemas.openxmlformats.org/drawingml/2006/diagram" xmlns:o="urn:schemas-microsoft-com:office:office" xmlns:v="urn:schemas-microsoft-com:vml" xmlns:pvml="urn:schemas-microsoft-com:office:powerpoint" xmlns:com="http://schemas.openxmlformats.org/drawingml/2006/compatibility" xmlns:p14="http://schemas.microsoft.com/office/powerpoint/2010/main">
+<file path=ppt/slides/slide7.xml><?xml version="1.0" encoding="utf-8"?>
+<p:sld xmlns:a="http://schemas.openxmlformats.org/drawingml/2006/main" xmlns:r="http://schemas.openxmlformats.org/officeDocument/2006/relationships" xmlns:p="http://schemas.openxmlformats.org/presentationml/2006/main">
   <p:cSld>
     <p:spTree>
       <p:nvGrpSpPr>
-        <p:cNvPr id="98" name="Shape 98"/>
+        <p:cNvPr id="1" name="Shape 92"/>
         <p:cNvGrpSpPr/>
         <p:nvPr/>
       </p:nvGrpSpPr>
@@ -12013,8 +12205,10 @@
       </p:grpSpPr>
       <p:sp>
         <p:nvSpPr>
-          <p:cNvPr id="99" name="Shape 99"/>
-          <p:cNvSpPr txBox="1"/>
+          <p:cNvPr id="93" name="Shape 93"/>
+          <p:cNvSpPr txBox="1">
+            <a:spLocks noGrp="1"/>
+          </p:cNvSpPr>
           <p:nvPr>
             <p:ph type="title"/>
           </p:nvPr>
@@ -12029,7 +12223,7 @@
           </a:prstGeom>
         </p:spPr>
         <p:txBody>
-          <a:bodyPr anchorCtr="0" anchor="t" bIns="91425" lIns="91425" rIns="91425" tIns="91425">
+          <a:bodyPr lIns="91425" tIns="91425" rIns="91425" bIns="91425" anchor="t" anchorCtr="0">
             <a:noAutofit/>
           </a:bodyPr>
           <a:lstStyle/>
@@ -12042,17 +12236,19 @@
             </a:pPr>
             <a:r>
               <a:rPr lang="en"/>
-              <a:t>System Interface Requirements</a:t>
+              <a:t>Performance Requirements</a:t>
             </a:r>
           </a:p>
         </p:txBody>
       </p:sp>
       <p:sp>
         <p:nvSpPr>
-          <p:cNvPr id="100" name="Shape 100"/>
-          <p:cNvSpPr txBox="1"/>
-          <p:nvPr>
-            <p:ph idx="1" type="body"/>
+          <p:cNvPr id="94" name="Shape 94"/>
+          <p:cNvSpPr txBox="1">
+            <a:spLocks noGrp="1"/>
+          </p:cNvSpPr>
+          <p:nvPr>
+            <p:ph type="body" idx="1"/>
           </p:nvPr>
         </p:nvSpPr>
         <p:spPr>
@@ -12065,12 +12261,12 @@
           </a:prstGeom>
         </p:spPr>
         <p:txBody>
-          <a:bodyPr anchorCtr="0" anchor="t" bIns="91425" lIns="91425" rIns="91425" tIns="91425">
+          <a:bodyPr lIns="91425" tIns="91425" rIns="91425" bIns="91425" anchor="t" anchorCtr="0">
             <a:noAutofit/>
           </a:bodyPr>
           <a:lstStyle/>
           <a:p>
-            <a:pPr indent="-228600" lvl="0" marL="457200" rtl="0">
+            <a:pPr marL="457200" lvl="0" indent="-228600" rtl="0">
               <a:lnSpc>
                 <a:spcPct val="107916"/>
               </a:lnSpc>
@@ -12096,11 +12292,11 @@
                 <a:cs typeface="Calibri"/>
                 <a:sym typeface="Calibri"/>
               </a:rPr>
-              <a:t>Application must be successfully hosted and displayed by cloud service(AWS).</a:t>
-            </a:r>
-          </a:p>
-          <a:p>
-            <a:pPr indent="-228600" lvl="0" marL="457200" rtl="0">
+              <a:t>Any system process taking longer than 1 second will display a “processing” dialog box.</a:t>
+            </a:r>
+          </a:p>
+          <a:p>
+            <a:pPr marL="457200" lvl="0" indent="-228600" rtl="0">
               <a:lnSpc>
                 <a:spcPct val="107916"/>
               </a:lnSpc>
@@ -12126,11 +12322,11 @@
                 <a:cs typeface="Calibri"/>
                 <a:sym typeface="Calibri"/>
               </a:rPr>
-              <a:t>Front end of web application must successfully query database upon user request.</a:t>
-            </a:r>
-          </a:p>
-          <a:p>
-            <a:pPr indent="-228600" lvl="0" marL="457200" rtl="0">
+              <a:t>Any system process taking longer than 8 seconds will display an estimate of the time remaining on the task.</a:t>
+            </a:r>
+          </a:p>
+          <a:p>
+            <a:pPr marL="457200" lvl="0" indent="-228600" rtl="0">
               <a:lnSpc>
                 <a:spcPct val="107916"/>
               </a:lnSpc>
@@ -12156,8 +12352,134 @@
                 <a:cs typeface="Calibri"/>
                 <a:sym typeface="Calibri"/>
               </a:rPr>
-              <a:t>Database must successfully return requested data run through machine learning algorithm, statistical analysis and data visualization program and front end must successfully display request.</a:t>
-            </a:r>
+              <a:t>95% of response time should be less than 5 seconds for processes involving queries from the database.</a:t>
+            </a:r>
+          </a:p>
+          <a:p>
+            <a:pPr marL="457200" lvl="0" indent="-228600" rtl="0">
+              <a:lnSpc>
+                <a:spcPct val="107916"/>
+              </a:lnSpc>
+              <a:spcBef>
+                <a:spcPts val="0"/>
+              </a:spcBef>
+              <a:spcAft>
+                <a:spcPts val="0"/>
+              </a:spcAft>
+              <a:buClr>
+                <a:srgbClr val="FFFFFF"/>
+              </a:buClr>
+              <a:buFont typeface="Calibri"/>
+              <a:buChar char="●"/>
+            </a:pPr>
+            <a:r>
+              <a:rPr lang="en">
+                <a:solidFill>
+                  <a:srgbClr val="FFFFFF"/>
+                </a:solidFill>
+                <a:latin typeface="Calibri"/>
+                <a:ea typeface="Calibri"/>
+                <a:cs typeface="Calibri"/>
+                <a:sym typeface="Calibri"/>
+              </a:rPr>
+              <a:t>Database will respond to 1,000 reads per hour.</a:t>
+            </a:r>
+          </a:p>
+          <a:p>
+            <a:pPr marL="457200" lvl="0" indent="-228600" rtl="0">
+              <a:lnSpc>
+                <a:spcPct val="107916"/>
+              </a:lnSpc>
+              <a:spcBef>
+                <a:spcPts val="0"/>
+              </a:spcBef>
+              <a:spcAft>
+                <a:spcPts val="0"/>
+              </a:spcAft>
+              <a:buClr>
+                <a:srgbClr val="FFFFFF"/>
+              </a:buClr>
+              <a:buFont typeface="Calibri"/>
+              <a:buChar char="●"/>
+            </a:pPr>
+            <a:r>
+              <a:rPr lang="en">
+                <a:solidFill>
+                  <a:srgbClr val="FFFFFF"/>
+                </a:solidFill>
+                <a:latin typeface="Calibri"/>
+                <a:ea typeface="Calibri"/>
+                <a:cs typeface="Calibri"/>
+                <a:sym typeface="Calibri"/>
+              </a:rPr>
+              <a:t>Data Visualizations will appear after user request within 2 seconds.</a:t>
+            </a:r>
+          </a:p>
+          <a:p>
+            <a:pPr marL="457200" lvl="0" indent="-228600" rtl="0">
+              <a:lnSpc>
+                <a:spcPct val="107916"/>
+              </a:lnSpc>
+              <a:spcBef>
+                <a:spcPts val="0"/>
+              </a:spcBef>
+              <a:spcAft>
+                <a:spcPts val="0"/>
+              </a:spcAft>
+              <a:buClr>
+                <a:srgbClr val="FFFFFF"/>
+              </a:buClr>
+              <a:buFont typeface="Calibri"/>
+              <a:buChar char="●"/>
+            </a:pPr>
+            <a:r>
+              <a:rPr lang="en">
+                <a:solidFill>
+                  <a:srgbClr val="FFFFFF"/>
+                </a:solidFill>
+                <a:latin typeface="Calibri"/>
+                <a:ea typeface="Calibri"/>
+                <a:cs typeface="Calibri"/>
+                <a:sym typeface="Calibri"/>
+              </a:rPr>
+              <a:t>Must support concurrent users.</a:t>
+            </a:r>
+          </a:p>
+          <a:p>
+            <a:pPr lvl="0" rtl="0">
+              <a:lnSpc>
+                <a:spcPct val="107916"/>
+              </a:lnSpc>
+              <a:spcBef>
+                <a:spcPts val="0"/>
+              </a:spcBef>
+              <a:spcAft>
+                <a:spcPts val="0"/>
+              </a:spcAft>
+              <a:buNone/>
+            </a:pPr>
+            <a:endParaRPr b="1">
+              <a:solidFill>
+                <a:srgbClr val="FFFFFF"/>
+              </a:solidFill>
+              <a:latin typeface="Calibri"/>
+              <a:ea typeface="Calibri"/>
+              <a:cs typeface="Calibri"/>
+              <a:sym typeface="Calibri"/>
+            </a:endParaRPr>
+          </a:p>
+          <a:p>
+            <a:pPr lvl="0">
+              <a:spcBef>
+                <a:spcPts val="0"/>
+              </a:spcBef>
+              <a:buNone/>
+            </a:pPr>
+            <a:endParaRPr>
+              <a:solidFill>
+                <a:srgbClr val="FFFFFF"/>
+              </a:solidFill>
+            </a:endParaRPr>
           </a:p>
         </p:txBody>
       </p:sp>
@@ -12169,12 +12491,12 @@
 </p:sld>
 </file>
 
-<file path=ppt/slides/slide9.xml><?xml version="1.0" encoding="utf-8"?>
-<p:sld xmlns:a="http://schemas.openxmlformats.org/drawingml/2006/main" xmlns:r="http://schemas.openxmlformats.org/officeDocument/2006/relationships" xmlns:mc="http://schemas.openxmlformats.org/markup-compatibility/2006" xmlns:mv="urn:schemas-microsoft-com:mac:vml" xmlns:p="http://schemas.openxmlformats.org/presentationml/2006/main" xmlns:c="http://schemas.openxmlformats.org/drawingml/2006/chart" xmlns:dgm="http://schemas.openxmlformats.org/drawingml/2006/diagram" xmlns:o="urn:schemas-microsoft-com:office:office" xmlns:v="urn:schemas-microsoft-com:vml" xmlns:pvml="urn:schemas-microsoft-com:office:powerpoint" xmlns:com="http://schemas.openxmlformats.org/drawingml/2006/compatibility" xmlns:p14="http://schemas.microsoft.com/office/powerpoint/2010/main">
+<file path=ppt/slides/slide8.xml><?xml version="1.0" encoding="utf-8"?>
+<p:sld xmlns:a="http://schemas.openxmlformats.org/drawingml/2006/main" xmlns:r="http://schemas.openxmlformats.org/officeDocument/2006/relationships" xmlns:p="http://schemas.openxmlformats.org/presentationml/2006/main">
   <p:cSld>
     <p:spTree>
       <p:nvGrpSpPr>
-        <p:cNvPr id="104" name="Shape 104"/>
+        <p:cNvPr id="1" name="Shape 98"/>
         <p:cNvGrpSpPr/>
         <p:nvPr/>
       </p:nvGrpSpPr>
@@ -12188,8 +12510,10 @@
       </p:grpSpPr>
       <p:sp>
         <p:nvSpPr>
-          <p:cNvPr id="105" name="Shape 105"/>
-          <p:cNvSpPr txBox="1"/>
+          <p:cNvPr id="99" name="Shape 99"/>
+          <p:cNvSpPr txBox="1">
+            <a:spLocks noGrp="1"/>
+          </p:cNvSpPr>
           <p:nvPr>
             <p:ph type="title"/>
           </p:nvPr>
@@ -12204,7 +12528,7 @@
           </a:prstGeom>
         </p:spPr>
         <p:txBody>
-          <a:bodyPr anchorCtr="0" anchor="t" bIns="91425" lIns="91425" rIns="91425" tIns="91425">
+          <a:bodyPr lIns="91425" tIns="91425" rIns="91425" bIns="91425" anchor="t" anchorCtr="0">
             <a:noAutofit/>
           </a:bodyPr>
           <a:lstStyle/>
@@ -12217,35 +12541,216 @@
             </a:pPr>
             <a:r>
               <a:rPr lang="en"/>
-              <a:t>Security Requirements</a:t>
+              <a:t>System Interface Requirements</a:t>
             </a:r>
           </a:p>
         </p:txBody>
       </p:sp>
       <p:sp>
         <p:nvSpPr>
-          <p:cNvPr id="106" name="Shape 106"/>
-          <p:cNvSpPr txBox="1"/>
-          <p:nvPr>
-            <p:ph idx="1" type="body"/>
-          </p:nvPr>
-        </p:nvSpPr>
-        <p:spPr>
-          <a:xfrm>
-            <a:off x="560850" y="1152475"/>
-            <a:ext cx="8004600" cy="3416400"/>
+          <p:cNvPr id="100" name="Shape 100"/>
+          <p:cNvSpPr txBox="1">
+            <a:spLocks noGrp="1"/>
+          </p:cNvSpPr>
+          <p:nvPr>
+            <p:ph type="body" idx="1"/>
+          </p:nvPr>
+        </p:nvSpPr>
+        <p:spPr>
+          <a:xfrm>
+            <a:off x="311700" y="1152475"/>
+            <a:ext cx="8520600" cy="3416400"/>
           </a:xfrm>
           <a:prstGeom prst="rect">
             <a:avLst/>
           </a:prstGeom>
         </p:spPr>
         <p:txBody>
-          <a:bodyPr anchorCtr="0" anchor="t" bIns="91425" lIns="91425" rIns="91425" tIns="91425">
+          <a:bodyPr lIns="91425" tIns="91425" rIns="91425" bIns="91425" anchor="t" anchorCtr="0">
             <a:noAutofit/>
           </a:bodyPr>
           <a:lstStyle/>
           <a:p>
-            <a:pPr indent="-228600" lvl="0" marL="457200" rtl="0">
+            <a:pPr marL="457200" lvl="0" indent="-228600" rtl="0">
+              <a:lnSpc>
+                <a:spcPct val="107916"/>
+              </a:lnSpc>
+              <a:spcBef>
+                <a:spcPts val="0"/>
+              </a:spcBef>
+              <a:spcAft>
+                <a:spcPts val="0"/>
+              </a:spcAft>
+              <a:buClr>
+                <a:srgbClr val="FFFFFF"/>
+              </a:buClr>
+              <a:buFont typeface="Calibri"/>
+              <a:buChar char="●"/>
+            </a:pPr>
+            <a:r>
+              <a:rPr lang="en">
+                <a:solidFill>
+                  <a:srgbClr val="FFFFFF"/>
+                </a:solidFill>
+                <a:latin typeface="Calibri"/>
+                <a:ea typeface="Calibri"/>
+                <a:cs typeface="Calibri"/>
+                <a:sym typeface="Calibri"/>
+              </a:rPr>
+              <a:t>Application must be successfully hosted and displayed by cloud service(AWS).</a:t>
+            </a:r>
+          </a:p>
+          <a:p>
+            <a:pPr marL="457200" lvl="0" indent="-228600" rtl="0">
+              <a:lnSpc>
+                <a:spcPct val="107916"/>
+              </a:lnSpc>
+              <a:spcBef>
+                <a:spcPts val="0"/>
+              </a:spcBef>
+              <a:spcAft>
+                <a:spcPts val="0"/>
+              </a:spcAft>
+              <a:buClr>
+                <a:srgbClr val="FFFFFF"/>
+              </a:buClr>
+              <a:buFont typeface="Calibri"/>
+              <a:buChar char="●"/>
+            </a:pPr>
+            <a:r>
+              <a:rPr lang="en">
+                <a:solidFill>
+                  <a:srgbClr val="FFFFFF"/>
+                </a:solidFill>
+                <a:latin typeface="Calibri"/>
+                <a:ea typeface="Calibri"/>
+                <a:cs typeface="Calibri"/>
+                <a:sym typeface="Calibri"/>
+              </a:rPr>
+              <a:t>Front end of web application must successfully query database upon user request.</a:t>
+            </a:r>
+          </a:p>
+          <a:p>
+            <a:pPr marL="457200" lvl="0" indent="-228600" rtl="0">
+              <a:lnSpc>
+                <a:spcPct val="107916"/>
+              </a:lnSpc>
+              <a:spcBef>
+                <a:spcPts val="0"/>
+              </a:spcBef>
+              <a:spcAft>
+                <a:spcPts val="0"/>
+              </a:spcAft>
+              <a:buClr>
+                <a:srgbClr val="FFFFFF"/>
+              </a:buClr>
+              <a:buFont typeface="Calibri"/>
+              <a:buChar char="●"/>
+            </a:pPr>
+            <a:r>
+              <a:rPr lang="en">
+                <a:solidFill>
+                  <a:srgbClr val="FFFFFF"/>
+                </a:solidFill>
+                <a:latin typeface="Calibri"/>
+                <a:ea typeface="Calibri"/>
+                <a:cs typeface="Calibri"/>
+                <a:sym typeface="Calibri"/>
+              </a:rPr>
+              <a:t>Database must successfully return requested data run through machine learning algorithm, statistical analysis and data visualization program and front end must successfully display request.</a:t>
+            </a:r>
+          </a:p>
+        </p:txBody>
+      </p:sp>
+    </p:spTree>
+  </p:cSld>
+  <p:clrMapOvr>
+    <a:masterClrMapping/>
+  </p:clrMapOvr>
+</p:sld>
+</file>
+
+<file path=ppt/slides/slide9.xml><?xml version="1.0" encoding="utf-8"?>
+<p:sld xmlns:a="http://schemas.openxmlformats.org/drawingml/2006/main" xmlns:r="http://schemas.openxmlformats.org/officeDocument/2006/relationships" xmlns:p="http://schemas.openxmlformats.org/presentationml/2006/main">
+  <p:cSld>
+    <p:spTree>
+      <p:nvGrpSpPr>
+        <p:cNvPr id="1" name="Shape 104"/>
+        <p:cNvGrpSpPr/>
+        <p:nvPr/>
+      </p:nvGrpSpPr>
+      <p:grpSpPr>
+        <a:xfrm>
+          <a:off x="0" y="0"/>
+          <a:ext cx="0" cy="0"/>
+          <a:chOff x="0" y="0"/>
+          <a:chExt cx="0" cy="0"/>
+        </a:xfrm>
+      </p:grpSpPr>
+      <p:sp>
+        <p:nvSpPr>
+          <p:cNvPr id="105" name="Shape 105"/>
+          <p:cNvSpPr txBox="1">
+            <a:spLocks noGrp="1"/>
+          </p:cNvSpPr>
+          <p:nvPr>
+            <p:ph type="title"/>
+          </p:nvPr>
+        </p:nvSpPr>
+        <p:spPr>
+          <a:xfrm>
+            <a:off x="311700" y="445025"/>
+            <a:ext cx="8520600" cy="572700"/>
+          </a:xfrm>
+          <a:prstGeom prst="rect">
+            <a:avLst/>
+          </a:prstGeom>
+        </p:spPr>
+        <p:txBody>
+          <a:bodyPr lIns="91425" tIns="91425" rIns="91425" bIns="91425" anchor="t" anchorCtr="0">
+            <a:noAutofit/>
+          </a:bodyPr>
+          <a:lstStyle/>
+          <a:p>
+            <a:pPr lvl="0" algn="ctr">
+              <a:spcBef>
+                <a:spcPts val="0"/>
+              </a:spcBef>
+              <a:buNone/>
+            </a:pPr>
+            <a:r>
+              <a:rPr lang="en"/>
+              <a:t>Security Requirements</a:t>
+            </a:r>
+          </a:p>
+        </p:txBody>
+      </p:sp>
+      <p:sp>
+        <p:nvSpPr>
+          <p:cNvPr id="106" name="Shape 106"/>
+          <p:cNvSpPr txBox="1">
+            <a:spLocks noGrp="1"/>
+          </p:cNvSpPr>
+          <p:nvPr>
+            <p:ph type="body" idx="1"/>
+          </p:nvPr>
+        </p:nvSpPr>
+        <p:spPr>
+          <a:xfrm>
+            <a:off x="560850" y="1152475"/>
+            <a:ext cx="8004600" cy="3416400"/>
+          </a:xfrm>
+          <a:prstGeom prst="rect">
+            <a:avLst/>
+          </a:prstGeom>
+        </p:spPr>
+        <p:txBody>
+          <a:bodyPr lIns="91425" tIns="91425" rIns="91425" bIns="91425" anchor="t" anchorCtr="0">
+            <a:noAutofit/>
+          </a:bodyPr>
+          <a:lstStyle/>
+          <a:p>
+            <a:pPr marL="457200" lvl="0" indent="-228600" rtl="0">
               <a:spcBef>
                 <a:spcPts val="0"/>
               </a:spcBef>
@@ -12264,7 +12769,7 @@
             </a:r>
           </a:p>
           <a:p>
-            <a:pPr indent="-228600" lvl="0" marL="457200" rtl="0">
+            <a:pPr marL="457200" lvl="0" indent="-228600" rtl="0">
               <a:spcBef>
                 <a:spcPts val="0"/>
               </a:spcBef>
@@ -12283,7 +12788,7 @@
             </a:r>
           </a:p>
           <a:p>
-            <a:pPr indent="-228600" lvl="0" marL="457200" rtl="0">
+            <a:pPr marL="457200" lvl="0" indent="-228600" rtl="0">
               <a:spcBef>
                 <a:spcPts val="0"/>
               </a:spcBef>
@@ -12308,9 +12813,6 @@
               </a:spcBef>
               <a:buNone/>
             </a:pPr>
-            <a:r>
-              <a:t/>
-            </a:r>
             <a:endParaRPr>
               <a:solidFill>
                 <a:srgbClr val="FFFFFF"/>
@@ -12328,7 +12830,7 @@
 </file>
 
 <file path=ppt/theme/theme1.xml><?xml version="1.0" encoding="utf-8"?>
-<a:theme xmlns:a="http://schemas.openxmlformats.org/drawingml/2006/main" xmlns:r="http://schemas.openxmlformats.org/officeDocument/2006/relationships" name="simple-dark-2">
+<a:theme xmlns:a="http://schemas.openxmlformats.org/drawingml/2006/main" name="simple-dark-2">
   <a:themeElements>
     <a:clrScheme name="Simple Dark">
       <a:dk1>
@@ -12603,11 +13105,13 @@
       </a:bgFillStyleLst>
     </a:fmtScheme>
   </a:themeElements>
+  <a:objectDefaults/>
+  <a:extraClrSchemeLst/>
 </a:theme>
 </file>
 
 <file path=ppt/theme/theme2.xml><?xml version="1.0" encoding="utf-8"?>
-<a:theme xmlns:a="http://schemas.openxmlformats.org/drawingml/2006/main" xmlns:r="http://schemas.openxmlformats.org/officeDocument/2006/relationships" name="Custom Theme">
+<a:theme xmlns:a="http://schemas.openxmlformats.org/drawingml/2006/main" name="Custom Theme">
   <a:themeElements>
     <a:clrScheme name="Default">
       <a:dk1>
@@ -12882,5 +13386,7 @@
       </a:bgFillStyleLst>
     </a:fmtScheme>
   </a:themeElements>
+  <a:objectDefaults/>
+  <a:extraClrSchemeLst/>
 </a:theme>
 </file>
--- a/docs/NostraDomicile.pptx
+++ b/docs/NostraDomicile.pptx
@@ -11116,8 +11116,12 @@
           <a:p>
             <a:pPr algn="ctr"/>
             <a:r>
+              <a:rPr lang="en-US"/>
+              <a:t>Project Progress(</a:t>
+            </a:r>
+            <a:r>
               <a:rPr lang="en-US" dirty="0"/>
-              <a:t>Progress Report(cont.)</a:t>
+              <a:t>cont.)</a:t>
             </a:r>
           </a:p>
         </p:txBody>
